--- a/中間発表関連/5I25新村祐太 中間発表スライドver0.5.pptx
+++ b/中間発表関連/5I25新村祐太 中間発表スライドver0.5.pptx
@@ -2,10 +2,10 @@
 <file path=ppt/presentation.xml><?xml version="1.0" encoding="utf-8"?>
 <p:presentation xmlns:a="http://schemas.openxmlformats.org/drawingml/2006/main" xmlns:r="http://schemas.openxmlformats.org/officeDocument/2006/relationships" xmlns:p="http://schemas.openxmlformats.org/presentationml/2006/main" saveSubsetFonts="1">
   <p:sldMasterIdLst>
-    <p:sldMasterId id="2147483720" r:id="rId1"/>
+    <p:sldMasterId id="2147483768" r:id="rId1"/>
   </p:sldMasterIdLst>
   <p:notesMasterIdLst>
-    <p:notesMasterId r:id="rId21"/>
+    <p:notesMasterId r:id="rId23"/>
   </p:notesMasterIdLst>
   <p:sldIdLst>
     <p:sldId id="256" r:id="rId2"/>
@@ -15,18 +15,20 @@
     <p:sldId id="260" r:id="rId6"/>
     <p:sldId id="261" r:id="rId7"/>
     <p:sldId id="262" r:id="rId8"/>
-    <p:sldId id="263" r:id="rId9"/>
-    <p:sldId id="264" r:id="rId10"/>
-    <p:sldId id="280" r:id="rId11"/>
-    <p:sldId id="265" r:id="rId12"/>
-    <p:sldId id="266" r:id="rId13"/>
-    <p:sldId id="279" r:id="rId14"/>
-    <p:sldId id="267" r:id="rId15"/>
-    <p:sldId id="268" r:id="rId16"/>
-    <p:sldId id="269" r:id="rId17"/>
-    <p:sldId id="270" r:id="rId18"/>
-    <p:sldId id="271" r:id="rId19"/>
-    <p:sldId id="272" r:id="rId20"/>
+    <p:sldId id="281" r:id="rId9"/>
+    <p:sldId id="263" r:id="rId10"/>
+    <p:sldId id="264" r:id="rId11"/>
+    <p:sldId id="280" r:id="rId12"/>
+    <p:sldId id="265" r:id="rId13"/>
+    <p:sldId id="282" r:id="rId14"/>
+    <p:sldId id="266" r:id="rId15"/>
+    <p:sldId id="279" r:id="rId16"/>
+    <p:sldId id="267" r:id="rId17"/>
+    <p:sldId id="268" r:id="rId18"/>
+    <p:sldId id="269" r:id="rId19"/>
+    <p:sldId id="270" r:id="rId20"/>
+    <p:sldId id="271" r:id="rId21"/>
+    <p:sldId id="272" r:id="rId22"/>
   </p:sldIdLst>
   <p:sldSz cx="9144000" cy="6858000" type="screen4x3"/>
   <p:notesSz cx="6858000" cy="9144000"/>
@@ -210,7 +212,7 @@
           <a:p>
             <a:fld id="{2391553C-C418-45F3-9060-1557D7683ECD}" type="datetimeFigureOut">
               <a:rPr kumimoji="1" lang="ja-JP" altLang="en-US" smtClean="0"/>
-              <a:t>2012/11/27</a:t>
+              <a:t>2012/11/28</a:t>
             </a:fld>
             <a:endParaRPr kumimoji="1" lang="ja-JP" altLang="en-US"/>
           </a:p>
@@ -555,14 +557,17 @@
           <a:lstStyle/>
           <a:p>
             <a:r>
-              <a:rPr kumimoji="1" lang="en-US" altLang="ja-JP" smtClean="0"/>
-              <a:t>UML</a:t>
-            </a:r>
-            <a:r>
-              <a:rPr kumimoji="1" lang="ja-JP" altLang="en-US" smtClean="0"/>
-              <a:t>モデリングとは？</a:t>
-            </a:r>
-            <a:endParaRPr kumimoji="1" lang="ja-JP" altLang="en-US"/>
+              <a:rPr kumimoji="1" lang="ja-JP" altLang="en-US" dirty="0" smtClean="0"/>
+              <a:t>組込みシステムとは？</a:t>
+            </a:r>
+            <a:endParaRPr kumimoji="1" lang="en-US" altLang="ja-JP" dirty="0" smtClean="0"/>
+          </a:p>
+          <a:p>
+            <a:r>
+              <a:rPr kumimoji="1" lang="ja-JP" altLang="en-US" dirty="0" smtClean="0"/>
+              <a:t>イメージが見えにくい</a:t>
+            </a:r>
+            <a:endParaRPr kumimoji="1" lang="ja-JP" altLang="en-US" dirty="0"/>
           </a:p>
         </p:txBody>
       </p:sp>
@@ -648,7 +653,7 @@
           <a:p>
             <a:r>
               <a:rPr kumimoji="1" lang="ja-JP" altLang="en-US" smtClean="0"/>
-              <a:t>目標値制御とは？</a:t>
+              <a:t>方法を示す</a:t>
             </a:r>
             <a:endParaRPr kumimoji="1" lang="ja-JP" altLang="en-US"/>
           </a:p>
@@ -680,7 +685,7 @@
     </p:spTree>
     <p:extLst>
       <p:ext uri="{BB962C8B-B14F-4D97-AF65-F5344CB8AC3E}">
-        <p14:creationId xmlns:p14="http://schemas.microsoft.com/office/powerpoint/2010/main" val="3436690406"/>
+        <p14:creationId xmlns:p14="http://schemas.microsoft.com/office/powerpoint/2010/main" val="3791227630"/>
       </p:ext>
     </p:extLst>
   </p:cSld>
@@ -735,10 +740,10 @@
           <a:lstStyle/>
           <a:p>
             <a:r>
-              <a:rPr kumimoji="1" lang="ja-JP" altLang="en-US" smtClean="0"/>
-              <a:t>目標値制御とは？</a:t>
-            </a:r>
-            <a:endParaRPr kumimoji="1" lang="ja-JP" altLang="en-US"/>
+              <a:rPr kumimoji="1" lang="ja-JP" altLang="en-US" dirty="0" smtClean="0"/>
+              <a:t>目標値制御のモデルカタログ</a:t>
+            </a:r>
+            <a:endParaRPr kumimoji="1" lang="ja-JP" altLang="en-US" dirty="0"/>
           </a:p>
         </p:txBody>
       </p:sp>
@@ -768,7 +773,7 @@
     </p:spTree>
     <p:extLst>
       <p:ext uri="{BB962C8B-B14F-4D97-AF65-F5344CB8AC3E}">
-        <p14:creationId xmlns:p14="http://schemas.microsoft.com/office/powerpoint/2010/main" val="3436690406"/>
+        <p14:creationId xmlns:p14="http://schemas.microsoft.com/office/powerpoint/2010/main" val="2681205565"/>
       </p:ext>
     </p:extLst>
   </p:cSld>
@@ -824,7 +829,7 @@
           <a:p>
             <a:r>
               <a:rPr kumimoji="1" lang="ja-JP" altLang="en-US" smtClean="0"/>
-              <a:t>モデルカタログの読み合わせ</a:t>
+              <a:t>目標値制御とは？</a:t>
             </a:r>
             <a:endParaRPr kumimoji="1" lang="ja-JP" altLang="en-US"/>
           </a:p>
@@ -856,7 +861,7 @@
     </p:spTree>
     <p:extLst>
       <p:ext uri="{BB962C8B-B14F-4D97-AF65-F5344CB8AC3E}">
-        <p14:creationId xmlns:p14="http://schemas.microsoft.com/office/powerpoint/2010/main" val="1207813319"/>
+        <p14:creationId xmlns:p14="http://schemas.microsoft.com/office/powerpoint/2010/main" val="3436690406"/>
       </p:ext>
     </p:extLst>
   </p:cSld>
@@ -911,12 +916,8 @@
           <a:lstStyle/>
           <a:p>
             <a:r>
-              <a:rPr kumimoji="1" lang="en-US" altLang="ja-JP" smtClean="0"/>
-              <a:t>nxt</a:t>
-            </a:r>
-            <a:r>
               <a:rPr kumimoji="1" lang="ja-JP" altLang="en-US" smtClean="0"/>
-              <a:t>用輝度値制御モデルの作成</a:t>
+              <a:t>目標値制御とは？</a:t>
             </a:r>
             <a:endParaRPr kumimoji="1" lang="ja-JP" altLang="en-US"/>
           </a:p>
@@ -948,7 +949,7 @@
     </p:spTree>
     <p:extLst>
       <p:ext uri="{BB962C8B-B14F-4D97-AF65-F5344CB8AC3E}">
-        <p14:creationId xmlns:p14="http://schemas.microsoft.com/office/powerpoint/2010/main" val="345897966"/>
+        <p14:creationId xmlns:p14="http://schemas.microsoft.com/office/powerpoint/2010/main" val="3436690406"/>
       </p:ext>
     </p:extLst>
   </p:cSld>
@@ -1003,10 +1004,40 @@
           <a:lstStyle/>
           <a:p>
             <a:r>
-              <a:rPr kumimoji="1" lang="ja-JP" altLang="en-US" smtClean="0"/>
-              <a:t>モデル作成にあたって</a:t>
-            </a:r>
-            <a:endParaRPr kumimoji="1" lang="ja-JP" altLang="en-US"/>
+              <a:rPr kumimoji="1" lang="en-US" altLang="ja-JP" dirty="0" smtClean="0"/>
+              <a:t>NXT LEGO MINDSTORMS</a:t>
+            </a:r>
+            <a:r>
+              <a:rPr kumimoji="1" lang="ja-JP" altLang="en-US" dirty="0" smtClean="0"/>
+              <a:t>のどの部分に利用出来るか</a:t>
+            </a:r>
+          </a:p>
+          <a:p>
+            <a:r>
+              <a:rPr kumimoji="1" lang="ja-JP" altLang="en-US" dirty="0" smtClean="0"/>
+              <a:t>結果、輝度値制御、尻尾モータ角度制御、曲率半径制御に利用出来そう</a:t>
+            </a:r>
+          </a:p>
+          <a:p>
+            <a:r>
+              <a:rPr kumimoji="1" lang="ja-JP" altLang="en-US" dirty="0" smtClean="0"/>
+              <a:t>いくつか気になるポイントがあった</a:t>
+            </a:r>
+          </a:p>
+          <a:p>
+            <a:r>
+              <a:rPr kumimoji="1" lang="ja-JP" altLang="en-US" dirty="0" smtClean="0"/>
+              <a:t>粒度、使</a:t>
+            </a:r>
+            <a:r>
+              <a:rPr kumimoji="1" lang="ja-JP" altLang="en-US" dirty="0" err="1" smtClean="0"/>
+              <a:t>わ</a:t>
+            </a:r>
+            <a:r>
+              <a:rPr kumimoji="1" lang="ja-JP" altLang="en-US" dirty="0" smtClean="0"/>
+              <a:t>なそうなクラスの存在</a:t>
+            </a:r>
+            <a:endParaRPr kumimoji="1" lang="ja-JP" altLang="en-US" dirty="0" smtClean="0"/>
           </a:p>
         </p:txBody>
       </p:sp>
@@ -1036,7 +1067,7 @@
     </p:spTree>
     <p:extLst>
       <p:ext uri="{BB962C8B-B14F-4D97-AF65-F5344CB8AC3E}">
-        <p14:creationId xmlns:p14="http://schemas.microsoft.com/office/powerpoint/2010/main" val="4218142991"/>
+        <p14:creationId xmlns:p14="http://schemas.microsoft.com/office/powerpoint/2010/main" val="1207813319"/>
       </p:ext>
     </p:extLst>
   </p:cSld>
@@ -1091,8 +1122,12 @@
           <a:lstStyle/>
           <a:p>
             <a:r>
+              <a:rPr kumimoji="1" lang="en-US" altLang="ja-JP" smtClean="0"/>
+              <a:t>nxt</a:t>
+            </a:r>
+            <a:r>
               <a:rPr kumimoji="1" lang="ja-JP" altLang="en-US" smtClean="0"/>
-              <a:t>他の環境での実践</a:t>
+              <a:t>用輝度値制御モデルの作成</a:t>
             </a:r>
             <a:endParaRPr kumimoji="1" lang="ja-JP" altLang="en-US"/>
           </a:p>
@@ -1124,7 +1159,7 @@
     </p:spTree>
     <p:extLst>
       <p:ext uri="{BB962C8B-B14F-4D97-AF65-F5344CB8AC3E}">
-        <p14:creationId xmlns:p14="http://schemas.microsoft.com/office/powerpoint/2010/main" val="838027994"/>
+        <p14:creationId xmlns:p14="http://schemas.microsoft.com/office/powerpoint/2010/main" val="345897966"/>
       </p:ext>
     </p:extLst>
   </p:cSld>
@@ -1180,7 +1215,7 @@
           <a:p>
             <a:r>
               <a:rPr kumimoji="1" lang="ja-JP" altLang="en-US" smtClean="0"/>
-              <a:t>まとめ</a:t>
+              <a:t>モデル作成にあたって</a:t>
             </a:r>
             <a:endParaRPr kumimoji="1" lang="ja-JP" altLang="en-US"/>
           </a:p>
@@ -1212,7 +1247,7 @@
     </p:spTree>
     <p:extLst>
       <p:ext uri="{BB962C8B-B14F-4D97-AF65-F5344CB8AC3E}">
-        <p14:creationId xmlns:p14="http://schemas.microsoft.com/office/powerpoint/2010/main" val="3468284276"/>
+        <p14:creationId xmlns:p14="http://schemas.microsoft.com/office/powerpoint/2010/main" val="4218142991"/>
       </p:ext>
     </p:extLst>
   </p:cSld>
@@ -1268,7 +1303,7 @@
           <a:p>
             <a:r>
               <a:rPr kumimoji="1" lang="ja-JP" altLang="en-US" smtClean="0"/>
-              <a:t>今後の予定</a:t>
+              <a:t>他の環境での実践</a:t>
             </a:r>
             <a:endParaRPr kumimoji="1" lang="ja-JP" altLang="en-US"/>
           </a:p>
@@ -1292,6 +1327,182 @@
             <a:fld id="{36B36527-D379-4589-94AB-3E8AB1F08336}" type="slidenum">
               <a:rPr kumimoji="1" lang="ja-JP" altLang="en-US" smtClean="0"/>
               <a:t>19</a:t>
+            </a:fld>
+            <a:endParaRPr kumimoji="1" lang="ja-JP" altLang="en-US"/>
+          </a:p>
+        </p:txBody>
+      </p:sp>
+    </p:spTree>
+    <p:extLst>
+      <p:ext uri="{BB962C8B-B14F-4D97-AF65-F5344CB8AC3E}">
+        <p14:creationId xmlns:p14="http://schemas.microsoft.com/office/powerpoint/2010/main" val="838027994"/>
+      </p:ext>
+    </p:extLst>
+  </p:cSld>
+  <p:clrMapOvr>
+    <a:masterClrMapping/>
+  </p:clrMapOvr>
+</p:notes>
+</file>
+
+<file path=ppt/notesSlides/notesSlide18.xml><?xml version="1.0" encoding="utf-8"?>
+<p:notes xmlns:a="http://schemas.openxmlformats.org/drawingml/2006/main" xmlns:r="http://schemas.openxmlformats.org/officeDocument/2006/relationships" xmlns:p="http://schemas.openxmlformats.org/presentationml/2006/main">
+  <p:cSld>
+    <p:spTree>
+      <p:nvGrpSpPr>
+        <p:cNvPr id="1" name=""/>
+        <p:cNvGrpSpPr/>
+        <p:nvPr/>
+      </p:nvGrpSpPr>
+      <p:grpSpPr>
+        <a:xfrm>
+          <a:off x="0" y="0"/>
+          <a:ext cx="0" cy="0"/>
+          <a:chOff x="0" y="0"/>
+          <a:chExt cx="0" cy="0"/>
+        </a:xfrm>
+      </p:grpSpPr>
+      <p:sp>
+        <p:nvSpPr>
+          <p:cNvPr id="2" name="スライド イメージ プレースホルダー 1"/>
+          <p:cNvSpPr>
+            <a:spLocks noGrp="1" noRot="1" noChangeAspect="1"/>
+          </p:cNvSpPr>
+          <p:nvPr>
+            <p:ph type="sldImg"/>
+          </p:nvPr>
+        </p:nvSpPr>
+        <p:spPr/>
+      </p:sp>
+      <p:sp>
+        <p:nvSpPr>
+          <p:cNvPr id="3" name="ノート プレースホルダー 2"/>
+          <p:cNvSpPr>
+            <a:spLocks noGrp="1"/>
+          </p:cNvSpPr>
+          <p:nvPr>
+            <p:ph type="body" idx="1"/>
+          </p:nvPr>
+        </p:nvSpPr>
+        <p:spPr/>
+        <p:txBody>
+          <a:bodyPr/>
+          <a:lstStyle/>
+          <a:p>
+            <a:r>
+              <a:rPr kumimoji="1" lang="ja-JP" altLang="en-US" smtClean="0"/>
+              <a:t>まとめ</a:t>
+            </a:r>
+            <a:endParaRPr kumimoji="1" lang="ja-JP" altLang="en-US"/>
+          </a:p>
+        </p:txBody>
+      </p:sp>
+      <p:sp>
+        <p:nvSpPr>
+          <p:cNvPr id="4" name="スライド番号プレースホルダー 3"/>
+          <p:cNvSpPr>
+            <a:spLocks noGrp="1"/>
+          </p:cNvSpPr>
+          <p:nvPr>
+            <p:ph type="sldNum" sz="quarter" idx="10"/>
+          </p:nvPr>
+        </p:nvSpPr>
+        <p:spPr/>
+        <p:txBody>
+          <a:bodyPr/>
+          <a:lstStyle/>
+          <a:p>
+            <a:fld id="{36B36527-D379-4589-94AB-3E8AB1F08336}" type="slidenum">
+              <a:rPr kumimoji="1" lang="ja-JP" altLang="en-US" smtClean="0"/>
+              <a:t>20</a:t>
+            </a:fld>
+            <a:endParaRPr kumimoji="1" lang="ja-JP" altLang="en-US"/>
+          </a:p>
+        </p:txBody>
+      </p:sp>
+    </p:spTree>
+    <p:extLst>
+      <p:ext uri="{BB962C8B-B14F-4D97-AF65-F5344CB8AC3E}">
+        <p14:creationId xmlns:p14="http://schemas.microsoft.com/office/powerpoint/2010/main" val="3468284276"/>
+      </p:ext>
+    </p:extLst>
+  </p:cSld>
+  <p:clrMapOvr>
+    <a:masterClrMapping/>
+  </p:clrMapOvr>
+</p:notes>
+</file>
+
+<file path=ppt/notesSlides/notesSlide19.xml><?xml version="1.0" encoding="utf-8"?>
+<p:notes xmlns:a="http://schemas.openxmlformats.org/drawingml/2006/main" xmlns:r="http://schemas.openxmlformats.org/officeDocument/2006/relationships" xmlns:p="http://schemas.openxmlformats.org/presentationml/2006/main">
+  <p:cSld>
+    <p:spTree>
+      <p:nvGrpSpPr>
+        <p:cNvPr id="1" name=""/>
+        <p:cNvGrpSpPr/>
+        <p:nvPr/>
+      </p:nvGrpSpPr>
+      <p:grpSpPr>
+        <a:xfrm>
+          <a:off x="0" y="0"/>
+          <a:ext cx="0" cy="0"/>
+          <a:chOff x="0" y="0"/>
+          <a:chExt cx="0" cy="0"/>
+        </a:xfrm>
+      </p:grpSpPr>
+      <p:sp>
+        <p:nvSpPr>
+          <p:cNvPr id="2" name="スライド イメージ プレースホルダー 1"/>
+          <p:cNvSpPr>
+            <a:spLocks noGrp="1" noRot="1" noChangeAspect="1"/>
+          </p:cNvSpPr>
+          <p:nvPr>
+            <p:ph type="sldImg"/>
+          </p:nvPr>
+        </p:nvSpPr>
+        <p:spPr/>
+      </p:sp>
+      <p:sp>
+        <p:nvSpPr>
+          <p:cNvPr id="3" name="ノート プレースホルダー 2"/>
+          <p:cNvSpPr>
+            <a:spLocks noGrp="1"/>
+          </p:cNvSpPr>
+          <p:nvPr>
+            <p:ph type="body" idx="1"/>
+          </p:nvPr>
+        </p:nvSpPr>
+        <p:spPr/>
+        <p:txBody>
+          <a:bodyPr/>
+          <a:lstStyle/>
+          <a:p>
+            <a:r>
+              <a:rPr kumimoji="1" lang="ja-JP" altLang="en-US" smtClean="0"/>
+              <a:t>今後の予定</a:t>
+            </a:r>
+            <a:endParaRPr kumimoji="1" lang="ja-JP" altLang="en-US"/>
+          </a:p>
+        </p:txBody>
+      </p:sp>
+      <p:sp>
+        <p:nvSpPr>
+          <p:cNvPr id="4" name="スライド番号プレースホルダー 3"/>
+          <p:cNvSpPr>
+            <a:spLocks noGrp="1"/>
+          </p:cNvSpPr>
+          <p:nvPr>
+            <p:ph type="sldNum" sz="quarter" idx="10"/>
+          </p:nvPr>
+        </p:nvSpPr>
+        <p:spPr/>
+        <p:txBody>
+          <a:bodyPr/>
+          <a:lstStyle/>
+          <a:p>
+            <a:fld id="{36B36527-D379-4589-94AB-3E8AB1F08336}" type="slidenum">
+              <a:rPr kumimoji="1" lang="ja-JP" altLang="en-US" smtClean="0"/>
+              <a:t>21</a:t>
             </a:fld>
             <a:endParaRPr kumimoji="1" lang="ja-JP" altLang="en-US"/>
           </a:p>
@@ -1728,18 +1939,11 @@
           <a:p>
             <a:r>
               <a:rPr kumimoji="1" lang="en-US" altLang="ja-JP" smtClean="0"/>
-              <a:t>UML</a:t>
+              <a:t>UMTP</a:t>
             </a:r>
             <a:r>
               <a:rPr kumimoji="1" lang="ja-JP" altLang="en-US" smtClean="0"/>
-              <a:t>モデルカタログとは？</a:t>
-            </a:r>
-            <a:endParaRPr kumimoji="1" lang="en-US" altLang="ja-JP" smtClean="0"/>
-          </a:p>
-          <a:p>
-            <a:r>
-              <a:rPr kumimoji="1" lang="ja-JP" altLang="en-US" smtClean="0"/>
-              <a:t>→しかし、実装例が少ない</a:t>
+              <a:t>とは？</a:t>
             </a:r>
             <a:endParaRPr kumimoji="1" lang="ja-JP" altLang="en-US"/>
           </a:p>
@@ -1771,7 +1975,7 @@
     </p:spTree>
     <p:extLst>
       <p:ext uri="{BB962C8B-B14F-4D97-AF65-F5344CB8AC3E}">
-        <p14:creationId xmlns:p14="http://schemas.microsoft.com/office/powerpoint/2010/main" val="1328505323"/>
+        <p14:creationId xmlns:p14="http://schemas.microsoft.com/office/powerpoint/2010/main" val="3545265383"/>
       </p:ext>
     </p:extLst>
   </p:cSld>
@@ -1826,8 +2030,19 @@
           <a:lstStyle/>
           <a:p>
             <a:r>
+              <a:rPr kumimoji="1" lang="en-US" altLang="ja-JP" smtClean="0"/>
+              <a:t>UML</a:t>
+            </a:r>
+            <a:r>
               <a:rPr kumimoji="1" lang="ja-JP" altLang="en-US" smtClean="0"/>
-              <a:t>ざっくりと研究概要を示す</a:t>
+              <a:t>モデルカタログとは？</a:t>
+            </a:r>
+            <a:endParaRPr kumimoji="1" lang="en-US" altLang="ja-JP" smtClean="0"/>
+          </a:p>
+          <a:p>
+            <a:r>
+              <a:rPr kumimoji="1" lang="ja-JP" altLang="en-US" smtClean="0"/>
+              <a:t>→しかし、実装例が少ない</a:t>
             </a:r>
             <a:endParaRPr kumimoji="1" lang="ja-JP" altLang="en-US"/>
           </a:p>
@@ -1859,7 +2074,7 @@
     </p:spTree>
     <p:extLst>
       <p:ext uri="{BB962C8B-B14F-4D97-AF65-F5344CB8AC3E}">
-        <p14:creationId xmlns:p14="http://schemas.microsoft.com/office/powerpoint/2010/main" val="1813964892"/>
+        <p14:creationId xmlns:p14="http://schemas.microsoft.com/office/powerpoint/2010/main" val="1328505323"/>
       </p:ext>
     </p:extLst>
   </p:cSld>
@@ -2003,7 +2218,7 @@
           <a:p>
             <a:r>
               <a:rPr kumimoji="1" lang="ja-JP" altLang="en-US" smtClean="0"/>
-              <a:t>方法を示す</a:t>
+              <a:t>ざっくりと研究概要を示す</a:t>
             </a:r>
             <a:endParaRPr kumimoji="1" lang="ja-JP" altLang="en-US"/>
           </a:p>
@@ -2035,7 +2250,7 @@
     </p:spTree>
     <p:extLst>
       <p:ext uri="{BB962C8B-B14F-4D97-AF65-F5344CB8AC3E}">
-        <p14:creationId xmlns:p14="http://schemas.microsoft.com/office/powerpoint/2010/main" val="3791227630"/>
+        <p14:creationId xmlns:p14="http://schemas.microsoft.com/office/powerpoint/2010/main" val="1813964892"/>
       </p:ext>
     </p:extLst>
   </p:cSld>
@@ -2233,7 +2448,7 @@
           <a:p>
             <a:fld id="{42FE0E3B-AB19-407C-B8D2-B50F41DA1FAB}" type="datetimeFigureOut">
               <a:rPr kumimoji="1" lang="ja-JP" altLang="en-US" smtClean="0"/>
-              <a:t>2012/11/27</a:t>
+              <a:t>2012/11/28</a:t>
             </a:fld>
             <a:endParaRPr kumimoji="1" lang="ja-JP" altLang="en-US"/>
           </a:p>
@@ -2465,7 +2680,7 @@
           <a:p>
             <a:fld id="{42FE0E3B-AB19-407C-B8D2-B50F41DA1FAB}" type="datetimeFigureOut">
               <a:rPr kumimoji="1" lang="ja-JP" altLang="en-US" smtClean="0"/>
-              <a:t>2012/11/27</a:t>
+              <a:t>2012/11/28</a:t>
             </a:fld>
             <a:endParaRPr kumimoji="1" lang="ja-JP" altLang="en-US"/>
           </a:p>
@@ -2672,7 +2887,7 @@
           <a:p>
             <a:fld id="{42FE0E3B-AB19-407C-B8D2-B50F41DA1FAB}" type="datetimeFigureOut">
               <a:rPr kumimoji="1" lang="ja-JP" altLang="en-US" smtClean="0"/>
-              <a:t>2012/11/27</a:t>
+              <a:t>2012/11/28</a:t>
             </a:fld>
             <a:endParaRPr kumimoji="1" lang="ja-JP" altLang="en-US"/>
           </a:p>
@@ -2869,7 +3084,7 @@
           <a:p>
             <a:fld id="{42FE0E3B-AB19-407C-B8D2-B50F41DA1FAB}" type="datetimeFigureOut">
               <a:rPr kumimoji="1" lang="ja-JP" altLang="en-US" smtClean="0"/>
-              <a:t>2012/11/27</a:t>
+              <a:t>2012/11/28</a:t>
             </a:fld>
             <a:endParaRPr kumimoji="1" lang="ja-JP" altLang="en-US"/>
           </a:p>
@@ -3117,7 +3332,7 @@
           <a:p>
             <a:fld id="{42FE0E3B-AB19-407C-B8D2-B50F41DA1FAB}" type="datetimeFigureOut">
               <a:rPr kumimoji="1" lang="ja-JP" altLang="en-US" smtClean="0"/>
-              <a:t>2012/11/27</a:t>
+              <a:t>2012/11/28</a:t>
             </a:fld>
             <a:endParaRPr kumimoji="1" lang="ja-JP" altLang="en-US"/>
           </a:p>
@@ -3499,7 +3714,7 @@
           <a:p>
             <a:fld id="{42FE0E3B-AB19-407C-B8D2-B50F41DA1FAB}" type="datetimeFigureOut">
               <a:rPr kumimoji="1" lang="ja-JP" altLang="en-US" smtClean="0"/>
-              <a:t>2012/11/27</a:t>
+              <a:t>2012/11/28</a:t>
             </a:fld>
             <a:endParaRPr kumimoji="1" lang="ja-JP" altLang="en-US"/>
           </a:p>
@@ -4029,7 +4244,7 @@
           <a:p>
             <a:fld id="{42FE0E3B-AB19-407C-B8D2-B50F41DA1FAB}" type="datetimeFigureOut">
               <a:rPr kumimoji="1" lang="ja-JP" altLang="en-US" smtClean="0"/>
-              <a:t>2012/11/27</a:t>
+              <a:t>2012/11/28</a:t>
             </a:fld>
             <a:endParaRPr kumimoji="1" lang="ja-JP" altLang="en-US"/>
           </a:p>
@@ -4177,7 +4392,7 @@
           <a:p>
             <a:fld id="{42FE0E3B-AB19-407C-B8D2-B50F41DA1FAB}" type="datetimeFigureOut">
               <a:rPr kumimoji="1" lang="ja-JP" altLang="en-US" smtClean="0"/>
-              <a:t>2012/11/27</a:t>
+              <a:t>2012/11/28</a:t>
             </a:fld>
             <a:endParaRPr kumimoji="1" lang="ja-JP" altLang="en-US"/>
           </a:p>
@@ -4267,7 +4482,7 @@
           <a:p>
             <a:fld id="{42FE0E3B-AB19-407C-B8D2-B50F41DA1FAB}" type="datetimeFigureOut">
               <a:rPr kumimoji="1" lang="ja-JP" altLang="en-US" smtClean="0"/>
-              <a:t>2012/11/27</a:t>
+              <a:t>2012/11/28</a:t>
             </a:fld>
             <a:endParaRPr kumimoji="1" lang="ja-JP" altLang="en-US"/>
           </a:p>
@@ -4573,7 +4788,7 @@
           <a:p>
             <a:fld id="{42FE0E3B-AB19-407C-B8D2-B50F41DA1FAB}" type="datetimeFigureOut">
               <a:rPr kumimoji="1" lang="ja-JP" altLang="en-US" smtClean="0"/>
-              <a:t>2012/11/27</a:t>
+              <a:t>2012/11/28</a:t>
             </a:fld>
             <a:endParaRPr kumimoji="1" lang="ja-JP" altLang="en-US"/>
           </a:p>
@@ -4878,7 +5093,7 @@
           <a:p>
             <a:fld id="{42FE0E3B-AB19-407C-B8D2-B50F41DA1FAB}" type="datetimeFigureOut">
               <a:rPr kumimoji="1" lang="ja-JP" altLang="en-US" smtClean="0"/>
-              <a:t>2012/11/27</a:t>
+              <a:t>2012/11/28</a:t>
             </a:fld>
             <a:endParaRPr kumimoji="1" lang="ja-JP" altLang="en-US"/>
           </a:p>
@@ -5208,7 +5423,7 @@
           <a:p>
             <a:fld id="{42FE0E3B-AB19-407C-B8D2-B50F41DA1FAB}" type="datetimeFigureOut">
               <a:rPr kumimoji="1" lang="ja-JP" altLang="en-US" smtClean="0"/>
-              <a:t>2012/11/27</a:t>
+              <a:t>2012/11/28</a:t>
             </a:fld>
             <a:endParaRPr kumimoji="1" lang="ja-JP" altLang="en-US"/>
           </a:p>
@@ -5292,17 +5507,17 @@
   </p:cSld>
   <p:clrMap bg1="lt1" tx1="dk1" bg2="lt2" tx2="dk2" accent1="accent1" accent2="accent2" accent3="accent3" accent4="accent4" accent5="accent5" accent6="accent6" hlink="hlink" folHlink="folHlink"/>
   <p:sldLayoutIdLst>
-    <p:sldLayoutId id="2147483721" r:id="rId1"/>
-    <p:sldLayoutId id="2147483722" r:id="rId2"/>
-    <p:sldLayoutId id="2147483723" r:id="rId3"/>
-    <p:sldLayoutId id="2147483724" r:id="rId4"/>
-    <p:sldLayoutId id="2147483725" r:id="rId5"/>
-    <p:sldLayoutId id="2147483726" r:id="rId6"/>
-    <p:sldLayoutId id="2147483727" r:id="rId7"/>
-    <p:sldLayoutId id="2147483728" r:id="rId8"/>
-    <p:sldLayoutId id="2147483729" r:id="rId9"/>
-    <p:sldLayoutId id="2147483730" r:id="rId10"/>
-    <p:sldLayoutId id="2147483731" r:id="rId11"/>
+    <p:sldLayoutId id="2147483769" r:id="rId1"/>
+    <p:sldLayoutId id="2147483770" r:id="rId2"/>
+    <p:sldLayoutId id="2147483771" r:id="rId3"/>
+    <p:sldLayoutId id="2147483772" r:id="rId4"/>
+    <p:sldLayoutId id="2147483773" r:id="rId5"/>
+    <p:sldLayoutId id="2147483774" r:id="rId6"/>
+    <p:sldLayoutId id="2147483775" r:id="rId7"/>
+    <p:sldLayoutId id="2147483776" r:id="rId8"/>
+    <p:sldLayoutId id="2147483777" r:id="rId9"/>
+    <p:sldLayoutId id="2147483778" r:id="rId10"/>
+    <p:sldLayoutId id="2147483779" r:id="rId11"/>
   </p:sldLayoutIdLst>
   <p:txStyles>
     <p:titleStyle>
@@ -5661,60 +5876,60 @@
           <a:lstStyle/>
           <a:p>
             <a:r>
-              <a:rPr lang="ja-JP" altLang="en-US" sz="3200"/>
+              <a:rPr lang="ja-JP" altLang="en-US" sz="3200" dirty="0"/>
               <a:t>力武</a:t>
             </a:r>
             <a:r>
-              <a:rPr lang="ja-JP" altLang="en-US" sz="3200" smtClean="0"/>
+              <a:rPr lang="ja-JP" altLang="en-US" sz="3200" dirty="0" smtClean="0"/>
               <a:t>研究室</a:t>
             </a:r>
-            <a:endParaRPr lang="en-US" altLang="ja-JP" sz="3200" smtClean="0"/>
-          </a:p>
-          <a:p>
-            <a:r>
-              <a:rPr kumimoji="1" lang="ja-JP" altLang="en-US" sz="3200"/>
+            <a:endParaRPr lang="en-US" altLang="ja-JP" sz="3200" dirty="0" smtClean="0"/>
+          </a:p>
+          <a:p>
+            <a:r>
+              <a:rPr kumimoji="1" lang="ja-JP" altLang="en-US" sz="3200" dirty="0"/>
               <a:t>情報工</a:t>
             </a:r>
             <a:r>
-              <a:rPr kumimoji="1" lang="ja-JP" altLang="en-US" sz="3200" smtClean="0"/>
+              <a:rPr kumimoji="1" lang="ja-JP" altLang="en-US" sz="3200" dirty="0" smtClean="0"/>
               <a:t>学科</a:t>
             </a:r>
             <a:r>
-              <a:rPr kumimoji="1" lang="en-US" altLang="ja-JP" sz="3200" smtClean="0"/>
+              <a:rPr kumimoji="1" lang="en-US" altLang="ja-JP" sz="3200" dirty="0" smtClean="0"/>
               <a:t>5</a:t>
             </a:r>
             <a:r>
-              <a:rPr kumimoji="1" lang="ja-JP" altLang="en-US" sz="3200" smtClean="0"/>
+              <a:rPr kumimoji="1" lang="ja-JP" altLang="en-US" sz="3200" dirty="0" smtClean="0"/>
               <a:t>年</a:t>
             </a:r>
             <a:r>
-              <a:rPr kumimoji="1" lang="en-US" altLang="ja-JP" sz="3200" smtClean="0"/>
+              <a:rPr kumimoji="1" lang="en-US" altLang="ja-JP" sz="3200" dirty="0" smtClean="0"/>
               <a:t>25</a:t>
             </a:r>
             <a:r>
-              <a:rPr kumimoji="1" lang="ja-JP" altLang="en-US" sz="3200" smtClean="0"/>
+              <a:rPr kumimoji="1" lang="ja-JP" altLang="en-US" sz="3200" dirty="0" smtClean="0"/>
               <a:t>番　新村祐太</a:t>
             </a:r>
-            <a:endParaRPr kumimoji="1" lang="en-US" altLang="ja-JP" sz="3200" smtClean="0"/>
-          </a:p>
-          <a:p>
-            <a:r>
-              <a:rPr lang="ja-JP" altLang="en-US" sz="3200"/>
+            <a:endParaRPr kumimoji="1" lang="en-US" altLang="ja-JP" sz="3200" dirty="0" smtClean="0"/>
+          </a:p>
+          <a:p>
+            <a:r>
+              <a:rPr lang="ja-JP" altLang="en-US" sz="3200" dirty="0"/>
               <a:t>指導</a:t>
             </a:r>
             <a:r>
-              <a:rPr lang="ja-JP" altLang="en-US" sz="3200" smtClean="0"/>
+              <a:rPr lang="ja-JP" altLang="en-US" sz="3200" dirty="0" smtClean="0"/>
               <a:t>教員</a:t>
             </a:r>
             <a:r>
-              <a:rPr lang="en-US" altLang="ja-JP" sz="3200" smtClean="0"/>
+              <a:rPr lang="en-US" altLang="ja-JP" sz="3200" dirty="0" smtClean="0"/>
               <a:t>:</a:t>
             </a:r>
             <a:r>
-              <a:rPr lang="ja-JP" altLang="en-US" sz="3200" smtClean="0"/>
+              <a:rPr lang="ja-JP" altLang="en-US" sz="3200" dirty="0" smtClean="0"/>
               <a:t>力武克彰</a:t>
             </a:r>
-            <a:endParaRPr kumimoji="1" lang="ja-JP" altLang="en-US" sz="3200"/>
+            <a:endParaRPr kumimoji="1" lang="ja-JP" altLang="en-US" sz="3200" dirty="0"/>
           </a:p>
         </p:txBody>
       </p:sp>
@@ -5739,6 +5954,582 @@
 </file>
 
 <file path=ppt/slides/slide10.xml><?xml version="1.0" encoding="utf-8"?>
+<p:sld xmlns:a="http://schemas.openxmlformats.org/drawingml/2006/main" xmlns:r="http://schemas.openxmlformats.org/officeDocument/2006/relationships" xmlns:p="http://schemas.openxmlformats.org/presentationml/2006/main" show="0">
+  <p:cSld>
+    <p:spTree>
+      <p:nvGrpSpPr>
+        <p:cNvPr id="1" name=""/>
+        <p:cNvGrpSpPr/>
+        <p:nvPr/>
+      </p:nvGrpSpPr>
+      <p:grpSpPr>
+        <a:xfrm>
+          <a:off x="0" y="0"/>
+          <a:ext cx="0" cy="0"/>
+          <a:chOff x="0" y="0"/>
+          <a:chExt cx="0" cy="0"/>
+        </a:xfrm>
+      </p:grpSpPr>
+      <p:sp>
+        <p:nvSpPr>
+          <p:cNvPr id="2" name="タイトル 1"/>
+          <p:cNvSpPr>
+            <a:spLocks noGrp="1"/>
+          </p:cNvSpPr>
+          <p:nvPr>
+            <p:ph type="title"/>
+          </p:nvPr>
+        </p:nvSpPr>
+        <p:spPr/>
+        <p:txBody>
+          <a:bodyPr/>
+          <a:lstStyle/>
+          <a:p>
+            <a:r>
+              <a:rPr kumimoji="1" lang="ja-JP" altLang="en-US" smtClean="0"/>
+              <a:t>研究概要</a:t>
+            </a:r>
+            <a:r>
+              <a:rPr kumimoji="1" lang="en-US" altLang="ja-JP" smtClean="0"/>
+              <a:t>(1/3)</a:t>
+            </a:r>
+            <a:endParaRPr kumimoji="1" lang="ja-JP" altLang="en-US"/>
+          </a:p>
+        </p:txBody>
+      </p:sp>
+      <p:sp>
+        <p:nvSpPr>
+          <p:cNvPr id="7" name="コンテンツ プレースホルダー 6"/>
+          <p:cNvSpPr>
+            <a:spLocks noGrp="1"/>
+          </p:cNvSpPr>
+          <p:nvPr>
+            <p:ph sz="half" idx="1"/>
+          </p:nvPr>
+        </p:nvSpPr>
+        <p:spPr>
+          <a:xfrm>
+            <a:off x="395536" y="1673352"/>
+            <a:ext cx="8291264" cy="4718304"/>
+          </a:xfrm>
+        </p:spPr>
+        <p:txBody>
+          <a:bodyPr anchor="ctr">
+            <a:normAutofit/>
+          </a:bodyPr>
+          <a:lstStyle/>
+          <a:p>
+            <a:pPr marL="0" indent="0" algn="ctr">
+              <a:buNone/>
+            </a:pPr>
+            <a:r>
+              <a:rPr lang="en-US" altLang="ja-JP" sz="4800" b="1" spc="50" dirty="0">
+                <a:ln w="12700" cmpd="sng">
+                  <a:solidFill>
+                    <a:schemeClr val="accent6">
+                      <a:satMod val="120000"/>
+                      <a:shade val="80000"/>
+                    </a:schemeClr>
+                  </a:solidFill>
+                  <a:prstDash val="solid"/>
+                </a:ln>
+                <a:solidFill>
+                  <a:schemeClr val="accent6">
+                    <a:tint val="1000"/>
+                  </a:schemeClr>
+                </a:solidFill>
+                <a:effectLst>
+                  <a:glow rad="53100">
+                    <a:schemeClr val="accent6">
+                      <a:satMod val="180000"/>
+                      <a:alpha val="30000"/>
+                    </a:schemeClr>
+                  </a:glow>
+                </a:effectLst>
+              </a:rPr>
+              <a:t>UML</a:t>
+            </a:r>
+            <a:r>
+              <a:rPr lang="ja-JP" altLang="en-US" sz="4800" b="1" spc="50" dirty="0">
+                <a:ln w="12700" cmpd="sng">
+                  <a:solidFill>
+                    <a:schemeClr val="accent6">
+                      <a:satMod val="120000"/>
+                      <a:shade val="80000"/>
+                    </a:schemeClr>
+                  </a:solidFill>
+                  <a:prstDash val="solid"/>
+                </a:ln>
+                <a:solidFill>
+                  <a:schemeClr val="accent6">
+                    <a:tint val="1000"/>
+                  </a:schemeClr>
+                </a:solidFill>
+                <a:effectLst>
+                  <a:glow rad="53100">
+                    <a:schemeClr val="accent6">
+                      <a:satMod val="180000"/>
+                      <a:alpha val="30000"/>
+                    </a:schemeClr>
+                  </a:glow>
+                </a:effectLst>
+              </a:rPr>
+              <a:t>モデルカタログを利用</a:t>
+            </a:r>
+            <a:r>
+              <a:rPr lang="ja-JP" altLang="en-US" sz="4800" b="1" spc="50" dirty="0" smtClean="0">
+                <a:ln w="12700" cmpd="sng">
+                  <a:solidFill>
+                    <a:schemeClr val="accent6">
+                      <a:satMod val="120000"/>
+                      <a:shade val="80000"/>
+                    </a:schemeClr>
+                  </a:solidFill>
+                  <a:prstDash val="solid"/>
+                </a:ln>
+                <a:solidFill>
+                  <a:schemeClr val="accent6">
+                    <a:tint val="1000"/>
+                  </a:schemeClr>
+                </a:solidFill>
+                <a:effectLst>
+                  <a:glow rad="53100">
+                    <a:schemeClr val="accent6">
+                      <a:satMod val="180000"/>
+                      <a:alpha val="30000"/>
+                    </a:schemeClr>
+                  </a:glow>
+                </a:effectLst>
+              </a:rPr>
+              <a:t>して</a:t>
+            </a:r>
+            <a:endParaRPr lang="en-US" altLang="ja-JP" sz="4800" b="1" spc="50" dirty="0" smtClean="0">
+              <a:ln w="12700" cmpd="sng">
+                <a:solidFill>
+                  <a:schemeClr val="accent6">
+                    <a:satMod val="120000"/>
+                    <a:shade val="80000"/>
+                  </a:schemeClr>
+                </a:solidFill>
+                <a:prstDash val="solid"/>
+              </a:ln>
+              <a:solidFill>
+                <a:schemeClr val="accent6">
+                  <a:tint val="1000"/>
+                </a:schemeClr>
+              </a:solidFill>
+              <a:effectLst>
+                <a:glow rad="53100">
+                  <a:schemeClr val="accent6">
+                    <a:satMod val="180000"/>
+                    <a:alpha val="30000"/>
+                  </a:schemeClr>
+                </a:glow>
+              </a:effectLst>
+            </a:endParaRPr>
+          </a:p>
+          <a:p>
+            <a:pPr marL="0" indent="0" algn="ctr">
+              <a:buNone/>
+            </a:pPr>
+            <a:r>
+              <a:rPr lang="ja-JP" altLang="en-US" sz="4800" b="1" spc="50" dirty="0" smtClean="0">
+                <a:ln w="12700" cmpd="sng">
+                  <a:solidFill>
+                    <a:schemeClr val="accent6">
+                      <a:satMod val="120000"/>
+                      <a:shade val="80000"/>
+                    </a:schemeClr>
+                  </a:solidFill>
+                  <a:prstDash val="solid"/>
+                </a:ln>
+                <a:solidFill>
+                  <a:schemeClr val="accent6">
+                    <a:tint val="1000"/>
+                  </a:schemeClr>
+                </a:solidFill>
+                <a:effectLst>
+                  <a:glow rad="53100">
+                    <a:schemeClr val="accent6">
+                      <a:satMod val="180000"/>
+                      <a:alpha val="30000"/>
+                    </a:schemeClr>
+                  </a:glow>
+                </a:effectLst>
+              </a:rPr>
+              <a:t>開発</a:t>
+            </a:r>
+            <a:r>
+              <a:rPr lang="ja-JP" altLang="en-US" sz="4800" b="1" spc="50" dirty="0">
+                <a:ln w="12700" cmpd="sng">
+                  <a:solidFill>
+                    <a:schemeClr val="accent6">
+                      <a:satMod val="120000"/>
+                      <a:shade val="80000"/>
+                    </a:schemeClr>
+                  </a:solidFill>
+                  <a:prstDash val="solid"/>
+                </a:ln>
+                <a:solidFill>
+                  <a:schemeClr val="accent6">
+                    <a:tint val="1000"/>
+                  </a:schemeClr>
+                </a:solidFill>
+                <a:effectLst>
+                  <a:glow rad="53100">
+                    <a:schemeClr val="accent6">
+                      <a:satMod val="180000"/>
+                      <a:alpha val="30000"/>
+                    </a:schemeClr>
+                  </a:glow>
+                </a:effectLst>
+              </a:rPr>
+              <a:t>を行い</a:t>
+            </a:r>
+            <a:r>
+              <a:rPr lang="ja-JP" altLang="en-US" sz="4800" b="1" spc="50" dirty="0" smtClean="0">
+                <a:ln w="12700" cmpd="sng">
+                  <a:solidFill>
+                    <a:schemeClr val="accent6">
+                      <a:satMod val="120000"/>
+                      <a:shade val="80000"/>
+                    </a:schemeClr>
+                  </a:solidFill>
+                  <a:prstDash val="solid"/>
+                </a:ln>
+                <a:solidFill>
+                  <a:schemeClr val="accent6">
+                    <a:tint val="1000"/>
+                  </a:schemeClr>
+                </a:solidFill>
+                <a:effectLst>
+                  <a:glow rad="53100">
+                    <a:schemeClr val="accent6">
+                      <a:satMod val="180000"/>
+                      <a:alpha val="30000"/>
+                    </a:schemeClr>
+                  </a:glow>
+                </a:effectLst>
+              </a:rPr>
+              <a:t>、</a:t>
+            </a:r>
+            <a:endParaRPr lang="en-US" altLang="ja-JP" sz="4800" b="1" spc="50" dirty="0" smtClean="0">
+              <a:ln w="12700" cmpd="sng">
+                <a:solidFill>
+                  <a:schemeClr val="accent6">
+                    <a:satMod val="120000"/>
+                    <a:shade val="80000"/>
+                  </a:schemeClr>
+                </a:solidFill>
+                <a:prstDash val="solid"/>
+              </a:ln>
+              <a:solidFill>
+                <a:schemeClr val="accent6">
+                  <a:tint val="1000"/>
+                </a:schemeClr>
+              </a:solidFill>
+              <a:effectLst>
+                <a:glow rad="53100">
+                  <a:schemeClr val="accent6">
+                    <a:satMod val="180000"/>
+                    <a:alpha val="30000"/>
+                  </a:schemeClr>
+                </a:glow>
+              </a:effectLst>
+            </a:endParaRPr>
+          </a:p>
+          <a:p>
+            <a:pPr marL="0" indent="0" algn="ctr">
+              <a:buNone/>
+            </a:pPr>
+            <a:r>
+              <a:rPr lang="ja-JP" altLang="en-US" sz="4800" b="1" spc="50" dirty="0" smtClean="0">
+                <a:ln w="12700" cmpd="sng">
+                  <a:solidFill>
+                    <a:schemeClr val="accent6">
+                      <a:satMod val="120000"/>
+                      <a:shade val="80000"/>
+                    </a:schemeClr>
+                  </a:solidFill>
+                  <a:prstDash val="solid"/>
+                </a:ln>
+                <a:solidFill>
+                  <a:schemeClr val="accent6">
+                    <a:tint val="1000"/>
+                  </a:schemeClr>
+                </a:solidFill>
+                <a:effectLst>
+                  <a:glow rad="53100">
+                    <a:schemeClr val="accent6">
+                      <a:satMod val="180000"/>
+                      <a:alpha val="30000"/>
+                    </a:schemeClr>
+                  </a:glow>
+                </a:effectLst>
+              </a:rPr>
+              <a:t>モデルの有用性</a:t>
+            </a:r>
+            <a:r>
+              <a:rPr lang="ja-JP" altLang="en-US" sz="4800" b="1" spc="50" dirty="0">
+                <a:ln w="12700" cmpd="sng">
+                  <a:solidFill>
+                    <a:schemeClr val="accent6">
+                      <a:satMod val="120000"/>
+                      <a:shade val="80000"/>
+                    </a:schemeClr>
+                  </a:solidFill>
+                  <a:prstDash val="solid"/>
+                </a:ln>
+                <a:solidFill>
+                  <a:schemeClr val="accent6">
+                    <a:tint val="1000"/>
+                  </a:schemeClr>
+                </a:solidFill>
+                <a:effectLst>
+                  <a:glow rad="53100">
+                    <a:schemeClr val="accent6">
+                      <a:satMod val="180000"/>
+                      <a:alpha val="30000"/>
+                    </a:schemeClr>
+                  </a:glow>
+                </a:effectLst>
+              </a:rPr>
+              <a:t>を検証する</a:t>
+            </a:r>
+          </a:p>
+          <a:p>
+            <a:pPr marL="0" indent="0">
+              <a:buNone/>
+            </a:pPr>
+            <a:endParaRPr kumimoji="1" lang="ja-JP" altLang="en-US" sz="4800" b="1" spc="50" dirty="0">
+              <a:ln w="12700" cmpd="sng">
+                <a:solidFill>
+                  <a:schemeClr val="accent6">
+                    <a:satMod val="120000"/>
+                    <a:shade val="80000"/>
+                  </a:schemeClr>
+                </a:solidFill>
+                <a:prstDash val="solid"/>
+              </a:ln>
+              <a:solidFill>
+                <a:schemeClr val="accent6">
+                  <a:tint val="1000"/>
+                </a:schemeClr>
+              </a:solidFill>
+              <a:effectLst>
+                <a:glow rad="53100">
+                  <a:schemeClr val="accent6">
+                    <a:satMod val="180000"/>
+                    <a:alpha val="30000"/>
+                  </a:schemeClr>
+                </a:glow>
+              </a:effectLst>
+            </a:endParaRPr>
+          </a:p>
+        </p:txBody>
+      </p:sp>
+    </p:spTree>
+    <p:extLst>
+      <p:ext uri="{BB962C8B-B14F-4D97-AF65-F5344CB8AC3E}">
+        <p14:creationId xmlns:p14="http://schemas.microsoft.com/office/powerpoint/2010/main" val="1784779584"/>
+      </p:ext>
+    </p:extLst>
+  </p:cSld>
+  <p:clrMapOvr>
+    <a:masterClrMapping/>
+  </p:clrMapOvr>
+  <mc:AlternateContent xmlns:mc="http://schemas.openxmlformats.org/markup-compatibility/2006">
+    <mc:Choice xmlns:p14="http://schemas.microsoft.com/office/powerpoint/2010/main" Requires="p14">
+      <p:transition spd="slow" p14:dur="2000"/>
+    </mc:Choice>
+    <mc:Fallback>
+      <p:transition spd="slow"/>
+    </mc:Fallback>
+  </mc:AlternateContent>
+  <p:timing>
+    <p:tnLst>
+      <p:par>
+        <p:cTn id="1" dur="indefinite" restart="never" nodeType="tmRoot">
+          <p:childTnLst>
+            <p:seq concurrent="1" nextAc="seek">
+              <p:cTn id="2" dur="indefinite" nodeType="mainSeq">
+                <p:childTnLst>
+                  <p:par>
+                    <p:cTn id="3" fill="hold">
+                      <p:stCondLst>
+                        <p:cond delay="indefinite"/>
+                      </p:stCondLst>
+                      <p:childTnLst>
+                        <p:par>
+                          <p:cTn id="4" fill="hold">
+                            <p:stCondLst>
+                              <p:cond delay="0"/>
+                            </p:stCondLst>
+                            <p:childTnLst>
+                              <p:par>
+                                <p:cTn id="5" presetID="1" presetClass="entr" presetSubtype="0" fill="hold" grpId="0" nodeType="clickEffect">
+                                  <p:stCondLst>
+                                    <p:cond delay="0"/>
+                                  </p:stCondLst>
+                                  <p:childTnLst>
+                                    <p:set>
+                                      <p:cBhvr>
+                                        <p:cTn id="6" dur="1" fill="hold">
+                                          <p:stCondLst>
+                                            <p:cond delay="0"/>
+                                          </p:stCondLst>
+                                        </p:cTn>
+                                        <p:tgtEl>
+                                          <p:spTgt spid="7">
+                                            <p:txEl>
+                                              <p:pRg st="0" end="0"/>
+                                            </p:txEl>
+                                          </p:spTgt>
+                                        </p:tgtEl>
+                                        <p:attrNameLst>
+                                          <p:attrName>style.visibility</p:attrName>
+                                        </p:attrNameLst>
+                                      </p:cBhvr>
+                                      <p:to>
+                                        <p:strVal val="visible"/>
+                                      </p:to>
+                                    </p:set>
+                                  </p:childTnLst>
+                                </p:cTn>
+                              </p:par>
+                            </p:childTnLst>
+                          </p:cTn>
+                        </p:par>
+                      </p:childTnLst>
+                    </p:cTn>
+                  </p:par>
+                  <p:par>
+                    <p:cTn id="7" fill="hold">
+                      <p:stCondLst>
+                        <p:cond delay="indefinite"/>
+                      </p:stCondLst>
+                      <p:childTnLst>
+                        <p:par>
+                          <p:cTn id="8" fill="hold">
+                            <p:stCondLst>
+                              <p:cond delay="0"/>
+                            </p:stCondLst>
+                            <p:childTnLst>
+                              <p:par>
+                                <p:cTn id="9" presetID="1" presetClass="entr" presetSubtype="0" fill="hold" grpId="0" nodeType="clickEffect">
+                                  <p:stCondLst>
+                                    <p:cond delay="0"/>
+                                  </p:stCondLst>
+                                  <p:childTnLst>
+                                    <p:set>
+                                      <p:cBhvr>
+                                        <p:cTn id="10" dur="1" fill="hold">
+                                          <p:stCondLst>
+                                            <p:cond delay="0"/>
+                                          </p:stCondLst>
+                                        </p:cTn>
+                                        <p:tgtEl>
+                                          <p:spTgt spid="7">
+                                            <p:txEl>
+                                              <p:pRg st="1" end="1"/>
+                                            </p:txEl>
+                                          </p:spTgt>
+                                        </p:tgtEl>
+                                        <p:attrNameLst>
+                                          <p:attrName>style.visibility</p:attrName>
+                                        </p:attrNameLst>
+                                      </p:cBhvr>
+                                      <p:to>
+                                        <p:strVal val="visible"/>
+                                      </p:to>
+                                    </p:set>
+                                  </p:childTnLst>
+                                </p:cTn>
+                              </p:par>
+                            </p:childTnLst>
+                          </p:cTn>
+                        </p:par>
+                      </p:childTnLst>
+                    </p:cTn>
+                  </p:par>
+                  <p:par>
+                    <p:cTn id="11" fill="hold">
+                      <p:stCondLst>
+                        <p:cond delay="indefinite"/>
+                      </p:stCondLst>
+                      <p:childTnLst>
+                        <p:par>
+                          <p:cTn id="12" fill="hold">
+                            <p:stCondLst>
+                              <p:cond delay="0"/>
+                            </p:stCondLst>
+                            <p:childTnLst>
+                              <p:par>
+                                <p:cTn id="13" presetID="1" presetClass="entr" presetSubtype="0" fill="hold" grpId="0" nodeType="clickEffect">
+                                  <p:stCondLst>
+                                    <p:cond delay="0"/>
+                                  </p:stCondLst>
+                                  <p:childTnLst>
+                                    <p:set>
+                                      <p:cBhvr>
+                                        <p:cTn id="14" dur="1" fill="hold">
+                                          <p:stCondLst>
+                                            <p:cond delay="0"/>
+                                          </p:stCondLst>
+                                        </p:cTn>
+                                        <p:tgtEl>
+                                          <p:spTgt spid="7">
+                                            <p:txEl>
+                                              <p:pRg st="2" end="2"/>
+                                            </p:txEl>
+                                          </p:spTgt>
+                                        </p:tgtEl>
+                                        <p:attrNameLst>
+                                          <p:attrName>style.visibility</p:attrName>
+                                        </p:attrNameLst>
+                                      </p:cBhvr>
+                                      <p:to>
+                                        <p:strVal val="visible"/>
+                                      </p:to>
+                                    </p:set>
+                                  </p:childTnLst>
+                                </p:cTn>
+                              </p:par>
+                            </p:childTnLst>
+                          </p:cTn>
+                        </p:par>
+                      </p:childTnLst>
+                    </p:cTn>
+                  </p:par>
+                </p:childTnLst>
+              </p:cTn>
+              <p:prevCondLst>
+                <p:cond evt="onPrev" delay="0">
+                  <p:tgtEl>
+                    <p:sldTgt/>
+                  </p:tgtEl>
+                </p:cond>
+              </p:prevCondLst>
+              <p:nextCondLst>
+                <p:cond evt="onNext" delay="0">
+                  <p:tgtEl>
+                    <p:sldTgt/>
+                  </p:tgtEl>
+                </p:cond>
+              </p:nextCondLst>
+            </p:seq>
+          </p:childTnLst>
+        </p:cTn>
+      </p:par>
+    </p:tnLst>
+    <p:bldLst>
+      <p:bldP spid="7" grpId="0" build="p"/>
+    </p:bldLst>
+  </p:timing>
+</p:sld>
+</file>
+
+<file path=ppt/slides/slide11.xml><?xml version="1.0" encoding="utf-8"?>
 <p:sld xmlns:a="http://schemas.openxmlformats.org/drawingml/2006/main" xmlns:r="http://schemas.openxmlformats.org/officeDocument/2006/relationships" xmlns:p="http://schemas.openxmlformats.org/presentationml/2006/main">
   <p:cSld>
     <p:spTree>
@@ -5827,11 +6618,7 @@
           <a:p>
             <a:r>
               <a:rPr lang="ja-JP" altLang="en-US" dirty="0" smtClean="0"/>
-              <a:t>有用性を</a:t>
-            </a:r>
-            <a:r>
-              <a:rPr lang="ja-JP" altLang="en-US" dirty="0" smtClean="0"/>
-              <a:t>検証</a:t>
+              <a:t>有用性を検証</a:t>
             </a:r>
             <a:endParaRPr kumimoji="1" lang="en-US" altLang="ja-JP" dirty="0"/>
           </a:p>
@@ -5884,7 +6671,7 @@
         </p:nvSpPr>
         <p:spPr>
           <a:xfrm>
-            <a:off x="1295636" y="2060848"/>
+            <a:off x="1295636" y="1772816"/>
             <a:ext cx="6552728" cy="1008112"/>
           </a:xfrm>
           <a:prstGeom prst="rect">
@@ -5948,7 +6735,7 @@
 </p:sld>
 </file>
 
-<file path=ppt/slides/slide11.xml><?xml version="1.0" encoding="utf-8"?>
+<file path=ppt/slides/slide12.xml><?xml version="1.0" encoding="utf-8"?>
 <p:sld xmlns:a="http://schemas.openxmlformats.org/drawingml/2006/main" xmlns:r="http://schemas.openxmlformats.org/officeDocument/2006/relationships" xmlns:p="http://schemas.openxmlformats.org/presentationml/2006/main">
   <p:cSld>
     <p:spTree>
@@ -6717,6 +7504,754 @@
   <p:timing>
     <p:tnLst>
       <p:par>
+        <p:cTn id="1" dur="indefinite" restart="never" nodeType="tmRoot">
+          <p:childTnLst>
+            <p:seq concurrent="1" nextAc="seek">
+              <p:cTn id="2" dur="indefinite" nodeType="mainSeq">
+                <p:childTnLst>
+                  <p:par>
+                    <p:cTn id="3" fill="hold">
+                      <p:stCondLst>
+                        <p:cond delay="indefinite"/>
+                      </p:stCondLst>
+                      <p:childTnLst>
+                        <p:par>
+                          <p:cTn id="4" fill="hold">
+                            <p:stCondLst>
+                              <p:cond delay="0"/>
+                            </p:stCondLst>
+                            <p:childTnLst>
+                              <p:par>
+                                <p:cTn id="5" presetID="1" presetClass="entr" presetSubtype="0" fill="hold" grpId="0" nodeType="clickEffect">
+                                  <p:stCondLst>
+                                    <p:cond delay="0"/>
+                                  </p:stCondLst>
+                                  <p:childTnLst>
+                                    <p:set>
+                                      <p:cBhvr>
+                                        <p:cTn id="6" dur="1" fill="hold">
+                                          <p:stCondLst>
+                                            <p:cond delay="0"/>
+                                          </p:stCondLst>
+                                        </p:cTn>
+                                        <p:tgtEl>
+                                          <p:spTgt spid="9"/>
+                                        </p:tgtEl>
+                                        <p:attrNameLst>
+                                          <p:attrName>style.visibility</p:attrName>
+                                        </p:attrNameLst>
+                                      </p:cBhvr>
+                                      <p:to>
+                                        <p:strVal val="visible"/>
+                                      </p:to>
+                                    </p:set>
+                                  </p:childTnLst>
+                                </p:cTn>
+                              </p:par>
+                            </p:childTnLst>
+                          </p:cTn>
+                        </p:par>
+                      </p:childTnLst>
+                    </p:cTn>
+                  </p:par>
+                  <p:par>
+                    <p:cTn id="7" fill="hold">
+                      <p:stCondLst>
+                        <p:cond delay="indefinite"/>
+                      </p:stCondLst>
+                      <p:childTnLst>
+                        <p:par>
+                          <p:cTn id="8" fill="hold">
+                            <p:stCondLst>
+                              <p:cond delay="0"/>
+                            </p:stCondLst>
+                            <p:childTnLst>
+                              <p:par>
+                                <p:cTn id="9" presetID="1" presetClass="entr" presetSubtype="0" fill="hold" grpId="0" nodeType="clickEffect">
+                                  <p:stCondLst>
+                                    <p:cond delay="0"/>
+                                  </p:stCondLst>
+                                  <p:childTnLst>
+                                    <p:set>
+                                      <p:cBhvr>
+                                        <p:cTn id="10" dur="1" fill="hold">
+                                          <p:stCondLst>
+                                            <p:cond delay="0"/>
+                                          </p:stCondLst>
+                                        </p:cTn>
+                                        <p:tgtEl>
+                                          <p:spTgt spid="4"/>
+                                        </p:tgtEl>
+                                        <p:attrNameLst>
+                                          <p:attrName>style.visibility</p:attrName>
+                                        </p:attrNameLst>
+                                      </p:cBhvr>
+                                      <p:to>
+                                        <p:strVal val="visible"/>
+                                      </p:to>
+                                    </p:set>
+                                  </p:childTnLst>
+                                </p:cTn>
+                              </p:par>
+                            </p:childTnLst>
+                          </p:cTn>
+                        </p:par>
+                      </p:childTnLst>
+                    </p:cTn>
+                  </p:par>
+                  <p:par>
+                    <p:cTn id="11" fill="hold">
+                      <p:stCondLst>
+                        <p:cond delay="indefinite"/>
+                      </p:stCondLst>
+                      <p:childTnLst>
+                        <p:par>
+                          <p:cTn id="12" fill="hold">
+                            <p:stCondLst>
+                              <p:cond delay="0"/>
+                            </p:stCondLst>
+                            <p:childTnLst>
+                              <p:par>
+                                <p:cTn id="13" presetID="1" presetClass="entr" presetSubtype="0" fill="hold" grpId="0" nodeType="clickEffect">
+                                  <p:stCondLst>
+                                    <p:cond delay="0"/>
+                                  </p:stCondLst>
+                                  <p:childTnLst>
+                                    <p:set>
+                                      <p:cBhvr>
+                                        <p:cTn id="14" dur="1" fill="hold">
+                                          <p:stCondLst>
+                                            <p:cond delay="0"/>
+                                          </p:stCondLst>
+                                        </p:cTn>
+                                        <p:tgtEl>
+                                          <p:spTgt spid="47"/>
+                                        </p:tgtEl>
+                                        <p:attrNameLst>
+                                          <p:attrName>style.visibility</p:attrName>
+                                        </p:attrNameLst>
+                                      </p:cBhvr>
+                                      <p:to>
+                                        <p:strVal val="visible"/>
+                                      </p:to>
+                                    </p:set>
+                                  </p:childTnLst>
+                                </p:cTn>
+                              </p:par>
+                              <p:par>
+                                <p:cTn id="15" presetID="1" presetClass="entr" presetSubtype="0" fill="hold" grpId="0" nodeType="withEffect">
+                                  <p:stCondLst>
+                                    <p:cond delay="0"/>
+                                  </p:stCondLst>
+                                  <p:childTnLst>
+                                    <p:set>
+                                      <p:cBhvr>
+                                        <p:cTn id="16" dur="1" fill="hold">
+                                          <p:stCondLst>
+                                            <p:cond delay="0"/>
+                                          </p:stCondLst>
+                                        </p:cTn>
+                                        <p:tgtEl>
+                                          <p:spTgt spid="34"/>
+                                        </p:tgtEl>
+                                        <p:attrNameLst>
+                                          <p:attrName>style.visibility</p:attrName>
+                                        </p:attrNameLst>
+                                      </p:cBhvr>
+                                      <p:to>
+                                        <p:strVal val="visible"/>
+                                      </p:to>
+                                    </p:set>
+                                  </p:childTnLst>
+                                </p:cTn>
+                              </p:par>
+                            </p:childTnLst>
+                          </p:cTn>
+                        </p:par>
+                      </p:childTnLst>
+                    </p:cTn>
+                  </p:par>
+                  <p:par>
+                    <p:cTn id="17" fill="hold">
+                      <p:stCondLst>
+                        <p:cond delay="indefinite"/>
+                      </p:stCondLst>
+                      <p:childTnLst>
+                        <p:par>
+                          <p:cTn id="18" fill="hold">
+                            <p:stCondLst>
+                              <p:cond delay="0"/>
+                            </p:stCondLst>
+                            <p:childTnLst>
+                              <p:par>
+                                <p:cTn id="19" presetID="1" presetClass="entr" presetSubtype="0" fill="hold" grpId="0" nodeType="clickEffect">
+                                  <p:stCondLst>
+                                    <p:cond delay="0"/>
+                                  </p:stCondLst>
+                                  <p:childTnLst>
+                                    <p:set>
+                                      <p:cBhvr>
+                                        <p:cTn id="20" dur="1" fill="hold">
+                                          <p:stCondLst>
+                                            <p:cond delay="0"/>
+                                          </p:stCondLst>
+                                        </p:cTn>
+                                        <p:tgtEl>
+                                          <p:spTgt spid="10"/>
+                                        </p:tgtEl>
+                                        <p:attrNameLst>
+                                          <p:attrName>style.visibility</p:attrName>
+                                        </p:attrNameLst>
+                                      </p:cBhvr>
+                                      <p:to>
+                                        <p:strVal val="visible"/>
+                                      </p:to>
+                                    </p:set>
+                                  </p:childTnLst>
+                                </p:cTn>
+                              </p:par>
+                            </p:childTnLst>
+                          </p:cTn>
+                        </p:par>
+                      </p:childTnLst>
+                    </p:cTn>
+                  </p:par>
+                  <p:par>
+                    <p:cTn id="21" fill="hold">
+                      <p:stCondLst>
+                        <p:cond delay="indefinite"/>
+                      </p:stCondLst>
+                      <p:childTnLst>
+                        <p:par>
+                          <p:cTn id="22" fill="hold">
+                            <p:stCondLst>
+                              <p:cond delay="0"/>
+                            </p:stCondLst>
+                            <p:childTnLst>
+                              <p:par>
+                                <p:cTn id="23" presetID="1" presetClass="entr" presetSubtype="0" fill="hold" grpId="0" nodeType="clickEffect">
+                                  <p:stCondLst>
+                                    <p:cond delay="0"/>
+                                  </p:stCondLst>
+                                  <p:childTnLst>
+                                    <p:set>
+                                      <p:cBhvr>
+                                        <p:cTn id="24" dur="1" fill="hold">
+                                          <p:stCondLst>
+                                            <p:cond delay="0"/>
+                                          </p:stCondLst>
+                                        </p:cTn>
+                                        <p:tgtEl>
+                                          <p:spTgt spid="8"/>
+                                        </p:tgtEl>
+                                        <p:attrNameLst>
+                                          <p:attrName>style.visibility</p:attrName>
+                                        </p:attrNameLst>
+                                      </p:cBhvr>
+                                      <p:to>
+                                        <p:strVal val="visible"/>
+                                      </p:to>
+                                    </p:set>
+                                  </p:childTnLst>
+                                </p:cTn>
+                              </p:par>
+                            </p:childTnLst>
+                          </p:cTn>
+                        </p:par>
+                      </p:childTnLst>
+                    </p:cTn>
+                  </p:par>
+                  <p:par>
+                    <p:cTn id="25" fill="hold">
+                      <p:stCondLst>
+                        <p:cond delay="indefinite"/>
+                      </p:stCondLst>
+                      <p:childTnLst>
+                        <p:par>
+                          <p:cTn id="26" fill="hold">
+                            <p:stCondLst>
+                              <p:cond delay="0"/>
+                            </p:stCondLst>
+                            <p:childTnLst>
+                              <p:par>
+                                <p:cTn id="27" presetID="1" presetClass="entr" presetSubtype="0" fill="hold" grpId="0" nodeType="clickEffect">
+                                  <p:stCondLst>
+                                    <p:cond delay="0"/>
+                                  </p:stCondLst>
+                                  <p:childTnLst>
+                                    <p:set>
+                                      <p:cBhvr>
+                                        <p:cTn id="28" dur="1" fill="hold">
+                                          <p:stCondLst>
+                                            <p:cond delay="0"/>
+                                          </p:stCondLst>
+                                        </p:cTn>
+                                        <p:tgtEl>
+                                          <p:spTgt spid="39"/>
+                                        </p:tgtEl>
+                                        <p:attrNameLst>
+                                          <p:attrName>style.visibility</p:attrName>
+                                        </p:attrNameLst>
+                                      </p:cBhvr>
+                                      <p:to>
+                                        <p:strVal val="visible"/>
+                                      </p:to>
+                                    </p:set>
+                                  </p:childTnLst>
+                                </p:cTn>
+                              </p:par>
+                            </p:childTnLst>
+                          </p:cTn>
+                        </p:par>
+                      </p:childTnLst>
+                    </p:cTn>
+                  </p:par>
+                  <p:par>
+                    <p:cTn id="29" fill="hold">
+                      <p:stCondLst>
+                        <p:cond delay="indefinite"/>
+                      </p:stCondLst>
+                      <p:childTnLst>
+                        <p:par>
+                          <p:cTn id="30" fill="hold">
+                            <p:stCondLst>
+                              <p:cond delay="0"/>
+                            </p:stCondLst>
+                            <p:childTnLst>
+                              <p:par>
+                                <p:cTn id="31" presetID="1" presetClass="entr" presetSubtype="0" fill="hold" grpId="0" nodeType="clickEffect">
+                                  <p:stCondLst>
+                                    <p:cond delay="0"/>
+                                  </p:stCondLst>
+                                  <p:childTnLst>
+                                    <p:set>
+                                      <p:cBhvr>
+                                        <p:cTn id="32" dur="1" fill="hold">
+                                          <p:stCondLst>
+                                            <p:cond delay="0"/>
+                                          </p:stCondLst>
+                                        </p:cTn>
+                                        <p:tgtEl>
+                                          <p:spTgt spid="46"/>
+                                        </p:tgtEl>
+                                        <p:attrNameLst>
+                                          <p:attrName>style.visibility</p:attrName>
+                                        </p:attrNameLst>
+                                      </p:cBhvr>
+                                      <p:to>
+                                        <p:strVal val="visible"/>
+                                      </p:to>
+                                    </p:set>
+                                  </p:childTnLst>
+                                </p:cTn>
+                              </p:par>
+                              <p:par>
+                                <p:cTn id="33" presetID="22" presetClass="entr" presetSubtype="2" fill="hold" nodeType="withEffect">
+                                  <p:stCondLst>
+                                    <p:cond delay="0"/>
+                                  </p:stCondLst>
+                                  <p:childTnLst>
+                                    <p:set>
+                                      <p:cBhvr>
+                                        <p:cTn id="34" dur="1" fill="hold">
+                                          <p:stCondLst>
+                                            <p:cond delay="0"/>
+                                          </p:stCondLst>
+                                        </p:cTn>
+                                        <p:tgtEl>
+                                          <p:spTgt spid="41"/>
+                                        </p:tgtEl>
+                                        <p:attrNameLst>
+                                          <p:attrName>style.visibility</p:attrName>
+                                        </p:attrNameLst>
+                                      </p:cBhvr>
+                                      <p:to>
+                                        <p:strVal val="visible"/>
+                                      </p:to>
+                                    </p:set>
+                                    <p:animEffect transition="in" filter="wipe(right)">
+                                      <p:cBhvr>
+                                        <p:cTn id="35" dur="500"/>
+                                        <p:tgtEl>
+                                          <p:spTgt spid="41"/>
+                                        </p:tgtEl>
+                                      </p:cBhvr>
+                                    </p:animEffect>
+                                  </p:childTnLst>
+                                </p:cTn>
+                              </p:par>
+                            </p:childTnLst>
+                          </p:cTn>
+                        </p:par>
+                      </p:childTnLst>
+                    </p:cTn>
+                  </p:par>
+                  <p:par>
+                    <p:cTn id="36" fill="hold">
+                      <p:stCondLst>
+                        <p:cond delay="indefinite"/>
+                      </p:stCondLst>
+                      <p:childTnLst>
+                        <p:par>
+                          <p:cTn id="37" fill="hold">
+                            <p:stCondLst>
+                              <p:cond delay="0"/>
+                            </p:stCondLst>
+                            <p:childTnLst>
+                              <p:par>
+                                <p:cTn id="38" presetID="1" presetClass="entr" presetSubtype="0" fill="hold" grpId="0" nodeType="clickEffect">
+                                  <p:stCondLst>
+                                    <p:cond delay="0"/>
+                                  </p:stCondLst>
+                                  <p:childTnLst>
+                                    <p:set>
+                                      <p:cBhvr>
+                                        <p:cTn id="39" dur="1" fill="hold">
+                                          <p:stCondLst>
+                                            <p:cond delay="0"/>
+                                          </p:stCondLst>
+                                        </p:cTn>
+                                        <p:tgtEl>
+                                          <p:spTgt spid="45"/>
+                                        </p:tgtEl>
+                                        <p:attrNameLst>
+                                          <p:attrName>style.visibility</p:attrName>
+                                        </p:attrNameLst>
+                                      </p:cBhvr>
+                                      <p:to>
+                                        <p:strVal val="visible"/>
+                                      </p:to>
+                                    </p:set>
+                                  </p:childTnLst>
+                                </p:cTn>
+                              </p:par>
+                              <p:par>
+                                <p:cTn id="40" presetID="22" presetClass="entr" presetSubtype="2" fill="hold" nodeType="withEffect">
+                                  <p:stCondLst>
+                                    <p:cond delay="0"/>
+                                  </p:stCondLst>
+                                  <p:childTnLst>
+                                    <p:set>
+                                      <p:cBhvr>
+                                        <p:cTn id="41" dur="1" fill="hold">
+                                          <p:stCondLst>
+                                            <p:cond delay="0"/>
+                                          </p:stCondLst>
+                                        </p:cTn>
+                                        <p:tgtEl>
+                                          <p:spTgt spid="21"/>
+                                        </p:tgtEl>
+                                        <p:attrNameLst>
+                                          <p:attrName>style.visibility</p:attrName>
+                                        </p:attrNameLst>
+                                      </p:cBhvr>
+                                      <p:to>
+                                        <p:strVal val="visible"/>
+                                      </p:to>
+                                    </p:set>
+                                    <p:animEffect transition="in" filter="wipe(right)">
+                                      <p:cBhvr>
+                                        <p:cTn id="42" dur="500"/>
+                                        <p:tgtEl>
+                                          <p:spTgt spid="21"/>
+                                        </p:tgtEl>
+                                      </p:cBhvr>
+                                    </p:animEffect>
+                                  </p:childTnLst>
+                                </p:cTn>
+                              </p:par>
+                            </p:childTnLst>
+                          </p:cTn>
+                        </p:par>
+                      </p:childTnLst>
+                    </p:cTn>
+                  </p:par>
+                  <p:par>
+                    <p:cTn id="43" fill="hold">
+                      <p:stCondLst>
+                        <p:cond delay="indefinite"/>
+                      </p:stCondLst>
+                      <p:childTnLst>
+                        <p:par>
+                          <p:cTn id="44" fill="hold">
+                            <p:stCondLst>
+                              <p:cond delay="0"/>
+                            </p:stCondLst>
+                            <p:childTnLst>
+                              <p:par>
+                                <p:cTn id="45" presetID="1" presetClass="entr" presetSubtype="0" fill="hold" grpId="0" nodeType="clickEffect">
+                                  <p:stCondLst>
+                                    <p:cond delay="0"/>
+                                  </p:stCondLst>
+                                  <p:childTnLst>
+                                    <p:set>
+                                      <p:cBhvr>
+                                        <p:cTn id="46" dur="1" fill="hold">
+                                          <p:stCondLst>
+                                            <p:cond delay="0"/>
+                                          </p:stCondLst>
+                                        </p:cTn>
+                                        <p:tgtEl>
+                                          <p:spTgt spid="44"/>
+                                        </p:tgtEl>
+                                        <p:attrNameLst>
+                                          <p:attrName>style.visibility</p:attrName>
+                                        </p:attrNameLst>
+                                      </p:cBhvr>
+                                      <p:to>
+                                        <p:strVal val="visible"/>
+                                      </p:to>
+                                    </p:set>
+                                  </p:childTnLst>
+                                </p:cTn>
+                              </p:par>
+                              <p:par>
+                                <p:cTn id="47" presetID="22" presetClass="entr" presetSubtype="4" fill="hold" nodeType="withEffect">
+                                  <p:stCondLst>
+                                    <p:cond delay="0"/>
+                                  </p:stCondLst>
+                                  <p:childTnLst>
+                                    <p:set>
+                                      <p:cBhvr>
+                                        <p:cTn id="48" dur="1" fill="hold">
+                                          <p:stCondLst>
+                                            <p:cond delay="0"/>
+                                          </p:stCondLst>
+                                        </p:cTn>
+                                        <p:tgtEl>
+                                          <p:spTgt spid="23"/>
+                                        </p:tgtEl>
+                                        <p:attrNameLst>
+                                          <p:attrName>style.visibility</p:attrName>
+                                        </p:attrNameLst>
+                                      </p:cBhvr>
+                                      <p:to>
+                                        <p:strVal val="visible"/>
+                                      </p:to>
+                                    </p:set>
+                                    <p:animEffect transition="in" filter="wipe(down)">
+                                      <p:cBhvr>
+                                        <p:cTn id="49" dur="500"/>
+                                        <p:tgtEl>
+                                          <p:spTgt spid="23"/>
+                                        </p:tgtEl>
+                                      </p:cBhvr>
+                                    </p:animEffect>
+                                  </p:childTnLst>
+                                </p:cTn>
+                              </p:par>
+                            </p:childTnLst>
+                          </p:cTn>
+                        </p:par>
+                      </p:childTnLst>
+                    </p:cTn>
+                  </p:par>
+                  <p:par>
+                    <p:cTn id="50" fill="hold">
+                      <p:stCondLst>
+                        <p:cond delay="indefinite"/>
+                      </p:stCondLst>
+                      <p:childTnLst>
+                        <p:par>
+                          <p:cTn id="51" fill="hold">
+                            <p:stCondLst>
+                              <p:cond delay="0"/>
+                            </p:stCondLst>
+                            <p:childTnLst>
+                              <p:par>
+                                <p:cTn id="52" presetID="1" presetClass="entr" presetSubtype="0" fill="hold" grpId="0" nodeType="clickEffect">
+                                  <p:stCondLst>
+                                    <p:cond delay="0"/>
+                                  </p:stCondLst>
+                                  <p:childTnLst>
+                                    <p:set>
+                                      <p:cBhvr>
+                                        <p:cTn id="53" dur="1" fill="hold">
+                                          <p:stCondLst>
+                                            <p:cond delay="0"/>
+                                          </p:stCondLst>
+                                        </p:cTn>
+                                        <p:tgtEl>
+                                          <p:spTgt spid="42"/>
+                                        </p:tgtEl>
+                                        <p:attrNameLst>
+                                          <p:attrName>style.visibility</p:attrName>
+                                        </p:attrNameLst>
+                                      </p:cBhvr>
+                                      <p:to>
+                                        <p:strVal val="visible"/>
+                                      </p:to>
+                                    </p:set>
+                                  </p:childTnLst>
+                                </p:cTn>
+                              </p:par>
+                              <p:par>
+                                <p:cTn id="54" presetID="22" presetClass="entr" presetSubtype="8" fill="hold" nodeType="withEffect">
+                                  <p:stCondLst>
+                                    <p:cond delay="0"/>
+                                  </p:stCondLst>
+                                  <p:childTnLst>
+                                    <p:set>
+                                      <p:cBhvr>
+                                        <p:cTn id="55" dur="1" fill="hold">
+                                          <p:stCondLst>
+                                            <p:cond delay="0"/>
+                                          </p:stCondLst>
+                                        </p:cTn>
+                                        <p:tgtEl>
+                                          <p:spTgt spid="15"/>
+                                        </p:tgtEl>
+                                        <p:attrNameLst>
+                                          <p:attrName>style.visibility</p:attrName>
+                                        </p:attrNameLst>
+                                      </p:cBhvr>
+                                      <p:to>
+                                        <p:strVal val="visible"/>
+                                      </p:to>
+                                    </p:set>
+                                    <p:animEffect transition="in" filter="wipe(left)">
+                                      <p:cBhvr>
+                                        <p:cTn id="56" dur="500"/>
+                                        <p:tgtEl>
+                                          <p:spTgt spid="15"/>
+                                        </p:tgtEl>
+                                      </p:cBhvr>
+                                    </p:animEffect>
+                                  </p:childTnLst>
+                                </p:cTn>
+                              </p:par>
+                            </p:childTnLst>
+                          </p:cTn>
+                        </p:par>
+                      </p:childTnLst>
+                    </p:cTn>
+                  </p:par>
+                </p:childTnLst>
+              </p:cTn>
+              <p:prevCondLst>
+                <p:cond evt="onPrev" delay="0">
+                  <p:tgtEl>
+                    <p:sldTgt/>
+                  </p:tgtEl>
+                </p:cond>
+              </p:prevCondLst>
+              <p:nextCondLst>
+                <p:cond evt="onNext" delay="0">
+                  <p:tgtEl>
+                    <p:sldTgt/>
+                  </p:tgtEl>
+                </p:cond>
+              </p:nextCondLst>
+            </p:seq>
+          </p:childTnLst>
+        </p:cTn>
+      </p:par>
+    </p:tnLst>
+    <p:bldLst>
+      <p:bldP spid="4" grpId="0" animBg="1"/>
+      <p:bldP spid="8" grpId="0" animBg="1"/>
+      <p:bldP spid="9" grpId="0" animBg="1"/>
+      <p:bldP spid="10" grpId="0" animBg="1"/>
+      <p:bldP spid="34" grpId="0" animBg="1"/>
+      <p:bldP spid="39" grpId="0" animBg="1"/>
+      <p:bldP spid="42" grpId="0"/>
+      <p:bldP spid="44" grpId="0"/>
+      <p:bldP spid="45" grpId="0"/>
+      <p:bldP spid="46" grpId="0"/>
+      <p:bldP spid="47" grpId="0"/>
+    </p:bldLst>
+  </p:timing>
+</p:sld>
+</file>
+
+<file path=ppt/slides/slide13.xml><?xml version="1.0" encoding="utf-8"?>
+<p:sld xmlns:a="http://schemas.openxmlformats.org/drawingml/2006/main" xmlns:r="http://schemas.openxmlformats.org/officeDocument/2006/relationships" xmlns:p="http://schemas.openxmlformats.org/presentationml/2006/main">
+  <p:cSld>
+    <p:spTree>
+      <p:nvGrpSpPr>
+        <p:cNvPr id="1" name=""/>
+        <p:cNvGrpSpPr/>
+        <p:nvPr/>
+      </p:nvGrpSpPr>
+      <p:grpSpPr>
+        <a:xfrm>
+          <a:off x="0" y="0"/>
+          <a:ext cx="0" cy="0"/>
+          <a:chOff x="0" y="0"/>
+          <a:chExt cx="0" cy="0"/>
+        </a:xfrm>
+      </p:grpSpPr>
+      <p:sp>
+        <p:nvSpPr>
+          <p:cNvPr id="2" name="タイトル 1"/>
+          <p:cNvSpPr>
+            <a:spLocks noGrp="1"/>
+          </p:cNvSpPr>
+          <p:nvPr>
+            <p:ph type="title"/>
+          </p:nvPr>
+        </p:nvSpPr>
+        <p:spPr/>
+        <p:txBody>
+          <a:bodyPr/>
+          <a:lstStyle/>
+          <a:p>
+            <a:r>
+              <a:rPr kumimoji="1" lang="ja-JP" altLang="en-US" dirty="0" smtClean="0"/>
+              <a:t>研究概要（</a:t>
+            </a:r>
+            <a:r>
+              <a:rPr kumimoji="1" lang="en-US" altLang="ja-JP" dirty="0" smtClean="0"/>
+              <a:t>3/3</a:t>
+            </a:r>
+            <a:r>
+              <a:rPr kumimoji="1" lang="ja-JP" altLang="en-US" dirty="0" smtClean="0"/>
+              <a:t>）</a:t>
+            </a:r>
+            <a:endParaRPr kumimoji="1" lang="ja-JP" altLang="en-US" dirty="0"/>
+          </a:p>
+        </p:txBody>
+      </p:sp>
+      <p:sp>
+        <p:nvSpPr>
+          <p:cNvPr id="3" name="コンテンツ プレースホルダー 2"/>
+          <p:cNvSpPr>
+            <a:spLocks noGrp="1"/>
+          </p:cNvSpPr>
+          <p:nvPr>
+            <p:ph idx="1"/>
+          </p:nvPr>
+        </p:nvSpPr>
+        <p:spPr/>
+        <p:txBody>
+          <a:bodyPr/>
+          <a:lstStyle/>
+          <a:p>
+            <a:r>
+              <a:rPr lang="ja-JP" altLang="en-US" dirty="0"/>
+              <a:t>目標値</a:t>
+            </a:r>
+            <a:r>
+              <a:rPr lang="ja-JP" altLang="en-US" dirty="0" smtClean="0"/>
+              <a:t>制御のクラス図</a:t>
+            </a:r>
+            <a:endParaRPr kumimoji="1" lang="ja-JP" altLang="en-US" dirty="0"/>
+          </a:p>
+        </p:txBody>
+      </p:sp>
+    </p:spTree>
+    <p:extLst>
+      <p:ext uri="{BB962C8B-B14F-4D97-AF65-F5344CB8AC3E}">
+        <p14:creationId xmlns:p14="http://schemas.microsoft.com/office/powerpoint/2010/main" val="1668669255"/>
+      </p:ext>
+    </p:extLst>
+  </p:cSld>
+  <p:clrMapOvr>
+    <a:masterClrMapping/>
+  </p:clrMapOvr>
+  <p:timing>
+    <p:tnLst>
+      <p:par>
         <p:cTn id="1" dur="indefinite" restart="never" nodeType="tmRoot"/>
       </p:par>
     </p:tnLst>
@@ -6724,7 +8259,7 @@
 </p:sld>
 </file>
 
-<file path=ppt/slides/slide12.xml><?xml version="1.0" encoding="utf-8"?>
+<file path=ppt/slides/slide14.xml><?xml version="1.0" encoding="utf-8"?>
 <p:sld xmlns:a="http://schemas.openxmlformats.org/drawingml/2006/main" xmlns:r="http://schemas.openxmlformats.org/officeDocument/2006/relationships" xmlns:p="http://schemas.openxmlformats.org/presentationml/2006/main">
   <p:cSld>
     <p:spTree>
@@ -7619,7 +9154,7 @@
 </p:sld>
 </file>
 
-<file path=ppt/slides/slide13.xml><?xml version="1.0" encoding="utf-8"?>
+<file path=ppt/slides/slide15.xml><?xml version="1.0" encoding="utf-8"?>
 <p:sld xmlns:a="http://schemas.openxmlformats.org/drawingml/2006/main" xmlns:r="http://schemas.openxmlformats.org/officeDocument/2006/relationships" xmlns:p="http://schemas.openxmlformats.org/presentationml/2006/main">
   <p:cSld>
     <p:spTree>
@@ -8312,243 +9847,6 @@
 </p:sld>
 </file>
 
-<file path=ppt/slides/slide14.xml><?xml version="1.0" encoding="utf-8"?>
-<p:sld xmlns:a="http://schemas.openxmlformats.org/drawingml/2006/main" xmlns:r="http://schemas.openxmlformats.org/officeDocument/2006/relationships" xmlns:p="http://schemas.openxmlformats.org/presentationml/2006/main">
-  <p:cSld>
-    <p:spTree>
-      <p:nvGrpSpPr>
-        <p:cNvPr id="1" name=""/>
-        <p:cNvGrpSpPr/>
-        <p:nvPr/>
-      </p:nvGrpSpPr>
-      <p:grpSpPr>
-        <a:xfrm>
-          <a:off x="0" y="0"/>
-          <a:ext cx="0" cy="0"/>
-          <a:chOff x="0" y="0"/>
-          <a:chExt cx="0" cy="0"/>
-        </a:xfrm>
-      </p:grpSpPr>
-      <p:sp>
-        <p:nvSpPr>
-          <p:cNvPr id="2" name="タイトル 1"/>
-          <p:cNvSpPr>
-            <a:spLocks noGrp="1"/>
-          </p:cNvSpPr>
-          <p:nvPr>
-            <p:ph type="title"/>
-          </p:nvPr>
-        </p:nvSpPr>
-        <p:spPr/>
-        <p:txBody>
-          <a:bodyPr/>
-          <a:lstStyle/>
-          <a:p>
-            <a:r>
-              <a:rPr kumimoji="1" lang="ja-JP" altLang="en-US" smtClean="0"/>
-              <a:t>進捗状況</a:t>
-            </a:r>
-            <a:r>
-              <a:rPr kumimoji="1" lang="en-US" altLang="ja-JP" smtClean="0"/>
-              <a:t>(1/4)</a:t>
-            </a:r>
-            <a:endParaRPr kumimoji="1" lang="ja-JP" altLang="en-US"/>
-          </a:p>
-        </p:txBody>
-      </p:sp>
-      <p:sp>
-        <p:nvSpPr>
-          <p:cNvPr id="3" name="コンテンツ プレースホルダー 2"/>
-          <p:cNvSpPr>
-            <a:spLocks noGrp="1"/>
-          </p:cNvSpPr>
-          <p:nvPr>
-            <p:ph idx="1"/>
-          </p:nvPr>
-        </p:nvSpPr>
-        <p:spPr/>
-        <p:txBody>
-          <a:bodyPr/>
-          <a:lstStyle/>
-          <a:p>
-            <a:r>
-              <a:rPr kumimoji="1" lang="ja-JP" altLang="en-US" smtClean="0"/>
-              <a:t>モデルカタログの読み合わせ</a:t>
-            </a:r>
-            <a:endParaRPr kumimoji="1" lang="en-US" altLang="ja-JP" smtClean="0"/>
-          </a:p>
-          <a:p>
-            <a:pPr lvl="1"/>
-            <a:r>
-              <a:rPr lang="en-US" altLang="ja-JP" smtClean="0"/>
-              <a:t>NXT LEGO MINDSTORMS</a:t>
-            </a:r>
-            <a:r>
-              <a:rPr lang="ja-JP" altLang="en-US" smtClean="0"/>
-              <a:t>のどの部分に利用出来るか</a:t>
-            </a:r>
-            <a:endParaRPr lang="en-US" altLang="ja-JP" smtClean="0"/>
-          </a:p>
-          <a:p>
-            <a:pPr lvl="1"/>
-            <a:r>
-              <a:rPr lang="ja-JP" altLang="en-US" smtClean="0"/>
-              <a:t>結果、輝度値制御、尻尾モータ角度制御、曲率半径制御に利用出来そう</a:t>
-            </a:r>
-            <a:endParaRPr lang="en-US" altLang="ja-JP" smtClean="0"/>
-          </a:p>
-          <a:p>
-            <a:pPr lvl="1"/>
-            <a:r>
-              <a:rPr kumimoji="1" lang="ja-JP" altLang="en-US"/>
-              <a:t>いくつ</a:t>
-            </a:r>
-            <a:r>
-              <a:rPr kumimoji="1" lang="ja-JP" altLang="en-US" smtClean="0"/>
-              <a:t>か気になるポイントがあった</a:t>
-            </a:r>
-            <a:endParaRPr kumimoji="1" lang="en-US" altLang="ja-JP" smtClean="0"/>
-          </a:p>
-          <a:p>
-            <a:pPr lvl="2"/>
-            <a:r>
-              <a:rPr lang="ja-JP" altLang="en-US" smtClean="0"/>
-              <a:t>粒度、使わなそうなクラスの存在</a:t>
-            </a:r>
-            <a:endParaRPr kumimoji="1" lang="ja-JP" altLang="en-US"/>
-          </a:p>
-        </p:txBody>
-      </p:sp>
-    </p:spTree>
-    <p:extLst>
-      <p:ext uri="{BB962C8B-B14F-4D97-AF65-F5344CB8AC3E}">
-        <p14:creationId xmlns:p14="http://schemas.microsoft.com/office/powerpoint/2010/main" val="1686144605"/>
-      </p:ext>
-    </p:extLst>
-  </p:cSld>
-  <p:clrMapOvr>
-    <a:masterClrMapping/>
-  </p:clrMapOvr>
-  <p:timing>
-    <p:tnLst>
-      <p:par>
-        <p:cTn id="1" dur="indefinite" restart="never" nodeType="tmRoot"/>
-      </p:par>
-    </p:tnLst>
-  </p:timing>
-</p:sld>
-</file>
-
-<file path=ppt/slides/slide15.xml><?xml version="1.0" encoding="utf-8"?>
-<p:sld xmlns:a="http://schemas.openxmlformats.org/drawingml/2006/main" xmlns:r="http://schemas.openxmlformats.org/officeDocument/2006/relationships" xmlns:p="http://schemas.openxmlformats.org/presentationml/2006/main">
-  <p:cSld>
-    <p:spTree>
-      <p:nvGrpSpPr>
-        <p:cNvPr id="1" name=""/>
-        <p:cNvGrpSpPr/>
-        <p:nvPr/>
-      </p:nvGrpSpPr>
-      <p:grpSpPr>
-        <a:xfrm>
-          <a:off x="0" y="0"/>
-          <a:ext cx="0" cy="0"/>
-          <a:chOff x="0" y="0"/>
-          <a:chExt cx="0" cy="0"/>
-        </a:xfrm>
-      </p:grpSpPr>
-      <p:sp>
-        <p:nvSpPr>
-          <p:cNvPr id="2" name="タイトル 1"/>
-          <p:cNvSpPr>
-            <a:spLocks noGrp="1"/>
-          </p:cNvSpPr>
-          <p:nvPr>
-            <p:ph type="title"/>
-          </p:nvPr>
-        </p:nvSpPr>
-        <p:spPr/>
-        <p:txBody>
-          <a:bodyPr/>
-          <a:lstStyle/>
-          <a:p>
-            <a:r>
-              <a:rPr kumimoji="1" lang="ja-JP" altLang="en-US" smtClean="0"/>
-              <a:t>進捗状況</a:t>
-            </a:r>
-            <a:r>
-              <a:rPr kumimoji="1" lang="en-US" altLang="ja-JP" smtClean="0"/>
-              <a:t>(2/4)</a:t>
-            </a:r>
-            <a:endParaRPr kumimoji="1" lang="ja-JP" altLang="en-US"/>
-          </a:p>
-        </p:txBody>
-      </p:sp>
-      <p:sp>
-        <p:nvSpPr>
-          <p:cNvPr id="3" name="コンテンツ プレースホルダー 2"/>
-          <p:cNvSpPr>
-            <a:spLocks noGrp="1"/>
-          </p:cNvSpPr>
-          <p:nvPr>
-            <p:ph idx="1"/>
-          </p:nvPr>
-        </p:nvSpPr>
-        <p:spPr/>
-        <p:txBody>
-          <a:bodyPr/>
-          <a:lstStyle/>
-          <a:p>
-            <a:r>
-              <a:rPr kumimoji="1" lang="ja-JP" altLang="en-US" dirty="0" smtClean="0"/>
-              <a:t>輝度値制御</a:t>
-            </a:r>
-            <a:endParaRPr kumimoji="1" lang="en-US" altLang="ja-JP" dirty="0" smtClean="0"/>
-          </a:p>
-          <a:p>
-            <a:pPr lvl="1"/>
-            <a:r>
-              <a:rPr lang="ja-JP" altLang="en-US" dirty="0"/>
-              <a:t>輝度値</a:t>
-            </a:r>
-            <a:r>
-              <a:rPr lang="ja-JP" altLang="en-US" dirty="0" smtClean="0"/>
-              <a:t>制御とは</a:t>
-            </a:r>
-            <a:r>
-              <a:rPr lang="en-US" altLang="ja-JP" dirty="0" smtClean="0"/>
-              <a:t>…</a:t>
-            </a:r>
-          </a:p>
-          <a:p>
-            <a:pPr lvl="1"/>
-            <a:r>
-              <a:rPr kumimoji="1" lang="ja-JP" altLang="en-US" dirty="0" smtClean="0"/>
-              <a:t>クラス図を出す</a:t>
-            </a:r>
-            <a:endParaRPr kumimoji="1" lang="ja-JP" altLang="en-US" dirty="0"/>
-          </a:p>
-        </p:txBody>
-      </p:sp>
-    </p:spTree>
-    <p:extLst>
-      <p:ext uri="{BB962C8B-B14F-4D97-AF65-F5344CB8AC3E}">
-        <p14:creationId xmlns:p14="http://schemas.microsoft.com/office/powerpoint/2010/main" val="3174473367"/>
-      </p:ext>
-    </p:extLst>
-  </p:cSld>
-  <p:clrMapOvr>
-    <a:masterClrMapping/>
-  </p:clrMapOvr>
-  <p:timing>
-    <p:tnLst>
-      <p:par>
-        <p:cTn id="1" dur="indefinite" restart="never" nodeType="tmRoot"/>
-      </p:par>
-    </p:tnLst>
-  </p:timing>
-</p:sld>
-</file>
-
 <file path=ppt/slides/slide16.xml><?xml version="1.0" encoding="utf-8"?>
 <p:sld xmlns:a="http://schemas.openxmlformats.org/drawingml/2006/main" xmlns:r="http://schemas.openxmlformats.org/officeDocument/2006/relationships" xmlns:p="http://schemas.openxmlformats.org/presentationml/2006/main">
   <p:cSld>
@@ -8566,6 +9864,70 @@
           <a:chExt cx="0" cy="0"/>
         </a:xfrm>
       </p:grpSpPr>
+      <p:pic>
+        <p:nvPicPr>
+          <p:cNvPr id="4098" name="Picture 2"/>
+          <p:cNvPicPr>
+            <a:picLocks noChangeAspect="1" noChangeArrowheads="1"/>
+          </p:cNvPicPr>
+          <p:nvPr/>
+        </p:nvPicPr>
+        <p:blipFill>
+          <a:blip r:embed="rId3">
+            <a:extLst>
+              <a:ext uri="{28A0092B-C50C-407E-A947-70E740481C1C}">
+                <a14:useLocalDpi xmlns:a14="http://schemas.microsoft.com/office/drawing/2010/main" val="0"/>
+              </a:ext>
+            </a:extLst>
+          </a:blip>
+          <a:srcRect/>
+          <a:stretch>
+            <a:fillRect/>
+          </a:stretch>
+        </p:blipFill>
+        <p:spPr bwMode="auto">
+          <a:xfrm>
+            <a:off x="3419436" y="1190625"/>
+            <a:ext cx="5440680" cy="5667375"/>
+          </a:xfrm>
+          <a:prstGeom prst="rect">
+            <a:avLst/>
+          </a:prstGeom>
+          <a:noFill/>
+          <a:ln>
+            <a:noFill/>
+          </a:ln>
+          <a:effectLst/>
+          <a:extLst>
+            <a:ext uri="{909E8E84-426E-40DD-AFC4-6F175D3DCCD1}">
+              <a14:hiddenFill xmlns:a14="http://schemas.microsoft.com/office/drawing/2010/main">
+                <a:solidFill>
+                  <a:schemeClr val="accent1"/>
+                </a:solidFill>
+              </a14:hiddenFill>
+            </a:ext>
+            <a:ext uri="{91240B29-F687-4F45-9708-019B960494DF}">
+              <a14:hiddenLine xmlns:a14="http://schemas.microsoft.com/office/drawing/2010/main" w="9525">
+                <a:solidFill>
+                  <a:schemeClr val="tx1"/>
+                </a:solidFill>
+                <a:miter lim="800000"/>
+                <a:headEnd/>
+                <a:tailEnd/>
+              </a14:hiddenLine>
+            </a:ext>
+            <a:ext uri="{AF507438-7753-43E0-B8FC-AC1667EBCBE1}">
+              <a14:hiddenEffects xmlns:a14="http://schemas.microsoft.com/office/drawing/2010/main">
+                <a:effectLst>
+                  <a:outerShdw dist="35921" dir="2700000" algn="ctr" rotWithShape="0">
+                    <a:schemeClr val="bg2"/>
+                  </a:outerShdw>
+                </a:effectLst>
+              </a14:hiddenEffects>
+            </a:ext>
+          </a:extLst>
+        </p:spPr>
+      </p:pic>
       <p:sp>
         <p:nvSpPr>
           <p:cNvPr id="2" name="タイトル 1"/>
@@ -8587,7 +9949,7 @@
             </a:r>
             <a:r>
               <a:rPr kumimoji="1" lang="en-US" altLang="ja-JP" smtClean="0"/>
-              <a:t>(3/4)</a:t>
+              <a:t>(1/4)</a:t>
             </a:r>
             <a:endParaRPr kumimoji="1" lang="ja-JP" altLang="en-US"/>
           </a:p>
@@ -8609,40 +9971,21 @@
           <a:lstStyle/>
           <a:p>
             <a:r>
-              <a:rPr kumimoji="1" lang="ja-JP" altLang="en-US" smtClean="0"/>
-              <a:t>尻尾モータ角度制御</a:t>
-            </a:r>
-            <a:endParaRPr kumimoji="1" lang="en-US" altLang="ja-JP" smtClean="0"/>
-          </a:p>
-          <a:p>
-            <a:pPr lvl="1"/>
-            <a:r>
-              <a:rPr lang="ja-JP" altLang="en-US"/>
-              <a:t>尻尾</a:t>
-            </a:r>
-            <a:r>
-              <a:rPr lang="ja-JP" altLang="en-US" smtClean="0"/>
-              <a:t>モータ角度制御とは</a:t>
-            </a:r>
-            <a:r>
-              <a:rPr lang="en-US" altLang="ja-JP" smtClean="0"/>
-              <a:t>…</a:t>
-            </a:r>
-          </a:p>
-          <a:p>
-            <a:pPr lvl="1"/>
-            <a:r>
-              <a:rPr kumimoji="1" lang="ja-JP" altLang="en-US" smtClean="0"/>
-              <a:t>クラス図を出す</a:t>
-            </a:r>
-            <a:endParaRPr kumimoji="1" lang="ja-JP" altLang="en-US"/>
+              <a:rPr kumimoji="1" lang="ja-JP" altLang="en-US" dirty="0" smtClean="0"/>
+              <a:t>モデルカタログの</a:t>
+            </a:r>
+            <a:r>
+              <a:rPr kumimoji="1" lang="ja-JP" altLang="en-US" dirty="0" smtClean="0"/>
+              <a:t>読み合わせ</a:t>
+            </a:r>
+            <a:endParaRPr kumimoji="1" lang="en-US" altLang="ja-JP" dirty="0" smtClean="0"/>
           </a:p>
         </p:txBody>
       </p:sp>
     </p:spTree>
     <p:extLst>
       <p:ext uri="{BB962C8B-B14F-4D97-AF65-F5344CB8AC3E}">
-        <p14:creationId xmlns:p14="http://schemas.microsoft.com/office/powerpoint/2010/main" val="1470944524"/>
+        <p14:creationId xmlns:p14="http://schemas.microsoft.com/office/powerpoint/2010/main" val="1686144605"/>
       </p:ext>
     </p:extLst>
   </p:cSld>
@@ -8697,7 +10040,7 @@
             </a:r>
             <a:r>
               <a:rPr kumimoji="1" lang="en-US" altLang="ja-JP" smtClean="0"/>
-              <a:t>(4/4)</a:t>
+              <a:t>(2/4)</a:t>
             </a:r>
             <a:endParaRPr kumimoji="1" lang="ja-JP" altLang="en-US"/>
           </a:p>
@@ -8713,51 +10056,98 @@
             <p:ph idx="1"/>
           </p:nvPr>
         </p:nvSpPr>
-        <p:spPr/>
-        <p:txBody>
-          <a:bodyPr/>
-          <a:lstStyle/>
-          <a:p>
-            <a:r>
-              <a:rPr kumimoji="1" lang="en-US" altLang="ja-JP" smtClean="0"/>
-              <a:t>DONKEY</a:t>
-            </a:r>
-            <a:r>
-              <a:rPr kumimoji="1" lang="ja-JP" altLang="en-US" smtClean="0"/>
-              <a:t>への実装</a:t>
-            </a:r>
-            <a:endParaRPr kumimoji="1" lang="en-US" altLang="ja-JP" smtClean="0"/>
-          </a:p>
-          <a:p>
-            <a:pPr lvl="1"/>
-            <a:r>
-              <a:rPr lang="en-US" altLang="ja-JP" smtClean="0"/>
-              <a:t>DONKEY</a:t>
-            </a:r>
-            <a:r>
-              <a:rPr lang="ja-JP" altLang="en-US" smtClean="0"/>
-              <a:t>とは？</a:t>
-            </a:r>
-            <a:endParaRPr lang="en-US" altLang="ja-JP" smtClean="0"/>
-          </a:p>
-          <a:p>
-            <a:pPr lvl="1"/>
-            <a:r>
-              <a:rPr lang="en-US" altLang="ja-JP" smtClean="0"/>
-              <a:t>NXT LEGO MINDSTORMS</a:t>
-            </a:r>
-            <a:r>
-              <a:rPr lang="ja-JP" altLang="en-US" smtClean="0"/>
-              <a:t>とどの点において異なるのか</a:t>
-            </a:r>
-            <a:endParaRPr kumimoji="1" lang="ja-JP" altLang="en-US"/>
-          </a:p>
-        </p:txBody>
-      </p:sp>
+        <p:spPr>
+          <a:xfrm>
+            <a:off x="457200" y="1600200"/>
+            <a:ext cx="8229600" cy="892696"/>
+          </a:xfrm>
+        </p:spPr>
+        <p:txBody>
+          <a:bodyPr>
+            <a:normAutofit/>
+          </a:bodyPr>
+          <a:lstStyle/>
+          <a:p>
+            <a:r>
+              <a:rPr kumimoji="1" lang="ja-JP" altLang="en-US" dirty="0" smtClean="0"/>
+              <a:t>輝度値</a:t>
+            </a:r>
+            <a:r>
+              <a:rPr kumimoji="1" lang="ja-JP" altLang="en-US" dirty="0" smtClean="0"/>
+              <a:t>制御</a:t>
+            </a:r>
+            <a:endParaRPr kumimoji="1" lang="en-US" altLang="ja-JP" dirty="0" smtClean="0"/>
+          </a:p>
+        </p:txBody>
+      </p:sp>
+      <p:pic>
+        <p:nvPicPr>
+          <p:cNvPr id="2051" name="Picture 3"/>
+          <p:cNvPicPr>
+            <a:picLocks noChangeAspect="1" noChangeArrowheads="1"/>
+          </p:cNvPicPr>
+          <p:nvPr/>
+        </p:nvPicPr>
+        <p:blipFill>
+          <a:blip r:embed="rId3">
+            <a:extLst>
+              <a:ext uri="{28A0092B-C50C-407E-A947-70E740481C1C}">
+                <a14:useLocalDpi xmlns:a14="http://schemas.microsoft.com/office/drawing/2010/main" val="0"/>
+              </a:ext>
+            </a:extLst>
+          </a:blip>
+          <a:srcRect/>
+          <a:stretch>
+            <a:fillRect/>
+          </a:stretch>
+        </p:blipFill>
+        <p:spPr bwMode="auto">
+          <a:xfrm>
+            <a:off x="352425" y="2420888"/>
+            <a:ext cx="8439150" cy="4286250"/>
+          </a:xfrm>
+          <a:prstGeom prst="rect">
+            <a:avLst/>
+          </a:prstGeom>
+          <a:noFill/>
+          <a:ln>
+            <a:noFill/>
+          </a:ln>
+          <a:effectLst/>
+          <a:extLst>
+            <a:ext uri="{909E8E84-426E-40DD-AFC4-6F175D3DCCD1}">
+              <a14:hiddenFill xmlns:a14="http://schemas.microsoft.com/office/drawing/2010/main">
+                <a:solidFill>
+                  <a:schemeClr val="accent1"/>
+                </a:solidFill>
+              </a14:hiddenFill>
+            </a:ext>
+            <a:ext uri="{91240B29-F687-4F45-9708-019B960494DF}">
+              <a14:hiddenLine xmlns:a14="http://schemas.microsoft.com/office/drawing/2010/main" w="9525">
+                <a:solidFill>
+                  <a:schemeClr val="tx1"/>
+                </a:solidFill>
+                <a:miter lim="800000"/>
+                <a:headEnd/>
+                <a:tailEnd/>
+              </a14:hiddenLine>
+            </a:ext>
+            <a:ext uri="{AF507438-7753-43E0-B8FC-AC1667EBCBE1}">
+              <a14:hiddenEffects xmlns:a14="http://schemas.microsoft.com/office/drawing/2010/main">
+                <a:effectLst>
+                  <a:outerShdw dist="35921" dir="2700000" algn="ctr" rotWithShape="0">
+                    <a:schemeClr val="bg2"/>
+                  </a:outerShdw>
+                </a:effectLst>
+              </a14:hiddenEffects>
+            </a:ext>
+          </a:extLst>
+        </p:spPr>
+      </p:pic>
     </p:spTree>
     <p:extLst>
       <p:ext uri="{BB962C8B-B14F-4D97-AF65-F5344CB8AC3E}">
-        <p14:creationId xmlns:p14="http://schemas.microsoft.com/office/powerpoint/2010/main" val="1588375918"/>
+        <p14:creationId xmlns:p14="http://schemas.microsoft.com/office/powerpoint/2010/main" val="3174473367"/>
       </p:ext>
     </p:extLst>
   </p:cSld>
@@ -8808,7 +10198,11 @@
           <a:p>
             <a:r>
               <a:rPr kumimoji="1" lang="ja-JP" altLang="en-US" smtClean="0"/>
-              <a:t>まとめ</a:t>
+              <a:t>進捗状況</a:t>
+            </a:r>
+            <a:r>
+              <a:rPr kumimoji="1" lang="en-US" altLang="ja-JP" smtClean="0"/>
+              <a:t>(3/4)</a:t>
             </a:r>
             <a:endParaRPr kumimoji="1" lang="ja-JP" altLang="en-US"/>
           </a:p>
@@ -8830,42 +10224,96 @@
           <a:lstStyle/>
           <a:p>
             <a:r>
-              <a:rPr lang="ja-JP" altLang="en-US" smtClean="0"/>
-              <a:t>組込みシステム業界におけるモデルベース開発の現状</a:t>
-            </a:r>
-            <a:endParaRPr lang="en-US" altLang="ja-JP" smtClean="0"/>
-          </a:p>
-          <a:p>
-            <a:r>
-              <a:rPr lang="en-US" altLang="ja-JP" smtClean="0"/>
-              <a:t>UMTP Japan</a:t>
-            </a:r>
-            <a:r>
-              <a:rPr lang="ja-JP" altLang="en-US" smtClean="0"/>
-              <a:t>がモデルカタログを発表</a:t>
-            </a:r>
-            <a:endParaRPr lang="en-US" altLang="ja-JP" smtClean="0"/>
-          </a:p>
-          <a:p>
-            <a:r>
-              <a:rPr lang="ja-JP" altLang="en-US" smtClean="0"/>
-              <a:t>有用性が明らかになっていないため、有用性の検証を行う</a:t>
-            </a:r>
-            <a:endParaRPr lang="en-US" altLang="ja-JP" smtClean="0"/>
-          </a:p>
-          <a:p>
-            <a:r>
-              <a:rPr lang="ja-JP" altLang="en-US" smtClean="0"/>
-              <a:t>どうやって？</a:t>
-            </a:r>
-            <a:endParaRPr lang="en-US" altLang="ja-JP" smtClean="0"/>
-          </a:p>
-        </p:txBody>
-      </p:sp>
+              <a:rPr kumimoji="1" lang="ja-JP" altLang="en-US" dirty="0" smtClean="0"/>
+              <a:t>尻尾モータ角度制御</a:t>
+            </a:r>
+            <a:endParaRPr kumimoji="1" lang="en-US" altLang="ja-JP" dirty="0" smtClean="0"/>
+          </a:p>
+          <a:p>
+            <a:pPr lvl="1"/>
+            <a:r>
+              <a:rPr lang="ja-JP" altLang="en-US" dirty="0"/>
+              <a:t>尻尾</a:t>
+            </a:r>
+            <a:r>
+              <a:rPr lang="ja-JP" altLang="en-US" dirty="0" smtClean="0"/>
+              <a:t>モータ角度制御とは</a:t>
+            </a:r>
+            <a:r>
+              <a:rPr lang="en-US" altLang="ja-JP" dirty="0" smtClean="0"/>
+              <a:t>…</a:t>
+            </a:r>
+          </a:p>
+        </p:txBody>
+      </p:sp>
+      <p:pic>
+        <p:nvPicPr>
+          <p:cNvPr id="1028" name="Picture 4"/>
+          <p:cNvPicPr>
+            <a:picLocks noChangeAspect="1" noChangeArrowheads="1"/>
+          </p:cNvPicPr>
+          <p:nvPr/>
+        </p:nvPicPr>
+        <p:blipFill>
+          <a:blip r:embed="rId3">
+            <a:extLst>
+              <a:ext uri="{28A0092B-C50C-407E-A947-70E740481C1C}">
+                <a14:useLocalDpi xmlns:a14="http://schemas.microsoft.com/office/drawing/2010/main" val="0"/>
+              </a:ext>
+            </a:extLst>
+          </a:blip>
+          <a:srcRect/>
+          <a:stretch>
+            <a:fillRect/>
+          </a:stretch>
+        </p:blipFill>
+        <p:spPr bwMode="auto">
+          <a:xfrm>
+            <a:off x="576263" y="2545035"/>
+            <a:ext cx="7991475" cy="4124325"/>
+          </a:xfrm>
+          <a:prstGeom prst="rect">
+            <a:avLst/>
+          </a:prstGeom>
+          <a:noFill/>
+          <a:ln>
+            <a:noFill/>
+          </a:ln>
+          <a:effectLst/>
+          <a:extLst>
+            <a:ext uri="{909E8E84-426E-40DD-AFC4-6F175D3DCCD1}">
+              <a14:hiddenFill xmlns:a14="http://schemas.microsoft.com/office/drawing/2010/main">
+                <a:solidFill>
+                  <a:schemeClr val="accent1"/>
+                </a:solidFill>
+              </a14:hiddenFill>
+            </a:ext>
+            <a:ext uri="{91240B29-F687-4F45-9708-019B960494DF}">
+              <a14:hiddenLine xmlns:a14="http://schemas.microsoft.com/office/drawing/2010/main" w="9525">
+                <a:solidFill>
+                  <a:schemeClr val="tx1"/>
+                </a:solidFill>
+                <a:miter lim="800000"/>
+                <a:headEnd/>
+                <a:tailEnd/>
+              </a14:hiddenLine>
+            </a:ext>
+            <a:ext uri="{AF507438-7753-43E0-B8FC-AC1667EBCBE1}">
+              <a14:hiddenEffects xmlns:a14="http://schemas.microsoft.com/office/drawing/2010/main">
+                <a:effectLst>
+                  <a:outerShdw dist="35921" dir="2700000" algn="ctr" rotWithShape="0">
+                    <a:schemeClr val="bg2"/>
+                  </a:outerShdw>
+                </a:effectLst>
+              </a14:hiddenEffects>
+            </a:ext>
+          </a:extLst>
+        </p:spPr>
+      </p:pic>
     </p:spTree>
     <p:extLst>
       <p:ext uri="{BB962C8B-B14F-4D97-AF65-F5344CB8AC3E}">
-        <p14:creationId xmlns:p14="http://schemas.microsoft.com/office/powerpoint/2010/main" val="508215717"/>
+        <p14:creationId xmlns:p14="http://schemas.microsoft.com/office/powerpoint/2010/main" val="1470944524"/>
       </p:ext>
     </p:extLst>
   </p:cSld>
@@ -8916,7 +10364,11 @@
           <a:p>
             <a:r>
               <a:rPr kumimoji="1" lang="ja-JP" altLang="en-US" smtClean="0"/>
-              <a:t>今後の予定</a:t>
+              <a:t>進捗状況</a:t>
+            </a:r>
+            <a:r>
+              <a:rPr kumimoji="1" lang="en-US" altLang="ja-JP" smtClean="0"/>
+              <a:t>(4/4)</a:t>
             </a:r>
             <a:endParaRPr kumimoji="1" lang="ja-JP" altLang="en-US"/>
           </a:p>
@@ -8938,46 +10390,119 @@
           <a:lstStyle/>
           <a:p>
             <a:r>
-              <a:rPr lang="ja-JP" altLang="en-US"/>
-              <a:t>二輪制御ロボットに対してはモデルカタログは有効である可能性が高い</a:t>
-            </a:r>
-            <a:endParaRPr lang="en-US" altLang="ja-JP"/>
-          </a:p>
-          <a:p>
-            <a:r>
-              <a:rPr lang="ja-JP" altLang="en-US"/>
-              <a:t>一部未実装のクラス（機能）があるため、それを検証</a:t>
-            </a:r>
-            <a:endParaRPr lang="en-US" altLang="ja-JP"/>
-          </a:p>
-          <a:p>
-            <a:r>
-              <a:rPr lang="ja-JP" altLang="en-US"/>
-              <a:t>リアルタイム</a:t>
-            </a:r>
-            <a:r>
-              <a:rPr lang="en-US" altLang="ja-JP"/>
-              <a:t>OS</a:t>
-            </a:r>
-            <a:r>
-              <a:rPr lang="ja-JP" altLang="en-US"/>
-              <a:t>では無い環境での排他制御は可能か？</a:t>
-            </a:r>
-            <a:endParaRPr lang="en-US" altLang="ja-JP"/>
-          </a:p>
-          <a:p>
-            <a:r>
-              <a:rPr kumimoji="1" lang="ja-JP" altLang="en-US" smtClean="0"/>
-              <a:t>他の組込み機器に対して実装を行なってみたい</a:t>
-            </a:r>
-            <a:endParaRPr kumimoji="1" lang="ja-JP" altLang="en-US"/>
+              <a:rPr kumimoji="1" lang="en-US" altLang="ja-JP" dirty="0" smtClean="0"/>
+              <a:t>DONKEY</a:t>
+            </a:r>
+            <a:r>
+              <a:rPr kumimoji="1" lang="ja-JP" altLang="en-US" dirty="0" err="1" smtClean="0"/>
+              <a:t>への</a:t>
+            </a:r>
+            <a:r>
+              <a:rPr kumimoji="1" lang="ja-JP" altLang="en-US" dirty="0" smtClean="0"/>
+              <a:t>実装</a:t>
+            </a:r>
+            <a:endParaRPr kumimoji="1" lang="en-US" altLang="ja-JP" dirty="0" smtClean="0"/>
+          </a:p>
+          <a:p>
+            <a:pPr lvl="1"/>
+            <a:r>
+              <a:rPr lang="en-US" altLang="ja-JP" dirty="0" smtClean="0"/>
+              <a:t>DONKEY</a:t>
+            </a:r>
+            <a:r>
+              <a:rPr lang="ja-JP" altLang="en-US" dirty="0" smtClean="0"/>
+              <a:t>とは</a:t>
+            </a:r>
+            <a:r>
+              <a:rPr lang="ja-JP" altLang="en-US" dirty="0" smtClean="0"/>
+              <a:t>？</a:t>
+            </a:r>
+            <a:endParaRPr lang="en-US" altLang="ja-JP" dirty="0" smtClean="0"/>
+          </a:p>
+        </p:txBody>
+      </p:sp>
+      <p:sp>
+        <p:nvSpPr>
+          <p:cNvPr id="5" name="AutoShape 4" descr="data:image/jpeg;base64,/9j/4AAQSkZJRgABAQAAAQABAAD/2wCEAAkGBhQSEBQUExMUFRIWGBgYFBgXGBcXFBgVFRQaFRcVFRUXHSYeFxojGxUVHy8gJScpLC8sFx4xNTAqNSYrLCkBCQoKDgwOGg8PGiwlHyQyLCwsLCwsLCwsLCosLywsLCkqLC0sLC0qLCwpLCwsLCwsNCwsLCwsLCwsLCwsLCktLf/AABEIAMIBAwMBIgACEQEDEQH/xAAcAAEAAQUBAQAAAAAAAAAAAAAABgECBAUHAwj/xABEEAABAwIDBQUFBwEFBwUAAAABAAIDBBEFEiEGMUFRYQcTInGBMkKRobEjUnKCwdHwFAgVYuHxM0NzkqKywhc0Y5Oj/8QAGwEBAAMBAQEBAAAAAAAAAAAAAAMEBQIBBgf/xAAwEQACAgEEAAQEBQQDAAAAAAAAAQIDEQQSITEFE0FRFCJhkXGBscHRQlLh8BUjMv/aAAwDAQACEQMRAD8A7cqtVFVqAuREQBERAEREAREQBERAEReFdXMhjdJI4MjYLucdwH6+SBLJ7oub1HbjSh9mwzPaPe+zBtzDS76kKRbM9olHXOyQyZZdT3UgySab8o3P/KSuIzjLpkkqpwWZIkyIi7IwiIgCIiAIiIAiIgCIiAIiIChVquKtQBERAFVqoqtQFyIiALX4ljLYmk5XOtysB8SsupdZjiN4B+ijWPTgxEWO4qjqtRKrCj6liire+TY7L7Vw10bnxZgWOLJGOsHNcNdbEggjUEfUEDcrlfYjH9piJ/8AkiHwbIf/ACC6orkHmKZDJYbQREXRyEREAWDjGDR1UfdzAujzNc5tyA7KbgOtra9jbos5QrtG29FDF3URBqpB4Rv7tp071w/7RxPQFcyaSyzuuMpSSj2cs7TsPpIcRMdIxrA2MCZrNIxLckAN3B2S17aajjdQ2ouC1zCWvaczHNJDgRqHAjUEc1sw25JcSXEkknUknU3PEk/VY1Y0buSy3bunuRuqjZVtZ3Lsm7Qv7xgMcxH9XCAJOHeM3NlA+TgNAbbg4BT5fI+DY3LQ1UdTCfGw6g+y9h0dG7oR8NDvAX1BsrtRDiFMyeB12nRzT7bHgeKN44EfMWI0IWnCW5GJbXslg3CIi7IgiIgCIiAIiIAiIgCIiAoVarirUAREQBVaqKrUBciIgKEKLY6LwuA5FSeV9mk8hdRrEIgWHyWXr3zH8y5pFyR/sTAENa0n7UVRL+eUxMyHy0f8CukLjmxNUaXHXRn/AGdVGWdO8jvIw/ASD8y7GtCqW6CZXtjibQREUhGEREBE+0DbdtBCAwB1TJcRNO4Ab5Hj7ouNOJ05kcGqKh8sjpZHF0jiS5zvaJPE/S3C2mim2Kxf3hj0rZNYonFhF/ch8GX1kLj6lb3aDs1ikbeFoieN2X2T0c39Rr5rI1N2ZbfQ2tLGFSWe2ctBWPULPxDDpIpCyQFrhw/UcwtXVCwUEOy/N8GFUMWbshtfNhlSJoTdhsJoybNkYDuPJwubO4HmCQdxs7sVLVjM67IvvEano0cfPcrtutmaemp/swe8BHiJJJ534fJXKrUpbTNvinHLPobAMeirKaOogdmjkFxfQg7i1w4OBBBHRbFcD/s7bSubUTUbnfZyM71gPCRhDX2/Ewgn/hhd8WkZLWAiIh4EREAREQBERAEREBQq1XFWoAiIgCq1UVWoC5Y1ViMcftOANr23n4LJUN/vyFznF7hmubg7wQbW9LW9FV1NzqisInpqVjeTNrtoA9vBrPMXI6kaAfy618+ORZfbZ/zN/de1RiEGS+cW6KF1VVTZiWuG9ZLlK15kaEVGKwkeOLu+3jnjsXRva9pB0JY4OsSOe71XV9nsejrKdk0V8rrgg+017TZzHdQR9CNCuC4vjscU3hPhc0h3LNplPnv+KwdmO1GfDS9sbGvikkL3NdvHhynL19k/lWnpsxWH0U9RiXK7PppFDtje1OixBrQ2RsVQfahkIa/NxDCdJB5a8wFMVdKgWDiWLNhBLg91hc5RfT1IHBZxK0AxmnqZJY4ZY5XRhokDHB2UnNYEjS+h8rKvqLJVw3RJK0nLno5PsATNU1xvaV8Ze3o50pcT6OLVOtlNt4qmMZiGvAs8cnDQj4qCYLIKLHDG7RshfFf8ZD2fMNHqsnZTs0bUYnVmbM2KF+ga5zC/vXF7PE0g5Q36rMjX50se5q34jnPSOi4phVJVAd61jrbjxHkRqtENhcPYb5QfxOJHwJUbwTaKiqqz+khgnjDmPtJ3spcx7GudZzXlzSLM38CQCCvXC6FkeHz1ldJLK1kxiY2MlgAEoizuy6m5JO/cLDUrv4Ka6kQxv2rGWbvGtpaeljIaRoNAN3kFyWrrH4lU5R7Dbvd+Eak/zitjiOHU1fRTz07ZonwvsQ6WR7XAi7SM50uButcaam6w9moW0uFz1J9uU5GE/dYLm3m82/KplQqY57bOPMdssPpEX2cxSalrGy0xtKwvDTYOFnNcw3adDo4qZxduOLQSDvjG7ccj4Q246FmU+qxuyDBO9nlmcPDG3/qd/kFrtsKj+pxJ4G5pEY8mDxfMuVjz8TcfZEao3RT9WdWwj+0PTPYO+pqhknERhkrPMOLmn0I9StrF26UBPiZUsHN0QI/6HuPyXGm0rWiwAH8+q8pYx/P2UPxmXwi3/wAekuWfTOA7UU1awvppmSge0Bo9t92djrOb6gLar5KgqpaaVs0EjopW+y5psfI8CD903B4rt/Zj2rDED/T1AbHVtbdttGTNG8tB9l43luumo4gW67VNFC6h1s6MiIpSuEREAREQFCrVcVagCIiAKrVRVagKkqB1uzVPUuc8xgF7i67S5rvFre7SNePqp6VzOqoq2F8ncyRPYHODA4uacoOg3EbtPRUNbnCw8FzS4yzwl7M81wyolaz7t2k+QcRf4qL4hsQYnlpe8jzH7KRxbX1zCQ+lJ6sLXD5G/wAlDsY2xqpJTaCQeYI+qp1+Y33+hYeF2YG0OyrGwueLh7RcEm97cCoVM3Vo6a+qlOL1VU+MlzMrd5F9bKKxP8YJ4lXq8qPLK8sOSwWzUqluxfatWYc9rXPdPS7nRPcTlHOJx1YRy9npxGikj0WJJFe66haTWUJk82l7TKnE7tzdzSnTumE3cL/75+hf5aN6Hesjs3x1lHUkPs2ORuUnqDdt/n8VzzB5ssmXg7d5/wA+inWy2DComOcXY0XcOZvYA9N/wVXUt7sPos6eEHX1+JINvMObWOD6Uh0wI1ad9joS7c0jepngNPVERySPDJsgbLk1a9w3O1GnH/m6JheHsaAGtAA3AAAD0CkUFgFSVrh/5PLuVhkakZRiuMTnxitlbmdZga94Pis57WgEkNJsTc2usbamOnp4vtpAyN5y5Tch5IuQWNBzC2p0spRPh8bnBxY3OHBwdYZrt3G+/cLLGq4GueHloJaCG3ANsxBNvPKPgvPM5Tbf3IIpvggGK4GXU3cxODITqBGGtBza38IAN9NfmufbY00xEULW5YIwA0X431LvUk+q7LXEDcABwA3AcgFF8comyNPNWqr5ZWeROvGcFuBthw3CnHO0yPbndYgnUafJcywZ+aWR7vaNyfNxuV64tTll2g6cuCw8LlABHvEj4BTeXiEn7ktc4uccehvO9GnyVrgbeaMOnp9VUm3RUzS7MScA3/mq18GIPpp454jaSJzXtPVpvY9CNCORK2VQ2/6rUVzVcoeGUdTHKPrrA8WZVU0M7PYlY145jML2PUHT0WcoX2OyA4LSag2a8G3AiZ+h6jRTRaZiPsIiIeBERAUKtVxVqAIiIAqtVFVqAuXP6naJlPPJFO1zMrnZXOByuYTdrg7duIXQFHa42me1x32I6tIAH0I9FR1yWxNotaV/M0a+kxuleCQ5h9QoftRjlKyS+Ztzwv8ANSut2TpZGuc6NlzxAyu87tsVzuq2IpWvdYuOvvOv8ys2pQzzkuPPoafHtr4jG5rbEkEKBQEZwtltPTMimLYzotbSRXcOi04RUYcECy5cm2lPwWK4a2WRNJu6LGdNvUMEXZtGIzSVp5FdL2Iqi2R4a3MS29txOW5Ibwva+nTeuaZvEpZshipZUssdeHnvA9bEeq9vi5YOKpJKSOs4ftXTFjXGdjA4XGc5DbdudrvW2ZtDTkXFTDb8bf3WswvDoDE4SwslpjnfFducxmTxOYQNW2dmsRwNja2u8g2Hw8vOSGM+EHSzhYk68Tw5qOGkrsWYyILdRKLw4mINoad26qgP52/usWrx2Fo1qYB+dv7raxdntGQfsY/ad7pHvEcHBamXsyozAXZQNCdM44nhnXfwEf7iNaxr+k0lfjMRFxUQnye0/qoni20MYBtKw+RuttjHZzStiaQ+TXLusN9ud1A8Y2YDHuEJJsRcuI083bh9VLHSxj2zyWpcukYWJYgJDprqvDBmeMn+ea820vjyA3tfX6le1C3u5HMvwBXti+RpEmnf/Ymzd25eiufr5heTHi3T9V7RHTnwWYzbXJi1A+S1NWtzO23lw+l1p6sKzSVL0dO/s87QFs1RROPhcO+jHJzSGSAeYLD+Qrui+Y+xNpOOQ23Bk2by7pw+pavpxasejCsWJBERdEYREQFCrVcVagCIiAKrVRVagLljV2GxzACRgdbdfePJw1HoslF41kdEbrNhYX3AlqYweDZbj/8AQOsoXtt2QyvYDQSBrgCSJJJC+Q9XuzNHQANHXl1hFyq4LpHe+XufGWNYTUU0xjqonxy8ni1xzadzh1BIXhSyEHovsTHNn4KyIxVETZYzwcNQebXDVruoIK41tP8A2epGXfQzh7eEU3heOjZQMrvUN80lHKO4WYfJyt77rzKz8b2RrqO/9RSysA97Lmj/APsZdvzWkbVqHy2iz50WZJbZXMxAscC3QtII8wb3WP399BqTw4qTYD2V4jWEFlM5jD7832TLHiM3icPwgrpQz2cysx0THZnbBzmiSGTI/c9jtWE9Rw8xZSeLtDAP29Jf/HERf9D81o6/sYNBRd6JnSSAgzZBlaxlvaZe5IB3k8NbCyhlfh9ZHrGRK3po/wBWk6+l1UnRHcdK3dHJ1WLtLw9gLQ+piBJJFprXOpPHUlYE/aXhrY+7bPO5lrWvLuPU6rjdTitQNHsc38TSPqFgyYi8/wCi7Wnf9z+5z5x0nFe06my5YYXvt7Oe5AtusHEqFYntLLOTezRwA3D0WlBc49StpR0TW6u1Py/zUqrjAjdkpGRhlPYFx3nd5JVRWeH8LWd8dCskzqsbulxy4HouG/c7g8NYMim1H8+Ky4W8v4Vj0cAA4rKc62g0WXN88H0Na4yzFq5NP58VpaorZ1b1ragBWaVgqXvJP/7PXd/3hPm/2phtHyt3jTJ6+x6By+gl8v8AY9U5MaptdHGRp/NE+w+IC+oFqw6MK1YkERF2RBERAUKtVxVqAIiIAqtVFVqAuREQBERAEREAWixbYahqTmmpIHu+9kAefNzbE+pW9RAazCtmaWm/9vTQxHmyNrXHzcBc+pWzREBRzbix1BXO9o+zd4cZKPKWnUwuOW3/AA3HS3+E2tz4Loqj+2W1jKGC++Z9xE3gT953+EX9dyit2bcz6J9PXZbYq6lls4vj8EjS6CZhjeLZm5mnQi41YSORUOr8GLWucDoAT8lJaiodI9z3kue4lzid5JNyStTtBNlp39bD4n9li12ydmI9Nn6NPw2jT6Jqay4ptv64IlvIssqOrI9r4/usJk9l7teDuW00fmxsI6hp94LY0nisRuUeFOHHr+6lVFAAAOAFlT1MlGJoaKG+efYyGCw0Xm9uup/dZDgLb14S7r8lnJm1JcGvqJr3WuqZNCthKeYC1dYdFeqXJnXPjJiwvOhBsQbgjQ3ve4PAr6O7GdunV1K6Kd+apgsCT7T4j7LzzIILSfwk6uXznRRZtFscPqZqaZs0D3RysN2uH0I3EHcQdCFc3qMsGe63OOT7ARRnYDbRmJUglsGzN8M7B7r7bxf3Xbx6jeCpMrHZTaxwwiIh4UKtVxVqAIiIAqtVFVqAuREQBERAEREAREQBEUP7RMaqYGRNpyGmQvDnEC7Q1odcE6NAGYkkaAKOyxVxc5dIsabTy1Fqqi0m/fr3Nrjm07IT3bPHObeAa5QdAXcrnQDieQBcIzi9MXxPmdKJnXAnizB8DvEGmNrf925t7BwsbjXesXDMBkjhDwC+SQ3e4uyyZXA5pczvfI8I1u1rj7xde+hpTITHCWiMPa+eRgGTPG1rWRQ6We5uVri61rjd7q+D8R8Slqp5jLEIvr+f2+vXub1VFdDzXLrt+/v+C9vXOCC4ns7LF3jg0mJj3NuCC5rQ45TI0asuLEEgb+oUG2uqdGM83H6D9V3Kpw11zODHSBrHNizW7x5Ot53ONrE8Dd2pOhOnBtrMQZPWSvibkjJ8LeWniAtwzZrdLLV8Hud9mX6fr7P/AAaHiHikrNG6n28LK+7T/lfh+OhK3GzOyVVXvcyljEj2i7hnjYQCbXs9wuL8RfeOa1hWRhWLS0s7J4HlksZu0j5gjiCLgjiCQvqUfHSWCaV3ZTXUcH9TU9yxjXMBaH5pCXPDQBlBbxv7XBWUjNy6XtxtVHiGAMqIiNZYhK0HWOQe1G7yJFuYIPFcwpJ1m61c8Gt4c1tefcy3N4BY1RJYWtpdeuZYk8mqoxjyaU5LBhynUrT1rltZZFpqp13WWjSuTL1D4M/B4+i2U8OiuwOmGS9t6yaiOyrWWZsZbqqxWj12K2ufhtYJRcxu8M7B70d94H3mnUHzG4lfTdHVtljZJG4OY9ocxw3FrhcEeYK+SqxtivovskkJwalvykA/C2d4b8gFo6eWVgydXBJ5JgiIrJRKFWq4q1AEREAVWqiq1AXIiIAiIgCIiAIiIAob2oTPjpY5YzZzJRwBGV7HtIIOhBuNCpko/t5hj6igljjaXyeAtaLXJbI0m1+l1DqIb6pRxngveHzjDVVufWVnPWHw8/kcwwbFhMHRubE112lkYzRskFznjYS4sjkPhsbDjaxIIl1Jip/p5Szu4wHdzBG0gljr5MzyONyXW3ZWX1vdRGi7M695H2bY+r5Gi3WzC4j4KYRbGyNZesnY+QtLQ6Nlpg0jKR3ziM2hLbuYT4jYr5DUeE2Wc4wvr6f79++84PqvEbNFn5LE+elz9vT91z3nBzTaDaKfLM+ma8hoPjYwvlbGTlEksxBe3TjcC5XLO8X1PTujpIjFSQiJziMznOu82G8l+p479BfQarme02CU8pc50LM7jcuaMjieZy2ut/S+Tp47Y8v1ZieIXPUz3QW2K4Sfb+r+rOSByBt9ylT9i2k+FzwOWhWdS7JZWnI0kjeTvV53RRlqEmbvs2wgVWE4hTRNvWGSF9ibB0THtcCL8QRIPzN5rKo+zyctdoPDnHEHM2QN4/mPotBshir6DFYHgEBzhFIPvRyODSPQ2cOrQu9b5Hnm53/cVU1kvlTRa0snBtHLKzs/nY0FozXB0G/fv+GX5qK4thEsTbvY4aNOoO5wJH0K+gw1YeKYayRha9ocOo6EfqVnxsaLXm7uGfMNRVcFmHCxHh4qJG+Oebu6e9xaOEEzvHA3c+Jgvfc/ipvtxsBHG0yRAi2paOVySAT56eS8O2CGJ0GGCleHQtprxsAsWx+H7R1veeQQRzid1WxRKMo5RQv3RkkzRYccsYAJI6/ur55xY3P8/l1GosVcGgXSTE9FVemk5ZNFauKjgz6Wikq6qKni9uV4aOlzq49GgFx6Ar6xwfC2U1PFBGLRxMaxvOzRa56neepXGuxDDqaDPVVLw2pf4Yg8OAZEbXdmIsC46b9AP8RXbo5Q4AtIIO4g3B8iN60KkksIx75ucssvREUpAUKtVxVqAIiIAqtVFVqAuREQBERAEREAREQBERAFo9oGua5rxfKRkNhq0k6PvwFiRfnbmt4rJoQ9pa4XaRYjmCora1ZBxZ3XLbLJFxTCXNldkjabeH2nOG8l2/ppr1UfxLCYjJ4i5xH3jdbLG6WejjeIIZZoyS5mS8jxfUtc32jrexF9N6jeC7I4hXF0krnUUfuB7M0zj1jzDI3zN+nFZMdLZuaNGN1cVlsurKaNjCbAALC7OagVMs7dC1jrkcMzjZo9A0/FbX/00rpHBk08Ahv4nsLzIW8crHNsHHqSB13KWVuy7oY4/wChbG3u2hnduJa1zASb5wCc9y43N73N7b1N8NPY/c5lqIOSx0c5202Yb/V0z2eF3fxDT8YN7dLXXQ4DYLRv2Uq3yioqnRsZE4OjjYS9znE5bvdYBoGbcL+i3TH+K3RVb4yioxkT1uMk3EymPXodQsWF/iIXtBJqQqx5KOCPbTUeaN3kuLvyxyOa/XLo2+tm3JyjkLl2nUru+OjwFcNx2mDp5OY/zV7Svho5u5SZvMB2Gpak3ew3OtmvcAfgty/YilpjmZTi44uzSfDMSArOzmGWORjJ43xuLMzQ8WzRn2XNPvDqF0Vzm6Lm2ycZbW2dVwhKOUiFMhLgCxucnXKLZ7cfCdRZbXAqiemn8DSWu9qMnKH88od744Ea8Dot9i+EwyRE5QHDUEaOBG4gjUHqtRhOJf1VI9suskb3Rl3FwaA5rjb3rOtfmLriNrXzROGt3y4JhQbSxyXuHMtvDrXbfdmG8ee7qtwuTS47nNM5gfNKWPjkEbS9x8JaS4NGgztZcnS5C6jh0bmwxtf7YY0O4+INAOvndaumsnNPcUrq4wxg9yrVcVarRXCIiAKrVRVagLkREAREQBERAEREAREQBERAEREAREQGHi8RdA8DU2uBzykOt8lFGzfasI3EH6X/AEU3UbxLY8ueHQzGHW5GQSN/KCRbjpqOio6rTu1pxLmmvVaakYIdaoA4EH5f6q6eoySsvudp6r1xXZKd7mOhqWsLSL54sxOljbK9o9LeqwdoNiqyXIYaqMFpB8cZaLjj4S7Tpb1VL4KwsfFQLdqJSIiWi5suS1OCSNzPcQ4uNyBw5C/FdkqtlqosaO8hebeK4fGM3T27j4LWRdmksrvt5mMj4iK7nEcszwA3zsVLVRbDjBxO2trs22zmEtqsLoi+7ZGRM7t49ppDQw797SALjjYcQCKO2GlMpkNY/RpDGBjWx5raF9ySdeVlKaOkbFGyONoaxjQ1oG4NaLAfBey0XTCXMkU1bOPEWQiXD66xYIGEnTP3rcnn9635VbgPZl3Fy+qld3hzTMaGtYXcmOIztFrC97m3DhOUXENNXDpHUr5y9TEoMIhgv3MMUWb2u7Y1l7c8oF95WWiKwQFCrVcVagCIiAKrURAXIiIAiIgCIiAIiIAiIgCIiAIiIAiIgCIiAIiIAiIgCIiAIiIAiIgKFWoiAIiID//Z"/>
+          <p:cNvSpPr>
+            <a:spLocks noChangeAspect="1" noChangeArrowheads="1"/>
+          </p:cNvSpPr>
+          <p:nvPr/>
+        </p:nvSpPr>
+        <p:spPr bwMode="auto">
+          <a:xfrm>
+            <a:off x="155575" y="-144463"/>
+            <a:ext cx="304800" cy="304801"/>
+          </a:xfrm>
+          <a:prstGeom prst="rect">
+            <a:avLst/>
+          </a:prstGeom>
+          <a:noFill/>
+          <a:extLst>
+            <a:ext uri="{909E8E84-426E-40DD-AFC4-6F175D3DCCD1}">
+              <a14:hiddenFill xmlns:a14="http://schemas.microsoft.com/office/drawing/2010/main">
+                <a:solidFill>
+                  <a:srgbClr val="FFFFFF"/>
+                </a:solidFill>
+              </a14:hiddenFill>
+            </a:ext>
+          </a:extLst>
+        </p:spPr>
+        <p:txBody>
+          <a:bodyPr vert="horz" wrap="square" lIns="91440" tIns="45720" rIns="91440" bIns="45720" numCol="1" anchor="t" anchorCtr="0" compatLnSpc="1">
+            <a:prstTxWarp prst="textNoShape">
+              <a:avLst/>
+            </a:prstTxWarp>
+          </a:bodyPr>
+          <a:lstStyle/>
+          <a:p>
+            <a:endParaRPr lang="ja-JP" altLang="en-US"/>
+          </a:p>
+        </p:txBody>
+      </p:sp>
+      <p:sp>
+        <p:nvSpPr>
+          <p:cNvPr id="6" name="AutoShape 6" descr="data:image/jpeg;base64,/9j/4AAQSkZJRgABAQAAAQABAAD/2wCEAAkGBhQSEBQUExMUFRIWGBgYFBgXGBcXFBgVFRQaFRcVFRUXHSYeFxojGxUVHy8gJScpLC8sFx4xNTAqNSYrLCkBCQoKDgwOGg8PGiwlHyQyLCwsLCwsLCwsLCosLywsLCkqLC0sLC0qLCwpLCwsLCwsNCwsLCwsLCwsLCwsLCktLf/AABEIAMIBAwMBIgACEQEDEQH/xAAcAAEAAQUBAQAAAAAAAAAAAAAABgECBAUHAwj/xABEEAABAwIDBQUFBwEFBwUAAAABAAIDBBEFEiEGMUFRYQcTInGBMkKRobEjUnKCwdHwFAgVYuHxM0NzkqKywhc0Y5Oj/8QAGwEBAAMBAQEBAAAAAAAAAAAAAAMEBQIBBgf/xAAwEQACAgEEAAQEBQQDAAAAAAAAAQIDEQQSITEFE0FRFCJhkXGBscHRQlLh8BUjMv/aAAwDAQACEQMRAD8A7cqtVFVqAuREQBERAEREAREQBERAEReFdXMhjdJI4MjYLucdwH6+SBLJ7oub1HbjSh9mwzPaPe+zBtzDS76kKRbM9olHXOyQyZZdT3UgySab8o3P/KSuIzjLpkkqpwWZIkyIi7IwiIgCIiAIiIAiIgCIiAIiIChVquKtQBERAFVqoqtQFyIiALX4ljLYmk5XOtysB8SsupdZjiN4B+ijWPTgxEWO4qjqtRKrCj6liire+TY7L7Vw10bnxZgWOLJGOsHNcNdbEggjUEfUEDcrlfYjH9piJ/8AkiHwbIf/ACC6orkHmKZDJYbQREXRyEREAWDjGDR1UfdzAujzNc5tyA7KbgOtra9jbos5QrtG29FDF3URBqpB4Rv7tp071w/7RxPQFcyaSyzuuMpSSj2cs7TsPpIcRMdIxrA2MCZrNIxLckAN3B2S17aajjdQ2ouC1zCWvaczHNJDgRqHAjUEc1sw25JcSXEkknUknU3PEk/VY1Y0buSy3bunuRuqjZVtZ3Lsm7Qv7xgMcxH9XCAJOHeM3NlA+TgNAbbg4BT5fI+DY3LQ1UdTCfGw6g+y9h0dG7oR8NDvAX1BsrtRDiFMyeB12nRzT7bHgeKN44EfMWI0IWnCW5GJbXslg3CIi7IgiIgCIiAIiIAiIgCIiAoVarirUAREQBVaqKrUBciIgKEKLY6LwuA5FSeV9mk8hdRrEIgWHyWXr3zH8y5pFyR/sTAENa0n7UVRL+eUxMyHy0f8CukLjmxNUaXHXRn/AGdVGWdO8jvIw/ASD8y7GtCqW6CZXtjibQREUhGEREBE+0DbdtBCAwB1TJcRNO4Ab5Hj7ouNOJ05kcGqKh8sjpZHF0jiS5zvaJPE/S3C2mim2Kxf3hj0rZNYonFhF/ch8GX1kLj6lb3aDs1ikbeFoieN2X2T0c39Rr5rI1N2ZbfQ2tLGFSWe2ctBWPULPxDDpIpCyQFrhw/UcwtXVCwUEOy/N8GFUMWbshtfNhlSJoTdhsJoybNkYDuPJwubO4HmCQdxs7sVLVjM67IvvEano0cfPcrtutmaemp/swe8BHiJJJ534fJXKrUpbTNvinHLPobAMeirKaOogdmjkFxfQg7i1w4OBBBHRbFcD/s7bSubUTUbnfZyM71gPCRhDX2/Ewgn/hhd8WkZLWAiIh4EREAREQBERAEREBQq1XFWoAiIgCq1UVWoC5Y1ViMcftOANr23n4LJUN/vyFznF7hmubg7wQbW9LW9FV1NzqisInpqVjeTNrtoA9vBrPMXI6kaAfy618+ORZfbZ/zN/de1RiEGS+cW6KF1VVTZiWuG9ZLlK15kaEVGKwkeOLu+3jnjsXRva9pB0JY4OsSOe71XV9nsejrKdk0V8rrgg+017TZzHdQR9CNCuC4vjscU3hPhc0h3LNplPnv+KwdmO1GfDS9sbGvikkL3NdvHhynL19k/lWnpsxWH0U9RiXK7PppFDtje1OixBrQ2RsVQfahkIa/NxDCdJB5a8wFMVdKgWDiWLNhBLg91hc5RfT1IHBZxK0AxmnqZJY4ZY5XRhokDHB2UnNYEjS+h8rKvqLJVw3RJK0nLno5PsATNU1xvaV8Ze3o50pcT6OLVOtlNt4qmMZiGvAs8cnDQj4qCYLIKLHDG7RshfFf8ZD2fMNHqsnZTs0bUYnVmbM2KF+ga5zC/vXF7PE0g5Q36rMjX50se5q34jnPSOi4phVJVAd61jrbjxHkRqtENhcPYb5QfxOJHwJUbwTaKiqqz+khgnjDmPtJ3spcx7GudZzXlzSLM38CQCCvXC6FkeHz1ldJLK1kxiY2MlgAEoizuy6m5JO/cLDUrv4Ka6kQxv2rGWbvGtpaeljIaRoNAN3kFyWrrH4lU5R7Dbvd+Eak/zitjiOHU1fRTz07ZonwvsQ6WR7XAi7SM50uButcaam6w9moW0uFz1J9uU5GE/dYLm3m82/KplQqY57bOPMdssPpEX2cxSalrGy0xtKwvDTYOFnNcw3adDo4qZxduOLQSDvjG7ccj4Q246FmU+qxuyDBO9nlmcPDG3/qd/kFrtsKj+pxJ4G5pEY8mDxfMuVjz8TcfZEao3RT9WdWwj+0PTPYO+pqhknERhkrPMOLmn0I9StrF26UBPiZUsHN0QI/6HuPyXGm0rWiwAH8+q8pYx/P2UPxmXwi3/wAekuWfTOA7UU1awvppmSge0Bo9t92djrOb6gLar5KgqpaaVs0EjopW+y5psfI8CD903B4rt/Zj2rDED/T1AbHVtbdttGTNG8tB9l43luumo4gW67VNFC6h1s6MiIpSuEREAREQFCrVcVagCIiAKrVRVagKkqB1uzVPUuc8xgF7i67S5rvFre7SNePqp6VzOqoq2F8ncyRPYHODA4uacoOg3EbtPRUNbnCw8FzS4yzwl7M81wyolaz7t2k+QcRf4qL4hsQYnlpe8jzH7KRxbX1zCQ+lJ6sLXD5G/wAlDsY2xqpJTaCQeYI+qp1+Y33+hYeF2YG0OyrGwueLh7RcEm97cCoVM3Vo6a+qlOL1VU+MlzMrd5F9bKKxP8YJ4lXq8qPLK8sOSwWzUqluxfatWYc9rXPdPS7nRPcTlHOJx1YRy9npxGikj0WJJFe66haTWUJk82l7TKnE7tzdzSnTumE3cL/75+hf5aN6Hesjs3x1lHUkPs2ORuUnqDdt/n8VzzB5ssmXg7d5/wA+inWy2DComOcXY0XcOZvYA9N/wVXUt7sPos6eEHX1+JINvMObWOD6Uh0wI1ad9joS7c0jepngNPVERySPDJsgbLk1a9w3O1GnH/m6JheHsaAGtAA3AAAD0CkUFgFSVrh/5PLuVhkakZRiuMTnxitlbmdZga94Pis57WgEkNJsTc2usbamOnp4vtpAyN5y5Tch5IuQWNBzC2p0spRPh8bnBxY3OHBwdYZrt3G+/cLLGq4GueHloJaCG3ANsxBNvPKPgvPM5Tbf3IIpvggGK4GXU3cxODITqBGGtBza38IAN9NfmufbY00xEULW5YIwA0X431LvUk+q7LXEDcABwA3AcgFF8comyNPNWqr5ZWeROvGcFuBthw3CnHO0yPbndYgnUafJcywZ+aWR7vaNyfNxuV64tTll2g6cuCw8LlABHvEj4BTeXiEn7ktc4uccehvO9GnyVrgbeaMOnp9VUm3RUzS7MScA3/mq18GIPpp454jaSJzXtPVpvY9CNCORK2VQ2/6rUVzVcoeGUdTHKPrrA8WZVU0M7PYlY145jML2PUHT0WcoX2OyA4LSag2a8G3AiZ+h6jRTRaZiPsIiIeBERAUKtVxVqAIiIAqtVFVqAuXP6naJlPPJFO1zMrnZXOByuYTdrg7duIXQFHa42me1x32I6tIAH0I9FR1yWxNotaV/M0a+kxuleCQ5h9QoftRjlKyS+Ztzwv8ANSut2TpZGuc6NlzxAyu87tsVzuq2IpWvdYuOvvOv8ys2pQzzkuPPoafHtr4jG5rbEkEKBQEZwtltPTMimLYzotbSRXcOi04RUYcECy5cm2lPwWK4a2WRNJu6LGdNvUMEXZtGIzSVp5FdL2Iqi2R4a3MS29txOW5Ibwva+nTeuaZvEpZshipZUssdeHnvA9bEeq9vi5YOKpJKSOs4ftXTFjXGdjA4XGc5DbdudrvW2ZtDTkXFTDb8bf3WswvDoDE4SwslpjnfFducxmTxOYQNW2dmsRwNja2u8g2Hw8vOSGM+EHSzhYk68Tw5qOGkrsWYyILdRKLw4mINoad26qgP52/usWrx2Fo1qYB+dv7raxdntGQfsY/ad7pHvEcHBamXsyozAXZQNCdM44nhnXfwEf7iNaxr+k0lfjMRFxUQnye0/qoni20MYBtKw+RuttjHZzStiaQ+TXLusN9ud1A8Y2YDHuEJJsRcuI083bh9VLHSxj2zyWpcukYWJYgJDprqvDBmeMn+ea820vjyA3tfX6le1C3u5HMvwBXti+RpEmnf/Ymzd25eiufr5heTHi3T9V7RHTnwWYzbXJi1A+S1NWtzO23lw+l1p6sKzSVL0dO/s87QFs1RROPhcO+jHJzSGSAeYLD+Qrui+Y+xNpOOQ23Bk2by7pw+pavpxasejCsWJBERdEYREQFCrVcVagCIiAKrVRVagLljV2GxzACRgdbdfePJw1HoslF41kdEbrNhYX3AlqYweDZbj/8AQOsoXtt2QyvYDQSBrgCSJJJC+Q9XuzNHQANHXl1hFyq4LpHe+XufGWNYTUU0xjqonxy8ni1xzadzh1BIXhSyEHovsTHNn4KyIxVETZYzwcNQebXDVruoIK41tP8A2epGXfQzh7eEU3heOjZQMrvUN80lHKO4WYfJyt77rzKz8b2RrqO/9RSysA97Lmj/APsZdvzWkbVqHy2iz50WZJbZXMxAscC3QtII8wb3WP399BqTw4qTYD2V4jWEFlM5jD7832TLHiM3icPwgrpQz2cysx0THZnbBzmiSGTI/c9jtWE9Rw8xZSeLtDAP29Jf/HERf9D81o6/sYNBRd6JnSSAgzZBlaxlvaZe5IB3k8NbCyhlfh9ZHrGRK3po/wBWk6+l1UnRHcdK3dHJ1WLtLw9gLQ+piBJJFprXOpPHUlYE/aXhrY+7bPO5lrWvLuPU6rjdTitQNHsc38TSPqFgyYi8/wCi7Wnf9z+5z5x0nFe06my5YYXvt7Oe5AtusHEqFYntLLOTezRwA3D0WlBc49StpR0TW6u1Py/zUqrjAjdkpGRhlPYFx3nd5JVRWeH8LWd8dCskzqsbulxy4HouG/c7g8NYMim1H8+Ky4W8v4Vj0cAA4rKc62g0WXN88H0Na4yzFq5NP58VpaorZ1b1ragBWaVgqXvJP/7PXd/3hPm/2phtHyt3jTJ6+x6By+gl8v8AY9U5MaptdHGRp/NE+w+IC+oFqw6MK1YkERF2RBERAUKtVxVqAIiIAqtVFVqAuREQBERAEREAWixbYahqTmmpIHu+9kAefNzbE+pW9RAazCtmaWm/9vTQxHmyNrXHzcBc+pWzREBRzbix1BXO9o+zd4cZKPKWnUwuOW3/AA3HS3+E2tz4Loqj+2W1jKGC++Z9xE3gT953+EX9dyit2bcz6J9PXZbYq6lls4vj8EjS6CZhjeLZm5mnQi41YSORUOr8GLWucDoAT8lJaiodI9z3kue4lzid5JNyStTtBNlp39bD4n9li12ydmI9Nn6NPw2jT6Jqay4ptv64IlvIssqOrI9r4/usJk9l7teDuW00fmxsI6hp94LY0nisRuUeFOHHr+6lVFAAAOAFlT1MlGJoaKG+efYyGCw0Xm9uup/dZDgLb14S7r8lnJm1JcGvqJr3WuqZNCthKeYC1dYdFeqXJnXPjJiwvOhBsQbgjQ3ve4PAr6O7GdunV1K6Kd+apgsCT7T4j7LzzIILSfwk6uXznRRZtFscPqZqaZs0D3RysN2uH0I3EHcQdCFc3qMsGe63OOT7ARRnYDbRmJUglsGzN8M7B7r7bxf3Xbx6jeCpMrHZTaxwwiIh4UKtVxVqAIiIAqtVFVqAuREQBERAEREAREQBEUP7RMaqYGRNpyGmQvDnEC7Q1odcE6NAGYkkaAKOyxVxc5dIsabTy1Fqqi0m/fr3Nrjm07IT3bPHObeAa5QdAXcrnQDieQBcIzi9MXxPmdKJnXAnizB8DvEGmNrf925t7BwsbjXesXDMBkjhDwC+SQ3e4uyyZXA5pczvfI8I1u1rj7xde+hpTITHCWiMPa+eRgGTPG1rWRQ6We5uVri61rjd7q+D8R8Slqp5jLEIvr+f2+vXub1VFdDzXLrt+/v+C9vXOCC4ns7LF3jg0mJj3NuCC5rQ45TI0asuLEEgb+oUG2uqdGM83H6D9V3Kpw11zODHSBrHNizW7x5Ot53ONrE8Dd2pOhOnBtrMQZPWSvibkjJ8LeWniAtwzZrdLLV8Hud9mX6fr7P/AAaHiHikrNG6n28LK+7T/lfh+OhK3GzOyVVXvcyljEj2i7hnjYQCbXs9wuL8RfeOa1hWRhWLS0s7J4HlksZu0j5gjiCLgjiCQvqUfHSWCaV3ZTXUcH9TU9yxjXMBaH5pCXPDQBlBbxv7XBWUjNy6XtxtVHiGAMqIiNZYhK0HWOQe1G7yJFuYIPFcwpJ1m61c8Gt4c1tefcy3N4BY1RJYWtpdeuZYk8mqoxjyaU5LBhynUrT1rltZZFpqp13WWjSuTL1D4M/B4+i2U8OiuwOmGS9t6yaiOyrWWZsZbqqxWj12K2ufhtYJRcxu8M7B70d94H3mnUHzG4lfTdHVtljZJG4OY9ocxw3FrhcEeYK+SqxtivovskkJwalvykA/C2d4b8gFo6eWVgydXBJ5JgiIrJRKFWq4q1AEREAVWqiq1AXIiIAiIgCIiAIiIAob2oTPjpY5YzZzJRwBGV7HtIIOhBuNCpko/t5hj6igljjaXyeAtaLXJbI0m1+l1DqIb6pRxngveHzjDVVufWVnPWHw8/kcwwbFhMHRubE112lkYzRskFznjYS4sjkPhsbDjaxIIl1Jip/p5Szu4wHdzBG0gljr5MzyONyXW3ZWX1vdRGi7M695H2bY+r5Gi3WzC4j4KYRbGyNZesnY+QtLQ6Nlpg0jKR3ziM2hLbuYT4jYr5DUeE2Wc4wvr6f79++84PqvEbNFn5LE+elz9vT91z3nBzTaDaKfLM+ma8hoPjYwvlbGTlEksxBe3TjcC5XLO8X1PTujpIjFSQiJziMznOu82G8l+p479BfQarme02CU8pc50LM7jcuaMjieZy2ut/S+Tp47Y8v1ZieIXPUz3QW2K4Sfb+r+rOSByBt9ylT9i2k+FzwOWhWdS7JZWnI0kjeTvV53RRlqEmbvs2wgVWE4hTRNvWGSF9ibB0THtcCL8QRIPzN5rKo+zyctdoPDnHEHM2QN4/mPotBshir6DFYHgEBzhFIPvRyODSPQ2cOrQu9b5Hnm53/cVU1kvlTRa0snBtHLKzs/nY0FozXB0G/fv+GX5qK4thEsTbvY4aNOoO5wJH0K+gw1YeKYayRha9ocOo6EfqVnxsaLXm7uGfMNRVcFmHCxHh4qJG+Oebu6e9xaOEEzvHA3c+Jgvfc/ipvtxsBHG0yRAi2paOVySAT56eS8O2CGJ0GGCleHQtprxsAsWx+H7R1veeQQRzid1WxRKMo5RQv3RkkzRYccsYAJI6/ur55xY3P8/l1GosVcGgXSTE9FVemk5ZNFauKjgz6Wikq6qKni9uV4aOlzq49GgFx6Ar6xwfC2U1PFBGLRxMaxvOzRa56neepXGuxDDqaDPVVLw2pf4Yg8OAZEbXdmIsC46b9AP8RXbo5Q4AtIIO4g3B8iN60KkksIx75ucssvREUpAUKtVxVqAIiIAqtVFVqAuREQBERAEREAREQBERAFo9oGua5rxfKRkNhq0k6PvwFiRfnbmt4rJoQ9pa4XaRYjmCora1ZBxZ3XLbLJFxTCXNldkjabeH2nOG8l2/ppr1UfxLCYjJ4i5xH3jdbLG6WejjeIIZZoyS5mS8jxfUtc32jrexF9N6jeC7I4hXF0krnUUfuB7M0zj1jzDI3zN+nFZMdLZuaNGN1cVlsurKaNjCbAALC7OagVMs7dC1jrkcMzjZo9A0/FbX/00rpHBk08Ahv4nsLzIW8crHNsHHqSB13KWVuy7oY4/wChbG3u2hnduJa1zASb5wCc9y43N73N7b1N8NPY/c5lqIOSx0c5202Yb/V0z2eF3fxDT8YN7dLXXQ4DYLRv2Uq3yioqnRsZE4OjjYS9znE5bvdYBoGbcL+i3TH+K3RVb4yioxkT1uMk3EymPXodQsWF/iIXtBJqQqx5KOCPbTUeaN3kuLvyxyOa/XLo2+tm3JyjkLl2nUru+OjwFcNx2mDp5OY/zV7Svho5u5SZvMB2Gpak3ew3OtmvcAfgty/YilpjmZTi44uzSfDMSArOzmGWORjJ43xuLMzQ8WzRn2XNPvDqF0Vzm6Lm2ycZbW2dVwhKOUiFMhLgCxucnXKLZ7cfCdRZbXAqiemn8DSWu9qMnKH88od744Ea8Dot9i+EwyRE5QHDUEaOBG4gjUHqtRhOJf1VI9suskb3Rl3FwaA5rjb3rOtfmLriNrXzROGt3y4JhQbSxyXuHMtvDrXbfdmG8ee7qtwuTS47nNM5gfNKWPjkEbS9x8JaS4NGgztZcnS5C6jh0bmwxtf7YY0O4+INAOvndaumsnNPcUrq4wxg9yrVcVarRXCIiAKrVRVagLkREAREQBERAEREAREQBERAEREAREQGHi8RdA8DU2uBzykOt8lFGzfasI3EH6X/AEU3UbxLY8ueHQzGHW5GQSN/KCRbjpqOio6rTu1pxLmmvVaakYIdaoA4EH5f6q6eoySsvudp6r1xXZKd7mOhqWsLSL54sxOljbK9o9LeqwdoNiqyXIYaqMFpB8cZaLjj4S7Tpb1VL4KwsfFQLdqJSIiWi5suS1OCSNzPcQ4uNyBw5C/FdkqtlqosaO8hebeK4fGM3T27j4LWRdmksrvt5mMj4iK7nEcszwA3zsVLVRbDjBxO2trs22zmEtqsLoi+7ZGRM7t49ppDQw797SALjjYcQCKO2GlMpkNY/RpDGBjWx5raF9ySdeVlKaOkbFGyONoaxjQ1oG4NaLAfBey0XTCXMkU1bOPEWQiXD66xYIGEnTP3rcnn9635VbgPZl3Fy+qld3hzTMaGtYXcmOIztFrC97m3DhOUXENNXDpHUr5y9TEoMIhgv3MMUWb2u7Y1l7c8oF95WWiKwQFCrVcVagCIiAKrURAXIiIAiIgCIiAIiIAiIgCIiAIiIAiIgCIiAIiIAiIgCIiAIiIAiIgKFWoiAIiID//Z"/>
+          <p:cNvSpPr>
+            <a:spLocks noChangeAspect="1" noChangeArrowheads="1"/>
+          </p:cNvSpPr>
+          <p:nvPr/>
+        </p:nvSpPr>
+        <p:spPr bwMode="auto">
+          <a:xfrm>
+            <a:off x="307975" y="7937"/>
+            <a:ext cx="304800" cy="304801"/>
+          </a:xfrm>
+          <a:prstGeom prst="rect">
+            <a:avLst/>
+          </a:prstGeom>
+          <a:noFill/>
+          <a:extLst>
+            <a:ext uri="{909E8E84-426E-40DD-AFC4-6F175D3DCCD1}">
+              <a14:hiddenFill xmlns:a14="http://schemas.microsoft.com/office/drawing/2010/main">
+                <a:solidFill>
+                  <a:srgbClr val="FFFFFF"/>
+                </a:solidFill>
+              </a14:hiddenFill>
+            </a:ext>
+          </a:extLst>
+        </p:spPr>
+        <p:txBody>
+          <a:bodyPr vert="horz" wrap="square" lIns="91440" tIns="45720" rIns="91440" bIns="45720" numCol="1" anchor="t" anchorCtr="0" compatLnSpc="1">
+            <a:prstTxWarp prst="textNoShape">
+              <a:avLst/>
+            </a:prstTxWarp>
+          </a:bodyPr>
+          <a:lstStyle/>
+          <a:p>
+            <a:endParaRPr lang="ja-JP" altLang="en-US"/>
           </a:p>
         </p:txBody>
       </p:sp>
     </p:spTree>
     <p:extLst>
       <p:ext uri="{BB962C8B-B14F-4D97-AF65-F5344CB8AC3E}">
-        <p14:creationId xmlns:p14="http://schemas.microsoft.com/office/powerpoint/2010/main" val="3722422502"/>
+        <p14:creationId xmlns:p14="http://schemas.microsoft.com/office/powerpoint/2010/main" val="1588375918"/>
       </p:ext>
     </p:extLst>
   </p:cSld>
@@ -9052,46 +10577,50 @@
           <a:lstStyle/>
           <a:p>
             <a:r>
-              <a:rPr kumimoji="1" lang="ja-JP" altLang="en-US" sz="4000" smtClean="0"/>
-              <a:t>研究背景</a:t>
-            </a:r>
-            <a:endParaRPr kumimoji="1" lang="en-US" altLang="ja-JP" sz="4000" smtClean="0"/>
-          </a:p>
-          <a:p>
-            <a:r>
-              <a:rPr lang="ja-JP" altLang="en-US" sz="4000"/>
+              <a:rPr kumimoji="1" lang="ja-JP" altLang="en-US" sz="4000" dirty="0" smtClean="0"/>
               <a:t>研究</a:t>
             </a:r>
             <a:r>
-              <a:rPr lang="ja-JP" altLang="en-US" sz="4000" smtClean="0"/>
+              <a:rPr kumimoji="1" lang="ja-JP" altLang="en-US" sz="4000" dirty="0" smtClean="0"/>
+              <a:t>背景</a:t>
+            </a:r>
+            <a:endParaRPr kumimoji="1" lang="en-US" altLang="ja-JP" sz="4000" dirty="0" smtClean="0"/>
+          </a:p>
+          <a:p>
+            <a:r>
+              <a:rPr lang="ja-JP" altLang="en-US" sz="4000" dirty="0"/>
+              <a:t>研究</a:t>
+            </a:r>
+            <a:r>
+              <a:rPr lang="ja-JP" altLang="en-US" sz="4000" dirty="0" smtClean="0"/>
               <a:t>概要</a:t>
             </a:r>
-            <a:endParaRPr lang="en-US" altLang="ja-JP" sz="4000" smtClean="0"/>
-          </a:p>
-          <a:p>
-            <a:r>
-              <a:rPr kumimoji="1" lang="ja-JP" altLang="en-US" sz="4000" smtClean="0"/>
+            <a:endParaRPr lang="en-US" altLang="ja-JP" sz="4000" dirty="0" smtClean="0"/>
+          </a:p>
+          <a:p>
+            <a:r>
+              <a:rPr kumimoji="1" lang="ja-JP" altLang="en-US" sz="4000" dirty="0" smtClean="0"/>
               <a:t>進捗状況</a:t>
             </a:r>
-            <a:endParaRPr kumimoji="1" lang="en-US" altLang="ja-JP" sz="4000" smtClean="0"/>
-          </a:p>
-          <a:p>
-            <a:r>
-              <a:rPr lang="ja-JP" altLang="en-US" sz="4000"/>
+            <a:endParaRPr kumimoji="1" lang="en-US" altLang="ja-JP" sz="4000" dirty="0" smtClean="0"/>
+          </a:p>
+          <a:p>
+            <a:r>
+              <a:rPr lang="ja-JP" altLang="en-US" sz="4000" dirty="0"/>
               <a:t>まとめ</a:t>
             </a:r>
-            <a:endParaRPr kumimoji="1" lang="en-US" altLang="ja-JP" sz="4000" smtClean="0"/>
-          </a:p>
-          <a:p>
-            <a:r>
-              <a:rPr lang="ja-JP" altLang="en-US" sz="4000"/>
+            <a:endParaRPr kumimoji="1" lang="en-US" altLang="ja-JP" sz="4000" dirty="0" smtClean="0"/>
+          </a:p>
+          <a:p>
+            <a:r>
+              <a:rPr lang="ja-JP" altLang="en-US" sz="4000" dirty="0"/>
               <a:t>今後</a:t>
             </a:r>
             <a:r>
-              <a:rPr lang="ja-JP" altLang="en-US" sz="4000" smtClean="0"/>
+              <a:rPr lang="ja-JP" altLang="en-US" sz="4000" dirty="0" smtClean="0"/>
               <a:t>の予定</a:t>
             </a:r>
-            <a:endParaRPr kumimoji="1" lang="en-US" altLang="ja-JP" sz="4000" smtClean="0"/>
+            <a:endParaRPr kumimoji="1" lang="en-US" altLang="ja-JP" sz="4000" dirty="0" smtClean="0"/>
           </a:p>
         </p:txBody>
       </p:sp>
@@ -9099,6 +10628,226 @@
     <p:extLst>
       <p:ext uri="{BB962C8B-B14F-4D97-AF65-F5344CB8AC3E}">
         <p14:creationId xmlns:p14="http://schemas.microsoft.com/office/powerpoint/2010/main" val="1637910124"/>
+      </p:ext>
+    </p:extLst>
+  </p:cSld>
+  <p:clrMapOvr>
+    <a:masterClrMapping/>
+  </p:clrMapOvr>
+  <p:timing>
+    <p:tnLst>
+      <p:par>
+        <p:cTn id="1" dur="indefinite" restart="never" nodeType="tmRoot"/>
+      </p:par>
+    </p:tnLst>
+  </p:timing>
+</p:sld>
+</file>
+
+<file path=ppt/slides/slide20.xml><?xml version="1.0" encoding="utf-8"?>
+<p:sld xmlns:a="http://schemas.openxmlformats.org/drawingml/2006/main" xmlns:r="http://schemas.openxmlformats.org/officeDocument/2006/relationships" xmlns:p="http://schemas.openxmlformats.org/presentationml/2006/main">
+  <p:cSld>
+    <p:spTree>
+      <p:nvGrpSpPr>
+        <p:cNvPr id="1" name=""/>
+        <p:cNvGrpSpPr/>
+        <p:nvPr/>
+      </p:nvGrpSpPr>
+      <p:grpSpPr>
+        <a:xfrm>
+          <a:off x="0" y="0"/>
+          <a:ext cx="0" cy="0"/>
+          <a:chOff x="0" y="0"/>
+          <a:chExt cx="0" cy="0"/>
+        </a:xfrm>
+      </p:grpSpPr>
+      <p:sp>
+        <p:nvSpPr>
+          <p:cNvPr id="2" name="タイトル 1"/>
+          <p:cNvSpPr>
+            <a:spLocks noGrp="1"/>
+          </p:cNvSpPr>
+          <p:nvPr>
+            <p:ph type="title"/>
+          </p:nvPr>
+        </p:nvSpPr>
+        <p:spPr/>
+        <p:txBody>
+          <a:bodyPr/>
+          <a:lstStyle/>
+          <a:p>
+            <a:r>
+              <a:rPr kumimoji="1" lang="ja-JP" altLang="en-US" smtClean="0"/>
+              <a:t>まとめ</a:t>
+            </a:r>
+            <a:endParaRPr kumimoji="1" lang="ja-JP" altLang="en-US"/>
+          </a:p>
+        </p:txBody>
+      </p:sp>
+      <p:sp>
+        <p:nvSpPr>
+          <p:cNvPr id="3" name="コンテンツ プレースホルダー 2"/>
+          <p:cNvSpPr>
+            <a:spLocks noGrp="1"/>
+          </p:cNvSpPr>
+          <p:nvPr>
+            <p:ph idx="1"/>
+          </p:nvPr>
+        </p:nvSpPr>
+        <p:spPr/>
+        <p:txBody>
+          <a:bodyPr/>
+          <a:lstStyle/>
+          <a:p>
+            <a:r>
+              <a:rPr lang="ja-JP" altLang="en-US" smtClean="0"/>
+              <a:t>組込みシステム業界におけるモデルベース開発の現状</a:t>
+            </a:r>
+            <a:endParaRPr lang="en-US" altLang="ja-JP" smtClean="0"/>
+          </a:p>
+          <a:p>
+            <a:r>
+              <a:rPr lang="en-US" altLang="ja-JP" smtClean="0"/>
+              <a:t>UMTP Japan</a:t>
+            </a:r>
+            <a:r>
+              <a:rPr lang="ja-JP" altLang="en-US" smtClean="0"/>
+              <a:t>がモデルカタログを発表</a:t>
+            </a:r>
+            <a:endParaRPr lang="en-US" altLang="ja-JP" smtClean="0"/>
+          </a:p>
+          <a:p>
+            <a:r>
+              <a:rPr lang="ja-JP" altLang="en-US" smtClean="0"/>
+              <a:t>有用性が明らかになっていないため、有用性の検証を行う</a:t>
+            </a:r>
+            <a:endParaRPr lang="en-US" altLang="ja-JP" smtClean="0"/>
+          </a:p>
+          <a:p>
+            <a:r>
+              <a:rPr lang="ja-JP" altLang="en-US" smtClean="0"/>
+              <a:t>どうやって？</a:t>
+            </a:r>
+            <a:endParaRPr lang="en-US" altLang="ja-JP" smtClean="0"/>
+          </a:p>
+        </p:txBody>
+      </p:sp>
+    </p:spTree>
+    <p:extLst>
+      <p:ext uri="{BB962C8B-B14F-4D97-AF65-F5344CB8AC3E}">
+        <p14:creationId xmlns:p14="http://schemas.microsoft.com/office/powerpoint/2010/main" val="508215717"/>
+      </p:ext>
+    </p:extLst>
+  </p:cSld>
+  <p:clrMapOvr>
+    <a:masterClrMapping/>
+  </p:clrMapOvr>
+  <p:timing>
+    <p:tnLst>
+      <p:par>
+        <p:cTn id="1" dur="indefinite" restart="never" nodeType="tmRoot"/>
+      </p:par>
+    </p:tnLst>
+  </p:timing>
+</p:sld>
+</file>
+
+<file path=ppt/slides/slide21.xml><?xml version="1.0" encoding="utf-8"?>
+<p:sld xmlns:a="http://schemas.openxmlformats.org/drawingml/2006/main" xmlns:r="http://schemas.openxmlformats.org/officeDocument/2006/relationships" xmlns:p="http://schemas.openxmlformats.org/presentationml/2006/main">
+  <p:cSld>
+    <p:spTree>
+      <p:nvGrpSpPr>
+        <p:cNvPr id="1" name=""/>
+        <p:cNvGrpSpPr/>
+        <p:nvPr/>
+      </p:nvGrpSpPr>
+      <p:grpSpPr>
+        <a:xfrm>
+          <a:off x="0" y="0"/>
+          <a:ext cx="0" cy="0"/>
+          <a:chOff x="0" y="0"/>
+          <a:chExt cx="0" cy="0"/>
+        </a:xfrm>
+      </p:grpSpPr>
+      <p:sp>
+        <p:nvSpPr>
+          <p:cNvPr id="2" name="タイトル 1"/>
+          <p:cNvSpPr>
+            <a:spLocks noGrp="1"/>
+          </p:cNvSpPr>
+          <p:nvPr>
+            <p:ph type="title"/>
+          </p:nvPr>
+        </p:nvSpPr>
+        <p:spPr/>
+        <p:txBody>
+          <a:bodyPr/>
+          <a:lstStyle/>
+          <a:p>
+            <a:r>
+              <a:rPr kumimoji="1" lang="ja-JP" altLang="en-US" smtClean="0"/>
+              <a:t>今後の予定</a:t>
+            </a:r>
+            <a:endParaRPr kumimoji="1" lang="ja-JP" altLang="en-US"/>
+          </a:p>
+        </p:txBody>
+      </p:sp>
+      <p:sp>
+        <p:nvSpPr>
+          <p:cNvPr id="3" name="コンテンツ プレースホルダー 2"/>
+          <p:cNvSpPr>
+            <a:spLocks noGrp="1"/>
+          </p:cNvSpPr>
+          <p:nvPr>
+            <p:ph idx="1"/>
+          </p:nvPr>
+        </p:nvSpPr>
+        <p:spPr/>
+        <p:txBody>
+          <a:bodyPr/>
+          <a:lstStyle/>
+          <a:p>
+            <a:r>
+              <a:rPr lang="ja-JP" altLang="en-US"/>
+              <a:t>二輪制御ロボットに対してはモデルカタログは有効である可能性が高い</a:t>
+            </a:r>
+            <a:endParaRPr lang="en-US" altLang="ja-JP"/>
+          </a:p>
+          <a:p>
+            <a:r>
+              <a:rPr lang="ja-JP" altLang="en-US"/>
+              <a:t>一部未実装のクラス（機能）があるため、それを検証</a:t>
+            </a:r>
+            <a:endParaRPr lang="en-US" altLang="ja-JP"/>
+          </a:p>
+          <a:p>
+            <a:r>
+              <a:rPr lang="ja-JP" altLang="en-US"/>
+              <a:t>リアルタイム</a:t>
+            </a:r>
+            <a:r>
+              <a:rPr lang="en-US" altLang="ja-JP"/>
+              <a:t>OS</a:t>
+            </a:r>
+            <a:r>
+              <a:rPr lang="ja-JP" altLang="en-US"/>
+              <a:t>では無い環境での排他制御は可能か？</a:t>
+            </a:r>
+            <a:endParaRPr lang="en-US" altLang="ja-JP"/>
+          </a:p>
+          <a:p>
+            <a:r>
+              <a:rPr kumimoji="1" lang="ja-JP" altLang="en-US" smtClean="0"/>
+              <a:t>他の組込み機器に対して実装を行なってみたい</a:t>
+            </a:r>
+            <a:endParaRPr kumimoji="1" lang="ja-JP" altLang="en-US"/>
+          </a:p>
+        </p:txBody>
+      </p:sp>
+    </p:spTree>
+    <p:extLst>
+      <p:ext uri="{BB962C8B-B14F-4D97-AF65-F5344CB8AC3E}">
+        <p14:creationId xmlns:p14="http://schemas.microsoft.com/office/powerpoint/2010/main" val="3722422502"/>
       </p:ext>
     </p:extLst>
   </p:cSld>
@@ -9176,52 +10925,17 @@
           <a:p>
             <a:r>
               <a:rPr lang="ja-JP" altLang="en-US" dirty="0" smtClean="0"/>
-              <a:t>モデリングとは</a:t>
+              <a:t>モデルベース開発</a:t>
             </a:r>
             <a:r>
               <a:rPr lang="ja-JP" altLang="en-US" dirty="0" smtClean="0"/>
-              <a:t>？</a:t>
+              <a:t>と</a:t>
+            </a:r>
+            <a:r>
+              <a:rPr lang="ja-JP" altLang="en-US" dirty="0" smtClean="0"/>
+              <a:t>は？</a:t>
             </a:r>
             <a:endParaRPr lang="en-US" altLang="ja-JP" dirty="0"/>
-          </a:p>
-          <a:p>
-            <a:pPr lvl="1"/>
-            <a:r>
-              <a:rPr lang="ja-JP" altLang="en-US" dirty="0"/>
-              <a:t>　従来のソフトウェア開発のようなソースコードによる開発とは異なり、開発の初期段階で実現すべき機能を設計図・モデルで作成し、開発の上流工程から下流工程において、これを検証しながら開発プロセスを進めていく開発手法のこと</a:t>
-            </a:r>
-            <a:r>
-              <a:rPr lang="ja-JP" altLang="en-US" dirty="0" smtClean="0"/>
-              <a:t>。</a:t>
-            </a:r>
-            <a:endParaRPr lang="en-US" altLang="ja-JP" dirty="0" smtClean="0"/>
-          </a:p>
-          <a:p>
-            <a:pPr lvl="1"/>
-            <a:r>
-              <a:rPr lang="ja-JP" altLang="en-US" dirty="0" smtClean="0"/>
-              <a:t>実際</a:t>
-            </a:r>
-            <a:r>
-              <a:rPr lang="ja-JP" altLang="en-US" dirty="0"/>
-              <a:t>にソースコードを書きはじめる前に、目的の機能をシミュレートできるため、仕様や機能の不具合を初期段階で発見でき、開発効率の向上やコスト削減にも効果があるとされている</a:t>
-            </a:r>
-            <a:r>
-              <a:rPr lang="ja-JP" altLang="en-US" dirty="0" smtClean="0"/>
-              <a:t>。</a:t>
-            </a:r>
-            <a:endParaRPr lang="en-US" altLang="ja-JP" dirty="0" smtClean="0"/>
-          </a:p>
-          <a:p>
-            <a:pPr lvl="1"/>
-            <a:r>
-              <a:rPr lang="ja-JP" altLang="en-US" dirty="0" smtClean="0"/>
-              <a:t>ソフトウェア</a:t>
-            </a:r>
-            <a:r>
-              <a:rPr lang="ja-JP" altLang="en-US" dirty="0"/>
-              <a:t>で実装したい機能を抽象度の高いモデルとして可視化することで、ソフトウェア資産の再利用性を高めることができる。</a:t>
-            </a:r>
           </a:p>
           <a:p>
             <a:pPr lvl="1"/>
@@ -9244,6 +10958,379 @@
           <a:p>
             <a:pPr lvl="1"/>
             <a:endParaRPr lang="en-US" altLang="ja-JP" dirty="0" smtClean="0"/>
+          </a:p>
+        </p:txBody>
+      </p:sp>
+      <p:sp>
+        <p:nvSpPr>
+          <p:cNvPr id="4" name="正方形/長方形 3"/>
+          <p:cNvSpPr/>
+          <p:nvPr/>
+        </p:nvSpPr>
+        <p:spPr>
+          <a:xfrm>
+            <a:off x="539552" y="2132856"/>
+            <a:ext cx="8208912" cy="936104"/>
+          </a:xfrm>
+          <a:prstGeom prst="rect">
+            <a:avLst/>
+          </a:prstGeom>
+        </p:spPr>
+        <p:style>
+          <a:lnRef idx="2">
+            <a:schemeClr val="accent5"/>
+          </a:lnRef>
+          <a:fillRef idx="1">
+            <a:schemeClr val="lt1"/>
+          </a:fillRef>
+          <a:effectRef idx="0">
+            <a:schemeClr val="accent5"/>
+          </a:effectRef>
+          <a:fontRef idx="minor">
+            <a:schemeClr val="dk1"/>
+          </a:fontRef>
+        </p:style>
+        <p:txBody>
+          <a:bodyPr rtlCol="0" anchor="ctr"/>
+          <a:lstStyle/>
+          <a:p>
+            <a:pPr algn="ctr"/>
+            <a:r>
+              <a:rPr lang="ja-JP" altLang="en-US" sz="2400" dirty="0"/>
+              <a:t>実現すべき機能を設計図・モデルで作成し</a:t>
+            </a:r>
+            <a:r>
+              <a:rPr lang="ja-JP" altLang="en-US" sz="2400" dirty="0" smtClean="0"/>
+              <a:t>、開発工程において、</a:t>
+            </a:r>
+            <a:endParaRPr lang="en-US" altLang="ja-JP" sz="2400" dirty="0" smtClean="0"/>
+          </a:p>
+          <a:p>
+            <a:pPr algn="ctr"/>
+            <a:r>
+              <a:rPr lang="ja-JP" altLang="en-US" sz="2400" dirty="0" smtClean="0"/>
+              <a:t>これ</a:t>
+            </a:r>
+            <a:r>
+              <a:rPr lang="ja-JP" altLang="en-US" sz="2400" dirty="0"/>
+              <a:t>を検証しながら開発プロセスを進めていく開発</a:t>
+            </a:r>
+            <a:r>
+              <a:rPr lang="ja-JP" altLang="en-US" sz="2400" dirty="0" smtClean="0"/>
+              <a:t>手法</a:t>
+            </a:r>
+            <a:endParaRPr kumimoji="1" lang="ja-JP" altLang="en-US" sz="2400" dirty="0"/>
+          </a:p>
+        </p:txBody>
+      </p:sp>
+      <p:sp>
+        <p:nvSpPr>
+          <p:cNvPr id="5" name="下矢印 4"/>
+          <p:cNvSpPr/>
+          <p:nvPr/>
+        </p:nvSpPr>
+        <p:spPr>
+          <a:xfrm>
+            <a:off x="4175956" y="3212976"/>
+            <a:ext cx="936104" cy="504056"/>
+          </a:xfrm>
+          <a:prstGeom prst="downArrow">
+            <a:avLst/>
+          </a:prstGeom>
+        </p:spPr>
+        <p:style>
+          <a:lnRef idx="2">
+            <a:schemeClr val="accent1">
+              <a:shade val="50000"/>
+            </a:schemeClr>
+          </a:lnRef>
+          <a:fillRef idx="1">
+            <a:schemeClr val="accent1"/>
+          </a:fillRef>
+          <a:effectRef idx="0">
+            <a:schemeClr val="accent1"/>
+          </a:effectRef>
+          <a:fontRef idx="minor">
+            <a:schemeClr val="lt1"/>
+          </a:fontRef>
+        </p:style>
+        <p:txBody>
+          <a:bodyPr rtlCol="0" anchor="ctr"/>
+          <a:lstStyle/>
+          <a:p>
+            <a:pPr algn="ctr"/>
+            <a:endParaRPr kumimoji="1" lang="ja-JP" altLang="en-US"/>
+          </a:p>
+        </p:txBody>
+      </p:sp>
+      <p:sp>
+        <p:nvSpPr>
+          <p:cNvPr id="8" name="正方形/長方形 7"/>
+          <p:cNvSpPr/>
+          <p:nvPr/>
+        </p:nvSpPr>
+        <p:spPr>
+          <a:xfrm>
+            <a:off x="467544" y="3789040"/>
+            <a:ext cx="4032448" cy="936104"/>
+          </a:xfrm>
+          <a:prstGeom prst="rect">
+            <a:avLst/>
+          </a:prstGeom>
+        </p:spPr>
+        <p:style>
+          <a:lnRef idx="2">
+            <a:schemeClr val="accent5"/>
+          </a:lnRef>
+          <a:fillRef idx="1">
+            <a:schemeClr val="lt1"/>
+          </a:fillRef>
+          <a:effectRef idx="0">
+            <a:schemeClr val="accent5"/>
+          </a:effectRef>
+          <a:fontRef idx="minor">
+            <a:schemeClr val="dk1"/>
+          </a:fontRef>
+        </p:style>
+        <p:txBody>
+          <a:bodyPr rtlCol="0" anchor="ctr"/>
+          <a:lstStyle/>
+          <a:p>
+            <a:pPr algn="ctr"/>
+            <a:r>
+              <a:rPr lang="en-US" altLang="ja-JP" sz="2000" dirty="0" smtClean="0"/>
+              <a:t>[</a:t>
+            </a:r>
+            <a:r>
+              <a:rPr lang="ja-JP" altLang="en-US" sz="2000" dirty="0" smtClean="0">
+                <a:solidFill>
+                  <a:srgbClr val="7030A0"/>
+                </a:solidFill>
+              </a:rPr>
+              <a:t>実装前に機能のシミュレート</a:t>
+            </a:r>
+            <a:r>
+              <a:rPr lang="en-US" altLang="ja-JP" sz="2000" dirty="0" smtClean="0"/>
+              <a:t>]</a:t>
+            </a:r>
+          </a:p>
+          <a:p>
+            <a:pPr algn="ctr"/>
+            <a:r>
+              <a:rPr lang="ja-JP" altLang="en-US" dirty="0" smtClean="0"/>
+              <a:t>初期</a:t>
+            </a:r>
+            <a:r>
+              <a:rPr lang="ja-JP" altLang="en-US" dirty="0"/>
+              <a:t>段階</a:t>
+            </a:r>
+            <a:r>
+              <a:rPr lang="ja-JP" altLang="en-US" dirty="0" smtClean="0"/>
+              <a:t>で不具合を発見</a:t>
+            </a:r>
+            <a:r>
+              <a:rPr lang="ja-JP" altLang="en-US" dirty="0"/>
+              <a:t>可能</a:t>
+            </a:r>
+            <a:r>
+              <a:rPr lang="ja-JP" altLang="en-US" dirty="0" smtClean="0"/>
+              <a:t>、</a:t>
+            </a:r>
+            <a:endParaRPr lang="en-US" altLang="ja-JP" dirty="0" smtClean="0"/>
+          </a:p>
+          <a:p>
+            <a:pPr algn="ctr"/>
+            <a:r>
+              <a:rPr lang="ja-JP" altLang="en-US" dirty="0" smtClean="0"/>
+              <a:t>開発</a:t>
+            </a:r>
+            <a:r>
+              <a:rPr lang="ja-JP" altLang="en-US" dirty="0"/>
+              <a:t>効率の向上やコスト</a:t>
+            </a:r>
+            <a:r>
+              <a:rPr lang="ja-JP" altLang="en-US" dirty="0" smtClean="0"/>
+              <a:t>削減</a:t>
+            </a:r>
+            <a:endParaRPr kumimoji="1" lang="ja-JP" altLang="en-US" dirty="0"/>
+          </a:p>
+        </p:txBody>
+      </p:sp>
+      <p:sp>
+        <p:nvSpPr>
+          <p:cNvPr id="10" name="正方形/長方形 9"/>
+          <p:cNvSpPr/>
+          <p:nvPr/>
+        </p:nvSpPr>
+        <p:spPr>
+          <a:xfrm>
+            <a:off x="4788024" y="3789040"/>
+            <a:ext cx="3888432" cy="936104"/>
+          </a:xfrm>
+          <a:prstGeom prst="rect">
+            <a:avLst/>
+          </a:prstGeom>
+        </p:spPr>
+        <p:style>
+          <a:lnRef idx="2">
+            <a:schemeClr val="accent5"/>
+          </a:lnRef>
+          <a:fillRef idx="1">
+            <a:schemeClr val="lt1"/>
+          </a:fillRef>
+          <a:effectRef idx="0">
+            <a:schemeClr val="accent5"/>
+          </a:effectRef>
+          <a:fontRef idx="minor">
+            <a:schemeClr val="dk1"/>
+          </a:fontRef>
+        </p:style>
+        <p:txBody>
+          <a:bodyPr rtlCol="0" anchor="ctr"/>
+          <a:lstStyle/>
+          <a:p>
+            <a:pPr algn="ctr"/>
+            <a:r>
+              <a:rPr lang="en-US" altLang="ja-JP" sz="2000" dirty="0" smtClean="0"/>
+              <a:t>[</a:t>
+            </a:r>
+            <a:r>
+              <a:rPr lang="ja-JP" altLang="en-US" sz="2000" dirty="0" smtClean="0">
+                <a:solidFill>
+                  <a:srgbClr val="7030A0"/>
+                </a:solidFill>
+              </a:rPr>
+              <a:t>ソフトウェア資産の再利用性向上</a:t>
+            </a:r>
+            <a:r>
+              <a:rPr lang="en-US" altLang="ja-JP" sz="2000" dirty="0" smtClean="0"/>
+              <a:t>]</a:t>
+            </a:r>
+          </a:p>
+          <a:p>
+            <a:pPr algn="ctr"/>
+            <a:r>
+              <a:rPr lang="ja-JP" altLang="en-US" sz="2000" dirty="0" smtClean="0"/>
+              <a:t>ソフトウェア</a:t>
+            </a:r>
+            <a:r>
+              <a:rPr lang="ja-JP" altLang="en-US" sz="2000" dirty="0"/>
+              <a:t>で実装したい機能</a:t>
+            </a:r>
+            <a:r>
+              <a:rPr lang="ja-JP" altLang="en-US" sz="2000" dirty="0" smtClean="0"/>
+              <a:t>を</a:t>
+            </a:r>
+            <a:endParaRPr lang="en-US" altLang="ja-JP" sz="2000" dirty="0" smtClean="0"/>
+          </a:p>
+          <a:p>
+            <a:pPr algn="ctr"/>
+            <a:r>
+              <a:rPr lang="ja-JP" altLang="en-US" sz="2000" dirty="0" smtClean="0"/>
+              <a:t>抽象度</a:t>
+            </a:r>
+            <a:r>
+              <a:rPr lang="ja-JP" altLang="en-US" sz="2000" dirty="0"/>
+              <a:t>の高いモデルとして</a:t>
+            </a:r>
+            <a:r>
+              <a:rPr lang="ja-JP" altLang="en-US" sz="2000" dirty="0" smtClean="0"/>
+              <a:t>可視化</a:t>
+            </a:r>
+            <a:endParaRPr lang="en-US" altLang="ja-JP" sz="2000" dirty="0" smtClean="0"/>
+          </a:p>
+        </p:txBody>
+      </p:sp>
+      <p:sp>
+        <p:nvSpPr>
+          <p:cNvPr id="13" name="正方形/長方形 12"/>
+          <p:cNvSpPr/>
+          <p:nvPr/>
+        </p:nvSpPr>
+        <p:spPr>
+          <a:xfrm>
+            <a:off x="2339752" y="5373216"/>
+            <a:ext cx="6821416" cy="936104"/>
+          </a:xfrm>
+          <a:prstGeom prst="rect">
+            <a:avLst/>
+          </a:prstGeom>
+          <a:ln>
+            <a:noFill/>
+          </a:ln>
+        </p:spPr>
+        <p:style>
+          <a:lnRef idx="2">
+            <a:schemeClr val="accent5"/>
+          </a:lnRef>
+          <a:fillRef idx="1">
+            <a:schemeClr val="lt1"/>
+          </a:fillRef>
+          <a:effectRef idx="0">
+            <a:schemeClr val="accent5"/>
+          </a:effectRef>
+          <a:fontRef idx="minor">
+            <a:schemeClr val="dk1"/>
+          </a:fontRef>
+        </p:style>
+        <p:txBody>
+          <a:bodyPr rtlCol="0" anchor="ctr"/>
+          <a:lstStyle/>
+          <a:p>
+            <a:pPr algn="ctr"/>
+            <a:r>
+              <a:rPr kumimoji="1" lang="ja-JP" altLang="en-US" sz="2800" u="sng" dirty="0" smtClean="0"/>
+              <a:t>組込みシステム業界でモデルベース開発を実施する例</a:t>
+            </a:r>
+            <a:r>
+              <a:rPr lang="ja-JP" altLang="en-US" sz="2800" u="sng" dirty="0" smtClean="0"/>
+              <a:t>が</a:t>
+            </a:r>
+            <a:r>
+              <a:rPr kumimoji="1" lang="ja-JP" altLang="en-US" sz="2800" u="sng" dirty="0" smtClean="0"/>
+              <a:t>増加している</a:t>
+            </a:r>
+            <a:endParaRPr kumimoji="1" lang="en-US" altLang="ja-JP" sz="2800" u="sng" dirty="0" smtClean="0"/>
+          </a:p>
+        </p:txBody>
+      </p:sp>
+      <p:sp>
+        <p:nvSpPr>
+          <p:cNvPr id="14" name="右矢印 13"/>
+          <p:cNvSpPr/>
+          <p:nvPr/>
+        </p:nvSpPr>
+        <p:spPr>
+          <a:xfrm>
+            <a:off x="611560" y="5589240"/>
+            <a:ext cx="1656184" cy="504056"/>
+          </a:xfrm>
+          <a:prstGeom prst="rightArrow">
+            <a:avLst/>
+          </a:prstGeom>
+        </p:spPr>
+        <p:style>
+          <a:lnRef idx="2">
+            <a:schemeClr val="accent1">
+              <a:shade val="50000"/>
+            </a:schemeClr>
+          </a:lnRef>
+          <a:fillRef idx="1">
+            <a:schemeClr val="accent1"/>
+          </a:fillRef>
+          <a:effectRef idx="0">
+            <a:schemeClr val="accent1"/>
+          </a:effectRef>
+          <a:fontRef idx="minor">
+            <a:schemeClr val="lt1"/>
+          </a:fontRef>
+        </p:style>
+        <p:txBody>
+          <a:bodyPr rtlCol="0" anchor="ctr"/>
+          <a:lstStyle/>
+          <a:p>
+            <a:pPr algn="ctr"/>
+            <a:endParaRPr kumimoji="1" lang="ja-JP" altLang="en-US"/>
           </a:p>
         </p:txBody>
       </p:sp>
@@ -9260,9 +11347,270 @@
   <p:timing>
     <p:tnLst>
       <p:par>
-        <p:cTn id="1" dur="indefinite" restart="never" nodeType="tmRoot"/>
+        <p:cTn id="1" dur="indefinite" restart="never" nodeType="tmRoot">
+          <p:childTnLst>
+            <p:seq concurrent="1" nextAc="seek">
+              <p:cTn id="2" dur="indefinite" nodeType="mainSeq">
+                <p:childTnLst>
+                  <p:par>
+                    <p:cTn id="3" fill="hold">
+                      <p:stCondLst>
+                        <p:cond delay="indefinite"/>
+                      </p:stCondLst>
+                      <p:childTnLst>
+                        <p:par>
+                          <p:cTn id="4" fill="hold">
+                            <p:stCondLst>
+                              <p:cond delay="0"/>
+                            </p:stCondLst>
+                            <p:childTnLst>
+                              <p:par>
+                                <p:cTn id="5" presetID="10" presetClass="entr" presetSubtype="0" fill="hold" grpId="0" nodeType="clickEffect">
+                                  <p:stCondLst>
+                                    <p:cond delay="0"/>
+                                  </p:stCondLst>
+                                  <p:childTnLst>
+                                    <p:set>
+                                      <p:cBhvr>
+                                        <p:cTn id="6" dur="1" fill="hold">
+                                          <p:stCondLst>
+                                            <p:cond delay="0"/>
+                                          </p:stCondLst>
+                                        </p:cTn>
+                                        <p:tgtEl>
+                                          <p:spTgt spid="5"/>
+                                        </p:tgtEl>
+                                        <p:attrNameLst>
+                                          <p:attrName>style.visibility</p:attrName>
+                                        </p:attrNameLst>
+                                      </p:cBhvr>
+                                      <p:to>
+                                        <p:strVal val="visible"/>
+                                      </p:to>
+                                    </p:set>
+                                    <p:animEffect transition="in" filter="fade">
+                                      <p:cBhvr>
+                                        <p:cTn id="7" dur="500"/>
+                                        <p:tgtEl>
+                                          <p:spTgt spid="5"/>
+                                        </p:tgtEl>
+                                      </p:cBhvr>
+                                    </p:animEffect>
+                                  </p:childTnLst>
+                                </p:cTn>
+                              </p:par>
+                            </p:childTnLst>
+                          </p:cTn>
+                        </p:par>
+                      </p:childTnLst>
+                    </p:cTn>
+                  </p:par>
+                  <p:par>
+                    <p:cTn id="8" fill="hold">
+                      <p:stCondLst>
+                        <p:cond delay="indefinite"/>
+                      </p:stCondLst>
+                      <p:childTnLst>
+                        <p:par>
+                          <p:cTn id="9" fill="hold">
+                            <p:stCondLst>
+                              <p:cond delay="0"/>
+                            </p:stCondLst>
+                            <p:childTnLst>
+                              <p:par>
+                                <p:cTn id="10" presetID="10" presetClass="entr" presetSubtype="0" fill="hold" grpId="0" nodeType="clickEffect">
+                                  <p:stCondLst>
+                                    <p:cond delay="0"/>
+                                  </p:stCondLst>
+                                  <p:childTnLst>
+                                    <p:set>
+                                      <p:cBhvr>
+                                        <p:cTn id="11" dur="1" fill="hold">
+                                          <p:stCondLst>
+                                            <p:cond delay="0"/>
+                                          </p:stCondLst>
+                                        </p:cTn>
+                                        <p:tgtEl>
+                                          <p:spTgt spid="8"/>
+                                        </p:tgtEl>
+                                        <p:attrNameLst>
+                                          <p:attrName>style.visibility</p:attrName>
+                                        </p:attrNameLst>
+                                      </p:cBhvr>
+                                      <p:to>
+                                        <p:strVal val="visible"/>
+                                      </p:to>
+                                    </p:set>
+                                    <p:animEffect transition="in" filter="fade">
+                                      <p:cBhvr>
+                                        <p:cTn id="12" dur="500"/>
+                                        <p:tgtEl>
+                                          <p:spTgt spid="8"/>
+                                        </p:tgtEl>
+                                      </p:cBhvr>
+                                    </p:animEffect>
+                                  </p:childTnLst>
+                                </p:cTn>
+                              </p:par>
+                            </p:childTnLst>
+                          </p:cTn>
+                        </p:par>
+                      </p:childTnLst>
+                    </p:cTn>
+                  </p:par>
+                  <p:par>
+                    <p:cTn id="13" fill="hold">
+                      <p:stCondLst>
+                        <p:cond delay="indefinite"/>
+                      </p:stCondLst>
+                      <p:childTnLst>
+                        <p:par>
+                          <p:cTn id="14" fill="hold">
+                            <p:stCondLst>
+                              <p:cond delay="0"/>
+                            </p:stCondLst>
+                            <p:childTnLst>
+                              <p:par>
+                                <p:cTn id="15" presetID="10" presetClass="entr" presetSubtype="0" fill="hold" grpId="0" nodeType="clickEffect">
+                                  <p:stCondLst>
+                                    <p:cond delay="0"/>
+                                  </p:stCondLst>
+                                  <p:childTnLst>
+                                    <p:set>
+                                      <p:cBhvr>
+                                        <p:cTn id="16" dur="1" fill="hold">
+                                          <p:stCondLst>
+                                            <p:cond delay="0"/>
+                                          </p:stCondLst>
+                                        </p:cTn>
+                                        <p:tgtEl>
+                                          <p:spTgt spid="10"/>
+                                        </p:tgtEl>
+                                        <p:attrNameLst>
+                                          <p:attrName>style.visibility</p:attrName>
+                                        </p:attrNameLst>
+                                      </p:cBhvr>
+                                      <p:to>
+                                        <p:strVal val="visible"/>
+                                      </p:to>
+                                    </p:set>
+                                    <p:animEffect transition="in" filter="fade">
+                                      <p:cBhvr>
+                                        <p:cTn id="17" dur="500"/>
+                                        <p:tgtEl>
+                                          <p:spTgt spid="10"/>
+                                        </p:tgtEl>
+                                      </p:cBhvr>
+                                    </p:animEffect>
+                                  </p:childTnLst>
+                                </p:cTn>
+                              </p:par>
+                            </p:childTnLst>
+                          </p:cTn>
+                        </p:par>
+                      </p:childTnLst>
+                    </p:cTn>
+                  </p:par>
+                  <p:par>
+                    <p:cTn id="18" fill="hold">
+                      <p:stCondLst>
+                        <p:cond delay="indefinite"/>
+                      </p:stCondLst>
+                      <p:childTnLst>
+                        <p:par>
+                          <p:cTn id="19" fill="hold">
+                            <p:stCondLst>
+                              <p:cond delay="0"/>
+                            </p:stCondLst>
+                            <p:childTnLst>
+                              <p:par>
+                                <p:cTn id="20" presetID="1" presetClass="entr" presetSubtype="0" fill="hold" grpId="0" nodeType="clickEffect">
+                                  <p:stCondLst>
+                                    <p:cond delay="0"/>
+                                  </p:stCondLst>
+                                  <p:childTnLst>
+                                    <p:set>
+                                      <p:cBhvr>
+                                        <p:cTn id="21" dur="1" fill="hold">
+                                          <p:stCondLst>
+                                            <p:cond delay="0"/>
+                                          </p:stCondLst>
+                                        </p:cTn>
+                                        <p:tgtEl>
+                                          <p:spTgt spid="14"/>
+                                        </p:tgtEl>
+                                        <p:attrNameLst>
+                                          <p:attrName>style.visibility</p:attrName>
+                                        </p:attrNameLst>
+                                      </p:cBhvr>
+                                      <p:to>
+                                        <p:strVal val="visible"/>
+                                      </p:to>
+                                    </p:set>
+                                  </p:childTnLst>
+                                </p:cTn>
+                              </p:par>
+                              <p:par>
+                                <p:cTn id="22" presetID="1" presetClass="entr" presetSubtype="0" fill="hold" grpId="0" nodeType="withEffect">
+                                  <p:stCondLst>
+                                    <p:cond delay="0"/>
+                                  </p:stCondLst>
+                                  <p:childTnLst>
+                                    <p:set>
+                                      <p:cBhvr>
+                                        <p:cTn id="23" dur="1" fill="hold">
+                                          <p:stCondLst>
+                                            <p:cond delay="0"/>
+                                          </p:stCondLst>
+                                        </p:cTn>
+                                        <p:tgtEl>
+                                          <p:spTgt spid="13"/>
+                                        </p:tgtEl>
+                                        <p:attrNameLst>
+                                          <p:attrName>style.visibility</p:attrName>
+                                        </p:attrNameLst>
+                                      </p:cBhvr>
+                                      <p:to>
+                                        <p:strVal val="visible"/>
+                                      </p:to>
+                                    </p:set>
+                                  </p:childTnLst>
+                                </p:cTn>
+                              </p:par>
+                            </p:childTnLst>
+                          </p:cTn>
+                        </p:par>
+                      </p:childTnLst>
+                    </p:cTn>
+                  </p:par>
+                </p:childTnLst>
+              </p:cTn>
+              <p:prevCondLst>
+                <p:cond evt="onPrev" delay="0">
+                  <p:tgtEl>
+                    <p:sldTgt/>
+                  </p:tgtEl>
+                </p:cond>
+              </p:prevCondLst>
+              <p:nextCondLst>
+                <p:cond evt="onNext" delay="0">
+                  <p:tgtEl>
+                    <p:sldTgt/>
+                  </p:tgtEl>
+                </p:cond>
+              </p:nextCondLst>
+            </p:seq>
+          </p:childTnLst>
+        </p:cTn>
       </p:par>
     </p:tnLst>
+    <p:bldLst>
+      <p:bldP spid="5" grpId="0" animBg="1"/>
+      <p:bldP spid="8" grpId="0" animBg="1"/>
+      <p:bldP spid="10" grpId="0" animBg="1"/>
+      <p:bldP spid="13" grpId="0" animBg="1"/>
+      <p:bldP spid="14" grpId="0" animBg="1"/>
+    </p:bldLst>
   </p:timing>
 </p:sld>
 </file>
@@ -10139,7 +12487,7 @@
         </p:nvSpPr>
         <p:spPr>
           <a:xfrm>
-            <a:off x="683568" y="2488208"/>
+            <a:off x="863588" y="2488208"/>
             <a:ext cx="7416824" cy="436736"/>
           </a:xfrm>
           <a:prstGeom prst="rect">
@@ -10226,7 +12574,7 @@
         </p:nvSpPr>
         <p:spPr>
           <a:xfrm>
-            <a:off x="683568" y="3573016"/>
+            <a:off x="863588" y="3573016"/>
             <a:ext cx="7416824" cy="432048"/>
           </a:xfrm>
           <a:prstGeom prst="rect">
@@ -10313,7 +12661,7 @@
         </p:nvSpPr>
         <p:spPr>
           <a:xfrm>
-            <a:off x="683568" y="4653136"/>
+            <a:off x="863588" y="4653136"/>
             <a:ext cx="7416824" cy="432048"/>
           </a:xfrm>
           <a:prstGeom prst="rect">
@@ -10426,7 +12774,7 @@
         <p:spPr>
           <a:xfrm>
             <a:off x="2051720" y="5898468"/>
-            <a:ext cx="6624736" cy="461665"/>
+            <a:ext cx="6984776" cy="461665"/>
           </a:xfrm>
           <a:prstGeom prst="rect">
             <a:avLst/>
@@ -10440,12 +12788,12 @@
           <a:lstStyle/>
           <a:p>
             <a:r>
-              <a:rPr lang="ja-JP" altLang="en-US" sz="2400" u="sng" dirty="0" smtClean="0"/>
-              <a:t>今年、</a:t>
-            </a:r>
-            <a:r>
               <a:rPr lang="en-US" altLang="ja-JP" sz="2400" u="sng" dirty="0" smtClean="0"/>
-              <a:t>UMTP Japan</a:t>
+              <a:t>UMTP </a:t>
+            </a:r>
+            <a:r>
+              <a:rPr lang="en-US" altLang="ja-JP" sz="2400" u="sng" dirty="0" smtClean="0"/>
+              <a:t>Japan</a:t>
             </a:r>
             <a:r>
               <a:rPr lang="ja-JP" altLang="en-US" sz="2400" u="sng" dirty="0"/>
@@ -10462,6 +12810,18 @@
             <a:r>
               <a:rPr lang="ja-JP" altLang="en-US" sz="2400" u="sng" dirty="0" smtClean="0"/>
               <a:t>発表</a:t>
+            </a:r>
+            <a:r>
+              <a:rPr lang="en-US" altLang="ja-JP" sz="2400" u="sng" dirty="0" smtClean="0"/>
+              <a:t>(2012</a:t>
+            </a:r>
+            <a:r>
+              <a:rPr lang="ja-JP" altLang="en-US" sz="2400" u="sng" dirty="0" smtClean="0"/>
+              <a:t>年</a:t>
+            </a:r>
+            <a:r>
+              <a:rPr lang="en-US" altLang="ja-JP" sz="2400" u="sng" dirty="0" smtClean="0"/>
+              <a:t>)</a:t>
             </a:r>
             <a:endParaRPr lang="en-US" altLang="ja-JP" sz="2400" u="sng" dirty="0"/>
           </a:p>
@@ -10475,7 +12835,7 @@
         </p:nvSpPr>
         <p:spPr>
           <a:xfrm>
-            <a:off x="3923928" y="3068960"/>
+            <a:off x="4103948" y="3068960"/>
             <a:ext cx="936104" cy="432048"/>
           </a:xfrm>
           <a:prstGeom prst="downArrow">
@@ -10515,7 +12875,7 @@
         </p:nvSpPr>
         <p:spPr>
           <a:xfrm>
-            <a:off x="3923928" y="4149080"/>
+            <a:off x="4103948" y="4149080"/>
             <a:ext cx="936104" cy="432048"/>
           </a:xfrm>
           <a:prstGeom prst="downArrow">
@@ -10965,11 +13325,7 @@
             </a:r>
             <a:r>
               <a:rPr kumimoji="1" lang="ja-JP" altLang="en-US" dirty="0" smtClean="0"/>
-              <a:t>が</a:t>
-            </a:r>
-            <a:r>
-              <a:rPr kumimoji="1" lang="ja-JP" altLang="en-US" dirty="0" smtClean="0"/>
-              <a:t>作成</a:t>
+              <a:t>が作成</a:t>
             </a:r>
             <a:endParaRPr kumimoji="1" lang="en-US" altLang="ja-JP" dirty="0" smtClean="0"/>
           </a:p>
@@ -10981,7 +13337,7 @@
             </a:r>
             <a:r>
               <a:rPr kumimoji="1" lang="ja-JP" altLang="en-US" dirty="0" smtClean="0"/>
-              <a:t>システムに</a:t>
+              <a:t>システム開発に</a:t>
             </a:r>
             <a:r>
               <a:rPr kumimoji="1" lang="ja-JP" altLang="en-US" dirty="0" smtClean="0"/>
@@ -11035,8 +13391,8 @@
         </p:blipFill>
         <p:spPr>
           <a:xfrm>
-            <a:off x="4999775" y="1699831"/>
-            <a:ext cx="3316642" cy="4691444"/>
+            <a:off x="5009031" y="1687948"/>
+            <a:ext cx="3316938" cy="4688604"/>
           </a:xfrm>
         </p:spPr>
       </p:pic>
@@ -11089,7 +13445,7 @@
         <p:spPr>
           <a:xfrm>
             <a:off x="1403648" y="5118283"/>
-            <a:ext cx="3384376" cy="830997"/>
+            <a:ext cx="3600400" cy="830997"/>
           </a:xfrm>
           <a:prstGeom prst="rect">
             <a:avLst/>
@@ -11104,7 +13460,23 @@
           <a:p>
             <a:r>
               <a:rPr kumimoji="1" lang="ja-JP" altLang="en-US" sz="2400" dirty="0" smtClean="0"/>
-              <a:t>組込みモデリング教育の教材として使えるのは？</a:t>
+              <a:t>組込みモデリング教育の教材として使える</a:t>
+            </a:r>
+            <a:r>
+              <a:rPr kumimoji="1" lang="ja-JP" altLang="en-US" sz="2400" dirty="0" smtClean="0"/>
+              <a:t>の</a:t>
+            </a:r>
+            <a:r>
+              <a:rPr lang="ja-JP" altLang="en-US" sz="2400" dirty="0"/>
+              <a:t>で</a:t>
+            </a:r>
+            <a:r>
+              <a:rPr kumimoji="1" lang="ja-JP" altLang="en-US" sz="2400" dirty="0" smtClean="0"/>
+              <a:t>は</a:t>
+            </a:r>
+            <a:r>
+              <a:rPr kumimoji="1" lang="ja-JP" altLang="en-US" sz="2400" dirty="0" smtClean="0"/>
+              <a:t>？</a:t>
             </a:r>
             <a:endParaRPr kumimoji="1" lang="ja-JP" altLang="en-US" sz="2400" dirty="0"/>
           </a:p>
@@ -11368,7 +13740,9 @@
         </p:nvSpPr>
         <p:spPr/>
         <p:txBody>
-          <a:bodyPr/>
+          <a:bodyPr>
+            <a:normAutofit/>
+          </a:bodyPr>
           <a:lstStyle/>
           <a:p>
             <a:r>
@@ -11523,234 +13897,157 @@
           <a:lstStyle/>
           <a:p>
             <a:r>
-              <a:rPr kumimoji="1" lang="ja-JP" altLang="en-US" dirty="0" smtClean="0"/>
+              <a:rPr kumimoji="1" lang="ja-JP" altLang="en-US" smtClean="0"/>
               <a:t>研究背景</a:t>
             </a:r>
             <a:r>
-              <a:rPr kumimoji="1" lang="en-US" altLang="ja-JP" dirty="0" smtClean="0"/>
-              <a:t>(6/6)</a:t>
-            </a:r>
+              <a:rPr kumimoji="1" lang="en-US" altLang="ja-JP" smtClean="0"/>
+              <a:t>(5/6)</a:t>
+            </a:r>
+            <a:endParaRPr kumimoji="1" lang="ja-JP" altLang="en-US"/>
+          </a:p>
+        </p:txBody>
+      </p:sp>
+      <p:sp>
+        <p:nvSpPr>
+          <p:cNvPr id="3" name="コンテンツ プレースホルダー 2"/>
+          <p:cNvSpPr>
+            <a:spLocks noGrp="1"/>
+          </p:cNvSpPr>
+          <p:nvPr>
+            <p:ph idx="1"/>
+          </p:nvPr>
+        </p:nvSpPr>
+        <p:spPr/>
+        <p:txBody>
+          <a:bodyPr>
+            <a:normAutofit/>
+          </a:bodyPr>
+          <a:lstStyle/>
+          <a:p>
+            <a:r>
+              <a:rPr lang="en-US" altLang="ja-JP" sz="2800" dirty="0"/>
+              <a:t>UMTP Japan</a:t>
+            </a:r>
+            <a:r>
+              <a:rPr lang="ja-JP" altLang="en-US" sz="2800" dirty="0"/>
+              <a:t>（</a:t>
+            </a:r>
+            <a:r>
+              <a:rPr lang="ja-JP" altLang="ja-JP" sz="2800" dirty="0"/>
+              <a:t>特定非営利活動法人</a:t>
+            </a:r>
+            <a:r>
+              <a:rPr lang="en-US" altLang="ja-JP" sz="2800" dirty="0"/>
+              <a:t>UML</a:t>
+            </a:r>
+            <a:r>
+              <a:rPr lang="ja-JP" altLang="ja-JP" sz="2800" dirty="0"/>
+              <a:t>モデリング推進協議会</a:t>
+            </a:r>
+            <a:r>
+              <a:rPr lang="ja-JP" altLang="en-US" sz="2800" dirty="0" smtClean="0"/>
+              <a:t>）</a:t>
+            </a:r>
+            <a:endParaRPr lang="en-US" altLang="ja-JP" sz="2800" dirty="0"/>
+          </a:p>
+          <a:p>
+            <a:pPr lvl="1"/>
+            <a:r>
+              <a:rPr lang="ja-JP" altLang="en-US" sz="2400" dirty="0"/>
+              <a:t>モデリング技術の普及とモデル共有に向けた活動を展開</a:t>
+            </a:r>
+            <a:endParaRPr lang="en-US" altLang="ja-JP" sz="2400" dirty="0"/>
+          </a:p>
+          <a:p>
+            <a:pPr lvl="1"/>
+            <a:r>
+              <a:rPr lang="ja-JP" altLang="en-US" sz="2400" dirty="0"/>
+              <a:t>活動</a:t>
+            </a:r>
+            <a:r>
+              <a:rPr lang="ja-JP" altLang="en-US" sz="2400" dirty="0" smtClean="0"/>
+              <a:t>内容</a:t>
+            </a:r>
+            <a:endParaRPr lang="en-US" altLang="ja-JP" sz="2400" dirty="0" smtClean="0"/>
+          </a:p>
+          <a:p>
+            <a:pPr marL="1005840" lvl="2" indent="-457200">
+              <a:buFont typeface="+mj-lt"/>
+              <a:buAutoNum type="arabicPeriod"/>
+            </a:pPr>
+            <a:r>
+              <a:rPr lang="en-US" altLang="ja-JP" sz="2200" dirty="0" smtClean="0">
+                <a:solidFill>
+                  <a:srgbClr val="7030A0"/>
+                </a:solidFill>
+              </a:rPr>
+              <a:t>UML</a:t>
+            </a:r>
+            <a:r>
+              <a:rPr lang="ja-JP" altLang="en-US" sz="2200" dirty="0" smtClean="0">
+                <a:solidFill>
+                  <a:srgbClr val="7030A0"/>
+                </a:solidFill>
+              </a:rPr>
+              <a:t>を前提とするモデリング技術の体系化と普及活動</a:t>
+            </a:r>
+            <a:endParaRPr lang="en-US" altLang="ja-JP" sz="2000" dirty="0" smtClean="0">
+              <a:solidFill>
+                <a:srgbClr val="7030A0"/>
+              </a:solidFill>
+            </a:endParaRPr>
+          </a:p>
+          <a:p>
+            <a:pPr marL="1005840" lvl="2" indent="-457200">
+              <a:buFont typeface="+mj-lt"/>
+              <a:buAutoNum type="arabicPeriod"/>
+            </a:pPr>
+            <a:r>
+              <a:rPr lang="ja-JP" altLang="en-US" sz="2200" dirty="0" smtClean="0"/>
+              <a:t>モデリング技術者の技能検定</a:t>
+            </a:r>
+            <a:endParaRPr lang="en-US" altLang="ja-JP" sz="2200" dirty="0" smtClean="0"/>
+          </a:p>
+          <a:p>
+            <a:pPr marL="1005840" lvl="2" indent="-457200">
+              <a:buFont typeface="+mj-lt"/>
+              <a:buAutoNum type="arabicPeriod"/>
+            </a:pPr>
+            <a:r>
+              <a:rPr lang="ja-JP" altLang="en-US" sz="2200" dirty="0" smtClean="0">
+                <a:solidFill>
+                  <a:srgbClr val="7030A0"/>
+                </a:solidFill>
+              </a:rPr>
+              <a:t>各分野のベスト・プラクティス・モデル共有支援</a:t>
+            </a:r>
+            <a:endParaRPr lang="en-US" altLang="ja-JP" sz="2200" dirty="0" smtClean="0">
+              <a:solidFill>
+                <a:srgbClr val="7030A0"/>
+              </a:solidFill>
+            </a:endParaRPr>
+          </a:p>
+          <a:p>
+            <a:pPr marL="1005840" lvl="2" indent="-457200">
+              <a:buFont typeface="+mj-lt"/>
+              <a:buAutoNum type="arabicPeriod"/>
+            </a:pPr>
+            <a:r>
+              <a:rPr lang="ja-JP" altLang="en-US" sz="2200" dirty="0" smtClean="0"/>
+              <a:t>国際連携</a:t>
+            </a:r>
+            <a:endParaRPr lang="ja-JP" altLang="en-US" dirty="0"/>
+          </a:p>
+          <a:p>
             <a:endParaRPr kumimoji="1" lang="ja-JP" altLang="en-US" dirty="0"/>
-          </a:p>
-        </p:txBody>
-      </p:sp>
-      <p:sp>
-        <p:nvSpPr>
-          <p:cNvPr id="3" name="コンテンツ プレースホルダー 2"/>
-          <p:cNvSpPr>
-            <a:spLocks noGrp="1"/>
-          </p:cNvSpPr>
-          <p:nvPr>
-            <p:ph idx="1"/>
-          </p:nvPr>
-        </p:nvSpPr>
-        <p:spPr/>
-        <p:txBody>
-          <a:bodyPr/>
-          <a:lstStyle/>
-          <a:p>
-            <a:r>
-              <a:rPr kumimoji="1" lang="en-US" altLang="ja-JP" dirty="0" smtClean="0"/>
-              <a:t>UML</a:t>
-            </a:r>
-            <a:r>
-              <a:rPr kumimoji="1" lang="ja-JP" altLang="en-US" dirty="0" smtClean="0"/>
-              <a:t>モデルカタログの</a:t>
-            </a:r>
-            <a:r>
-              <a:rPr kumimoji="1" lang="ja-JP" altLang="en-US" dirty="0" smtClean="0"/>
-              <a:t>問題点</a:t>
-            </a:r>
-            <a:endParaRPr kumimoji="1" lang="en-US" altLang="ja-JP" dirty="0" smtClean="0"/>
-          </a:p>
-          <a:p>
-            <a:endParaRPr lang="en-US" altLang="ja-JP" dirty="0"/>
-          </a:p>
-          <a:p>
-            <a:endParaRPr kumimoji="1" lang="en-US" altLang="ja-JP" dirty="0" smtClean="0"/>
-          </a:p>
-          <a:p>
-            <a:endParaRPr lang="en-US" altLang="ja-JP" dirty="0"/>
-          </a:p>
-          <a:p>
-            <a:endParaRPr kumimoji="1" lang="en-US" altLang="ja-JP" dirty="0" smtClean="0"/>
-          </a:p>
-          <a:p>
-            <a:pPr marL="0" indent="0" algn="ctr">
-              <a:buNone/>
-            </a:pPr>
-            <a:r>
-              <a:rPr lang="ja-JP" altLang="en-US" sz="4400" dirty="0" smtClean="0"/>
-              <a:t>有用性を検証する必要性有り</a:t>
-            </a:r>
-            <a:endParaRPr kumimoji="1" lang="en-US" altLang="ja-JP" sz="4400" dirty="0" smtClean="0"/>
-          </a:p>
-          <a:p>
-            <a:pPr lvl="1"/>
-            <a:endParaRPr kumimoji="1" lang="ja-JP" altLang="en-US" dirty="0"/>
-          </a:p>
-        </p:txBody>
-      </p:sp>
-      <p:sp>
-        <p:nvSpPr>
-          <p:cNvPr id="5" name="星 16 4"/>
-          <p:cNvSpPr/>
-          <p:nvPr/>
-        </p:nvSpPr>
-        <p:spPr>
-          <a:xfrm>
-            <a:off x="539552" y="2348880"/>
-            <a:ext cx="3744416" cy="2232248"/>
-          </a:xfrm>
-          <a:prstGeom prst="star16">
-            <a:avLst/>
-          </a:prstGeom>
-        </p:spPr>
-        <p:style>
-          <a:lnRef idx="2">
-            <a:schemeClr val="accent1">
-              <a:shade val="50000"/>
-            </a:schemeClr>
-          </a:lnRef>
-          <a:fillRef idx="1">
-            <a:schemeClr val="accent1"/>
-          </a:fillRef>
-          <a:effectRef idx="0">
-            <a:schemeClr val="accent1"/>
-          </a:effectRef>
-          <a:fontRef idx="minor">
-            <a:schemeClr val="lt1"/>
-          </a:fontRef>
-        </p:style>
-        <p:txBody>
-          <a:bodyPr rtlCol="0" anchor="ctr"/>
-          <a:lstStyle/>
-          <a:p>
-            <a:pPr algn="ctr"/>
-            <a:r>
-              <a:rPr lang="ja-JP" altLang="en-US" sz="2400" dirty="0">
-                <a:effectLst>
-                  <a:outerShdw blurRad="50800" dist="38100" dir="2700000" algn="tl" rotWithShape="0">
-                    <a:prstClr val="black">
-                      <a:alpha val="40000"/>
-                    </a:prstClr>
-                  </a:outerShdw>
-                </a:effectLst>
-              </a:rPr>
-              <a:t>開発</a:t>
-            </a:r>
-            <a:r>
-              <a:rPr lang="ja-JP" altLang="en-US" sz="2400" dirty="0" smtClean="0">
-                <a:effectLst>
-                  <a:outerShdw blurRad="50800" dist="38100" dir="2700000" algn="tl" rotWithShape="0">
-                    <a:prstClr val="black">
-                      <a:alpha val="40000"/>
-                    </a:prstClr>
-                  </a:outerShdw>
-                </a:effectLst>
-              </a:rPr>
-              <a:t>現場での</a:t>
-            </a:r>
-            <a:endParaRPr lang="en-US" altLang="ja-JP" sz="2400" dirty="0" smtClean="0">
-              <a:effectLst>
-                <a:outerShdw blurRad="50800" dist="38100" dir="2700000" algn="tl" rotWithShape="0">
-                  <a:prstClr val="black">
-                    <a:alpha val="40000"/>
-                  </a:prstClr>
-                </a:outerShdw>
-              </a:effectLst>
-            </a:endParaRPr>
-          </a:p>
-          <a:p>
-            <a:pPr algn="ctr"/>
-            <a:r>
-              <a:rPr lang="ja-JP" altLang="en-US" sz="2400" dirty="0" smtClean="0">
-                <a:effectLst>
-                  <a:outerShdw blurRad="50800" dist="38100" dir="2700000" algn="tl" rotWithShape="0">
-                    <a:prstClr val="black">
-                      <a:alpha val="40000"/>
-                    </a:prstClr>
-                  </a:outerShdw>
-                </a:effectLst>
-              </a:rPr>
-              <a:t>使用報告無し</a:t>
-            </a:r>
-            <a:endParaRPr kumimoji="1" lang="ja-JP" altLang="en-US" sz="2400" dirty="0">
-              <a:effectLst>
-                <a:outerShdw blurRad="50800" dist="38100" dir="2700000" algn="tl" rotWithShape="0">
-                  <a:prstClr val="black">
-                    <a:alpha val="40000"/>
-                  </a:prstClr>
-                </a:outerShdw>
-              </a:effectLst>
-            </a:endParaRPr>
-          </a:p>
-        </p:txBody>
-      </p:sp>
-      <p:sp>
-        <p:nvSpPr>
-          <p:cNvPr id="6" name="星 16 5"/>
-          <p:cNvSpPr/>
-          <p:nvPr/>
-        </p:nvSpPr>
-        <p:spPr>
-          <a:xfrm>
-            <a:off x="4259560" y="3933056"/>
-            <a:ext cx="4176464" cy="1800200"/>
-          </a:xfrm>
-          <a:prstGeom prst="star16">
-            <a:avLst/>
-          </a:prstGeom>
-        </p:spPr>
-        <p:style>
-          <a:lnRef idx="2">
-            <a:schemeClr val="accent1">
-              <a:shade val="50000"/>
-            </a:schemeClr>
-          </a:lnRef>
-          <a:fillRef idx="1">
-            <a:schemeClr val="accent1"/>
-          </a:fillRef>
-          <a:effectRef idx="0">
-            <a:schemeClr val="accent1"/>
-          </a:effectRef>
-          <a:fontRef idx="minor">
-            <a:schemeClr val="lt1"/>
-          </a:fontRef>
-        </p:style>
-        <p:txBody>
-          <a:bodyPr rtlCol="0" anchor="ctr"/>
-          <a:lstStyle/>
-          <a:p>
-            <a:pPr algn="ctr"/>
-            <a:r>
-              <a:rPr lang="ja-JP" altLang="en-US" sz="2400" dirty="0" smtClean="0">
-                <a:effectLst>
-                  <a:outerShdw blurRad="50800" dist="38100" dir="2700000" algn="tl" rotWithShape="0">
-                    <a:prstClr val="black">
-                      <a:alpha val="40000"/>
-                    </a:prstClr>
-                  </a:outerShdw>
-                </a:effectLst>
-              </a:rPr>
-              <a:t>プラットフォーム依存モデル無し</a:t>
-            </a:r>
-            <a:endParaRPr lang="en-US" altLang="ja-JP" sz="2400" dirty="0" smtClean="0">
-              <a:effectLst>
-                <a:outerShdw blurRad="50800" dist="38100" dir="2700000" algn="tl" rotWithShape="0">
-                  <a:prstClr val="black">
-                    <a:alpha val="40000"/>
-                  </a:prstClr>
-                </a:outerShdw>
-              </a:effectLst>
-            </a:endParaRPr>
           </a:p>
         </p:txBody>
       </p:sp>
     </p:spTree>
     <p:extLst>
       <p:ext uri="{BB962C8B-B14F-4D97-AF65-F5344CB8AC3E}">
-        <p14:creationId xmlns:p14="http://schemas.microsoft.com/office/powerpoint/2010/main" val="3116123136"/>
+        <p14:creationId xmlns:p14="http://schemas.microsoft.com/office/powerpoint/2010/main" val="2662638792"/>
       </p:ext>
     </p:extLst>
   </p:cSld>
@@ -11760,173 +14057,9 @@
   <p:timing>
     <p:tnLst>
       <p:par>
-        <p:cTn id="1" dur="indefinite" restart="never" nodeType="tmRoot">
-          <p:childTnLst>
-            <p:seq concurrent="1" nextAc="seek">
-              <p:cTn id="2" dur="indefinite" nodeType="mainSeq">
-                <p:childTnLst>
-                  <p:par>
-                    <p:cTn id="3" fill="hold">
-                      <p:stCondLst>
-                        <p:cond delay="indefinite"/>
-                      </p:stCondLst>
-                      <p:childTnLst>
-                        <p:par>
-                          <p:cTn id="4" fill="hold">
-                            <p:stCondLst>
-                              <p:cond delay="0"/>
-                            </p:stCondLst>
-                            <p:childTnLst>
-                              <p:par>
-                                <p:cTn id="5" presetID="10" presetClass="exit" presetSubtype="0" fill="hold" grpId="0" nodeType="clickEffect">
-                                  <p:stCondLst>
-                                    <p:cond delay="0"/>
-                                  </p:stCondLst>
-                                  <p:childTnLst>
-                                    <p:animEffect transition="out" filter="fade">
-                                      <p:cBhvr>
-                                        <p:cTn id="6" dur="500"/>
-                                        <p:tgtEl>
-                                          <p:spTgt spid="5"/>
-                                        </p:tgtEl>
-                                      </p:cBhvr>
-                                    </p:animEffect>
-                                    <p:set>
-                                      <p:cBhvr>
-                                        <p:cTn id="7" dur="1" fill="hold">
-                                          <p:stCondLst>
-                                            <p:cond delay="499"/>
-                                          </p:stCondLst>
-                                        </p:cTn>
-                                        <p:tgtEl>
-                                          <p:spTgt spid="5"/>
-                                        </p:tgtEl>
-                                        <p:attrNameLst>
-                                          <p:attrName>style.visibility</p:attrName>
-                                        </p:attrNameLst>
-                                      </p:cBhvr>
-                                      <p:to>
-                                        <p:strVal val="hidden"/>
-                                      </p:to>
-                                    </p:set>
-                                  </p:childTnLst>
-                                </p:cTn>
-                              </p:par>
-                              <p:par>
-                                <p:cTn id="8" presetID="10" presetClass="exit" presetSubtype="0" fill="hold" grpId="0" nodeType="withEffect">
-                                  <p:stCondLst>
-                                    <p:cond delay="0"/>
-                                  </p:stCondLst>
-                                  <p:childTnLst>
-                                    <p:animEffect transition="out" filter="fade">
-                                      <p:cBhvr>
-                                        <p:cTn id="9" dur="500"/>
-                                        <p:tgtEl>
-                                          <p:spTgt spid="6"/>
-                                        </p:tgtEl>
-                                      </p:cBhvr>
-                                    </p:animEffect>
-                                    <p:set>
-                                      <p:cBhvr>
-                                        <p:cTn id="10" dur="1" fill="hold">
-                                          <p:stCondLst>
-                                            <p:cond delay="499"/>
-                                          </p:stCondLst>
-                                        </p:cTn>
-                                        <p:tgtEl>
-                                          <p:spTgt spid="6"/>
-                                        </p:tgtEl>
-                                        <p:attrNameLst>
-                                          <p:attrName>style.visibility</p:attrName>
-                                        </p:attrNameLst>
-                                      </p:cBhvr>
-                                      <p:to>
-                                        <p:strVal val="hidden"/>
-                                      </p:to>
-                                    </p:set>
-                                  </p:childTnLst>
-                                </p:cTn>
-                              </p:par>
-                            </p:childTnLst>
-                          </p:cTn>
-                        </p:par>
-                      </p:childTnLst>
-                    </p:cTn>
-                  </p:par>
-                  <p:par>
-                    <p:cTn id="11" fill="hold">
-                      <p:stCondLst>
-                        <p:cond delay="indefinite"/>
-                      </p:stCondLst>
-                      <p:childTnLst>
-                        <p:par>
-                          <p:cTn id="12" fill="hold">
-                            <p:stCondLst>
-                              <p:cond delay="0"/>
-                            </p:stCondLst>
-                            <p:childTnLst>
-                              <p:par>
-                                <p:cTn id="13" presetID="1" presetClass="entr" presetSubtype="0" fill="hold" nodeType="clickEffect">
-                                  <p:stCondLst>
-                                    <p:cond delay="0"/>
-                                  </p:stCondLst>
-                                  <p:childTnLst>
-                                    <p:set>
-                                      <p:cBhvr>
-                                        <p:cTn id="14" dur="1" fill="hold">
-                                          <p:stCondLst>
-                                            <p:cond delay="0"/>
-                                          </p:stCondLst>
-                                        </p:cTn>
-                                        <p:tgtEl>
-                                          <p:spTgt spid="3">
-                                            <p:txEl>
-                                              <p:pRg st="5" end="5"/>
-                                            </p:txEl>
-                                          </p:spTgt>
-                                        </p:tgtEl>
-                                        <p:attrNameLst>
-                                          <p:attrName>style.visibility</p:attrName>
-                                        </p:attrNameLst>
-                                      </p:cBhvr>
-                                      <p:to>
-                                        <p:strVal val="visible"/>
-                                      </p:to>
-                                    </p:set>
-                                  </p:childTnLst>
-                                </p:cTn>
-                              </p:par>
-                            </p:childTnLst>
-                          </p:cTn>
-                        </p:par>
-                      </p:childTnLst>
-                    </p:cTn>
-                  </p:par>
-                </p:childTnLst>
-              </p:cTn>
-              <p:prevCondLst>
-                <p:cond evt="onPrev" delay="0">
-                  <p:tgtEl>
-                    <p:sldTgt/>
-                  </p:tgtEl>
-                </p:cond>
-              </p:prevCondLst>
-              <p:nextCondLst>
-                <p:cond evt="onNext" delay="0">
-                  <p:tgtEl>
-                    <p:sldTgt/>
-                  </p:tgtEl>
-                </p:cond>
-              </p:nextCondLst>
-            </p:seq>
-          </p:childTnLst>
-        </p:cTn>
+        <p:cTn id="1" dur="indefinite" restart="never" nodeType="tmRoot"/>
       </p:par>
     </p:tnLst>
-    <p:bldLst>
-      <p:bldP spid="5" grpId="0" animBg="1"/>
-      <p:bldP spid="6" grpId="0" animBg="1"/>
-    </p:bldLst>
   </p:timing>
 </p:sld>
 </file>
@@ -11964,352 +14097,55 @@
           <a:lstStyle/>
           <a:p>
             <a:r>
-              <a:rPr kumimoji="1" lang="ja-JP" altLang="en-US" smtClean="0"/>
-              <a:t>研究概要</a:t>
-            </a:r>
-            <a:r>
-              <a:rPr kumimoji="1" lang="en-US" altLang="ja-JP" smtClean="0"/>
-              <a:t>(1/3)</a:t>
-            </a:r>
-            <a:endParaRPr kumimoji="1" lang="ja-JP" altLang="en-US"/>
-          </a:p>
-        </p:txBody>
-      </p:sp>
-      <p:sp>
-        <p:nvSpPr>
-          <p:cNvPr id="7" name="コンテンツ プレースホルダー 6"/>
+              <a:rPr kumimoji="1" lang="ja-JP" altLang="en-US" dirty="0" smtClean="0"/>
+              <a:t>研究背景</a:t>
+            </a:r>
+            <a:r>
+              <a:rPr kumimoji="1" lang="en-US" altLang="ja-JP" dirty="0" smtClean="0"/>
+              <a:t>(6/6)</a:t>
+            </a:r>
+            <a:endParaRPr kumimoji="1" lang="ja-JP" altLang="en-US" dirty="0"/>
+          </a:p>
+        </p:txBody>
+      </p:sp>
+      <p:sp>
+        <p:nvSpPr>
+          <p:cNvPr id="3" name="コンテンツ プレースホルダー 2"/>
           <p:cNvSpPr>
             <a:spLocks noGrp="1"/>
           </p:cNvSpPr>
           <p:nvPr>
-            <p:ph sz="half" idx="2"/>
+            <p:ph idx="1"/>
           </p:nvPr>
         </p:nvSpPr>
         <p:spPr>
           <a:xfrm>
-            <a:off x="395536" y="1673352"/>
-            <a:ext cx="8291264" cy="4718304"/>
+            <a:off x="457200" y="1648544"/>
+            <a:ext cx="8229600" cy="4876800"/>
           </a:xfrm>
         </p:spPr>
         <p:txBody>
-          <a:bodyPr anchor="ctr">
-            <a:normAutofit/>
+          <a:bodyPr>
+            <a:noAutofit/>
           </a:bodyPr>
           <a:lstStyle/>
           <a:p>
-            <a:pPr marL="0" indent="0" algn="ctr">
-              <a:buNone/>
-            </a:pPr>
-            <a:r>
-              <a:rPr lang="en-US" altLang="ja-JP" sz="4800" b="1" spc="50" dirty="0">
-                <a:ln w="12700" cmpd="sng">
-                  <a:solidFill>
-                    <a:schemeClr val="accent6">
-                      <a:satMod val="120000"/>
-                      <a:shade val="80000"/>
-                    </a:schemeClr>
-                  </a:solidFill>
-                  <a:prstDash val="solid"/>
-                </a:ln>
-                <a:solidFill>
-                  <a:schemeClr val="accent6">
-                    <a:tint val="1000"/>
-                  </a:schemeClr>
-                </a:solidFill>
-                <a:effectLst>
-                  <a:glow rad="53100">
-                    <a:schemeClr val="accent6">
-                      <a:satMod val="180000"/>
-                      <a:alpha val="30000"/>
-                    </a:schemeClr>
-                  </a:glow>
-                </a:effectLst>
-              </a:rPr>
+            <a:r>
+              <a:rPr kumimoji="1" lang="en-US" altLang="ja-JP" sz="3200" dirty="0" smtClean="0"/>
               <a:t>UML</a:t>
             </a:r>
             <a:r>
-              <a:rPr lang="ja-JP" altLang="en-US" sz="4800" b="1" spc="50" dirty="0">
-                <a:ln w="12700" cmpd="sng">
-                  <a:solidFill>
-                    <a:schemeClr val="accent6">
-                      <a:satMod val="120000"/>
-                      <a:shade val="80000"/>
-                    </a:schemeClr>
-                  </a:solidFill>
-                  <a:prstDash val="solid"/>
-                </a:ln>
-                <a:solidFill>
-                  <a:schemeClr val="accent6">
-                    <a:tint val="1000"/>
-                  </a:schemeClr>
-                </a:solidFill>
-                <a:effectLst>
-                  <a:glow rad="53100">
-                    <a:schemeClr val="accent6">
-                      <a:satMod val="180000"/>
-                      <a:alpha val="30000"/>
-                    </a:schemeClr>
-                  </a:glow>
-                </a:effectLst>
-              </a:rPr>
-              <a:t>モデルカタログを利用</a:t>
-            </a:r>
-            <a:r>
-              <a:rPr lang="ja-JP" altLang="en-US" sz="4800" b="1" spc="50" dirty="0" smtClean="0">
-                <a:ln w="12700" cmpd="sng">
-                  <a:solidFill>
-                    <a:schemeClr val="accent6">
-                      <a:satMod val="120000"/>
-                      <a:shade val="80000"/>
-                    </a:schemeClr>
-                  </a:solidFill>
-                  <a:prstDash val="solid"/>
-                </a:ln>
-                <a:solidFill>
-                  <a:schemeClr val="accent6">
-                    <a:tint val="1000"/>
-                  </a:schemeClr>
-                </a:solidFill>
-                <a:effectLst>
-                  <a:glow rad="53100">
-                    <a:schemeClr val="accent6">
-                      <a:satMod val="180000"/>
-                      <a:alpha val="30000"/>
-                    </a:schemeClr>
-                  </a:glow>
-                </a:effectLst>
-              </a:rPr>
-              <a:t>して</a:t>
-            </a:r>
-            <a:endParaRPr lang="en-US" altLang="ja-JP" sz="4800" b="1" spc="50" dirty="0" smtClean="0">
-              <a:ln w="12700" cmpd="sng">
-                <a:solidFill>
-                  <a:schemeClr val="accent6">
-                    <a:satMod val="120000"/>
-                    <a:shade val="80000"/>
-                  </a:schemeClr>
-                </a:solidFill>
-                <a:prstDash val="solid"/>
-              </a:ln>
-              <a:solidFill>
-                <a:schemeClr val="accent6">
-                  <a:tint val="1000"/>
-                </a:schemeClr>
-              </a:solidFill>
-              <a:effectLst>
-                <a:glow rad="53100">
-                  <a:schemeClr val="accent6">
-                    <a:satMod val="180000"/>
-                    <a:alpha val="30000"/>
-                  </a:schemeClr>
-                </a:glow>
-              </a:effectLst>
-            </a:endParaRPr>
-          </a:p>
-          <a:p>
-            <a:pPr marL="0" indent="0" algn="ctr">
-              <a:buNone/>
-            </a:pPr>
-            <a:r>
-              <a:rPr lang="ja-JP" altLang="en-US" sz="4800" b="1" spc="50" dirty="0" smtClean="0">
-                <a:ln w="12700" cmpd="sng">
-                  <a:solidFill>
-                    <a:schemeClr val="accent6">
-                      <a:satMod val="120000"/>
-                      <a:shade val="80000"/>
-                    </a:schemeClr>
-                  </a:solidFill>
-                  <a:prstDash val="solid"/>
-                </a:ln>
-                <a:solidFill>
-                  <a:schemeClr val="accent6">
-                    <a:tint val="1000"/>
-                  </a:schemeClr>
-                </a:solidFill>
-                <a:effectLst>
-                  <a:glow rad="53100">
-                    <a:schemeClr val="accent6">
-                      <a:satMod val="180000"/>
-                      <a:alpha val="30000"/>
-                    </a:schemeClr>
-                  </a:glow>
-                </a:effectLst>
-              </a:rPr>
-              <a:t>開発</a:t>
-            </a:r>
-            <a:r>
-              <a:rPr lang="ja-JP" altLang="en-US" sz="4800" b="1" spc="50" dirty="0">
-                <a:ln w="12700" cmpd="sng">
-                  <a:solidFill>
-                    <a:schemeClr val="accent6">
-                      <a:satMod val="120000"/>
-                      <a:shade val="80000"/>
-                    </a:schemeClr>
-                  </a:solidFill>
-                  <a:prstDash val="solid"/>
-                </a:ln>
-                <a:solidFill>
-                  <a:schemeClr val="accent6">
-                    <a:tint val="1000"/>
-                  </a:schemeClr>
-                </a:solidFill>
-                <a:effectLst>
-                  <a:glow rad="53100">
-                    <a:schemeClr val="accent6">
-                      <a:satMod val="180000"/>
-                      <a:alpha val="30000"/>
-                    </a:schemeClr>
-                  </a:glow>
-                </a:effectLst>
-              </a:rPr>
-              <a:t>を行い</a:t>
-            </a:r>
-            <a:r>
-              <a:rPr lang="ja-JP" altLang="en-US" sz="4800" b="1" spc="50" dirty="0" smtClean="0">
-                <a:ln w="12700" cmpd="sng">
-                  <a:solidFill>
-                    <a:schemeClr val="accent6">
-                      <a:satMod val="120000"/>
-                      <a:shade val="80000"/>
-                    </a:schemeClr>
-                  </a:solidFill>
-                  <a:prstDash val="solid"/>
-                </a:ln>
-                <a:solidFill>
-                  <a:schemeClr val="accent6">
-                    <a:tint val="1000"/>
-                  </a:schemeClr>
-                </a:solidFill>
-                <a:effectLst>
-                  <a:glow rad="53100">
-                    <a:schemeClr val="accent6">
-                      <a:satMod val="180000"/>
-                      <a:alpha val="30000"/>
-                    </a:schemeClr>
-                  </a:glow>
-                </a:effectLst>
-              </a:rPr>
-              <a:t>、</a:t>
-            </a:r>
-            <a:endParaRPr lang="en-US" altLang="ja-JP" sz="4800" b="1" spc="50" dirty="0" smtClean="0">
-              <a:ln w="12700" cmpd="sng">
-                <a:solidFill>
-                  <a:schemeClr val="accent6">
-                    <a:satMod val="120000"/>
-                    <a:shade val="80000"/>
-                  </a:schemeClr>
-                </a:solidFill>
-                <a:prstDash val="solid"/>
-              </a:ln>
-              <a:solidFill>
-                <a:schemeClr val="accent6">
-                  <a:tint val="1000"/>
-                </a:schemeClr>
-              </a:solidFill>
-              <a:effectLst>
-                <a:glow rad="53100">
-                  <a:schemeClr val="accent6">
-                    <a:satMod val="180000"/>
-                    <a:alpha val="30000"/>
-                  </a:schemeClr>
-                </a:glow>
-              </a:effectLst>
-            </a:endParaRPr>
-          </a:p>
-          <a:p>
-            <a:pPr marL="0" indent="0" algn="ctr">
-              <a:buNone/>
-            </a:pPr>
-            <a:r>
-              <a:rPr lang="ja-JP" altLang="en-US" sz="4800" b="1" spc="50" dirty="0" smtClean="0">
-                <a:ln w="12700" cmpd="sng">
-                  <a:solidFill>
-                    <a:schemeClr val="accent6">
-                      <a:satMod val="120000"/>
-                      <a:shade val="80000"/>
-                    </a:schemeClr>
-                  </a:solidFill>
-                  <a:prstDash val="solid"/>
-                </a:ln>
-                <a:solidFill>
-                  <a:schemeClr val="accent6">
-                    <a:tint val="1000"/>
-                  </a:schemeClr>
-                </a:solidFill>
-                <a:effectLst>
-                  <a:glow rad="53100">
-                    <a:schemeClr val="accent6">
-                      <a:satMod val="180000"/>
-                      <a:alpha val="30000"/>
-                    </a:schemeClr>
-                  </a:glow>
-                </a:effectLst>
-              </a:rPr>
-              <a:t>モデルの有用性</a:t>
-            </a:r>
-            <a:r>
-              <a:rPr lang="ja-JP" altLang="en-US" sz="4800" b="1" spc="50" dirty="0">
-                <a:ln w="12700" cmpd="sng">
-                  <a:solidFill>
-                    <a:schemeClr val="accent6">
-                      <a:satMod val="120000"/>
-                      <a:shade val="80000"/>
-                    </a:schemeClr>
-                  </a:solidFill>
-                  <a:prstDash val="solid"/>
-                </a:ln>
-                <a:solidFill>
-                  <a:schemeClr val="accent6">
-                    <a:tint val="1000"/>
-                  </a:schemeClr>
-                </a:solidFill>
-                <a:effectLst>
-                  <a:glow rad="53100">
-                    <a:schemeClr val="accent6">
-                      <a:satMod val="180000"/>
-                      <a:alpha val="30000"/>
-                    </a:schemeClr>
-                  </a:glow>
-                </a:effectLst>
-              </a:rPr>
-              <a:t>を検証する</a:t>
-            </a:r>
-          </a:p>
-          <a:p>
-            <a:pPr marL="0" indent="0">
-              <a:buNone/>
-            </a:pPr>
-            <a:endParaRPr kumimoji="1" lang="ja-JP" altLang="en-US" sz="4800" b="1" spc="50" dirty="0">
-              <a:ln w="12700" cmpd="sng">
-                <a:solidFill>
-                  <a:schemeClr val="accent6">
-                    <a:satMod val="120000"/>
-                    <a:shade val="80000"/>
-                  </a:schemeClr>
-                </a:solidFill>
-                <a:prstDash val="solid"/>
-              </a:ln>
-              <a:solidFill>
-                <a:schemeClr val="accent6">
-                  <a:tint val="1000"/>
-                </a:schemeClr>
-              </a:solidFill>
-              <a:effectLst>
-                <a:glow rad="53100">
-                  <a:schemeClr val="accent6">
-                    <a:satMod val="180000"/>
-                    <a:alpha val="30000"/>
-                  </a:schemeClr>
-                </a:glow>
-              </a:effectLst>
-            </a:endParaRPr>
+              <a:rPr kumimoji="1" lang="ja-JP" altLang="en-US" sz="3200" dirty="0" smtClean="0"/>
+              <a:t>モデルカタログの問題点</a:t>
+            </a:r>
+            <a:endParaRPr kumimoji="1" lang="ja-JP" altLang="en-US" sz="3200" dirty="0"/>
           </a:p>
         </p:txBody>
       </p:sp>
     </p:spTree>
     <p:extLst>
       <p:ext uri="{BB962C8B-B14F-4D97-AF65-F5344CB8AC3E}">
-        <p14:creationId xmlns:p14="http://schemas.microsoft.com/office/powerpoint/2010/main" val="1784779584"/>
+        <p14:creationId xmlns:p14="http://schemas.microsoft.com/office/powerpoint/2010/main" val="3116123136"/>
       </p:ext>
     </p:extLst>
   </p:cSld>
@@ -12319,182 +14155,9 @@
   <p:timing>
     <p:tnLst>
       <p:par>
-        <p:cTn id="1" dur="indefinite" restart="never" nodeType="tmRoot">
-          <p:childTnLst>
-            <p:seq concurrent="1" nextAc="seek">
-              <p:cTn id="2" dur="indefinite" nodeType="mainSeq">
-                <p:childTnLst>
-                  <p:par>
-                    <p:cTn id="3" fill="hold">
-                      <p:stCondLst>
-                        <p:cond delay="indefinite"/>
-                      </p:stCondLst>
-                      <p:childTnLst>
-                        <p:par>
-                          <p:cTn id="4" fill="hold">
-                            <p:stCondLst>
-                              <p:cond delay="0"/>
-                            </p:stCondLst>
-                            <p:childTnLst>
-                              <p:par>
-                                <p:cTn id="5" presetID="1" presetClass="entr" presetSubtype="0" fill="hold" grpId="0" nodeType="clickEffect">
-                                  <p:stCondLst>
-                                    <p:cond delay="0"/>
-                                  </p:stCondLst>
-                                  <p:childTnLst>
-                                    <p:set>
-                                      <p:cBhvr>
-                                        <p:cTn id="6" dur="1" fill="hold">
-                                          <p:stCondLst>
-                                            <p:cond delay="0"/>
-                                          </p:stCondLst>
-                                        </p:cTn>
-                                        <p:tgtEl>
-                                          <p:spTgt spid="7">
-                                            <p:txEl>
-                                              <p:pRg st="0" end="0"/>
-                                            </p:txEl>
-                                          </p:spTgt>
-                                        </p:tgtEl>
-                                        <p:attrNameLst>
-                                          <p:attrName>style.visibility</p:attrName>
-                                        </p:attrNameLst>
-                                      </p:cBhvr>
-                                      <p:to>
-                                        <p:strVal val="visible"/>
-                                      </p:to>
-                                    </p:set>
-                                  </p:childTnLst>
-                                </p:cTn>
-                              </p:par>
-                            </p:childTnLst>
-                          </p:cTn>
-                        </p:par>
-                      </p:childTnLst>
-                    </p:cTn>
-                  </p:par>
-                  <p:par>
-                    <p:cTn id="7" fill="hold">
-                      <p:stCondLst>
-                        <p:cond delay="indefinite"/>
-                      </p:stCondLst>
-                      <p:childTnLst>
-                        <p:par>
-                          <p:cTn id="8" fill="hold">
-                            <p:stCondLst>
-                              <p:cond delay="0"/>
-                            </p:stCondLst>
-                            <p:childTnLst>
-                              <p:par>
-                                <p:cTn id="9" presetID="1" presetClass="entr" presetSubtype="0" fill="hold" grpId="0" nodeType="clickEffect">
-                                  <p:stCondLst>
-                                    <p:cond delay="0"/>
-                                  </p:stCondLst>
-                                  <p:childTnLst>
-                                    <p:set>
-                                      <p:cBhvr>
-                                        <p:cTn id="10" dur="1" fill="hold">
-                                          <p:stCondLst>
-                                            <p:cond delay="0"/>
-                                          </p:stCondLst>
-                                        </p:cTn>
-                                        <p:tgtEl>
-                                          <p:spTgt spid="7">
-                                            <p:txEl>
-                                              <p:pRg st="1" end="1"/>
-                                            </p:txEl>
-                                          </p:spTgt>
-                                        </p:tgtEl>
-                                        <p:attrNameLst>
-                                          <p:attrName>style.visibility</p:attrName>
-                                        </p:attrNameLst>
-                                      </p:cBhvr>
-                                      <p:to>
-                                        <p:strVal val="visible"/>
-                                      </p:to>
-                                    </p:set>
-                                  </p:childTnLst>
-                                </p:cTn>
-                              </p:par>
-                            </p:childTnLst>
-                          </p:cTn>
-                        </p:par>
-                      </p:childTnLst>
-                    </p:cTn>
-                  </p:par>
-                  <p:par>
-                    <p:cTn id="11" fill="hold">
-                      <p:stCondLst>
-                        <p:cond delay="indefinite"/>
-                      </p:stCondLst>
-                      <p:childTnLst>
-                        <p:par>
-                          <p:cTn id="12" fill="hold">
-                            <p:stCondLst>
-                              <p:cond delay="0"/>
-                            </p:stCondLst>
-                            <p:childTnLst>
-                              <p:par>
-                                <p:cTn id="13" presetID="1" presetClass="entr" presetSubtype="0" fill="hold" grpId="0" nodeType="clickEffect">
-                                  <p:stCondLst>
-                                    <p:cond delay="0"/>
-                                  </p:stCondLst>
-                                  <p:childTnLst>
-                                    <p:set>
-                                      <p:cBhvr>
-                                        <p:cTn id="14" dur="1" fill="hold">
-                                          <p:stCondLst>
-                                            <p:cond delay="0"/>
-                                          </p:stCondLst>
-                                        </p:cTn>
-                                        <p:tgtEl>
-                                          <p:spTgt spid="7">
-                                            <p:txEl>
-                                              <p:pRg st="2" end="2"/>
-                                            </p:txEl>
-                                          </p:spTgt>
-                                        </p:tgtEl>
-                                        <p:attrNameLst>
-                                          <p:attrName>style.visibility</p:attrName>
-                                        </p:attrNameLst>
-                                      </p:cBhvr>
-                                      <p:to>
-                                        <p:strVal val="visible"/>
-                                      </p:to>
-                                    </p:set>
-                                  </p:childTnLst>
-                                </p:cTn>
-                              </p:par>
-                            </p:childTnLst>
-                          </p:cTn>
-                        </p:par>
-                      </p:childTnLst>
-                    </p:cTn>
-                  </p:par>
-                </p:childTnLst>
-              </p:cTn>
-              <p:prevCondLst>
-                <p:cond evt="onPrev" delay="0">
-                  <p:tgtEl>
-                    <p:sldTgt/>
-                  </p:tgtEl>
-                </p:cond>
-              </p:prevCondLst>
-              <p:nextCondLst>
-                <p:cond evt="onNext" delay="0">
-                  <p:tgtEl>
-                    <p:sldTgt/>
-                  </p:tgtEl>
-                </p:cond>
-              </p:nextCondLst>
-            </p:seq>
-          </p:childTnLst>
-        </p:cTn>
+        <p:cTn id="1" dur="indefinite" restart="never" nodeType="tmRoot"/>
       </p:par>
     </p:tnLst>
-    <p:bldLst>
-      <p:bldP spid="7" grpId="0" build="p"/>
-    </p:bldLst>
   </p:timing>
 </p:sld>
 </file>

--- a/中間発表関連/5I25新村祐太 中間発表スライドver0.5.pptx
+++ b/中間発表関連/5I25新村祐太 中間発表スライドver0.5.pptx
@@ -21,7 +21,7 @@
     <p:sldId id="284" r:id="rId12"/>
     <p:sldId id="265" r:id="rId13"/>
     <p:sldId id="282" r:id="rId14"/>
-    <p:sldId id="285" r:id="rId15"/>
+    <p:sldId id="289" r:id="rId15"/>
     <p:sldId id="266" r:id="rId16"/>
     <p:sldId id="279" r:id="rId17"/>
     <p:sldId id="267" r:id="rId18"/>
@@ -214,7 +214,7 @@
           <a:p>
             <a:fld id="{2391553C-C418-45F3-9060-1557D7683ECD}" type="datetimeFigureOut">
               <a:rPr kumimoji="1" lang="ja-JP" altLang="en-US" smtClean="0"/>
-              <a:t>2012/11/29</a:t>
+              <a:t>2012/11/30</a:t>
             </a:fld>
             <a:endParaRPr kumimoji="1" lang="ja-JP" altLang="en-US"/>
           </a:p>
@@ -1973,11 +1973,7 @@
             </a:r>
             <a:r>
               <a:rPr kumimoji="1" lang="ja-JP" altLang="en-US" dirty="0" smtClean="0"/>
-              <a:t>とは</a:t>
-            </a:r>
-            <a:r>
-              <a:rPr kumimoji="1" lang="ja-JP" altLang="en-US" dirty="0" smtClean="0"/>
-              <a:t>？</a:t>
+              <a:t>とは？</a:t>
             </a:r>
             <a:endParaRPr kumimoji="1" lang="en-US" altLang="ja-JP" dirty="0" smtClean="0"/>
           </a:p>
@@ -2322,11 +2318,7 @@
           <a:p>
             <a:r>
               <a:rPr kumimoji="1" lang="ja-JP" altLang="en-US" dirty="0" smtClean="0"/>
-              <a:t>ざっくりと研究概要を</a:t>
-            </a:r>
-            <a:r>
-              <a:rPr kumimoji="1" lang="ja-JP" altLang="en-US" dirty="0" smtClean="0"/>
-              <a:t>示す</a:t>
+              <a:t>ざっくりと研究概要を示す</a:t>
             </a:r>
             <a:endParaRPr kumimoji="1" lang="en-US" altLang="ja-JP" dirty="0" smtClean="0"/>
           </a:p>
@@ -2778,7 +2770,7 @@
           <a:p>
             <a:fld id="{42FE0E3B-AB19-407C-B8D2-B50F41DA1FAB}" type="datetimeFigureOut">
               <a:rPr kumimoji="1" lang="ja-JP" altLang="en-US" smtClean="0"/>
-              <a:t>2012/11/29</a:t>
+              <a:t>2012/11/30</a:t>
             </a:fld>
             <a:endParaRPr kumimoji="1" lang="ja-JP" altLang="en-US"/>
           </a:p>
@@ -2976,7 +2968,7 @@
           <a:p>
             <a:fld id="{42FE0E3B-AB19-407C-B8D2-B50F41DA1FAB}" type="datetimeFigureOut">
               <a:rPr kumimoji="1" lang="ja-JP" altLang="en-US" smtClean="0"/>
-              <a:t>2012/11/29</a:t>
+              <a:t>2012/11/30</a:t>
             </a:fld>
             <a:endParaRPr kumimoji="1" lang="ja-JP" altLang="en-US"/>
           </a:p>
@@ -3195,7 +3187,7 @@
           <a:p>
             <a:fld id="{42FE0E3B-AB19-407C-B8D2-B50F41DA1FAB}" type="datetimeFigureOut">
               <a:rPr kumimoji="1" lang="ja-JP" altLang="en-US" smtClean="0"/>
-              <a:t>2012/11/29</a:t>
+              <a:t>2012/11/30</a:t>
             </a:fld>
             <a:endParaRPr kumimoji="1" lang="ja-JP" altLang="en-US"/>
           </a:p>
@@ -3800,7 +3792,7 @@
           <a:p>
             <a:fld id="{42FE0E3B-AB19-407C-B8D2-B50F41DA1FAB}" type="datetimeFigureOut">
               <a:rPr kumimoji="1" lang="ja-JP" altLang="en-US" smtClean="0"/>
-              <a:t>2012/11/29</a:t>
+              <a:t>2012/11/30</a:t>
             </a:fld>
             <a:endParaRPr kumimoji="1" lang="ja-JP" altLang="en-US"/>
           </a:p>
@@ -4010,7 +4002,7 @@
           <a:p>
             <a:fld id="{42FE0E3B-AB19-407C-B8D2-B50F41DA1FAB}" type="datetimeFigureOut">
               <a:rPr kumimoji="1" lang="ja-JP" altLang="en-US" smtClean="0"/>
-              <a:t>2012/11/29</a:t>
+              <a:t>2012/11/30</a:t>
             </a:fld>
             <a:endParaRPr kumimoji="1" lang="ja-JP" altLang="en-US"/>
           </a:p>
@@ -4376,7 +4368,7 @@
           <a:p>
             <a:fld id="{42FE0E3B-AB19-407C-B8D2-B50F41DA1FAB}" type="datetimeFigureOut">
               <a:rPr kumimoji="1" lang="ja-JP" altLang="en-US" smtClean="0"/>
-              <a:t>2012/11/29</a:t>
+              <a:t>2012/11/30</a:t>
             </a:fld>
             <a:endParaRPr kumimoji="1" lang="ja-JP" altLang="en-US"/>
           </a:p>
@@ -4881,7 +4873,7 @@
           <a:p>
             <a:fld id="{42FE0E3B-AB19-407C-B8D2-B50F41DA1FAB}" type="datetimeFigureOut">
               <a:rPr kumimoji="1" lang="ja-JP" altLang="en-US" smtClean="0"/>
-              <a:t>2012/11/29</a:t>
+              <a:t>2012/11/30</a:t>
             </a:fld>
             <a:endParaRPr kumimoji="1" lang="ja-JP" altLang="en-US"/>
           </a:p>
@@ -5013,7 +5005,7 @@
           <a:p>
             <a:fld id="{42FE0E3B-AB19-407C-B8D2-B50F41DA1FAB}" type="datetimeFigureOut">
               <a:rPr kumimoji="1" lang="ja-JP" altLang="en-US" smtClean="0"/>
-              <a:t>2012/11/29</a:t>
+              <a:t>2012/11/30</a:t>
             </a:fld>
             <a:endParaRPr kumimoji="1" lang="ja-JP" altLang="en-US"/>
           </a:p>
@@ -5122,7 +5114,7 @@
           <a:p>
             <a:fld id="{42FE0E3B-AB19-407C-B8D2-B50F41DA1FAB}" type="datetimeFigureOut">
               <a:rPr kumimoji="1" lang="ja-JP" altLang="en-US" smtClean="0"/>
-              <a:t>2012/11/29</a:t>
+              <a:t>2012/11/30</a:t>
             </a:fld>
             <a:endParaRPr kumimoji="1" lang="ja-JP" altLang="en-US"/>
           </a:p>
@@ -5445,7 +5437,7 @@
           <a:p>
             <a:fld id="{42FE0E3B-AB19-407C-B8D2-B50F41DA1FAB}" type="datetimeFigureOut">
               <a:rPr kumimoji="1" lang="ja-JP" altLang="en-US" smtClean="0"/>
-              <a:t>2012/11/29</a:t>
+              <a:t>2012/11/30</a:t>
             </a:fld>
             <a:endParaRPr kumimoji="1" lang="ja-JP" altLang="en-US"/>
           </a:p>
@@ -5709,7 +5701,7 @@
           <a:p>
             <a:fld id="{42FE0E3B-AB19-407C-B8D2-B50F41DA1FAB}" type="datetimeFigureOut">
               <a:rPr kumimoji="1" lang="ja-JP" altLang="en-US" smtClean="0"/>
-              <a:t>2012/11/29</a:t>
+              <a:t>2012/11/30</a:t>
             </a:fld>
             <a:endParaRPr kumimoji="1" lang="ja-JP" altLang="en-US"/>
           </a:p>
@@ -6075,7 +6067,7 @@
           <a:p>
             <a:fld id="{42FE0E3B-AB19-407C-B8D2-B50F41DA1FAB}" type="datetimeFigureOut">
               <a:rPr kumimoji="1" lang="ja-JP" altLang="en-US" smtClean="0"/>
-              <a:t>2012/11/29</a:t>
+              <a:t>2012/11/30</a:t>
             </a:fld>
             <a:endParaRPr kumimoji="1" lang="ja-JP" altLang="en-US"/>
           </a:p>
@@ -6899,11 +6891,11 @@
   <p:clrMapOvr>
     <a:masterClrMapping/>
   </p:clrMapOvr>
-  <mc:AlternateContent xmlns:mc="http://schemas.openxmlformats.org/markup-compatibility/2006">
-    <mc:Choice xmlns:p14="http://schemas.microsoft.com/office/powerpoint/2010/main" Requires="p14">
+  <mc:AlternateContent xmlns:mc="http://schemas.openxmlformats.org/markup-compatibility/2006" xmlns:p14="http://schemas.microsoft.com/office/powerpoint/2010/main">
+    <mc:Choice Requires="p14">
       <p:transition p14:dur="10"/>
     </mc:Choice>
-    <mc:Fallback>
+    <mc:Fallback xmlns="">
       <p:transition/>
     </mc:Fallback>
   </mc:AlternateContent>
@@ -6950,12 +6942,24 @@
           <a:lstStyle/>
           <a:p>
             <a:r>
-              <a:rPr kumimoji="1" lang="ja-JP" altLang="en-US" dirty="0" smtClean="0"/>
-              <a:t>研究概要</a:t>
-            </a:r>
-            <a:r>
-              <a:rPr kumimoji="1" lang="en-US" altLang="ja-JP" dirty="0" smtClean="0"/>
-              <a:t>(2/6)</a:t>
+              <a:rPr kumimoji="1" lang="ja-JP" altLang="en-US" smtClean="0"/>
+              <a:t>研究</a:t>
+            </a:r>
+            <a:r>
+              <a:rPr kumimoji="1" lang="ja-JP" altLang="en-US" smtClean="0"/>
+              <a:t>概要</a:t>
+            </a:r>
+            <a:r>
+              <a:rPr lang="ja-JP" altLang="en-US"/>
+              <a:t>（</a:t>
+            </a:r>
+            <a:r>
+              <a:rPr kumimoji="1" lang="en-US" altLang="ja-JP" smtClean="0"/>
+              <a:t>2/6</a:t>
+            </a:r>
+            <a:r>
+              <a:rPr lang="ja-JP" altLang="en-US" dirty="0"/>
+              <a:t>）</a:t>
             </a:r>
             <a:endParaRPr kumimoji="1" lang="ja-JP" altLang="en-US" dirty="0"/>
           </a:p>
@@ -6977,8 +6981,16 @@
           <a:lstStyle/>
           <a:p>
             <a:r>
+              <a:rPr lang="ja-JP" altLang="en-US"/>
+              <a:t>提供</a:t>
+            </a:r>
+            <a:r>
+              <a:rPr lang="ja-JP" altLang="en-US" smtClean="0"/>
+              <a:t>モデルカタログ</a:t>
+            </a:r>
+            <a:r>
               <a:rPr lang="ja-JP" altLang="en-US" dirty="0" smtClean="0"/>
-              <a:t>各種モデルカタログ一覧</a:t>
+              <a:t>一覧</a:t>
             </a:r>
             <a:endParaRPr kumimoji="1" lang="ja-JP" altLang="en-US" dirty="0"/>
           </a:p>
@@ -7374,12 +7386,24 @@
           <a:lstStyle/>
           <a:p>
             <a:r>
-              <a:rPr kumimoji="1" lang="ja-JP" altLang="en-US" dirty="0" smtClean="0"/>
-              <a:t>研究概要</a:t>
-            </a:r>
-            <a:r>
-              <a:rPr kumimoji="1" lang="en-US" altLang="ja-JP" dirty="0" smtClean="0"/>
-              <a:t>(2/6)</a:t>
+              <a:rPr kumimoji="1" lang="ja-JP" altLang="en-US" smtClean="0"/>
+              <a:t>研究</a:t>
+            </a:r>
+            <a:r>
+              <a:rPr kumimoji="1" lang="ja-JP" altLang="en-US" smtClean="0"/>
+              <a:t>概要</a:t>
+            </a:r>
+            <a:r>
+              <a:rPr lang="ja-JP" altLang="en-US"/>
+              <a:t>（</a:t>
+            </a:r>
+            <a:r>
+              <a:rPr kumimoji="1" lang="en-US" altLang="ja-JP" smtClean="0"/>
+              <a:t>2/6</a:t>
+            </a:r>
+            <a:r>
+              <a:rPr lang="ja-JP" altLang="en-US" dirty="0"/>
+              <a:t>）</a:t>
             </a:r>
             <a:endParaRPr kumimoji="1" lang="ja-JP" altLang="en-US" dirty="0"/>
           </a:p>
@@ -7401,8 +7425,16 @@
           <a:lstStyle/>
           <a:p>
             <a:r>
+              <a:rPr lang="ja-JP" altLang="en-US"/>
+              <a:t>提供</a:t>
+            </a:r>
+            <a:r>
+              <a:rPr lang="ja-JP" altLang="en-US" smtClean="0"/>
+              <a:t>モデルカタログ</a:t>
+            </a:r>
+            <a:r>
               <a:rPr lang="ja-JP" altLang="en-US" dirty="0" smtClean="0"/>
-              <a:t>各種モデルカタログ一覧</a:t>
+              <a:t>一覧</a:t>
             </a:r>
             <a:endParaRPr kumimoji="1" lang="ja-JP" altLang="en-US" dirty="0"/>
           </a:p>
@@ -7939,8 +7971,8 @@
           <a:p>
             <a:pPr algn="ctr"/>
             <a:r>
-              <a:rPr lang="ja-JP" altLang="en-US" sz="3200" dirty="0" smtClean="0"/>
-              <a:t>実装対象</a:t>
+              <a:rPr lang="ja-JP" altLang="en-US" sz="3200" smtClean="0"/>
+              <a:t>本研究で実装</a:t>
             </a:r>
             <a:endParaRPr kumimoji="1" lang="ja-JP" altLang="en-US" sz="3200" dirty="0"/>
           </a:p>
@@ -7999,12 +8031,24 @@
           <a:lstStyle/>
           <a:p>
             <a:r>
-              <a:rPr kumimoji="1" lang="ja-JP" altLang="en-US" dirty="0" smtClean="0"/>
-              <a:t>研究概要</a:t>
-            </a:r>
-            <a:r>
-              <a:rPr kumimoji="1" lang="en-US" altLang="ja-JP" dirty="0" smtClean="0"/>
-              <a:t>(3/6)</a:t>
+              <a:rPr kumimoji="1" lang="ja-JP" altLang="en-US" smtClean="0"/>
+              <a:t>研究</a:t>
+            </a:r>
+            <a:r>
+              <a:rPr kumimoji="1" lang="ja-JP" altLang="en-US" smtClean="0"/>
+              <a:t>概要</a:t>
+            </a:r>
+            <a:r>
+              <a:rPr lang="ja-JP" altLang="en-US"/>
+              <a:t>（</a:t>
+            </a:r>
+            <a:r>
+              <a:rPr kumimoji="1" lang="en-US" altLang="ja-JP" smtClean="0"/>
+              <a:t>3/6</a:t>
+            </a:r>
+            <a:r>
+              <a:rPr lang="ja-JP" altLang="en-US" dirty="0"/>
+              <a:t>）</a:t>
             </a:r>
             <a:endParaRPr kumimoji="1" lang="ja-JP" altLang="en-US" dirty="0"/>
           </a:p>
@@ -8020,7 +8064,12 @@
             <p:ph idx="1"/>
           </p:nvPr>
         </p:nvSpPr>
-        <p:spPr/>
+        <p:spPr>
+          <a:xfrm>
+            <a:off x="304800" y="1020764"/>
+            <a:ext cx="8610600" cy="896068"/>
+          </a:xfrm>
+        </p:spPr>
         <p:txBody>
           <a:bodyPr/>
           <a:lstStyle/>
@@ -8060,7 +8109,7 @@
         </p:nvSpPr>
         <p:spPr>
           <a:xfrm>
-            <a:off x="1835696" y="3933056"/>
+            <a:off x="1835697" y="3212977"/>
             <a:ext cx="1440160" cy="971128"/>
           </a:xfrm>
           <a:prstGeom prst="rect">
@@ -8068,17 +8117,17 @@
           </a:prstGeom>
         </p:spPr>
         <p:style>
-          <a:lnRef idx="0">
-            <a:schemeClr val="accent5"/>
+          <a:lnRef idx="1">
+            <a:schemeClr val="accent2"/>
           </a:lnRef>
-          <a:fillRef idx="3">
-            <a:schemeClr val="accent5"/>
+          <a:fillRef idx="2">
+            <a:schemeClr val="accent2"/>
           </a:fillRef>
-          <a:effectRef idx="3">
-            <a:schemeClr val="accent5"/>
+          <a:effectRef idx="1">
+            <a:schemeClr val="accent2"/>
           </a:effectRef>
           <a:fontRef idx="minor">
-            <a:schemeClr val="lt1"/>
+            <a:schemeClr val="dk1"/>
           </a:fontRef>
         </p:style>
         <p:txBody>
@@ -8102,7 +8151,7 @@
         </p:nvSpPr>
         <p:spPr>
           <a:xfrm>
-            <a:off x="3851920" y="5157192"/>
+            <a:off x="3851920" y="4437113"/>
             <a:ext cx="1440160" cy="1008111"/>
           </a:xfrm>
           <a:prstGeom prst="rect">
@@ -8110,17 +8159,17 @@
           </a:prstGeom>
         </p:spPr>
         <p:style>
-          <a:lnRef idx="0">
-            <a:schemeClr val="accent5"/>
+          <a:lnRef idx="1">
+            <a:schemeClr val="accent2"/>
           </a:lnRef>
-          <a:fillRef idx="3">
-            <a:schemeClr val="accent5"/>
+          <a:fillRef idx="2">
+            <a:schemeClr val="accent2"/>
           </a:fillRef>
-          <a:effectRef idx="3">
-            <a:schemeClr val="accent5"/>
+          <a:effectRef idx="1">
+            <a:schemeClr val="accent2"/>
           </a:effectRef>
           <a:fontRef idx="minor">
-            <a:schemeClr val="lt1"/>
+            <a:schemeClr val="dk1"/>
           </a:fontRef>
         </p:style>
         <p:txBody>
@@ -8148,7 +8197,7 @@
         </p:nvSpPr>
         <p:spPr>
           <a:xfrm>
-            <a:off x="5868144" y="3933056"/>
+            <a:off x="5868144" y="3212977"/>
             <a:ext cx="1440160" cy="971127"/>
           </a:xfrm>
           <a:prstGeom prst="rect">
@@ -8156,17 +8205,17 @@
           </a:prstGeom>
         </p:spPr>
         <p:style>
-          <a:lnRef idx="0">
-            <a:schemeClr val="accent5"/>
+          <a:lnRef idx="1">
+            <a:schemeClr val="accent2"/>
           </a:lnRef>
-          <a:fillRef idx="3">
-            <a:schemeClr val="accent5"/>
+          <a:fillRef idx="2">
+            <a:schemeClr val="accent2"/>
           </a:fillRef>
-          <a:effectRef idx="3">
-            <a:schemeClr val="accent5"/>
+          <a:effectRef idx="1">
+            <a:schemeClr val="accent2"/>
           </a:effectRef>
           <a:fontRef idx="minor">
-            <a:schemeClr val="lt1"/>
+            <a:schemeClr val="dk1"/>
           </a:fontRef>
         </p:style>
         <p:txBody>
@@ -8190,7 +8239,7 @@
         </p:nvSpPr>
         <p:spPr>
           <a:xfrm>
-            <a:off x="3844652" y="2780928"/>
+            <a:off x="3844652" y="2060849"/>
             <a:ext cx="1440160" cy="1008112"/>
           </a:xfrm>
           <a:prstGeom prst="rect">
@@ -8198,17 +8247,17 @@
           </a:prstGeom>
         </p:spPr>
         <p:style>
-          <a:lnRef idx="0">
-            <a:schemeClr val="accent5"/>
+          <a:lnRef idx="1">
+            <a:schemeClr val="accent2"/>
           </a:lnRef>
-          <a:fillRef idx="3">
-            <a:schemeClr val="accent5"/>
+          <a:fillRef idx="2">
+            <a:schemeClr val="accent2"/>
           </a:fillRef>
-          <a:effectRef idx="3">
-            <a:schemeClr val="accent5"/>
+          <a:effectRef idx="1">
+            <a:schemeClr val="accent2"/>
           </a:effectRef>
           <a:fontRef idx="minor">
-            <a:schemeClr val="lt1"/>
+            <a:schemeClr val="dk1"/>
           </a:fontRef>
         </p:style>
         <p:txBody>
@@ -8239,8 +8288,8 @@
         </p:nvCxnSpPr>
         <p:spPr>
           <a:xfrm rot="5400000" flipH="1" flipV="1">
-            <a:off x="2876178" y="2964582"/>
-            <a:ext cx="648072" cy="1288876"/>
+            <a:off x="2876178" y="2244504"/>
+            <a:ext cx="648072" cy="1288875"/>
           </a:xfrm>
           <a:prstGeom prst="bentConnector2">
             <a:avLst/>
@@ -8275,7 +8324,7 @@
         </p:nvCxnSpPr>
         <p:spPr>
           <a:xfrm>
-            <a:off x="5284812" y="3284984"/>
+            <a:off x="5284812" y="2564905"/>
             <a:ext cx="1303412" cy="648072"/>
           </a:xfrm>
           <a:prstGeom prst="bentConnector2">
@@ -8311,7 +8360,7 @@
         </p:nvCxnSpPr>
         <p:spPr>
           <a:xfrm rot="5400000">
-            <a:off x="5561620" y="4634643"/>
+            <a:off x="5561620" y="3914564"/>
             <a:ext cx="757065" cy="1296144"/>
           </a:xfrm>
           <a:prstGeom prst="bentConnector2">
@@ -8347,8 +8396,8 @@
         </p:nvCxnSpPr>
         <p:spPr>
           <a:xfrm rot="10800000">
-            <a:off x="2555776" y="4904184"/>
-            <a:ext cx="1296144" cy="757064"/>
+            <a:off x="2555778" y="4184105"/>
+            <a:ext cx="1296143" cy="757064"/>
           </a:xfrm>
           <a:prstGeom prst="bentConnector2">
             <a:avLst/>
@@ -8380,7 +8429,7 @@
         </p:nvSpPr>
         <p:spPr>
           <a:xfrm>
-            <a:off x="683568" y="2888940"/>
+            <a:off x="683568" y="2168861"/>
             <a:ext cx="792088" cy="792088"/>
           </a:xfrm>
           <a:prstGeom prst="smileyFace">
@@ -8392,10 +8441,10 @@
             <a:schemeClr val="lt1"/>
           </a:lnRef>
           <a:fillRef idx="1">
-            <a:schemeClr val="dk1"/>
+            <a:schemeClr val="accent2"/>
           </a:fillRef>
           <a:effectRef idx="1">
-            <a:schemeClr val="dk1"/>
+            <a:schemeClr val="accent2"/>
           </a:effectRef>
           <a:fontRef idx="minor">
             <a:schemeClr val="lt1"/>
@@ -8421,8 +8470,8 @@
         </p:nvCxnSpPr>
         <p:spPr>
           <a:xfrm rot="16200000" flipH="1">
-            <a:off x="1088858" y="3671782"/>
-            <a:ext cx="737592" cy="756084"/>
+            <a:off x="1088858" y="2951702"/>
+            <a:ext cx="737592" cy="756085"/>
           </a:xfrm>
           <a:prstGeom prst="bentConnector2">
             <a:avLst/>
@@ -8454,7 +8503,7 @@
         </p:nvSpPr>
         <p:spPr>
           <a:xfrm>
-            <a:off x="7092280" y="2780928"/>
+            <a:off x="7092280" y="2060849"/>
             <a:ext cx="1584176" cy="936104"/>
           </a:xfrm>
           <a:prstGeom prst="cloud">
@@ -8499,7 +8548,7 @@
         </p:nvCxnSpPr>
         <p:spPr>
           <a:xfrm rot="5400000">
-            <a:off x="7245044" y="3779295"/>
+            <a:off x="7245044" y="3059216"/>
             <a:ext cx="702585" cy="576064"/>
           </a:xfrm>
           <a:prstGeom prst="bentConnector2">
@@ -8532,7 +8581,7 @@
         </p:nvSpPr>
         <p:spPr>
           <a:xfrm>
-            <a:off x="2843807" y="2924944"/>
+            <a:off x="2843807" y="2204865"/>
             <a:ext cx="1080121" cy="369332"/>
           </a:xfrm>
           <a:prstGeom prst="rect">
@@ -8562,7 +8611,7 @@
         </p:nvSpPr>
         <p:spPr>
           <a:xfrm>
-            <a:off x="5436095" y="2924944"/>
+            <a:off x="5436095" y="2204865"/>
             <a:ext cx="1080121" cy="369332"/>
           </a:xfrm>
           <a:prstGeom prst="rect">
@@ -8592,7 +8641,7 @@
         </p:nvSpPr>
         <p:spPr>
           <a:xfrm>
-            <a:off x="2843808" y="5651956"/>
+            <a:off x="2843808" y="4931877"/>
             <a:ext cx="1080121" cy="369332"/>
           </a:xfrm>
           <a:prstGeom prst="rect">
@@ -8626,7 +8675,7 @@
         </p:nvSpPr>
         <p:spPr>
           <a:xfrm>
-            <a:off x="5508103" y="5651956"/>
+            <a:off x="5508103" y="4931877"/>
             <a:ext cx="1080121" cy="369332"/>
           </a:xfrm>
           <a:prstGeom prst="rect">
@@ -8656,7 +8705,7 @@
         </p:nvSpPr>
         <p:spPr>
           <a:xfrm>
-            <a:off x="7380312" y="4438853"/>
+            <a:off x="7380312" y="3707740"/>
             <a:ext cx="1584176" cy="369332"/>
           </a:xfrm>
           <a:prstGeom prst="rect">
@@ -8686,8 +8735,8 @@
         </p:nvSpPr>
         <p:spPr>
           <a:xfrm>
-            <a:off x="539552" y="2492896"/>
-            <a:ext cx="1224136" cy="461665"/>
+            <a:off x="539552" y="1743199"/>
+            <a:ext cx="1116123" cy="461665"/>
           </a:xfrm>
           <a:prstGeom prst="rect">
             <a:avLst/>
@@ -8716,7 +8765,7 @@
         </p:nvSpPr>
         <p:spPr>
           <a:xfrm>
-            <a:off x="1115615" y="4577352"/>
+            <a:off x="1115615" y="3857273"/>
             <a:ext cx="1080121" cy="369332"/>
           </a:xfrm>
           <a:prstGeom prst="rect">
@@ -8735,6 +8784,95 @@
               <a:t>指示</a:t>
             </a:r>
             <a:endParaRPr kumimoji="1" lang="ja-JP" altLang="en-US" dirty="0"/>
+          </a:p>
+        </p:txBody>
+      </p:sp>
+      <p:sp>
+        <p:nvSpPr>
+          <p:cNvPr id="11" name="テキスト ボックス 10"/>
+          <p:cNvSpPr txBox="1"/>
+          <p:nvPr/>
+        </p:nvSpPr>
+        <p:spPr>
+          <a:xfrm>
+            <a:off x="2627784" y="5646091"/>
+            <a:ext cx="6552728" cy="830997"/>
+          </a:xfrm>
+          <a:prstGeom prst="rect">
+            <a:avLst/>
+          </a:prstGeom>
+          <a:noFill/>
+        </p:spPr>
+        <p:txBody>
+          <a:bodyPr wrap="square" rtlCol="0">
+            <a:spAutoFit/>
+          </a:bodyPr>
+          <a:lstStyle/>
+          <a:p>
+            <a:r>
+              <a:rPr lang="ja-JP" altLang="en-US" sz="2400"/>
+              <a:t>制御対象の計測値が目標値となる</a:t>
+            </a:r>
+            <a:r>
+              <a:rPr lang="ja-JP" altLang="en-US" sz="2400"/>
+              <a:t>よう</a:t>
+            </a:r>
+            <a:r>
+              <a:rPr lang="ja-JP" altLang="en-US" sz="2400" smtClean="0"/>
+              <a:t>に</a:t>
+            </a:r>
+            <a:endParaRPr lang="en-US" altLang="ja-JP" sz="2400" smtClean="0"/>
+          </a:p>
+          <a:p>
+            <a:r>
+              <a:rPr lang="ja-JP" altLang="en-US" sz="2400" smtClean="0"/>
+              <a:t>制御</a:t>
+            </a:r>
+            <a:r>
+              <a:rPr lang="ja-JP" altLang="en-US" sz="2400"/>
+              <a:t>する仕組み</a:t>
+            </a:r>
+            <a:endParaRPr kumimoji="1" lang="ja-JP" altLang="en-US" sz="2400"/>
+          </a:p>
+        </p:txBody>
+      </p:sp>
+      <p:sp>
+        <p:nvSpPr>
+          <p:cNvPr id="12" name="右矢印 11"/>
+          <p:cNvSpPr/>
+          <p:nvPr/>
+        </p:nvSpPr>
+        <p:spPr>
+          <a:xfrm>
+            <a:off x="1547664" y="5718099"/>
+            <a:ext cx="1008112" cy="663229"/>
+          </a:xfrm>
+          <a:prstGeom prst="rightArrow">
+            <a:avLst/>
+          </a:prstGeom>
+        </p:spPr>
+        <p:style>
+          <a:lnRef idx="2">
+            <a:schemeClr val="accent1">
+              <a:shade val="50000"/>
+            </a:schemeClr>
+          </a:lnRef>
+          <a:fillRef idx="1">
+            <a:schemeClr val="accent1"/>
+          </a:fillRef>
+          <a:effectRef idx="0">
+            <a:schemeClr val="accent1"/>
+          </a:effectRef>
+          <a:fontRef idx="minor">
+            <a:schemeClr val="lt1"/>
+          </a:fontRef>
+        </p:style>
+        <p:txBody>
+          <a:bodyPr rtlCol="0" anchor="ctr"/>
+          <a:lstStyle/>
+          <a:p>
+            <a:pPr algn="ctr"/>
+            <a:endParaRPr kumimoji="1" lang="ja-JP" altLang="en-US"/>
           </a:p>
         </p:txBody>
       </p:sp>
@@ -9533,6 +9671,78 @@
                       </p:childTnLst>
                     </p:cTn>
                   </p:par>
+                  <p:par>
+                    <p:cTn id="71" fill="hold">
+                      <p:stCondLst>
+                        <p:cond delay="indefinite"/>
+                      </p:stCondLst>
+                      <p:childTnLst>
+                        <p:par>
+                          <p:cTn id="72" fill="hold">
+                            <p:stCondLst>
+                              <p:cond delay="0"/>
+                            </p:stCondLst>
+                            <p:childTnLst>
+                              <p:par>
+                                <p:cTn id="73" presetID="1" presetClass="entr" presetSubtype="0" fill="hold" grpId="0" nodeType="clickEffect">
+                                  <p:stCondLst>
+                                    <p:cond delay="0"/>
+                                  </p:stCondLst>
+                                  <p:childTnLst>
+                                    <p:set>
+                                      <p:cBhvr>
+                                        <p:cTn id="74" dur="1" fill="hold">
+                                          <p:stCondLst>
+                                            <p:cond delay="0"/>
+                                          </p:stCondLst>
+                                        </p:cTn>
+                                        <p:tgtEl>
+                                          <p:spTgt spid="12"/>
+                                        </p:tgtEl>
+                                        <p:attrNameLst>
+                                          <p:attrName>style.visibility</p:attrName>
+                                        </p:attrNameLst>
+                                      </p:cBhvr>
+                                      <p:to>
+                                        <p:strVal val="visible"/>
+                                      </p:to>
+                                    </p:set>
+                                  </p:childTnLst>
+                                </p:cTn>
+                              </p:par>
+                              <p:par>
+                                <p:cTn id="75" presetID="1" presetClass="entr" presetSubtype="0" fill="hold" grpId="0" nodeType="withEffect">
+                                  <p:stCondLst>
+                                    <p:cond delay="0"/>
+                                  </p:stCondLst>
+                                  <p:childTnLst>
+                                    <p:set>
+                                      <p:cBhvr>
+                                        <p:cTn id="76" dur="1" fill="hold">
+                                          <p:stCondLst>
+                                            <p:cond delay="0"/>
+                                          </p:stCondLst>
+                                        </p:cTn>
+                                        <p:tgtEl>
+                                          <p:spTgt spid="11"/>
+                                        </p:tgtEl>
+                                        <p:attrNameLst>
+                                          <p:attrName>style.visibility</p:attrName>
+                                        </p:attrNameLst>
+                                      </p:cBhvr>
+                                      <p:to>
+                                        <p:strVal val="visible"/>
+                                      </p:to>
+                                    </p:set>
+                                  </p:childTnLst>
+                                </p:cTn>
+                              </p:par>
+                            </p:childTnLst>
+                          </p:cTn>
+                        </p:par>
+                      </p:childTnLst>
+                    </p:cTn>
+                  </p:par>
                 </p:childTnLst>
               </p:cTn>
               <p:prevCondLst>
@@ -9568,6 +9778,8 @@
       <p:bldP spid="46" grpId="0"/>
       <p:bldP spid="47" grpId="0"/>
       <p:bldP spid="48" grpId="0"/>
+      <p:bldP spid="11" grpId="0"/>
+      <p:bldP spid="12" grpId="0" animBg="1"/>
     </p:bldLst>
   </p:timing>
 </p:sld>
@@ -9671,11 +9883,7 @@
           <a:p>
             <a:r>
               <a:rPr kumimoji="1" lang="ja-JP" altLang="en-US" dirty="0" smtClean="0"/>
-              <a:t>研究概要</a:t>
-            </a:r>
-            <a:r>
-              <a:rPr kumimoji="1" lang="ja-JP" altLang="en-US" dirty="0" smtClean="0"/>
-              <a:t>（</a:t>
+              <a:t>研究概要（</a:t>
             </a:r>
             <a:r>
               <a:rPr lang="en-US" altLang="ja-JP" dirty="0" smtClean="0"/>
@@ -9703,19 +9911,56 @@
             <p:ph idx="1"/>
           </p:nvPr>
         </p:nvSpPr>
-        <p:spPr/>
+        <p:spPr>
+          <a:xfrm>
+            <a:off x="304800" y="1020764"/>
+            <a:ext cx="3837403" cy="5456236"/>
+          </a:xfrm>
+        </p:spPr>
         <p:txBody>
           <a:bodyPr/>
           <a:lstStyle/>
           <a:p>
             <a:r>
-              <a:rPr lang="ja-JP" altLang="en-US" dirty="0" smtClean="0"/>
-              <a:t>モデルカタログでのクラス図</a:t>
+              <a:rPr lang="ja-JP" altLang="en-US" smtClean="0"/>
+              <a:t>「目標値制御」</a:t>
+            </a:r>
+            <a:r>
+              <a:rPr lang="en-US" altLang="ja-JP"/>
+              <a:t>	</a:t>
+            </a:r>
+            <a:r>
+              <a:rPr lang="en-US" altLang="ja-JP" smtClean="0"/>
+              <a:t>	</a:t>
+            </a:r>
+            <a:r>
+              <a:rPr lang="ja-JP" altLang="en-US" smtClean="0"/>
+              <a:t>モデルカタログ</a:t>
             </a:r>
             <a:endParaRPr lang="en-US" altLang="ja-JP" dirty="0" smtClean="0"/>
           </a:p>
           <a:p>
             <a:pPr lvl="1"/>
+            <a:r>
+              <a:rPr kumimoji="1" lang="ja-JP" altLang="en-US" smtClean="0"/>
+              <a:t>前述の構造を再現</a:t>
+            </a:r>
+            <a:endParaRPr kumimoji="1" lang="en-US" altLang="ja-JP" smtClean="0"/>
+          </a:p>
+          <a:p>
+            <a:pPr lvl="1"/>
+            <a:r>
+              <a:rPr lang="ja-JP" altLang="en-US" smtClean="0"/>
+              <a:t>周期的に実行されることを想定</a:t>
+            </a:r>
+            <a:endParaRPr lang="en-US" altLang="ja-JP" smtClean="0"/>
+          </a:p>
+          <a:p>
+            <a:pPr lvl="1"/>
+            <a:r>
+              <a:rPr kumimoji="1" lang="ja-JP" altLang="en-US" smtClean="0"/>
+              <a:t>制御対象の監視役が存在</a:t>
+            </a:r>
             <a:endParaRPr kumimoji="1" lang="ja-JP" altLang="en-US" dirty="0"/>
           </a:p>
         </p:txBody>
@@ -9833,79 +10078,9 @@
           <a:chExt cx="0" cy="0"/>
         </a:xfrm>
       </p:grpSpPr>
-      <p:sp>
-        <p:nvSpPr>
-          <p:cNvPr id="2" name="タイトル 1"/>
-          <p:cNvSpPr>
-            <a:spLocks noGrp="1"/>
-          </p:cNvSpPr>
-          <p:nvPr>
-            <p:ph type="title"/>
-          </p:nvPr>
-        </p:nvSpPr>
-        <p:spPr/>
-        <p:txBody>
-          <a:bodyPr/>
-          <a:lstStyle/>
-          <a:p>
-            <a:r>
-              <a:rPr kumimoji="1" lang="ja-JP" altLang="en-US" dirty="0" smtClean="0"/>
-              <a:t>研究概要</a:t>
-            </a:r>
-            <a:r>
-              <a:rPr kumimoji="1" lang="ja-JP" altLang="en-US" dirty="0" smtClean="0"/>
-              <a:t>（</a:t>
-            </a:r>
-            <a:r>
-              <a:rPr lang="en-US" altLang="ja-JP" dirty="0" smtClean="0"/>
-              <a:t>4</a:t>
-            </a:r>
-            <a:r>
-              <a:rPr kumimoji="1" lang="en-US" altLang="ja-JP" dirty="0" smtClean="0"/>
-              <a:t>/6</a:t>
-            </a:r>
-            <a:r>
-              <a:rPr kumimoji="1" lang="ja-JP" altLang="en-US" dirty="0" smtClean="0"/>
-              <a:t>）</a:t>
-            </a:r>
-            <a:endParaRPr kumimoji="1" lang="ja-JP" altLang="en-US" dirty="0"/>
-          </a:p>
-        </p:txBody>
-      </p:sp>
-      <p:sp>
-        <p:nvSpPr>
-          <p:cNvPr id="3" name="コンテンツ プレースホルダー 2"/>
-          <p:cNvSpPr>
-            <a:spLocks noGrp="1"/>
-          </p:cNvSpPr>
-          <p:nvPr>
-            <p:ph idx="1"/>
-          </p:nvPr>
-        </p:nvSpPr>
-        <p:spPr/>
-        <p:txBody>
-          <a:bodyPr/>
-          <a:lstStyle/>
-          <a:p>
-            <a:r>
-              <a:rPr lang="ja-JP" altLang="en-US" dirty="0" smtClean="0"/>
-              <a:t>モデルカタログで</a:t>
-            </a:r>
-            <a:r>
-              <a:rPr lang="ja-JP" altLang="en-US" dirty="0" smtClean="0"/>
-              <a:t>の</a:t>
-            </a:r>
-            <a:r>
-              <a:rPr lang="ja-JP" altLang="en-US" dirty="0" smtClean="0"/>
-              <a:t>クラス図</a:t>
-            </a:r>
-            <a:endParaRPr kumimoji="1" lang="ja-JP" altLang="en-US" dirty="0"/>
-          </a:p>
-        </p:txBody>
-      </p:sp>
       <p:pic>
         <p:nvPicPr>
-          <p:cNvPr id="6" name="Picture 3"/>
+          <p:cNvPr id="5" name="Picture 3"/>
           <p:cNvPicPr>
             <a:picLocks noChangeAspect="1" noChangeArrowheads="1"/>
           </p:cNvPicPr>
@@ -9926,8 +10101,8 @@
         </p:blipFill>
         <p:spPr bwMode="auto">
           <a:xfrm>
-            <a:off x="3059832" y="2662014"/>
-            <a:ext cx="5991225" cy="3143250"/>
+            <a:off x="3779912" y="2132856"/>
+            <a:ext cx="5392103" cy="2828925"/>
           </a:xfrm>
           <a:prstGeom prst="rect">
             <a:avLst/>
@@ -9967,10 +10142,109 @@
           </a:extLst>
         </p:spPr>
       </p:pic>
+      <p:sp>
+        <p:nvSpPr>
+          <p:cNvPr id="2" name="タイトル 1"/>
+          <p:cNvSpPr>
+            <a:spLocks noGrp="1"/>
+          </p:cNvSpPr>
+          <p:nvPr>
+            <p:ph type="title"/>
+          </p:nvPr>
+        </p:nvSpPr>
+        <p:spPr/>
+        <p:txBody>
+          <a:bodyPr/>
+          <a:lstStyle/>
+          <a:p>
+            <a:r>
+              <a:rPr kumimoji="1" lang="ja-JP" altLang="en-US" dirty="0" smtClean="0"/>
+              <a:t>研究概要（</a:t>
+            </a:r>
+            <a:r>
+              <a:rPr lang="en-US" altLang="ja-JP" dirty="0" smtClean="0"/>
+              <a:t>4</a:t>
+            </a:r>
+            <a:r>
+              <a:rPr kumimoji="1" lang="en-US" altLang="ja-JP" dirty="0" smtClean="0"/>
+              <a:t>/6</a:t>
+            </a:r>
+            <a:r>
+              <a:rPr kumimoji="1" lang="ja-JP" altLang="en-US" dirty="0" smtClean="0"/>
+              <a:t>）</a:t>
+            </a:r>
+            <a:endParaRPr kumimoji="1" lang="ja-JP" altLang="en-US" dirty="0"/>
+          </a:p>
+        </p:txBody>
+      </p:sp>
+      <p:sp>
+        <p:nvSpPr>
+          <p:cNvPr id="3" name="コンテンツ プレースホルダー 2"/>
+          <p:cNvSpPr>
+            <a:spLocks noGrp="1"/>
+          </p:cNvSpPr>
+          <p:nvPr>
+            <p:ph idx="1"/>
+          </p:nvPr>
+        </p:nvSpPr>
+        <p:spPr>
+          <a:xfrm>
+            <a:off x="304800" y="1020764"/>
+            <a:ext cx="3837403" cy="5456236"/>
+          </a:xfrm>
+        </p:spPr>
+        <p:txBody>
+          <a:bodyPr/>
+          <a:lstStyle/>
+          <a:p>
+            <a:r>
+              <a:rPr lang="ja-JP" altLang="en-US" smtClean="0"/>
+              <a:t>「目標値制御」</a:t>
+            </a:r>
+            <a:r>
+              <a:rPr lang="en-US" altLang="ja-JP"/>
+              <a:t>	</a:t>
+            </a:r>
+            <a:r>
+              <a:rPr lang="en-US" altLang="ja-JP" smtClean="0"/>
+              <a:t>	</a:t>
+            </a:r>
+            <a:r>
+              <a:rPr lang="ja-JP" altLang="en-US" smtClean="0"/>
+              <a:t>モデルカタログ</a:t>
+            </a:r>
+            <a:endParaRPr lang="en-US" altLang="ja-JP" dirty="0" smtClean="0"/>
+          </a:p>
+          <a:p>
+            <a:pPr lvl="1"/>
+            <a:r>
+              <a:rPr kumimoji="1" lang="ja-JP" altLang="en-US" smtClean="0"/>
+              <a:t>前述の構造を再現</a:t>
+            </a:r>
+            <a:endParaRPr kumimoji="1" lang="en-US" altLang="ja-JP" smtClean="0"/>
+          </a:p>
+          <a:p>
+            <a:pPr lvl="1"/>
+            <a:r>
+              <a:rPr lang="ja-JP" altLang="en-US" smtClean="0"/>
+              <a:t>周期的に実行されることを想定</a:t>
+            </a:r>
+            <a:endParaRPr lang="en-US" altLang="ja-JP" smtClean="0"/>
+          </a:p>
+          <a:p>
+            <a:pPr lvl="1"/>
+            <a:r>
+              <a:rPr kumimoji="1" lang="ja-JP" altLang="en-US" smtClean="0"/>
+              <a:t>制御対象の監視役が存在</a:t>
+            </a:r>
+            <a:endParaRPr kumimoji="1" lang="ja-JP" altLang="en-US" dirty="0"/>
+          </a:p>
+        </p:txBody>
+      </p:sp>
     </p:spTree>
     <p:extLst>
       <p:ext uri="{BB962C8B-B14F-4D97-AF65-F5344CB8AC3E}">
-        <p14:creationId xmlns:p14="http://schemas.microsoft.com/office/powerpoint/2010/main" val="1382943403"/>
+        <p14:creationId xmlns:p14="http://schemas.microsoft.com/office/powerpoint/2010/main" val="3784369164"/>
       </p:ext>
     </p:extLst>
   </p:cSld>
@@ -10011,7 +10285,7 @@
                                           </p:stCondLst>
                                         </p:cTn>
                                         <p:tgtEl>
-                                          <p:spTgt spid="6"/>
+                                          <p:spTgt spid="5"/>
                                         </p:tgtEl>
                                         <p:attrNameLst>
                                           <p:attrName>style.visibility</p:attrName>
@@ -10025,7 +10299,7 @@
                                       <p:cBhvr>
                                         <p:cTn id="7" dur="500"/>
                                         <p:tgtEl>
-                                          <p:spTgt spid="6"/>
+                                          <p:spTgt spid="5"/>
                                         </p:tgtEl>
                                       </p:cBhvr>
                                     </p:animEffect>
@@ -10097,11 +10371,7 @@
           <a:p>
             <a:r>
               <a:rPr kumimoji="1" lang="ja-JP" altLang="en-US" dirty="0" smtClean="0"/>
-              <a:t>研究</a:t>
-            </a:r>
-            <a:r>
-              <a:rPr kumimoji="1" lang="ja-JP" altLang="en-US" dirty="0" smtClean="0"/>
-              <a:t>概要</a:t>
+              <a:t>研究概要</a:t>
             </a:r>
             <a:r>
               <a:rPr lang="ja-JP" altLang="en-US" dirty="0"/>
@@ -10140,19 +10410,7 @@
             </a:r>
             <a:r>
               <a:rPr lang="en-US" altLang="ja-JP" dirty="0" smtClean="0"/>
-              <a:t>1:</a:t>
-            </a:r>
-            <a:r>
-              <a:rPr lang="en-US" altLang="ja-JP" dirty="0" smtClean="0"/>
-              <a:t>NXT </a:t>
-            </a:r>
-            <a:r>
-              <a:rPr lang="en-US" altLang="ja-JP" dirty="0" smtClean="0"/>
-              <a:t>LEGO </a:t>
-            </a:r>
-            <a:r>
-              <a:rPr lang="en-US" altLang="ja-JP" dirty="0" smtClean="0"/>
-              <a:t>MINDSTORMS</a:t>
+              <a:t>1:NXT LEGO MINDSTORMS</a:t>
             </a:r>
           </a:p>
           <a:p>
@@ -10187,11 +10445,7 @@
             </a:r>
             <a:r>
               <a:rPr lang="ja-JP" altLang="en-US" dirty="0" smtClean="0"/>
-              <a:t>でも</a:t>
-            </a:r>
-            <a:r>
-              <a:rPr lang="ja-JP" altLang="en-US" dirty="0" smtClean="0"/>
-              <a:t>対応予定）</a:t>
+              <a:t>でも対応予定）</a:t>
             </a:r>
             <a:endParaRPr lang="en-US" altLang="ja-JP" dirty="0"/>
           </a:p>
@@ -11008,11 +11262,7 @@
           <a:p>
             <a:r>
               <a:rPr kumimoji="1" lang="ja-JP" altLang="en-US" dirty="0" smtClean="0"/>
-              <a:t>研究</a:t>
-            </a:r>
-            <a:r>
-              <a:rPr kumimoji="1" lang="ja-JP" altLang="en-US" dirty="0" smtClean="0"/>
-              <a:t>概要</a:t>
+              <a:t>研究概要</a:t>
             </a:r>
             <a:r>
               <a:rPr lang="ja-JP" altLang="en-US" dirty="0"/>
@@ -11065,7 +11315,6 @@
               <a:rPr lang="en-US" altLang="ja-JP" dirty="0" smtClean="0"/>
               <a:t>DONKEY</a:t>
             </a:r>
-            <a:endParaRPr lang="en-US" altLang="ja-JP" dirty="0" smtClean="0"/>
           </a:p>
           <a:p>
             <a:pPr lvl="2"/>
@@ -11269,8 +11518,12 @@
           <a:p>
             <a:pPr algn="ctr"/>
             <a:r>
-              <a:rPr kumimoji="1" lang="ja-JP" altLang="en-US" sz="1600" dirty="0" smtClean="0"/>
-              <a:t>（距離検知）</a:t>
+              <a:rPr kumimoji="1" lang="ja-JP" altLang="en-US" sz="1600" smtClean="0"/>
+              <a:t>（</a:t>
+            </a:r>
+            <a:r>
+              <a:rPr kumimoji="1" lang="ja-JP" altLang="en-US" sz="1600" smtClean="0"/>
+              <a:t>距離測定）</a:t>
             </a:r>
             <a:endParaRPr kumimoji="1" lang="ja-JP" altLang="en-US" sz="1600" dirty="0"/>
           </a:p>
@@ -11387,14 +11640,14 @@
         <p:spPr>
           <a:xfrm>
             <a:off x="6568628" y="5157192"/>
-            <a:ext cx="2088232" cy="432048"/>
+            <a:ext cx="2088232" cy="576064"/>
           </a:xfrm>
           <a:prstGeom prst="borderCallout1">
             <a:avLst>
               <a:gd name="adj1" fmla="val 56963"/>
               <a:gd name="adj2" fmla="val -4684"/>
-              <a:gd name="adj3" fmla="val 83105"/>
-              <a:gd name="adj4" fmla="val -86987"/>
+              <a:gd name="adj3" fmla="val 58367"/>
+              <a:gd name="adj4" fmla="val -94380"/>
             </a:avLst>
           </a:prstGeom>
         </p:spPr>
@@ -11418,10 +11671,22 @@
           <a:p>
             <a:pPr algn="ctr"/>
             <a:r>
-              <a:rPr lang="ja-JP" altLang="en-US" dirty="0" smtClean="0"/>
-              <a:t>接触スイッチ</a:t>
-            </a:r>
-            <a:endParaRPr kumimoji="1" lang="ja-JP" altLang="en-US" dirty="0"/>
+              <a:rPr lang="ja-JP" altLang="en-US" smtClean="0"/>
+              <a:t>接触</a:t>
+            </a:r>
+            <a:r>
+              <a:rPr lang="ja-JP" altLang="en-US" smtClean="0"/>
+              <a:t>スイッチ</a:t>
+            </a:r>
+            <a:endParaRPr lang="en-US" altLang="ja-JP" smtClean="0"/>
+          </a:p>
+          <a:p>
+            <a:pPr algn="ctr"/>
+            <a:r>
+              <a:rPr kumimoji="1" lang="ja-JP" altLang="en-US" sz="1600" smtClean="0"/>
+              <a:t>（押下測定）</a:t>
+            </a:r>
+            <a:endParaRPr kumimoji="1" lang="ja-JP" altLang="en-US" sz="1600" dirty="0"/>
           </a:p>
         </p:txBody>
       </p:sp>
@@ -11726,11 +11991,19 @@
           <a:p>
             <a:r>
               <a:rPr kumimoji="1" lang="ja-JP" altLang="en-US" smtClean="0"/>
-              <a:t>進捗状況</a:t>
+              <a:t>進捗</a:t>
+            </a:r>
+            <a:r>
+              <a:rPr kumimoji="1" lang="ja-JP" altLang="en-US" smtClean="0"/>
+              <a:t>状況（</a:t>
             </a:r>
             <a:r>
               <a:rPr kumimoji="1" lang="en-US" altLang="ja-JP" smtClean="0"/>
-              <a:t>(1/4)</a:t>
+              <a:t>1/4</a:t>
+            </a:r>
+            <a:r>
+              <a:rPr lang="ja-JP" altLang="en-US"/>
+              <a:t>）</a:t>
             </a:r>
             <a:endParaRPr kumimoji="1" lang="ja-JP" altLang="en-US"/>
           </a:p>
@@ -11765,9 +12038,13 @@
             <a:pPr lvl="1"/>
             <a:r>
               <a:rPr lang="ja-JP" altLang="en-US" dirty="0"/>
-              <a:t>モデルを読み，機能の動作の流れをシミュレーション</a:t>
-            </a:r>
-            <a:endParaRPr lang="en-US" altLang="ja-JP" dirty="0"/>
+              <a:t>モデルを読み，機能の</a:t>
+            </a:r>
+            <a:r>
+              <a:rPr lang="ja-JP" altLang="en-US" u="sng" dirty="0"/>
+              <a:t>動作の流れをシミュレーション</a:t>
+            </a:r>
+            <a:endParaRPr lang="en-US" altLang="ja-JP" u="sng" dirty="0"/>
           </a:p>
           <a:p>
             <a:pPr lvl="2"/>
@@ -11792,10 +12069,26 @@
           <a:p>
             <a:pPr lvl="1"/>
             <a:r>
-              <a:rPr kumimoji="1" lang="ja-JP" altLang="en-US" dirty="0" smtClean="0"/>
-              <a:t>実装対象で何が出来る？</a:t>
-            </a:r>
-            <a:endParaRPr kumimoji="1" lang="en-US" altLang="ja-JP" dirty="0" smtClean="0"/>
+              <a:rPr lang="ja-JP" altLang="en-US"/>
+              <a:t>目標値</a:t>
+            </a:r>
+            <a:r>
+              <a:rPr lang="ja-JP" altLang="en-US" smtClean="0"/>
+              <a:t>制御</a:t>
+            </a:r>
+            <a:r>
+              <a:rPr lang="ja-JP" altLang="en-US"/>
+              <a:t>で</a:t>
+            </a:r>
+            <a:r>
+              <a:rPr lang="ja-JP" altLang="en-US" smtClean="0"/>
+              <a:t>の</a:t>
+            </a:r>
+            <a:r>
+              <a:rPr lang="ja-JP" altLang="en-US" u="sng" smtClean="0"/>
+              <a:t>実装内容の決定</a:t>
+            </a:r>
+            <a:endParaRPr kumimoji="1" lang="en-US" altLang="ja-JP" u="sng" dirty="0" smtClean="0"/>
           </a:p>
           <a:p>
             <a:pPr lvl="2"/>
@@ -11932,16 +12225,24 @@
           <a:lstStyle/>
           <a:p>
             <a:r>
-              <a:rPr kumimoji="1" lang="ja-JP" altLang="en-US" dirty="0" smtClean="0"/>
-              <a:t>進捗状況</a:t>
-            </a:r>
-            <a:r>
-              <a:rPr kumimoji="1" lang="en-US" altLang="ja-JP" dirty="0" smtClean="0"/>
-              <a:t>(2/4</a:t>
-            </a:r>
-            <a:r>
-              <a:rPr kumimoji="1" lang="en-US" altLang="ja-JP" dirty="0" smtClean="0"/>
-              <a:t>)</a:t>
+              <a:rPr kumimoji="1" lang="ja-JP" altLang="en-US" smtClean="0"/>
+              <a:t>進捗</a:t>
+            </a:r>
+            <a:r>
+              <a:rPr kumimoji="1" lang="ja-JP" altLang="en-US" smtClean="0"/>
+              <a:t>状況</a:t>
+            </a:r>
+            <a:r>
+              <a:rPr lang="ja-JP" altLang="en-US" smtClean="0"/>
+              <a:t>（</a:t>
+            </a:r>
+            <a:r>
+              <a:rPr kumimoji="1" lang="en-US" altLang="ja-JP" smtClean="0"/>
+              <a:t>2/4</a:t>
+            </a:r>
+            <a:r>
+              <a:rPr lang="ja-JP" altLang="en-US" dirty="0"/>
+              <a:t>）</a:t>
             </a:r>
             <a:endParaRPr kumimoji="1" lang="ja-JP" altLang="en-US" dirty="0"/>
           </a:p>
@@ -11963,35 +12264,57 @@
           <a:lstStyle/>
           <a:p>
             <a:r>
+              <a:rPr lang="ja-JP" altLang="en-US" smtClean="0"/>
+              <a:t>制御プログラムの開発</a:t>
+            </a:r>
+            <a:endParaRPr lang="en-US" altLang="ja-JP" dirty="0" smtClean="0"/>
+          </a:p>
+          <a:p>
+            <a:pPr lvl="1"/>
+            <a:r>
               <a:rPr lang="ja-JP" altLang="en-US" dirty="0" smtClean="0"/>
-              <a:t>制御プログラムの作成</a:t>
-            </a:r>
-            <a:endParaRPr lang="en-US" altLang="ja-JP" dirty="0" smtClean="0"/>
+              <a:t>モデルカタログを</a:t>
+            </a:r>
+            <a:r>
+              <a:rPr lang="ja-JP" altLang="en-US" smtClean="0"/>
+              <a:t>元</a:t>
+            </a:r>
+            <a:r>
+              <a:rPr lang="ja-JP" altLang="en-US" smtClean="0"/>
+              <a:t>に</a:t>
+            </a:r>
+            <a:r>
+              <a:rPr lang="ja-JP" altLang="en-US" u="sng" smtClean="0"/>
+              <a:t>環境に応じたモデル作成</a:t>
+            </a:r>
+            <a:endParaRPr lang="en-US" altLang="ja-JP" u="sng" dirty="0" smtClean="0"/>
           </a:p>
           <a:p>
             <a:pPr lvl="1"/>
             <a:r>
+              <a:rPr lang="ja-JP" altLang="en-US" smtClean="0"/>
+              <a:t>モデルから実装した</a:t>
+            </a:r>
+            <a:r>
               <a:rPr lang="ja-JP" altLang="en-US" dirty="0" smtClean="0"/>
-              <a:t>モデルカタログを元に制御プログラムを開発</a:t>
-            </a:r>
-            <a:endParaRPr lang="en-US" altLang="ja-JP" dirty="0" smtClean="0"/>
-          </a:p>
-          <a:p>
-            <a:pPr lvl="1"/>
-            <a:r>
-              <a:rPr lang="ja-JP" altLang="en-US" dirty="0" smtClean="0"/>
-              <a:t>開発したプログラムに対して動作確認</a:t>
-            </a:r>
-            <a:endParaRPr lang="en-US" altLang="ja-JP" dirty="0" smtClean="0"/>
-          </a:p>
-          <a:p>
-            <a:pPr lvl="1"/>
-            <a:r>
-              <a:rPr lang="ja-JP" altLang="en-US" dirty="0"/>
-              <a:t>現在</a:t>
-            </a:r>
-            <a:r>
-              <a:rPr lang="ja-JP" altLang="en-US" dirty="0" smtClean="0"/>
+              <a:t>プログラムに対して</a:t>
+            </a:r>
+            <a:r>
+              <a:rPr lang="ja-JP" altLang="en-US" u="sng" dirty="0" smtClean="0"/>
+              <a:t>動作確認</a:t>
+            </a:r>
+            <a:endParaRPr lang="en-US" altLang="ja-JP" u="sng" dirty="0" smtClean="0"/>
+          </a:p>
+          <a:p>
+            <a:pPr marL="457200" lvl="1" indent="0">
+              <a:buNone/>
+            </a:pPr>
+            <a:r>
+              <a:rPr lang="ja-JP" altLang="en-US"/>
+              <a:t>開発</a:t>
+            </a:r>
+            <a:r>
+              <a:rPr lang="ja-JP" altLang="en-US" smtClean="0"/>
               <a:t>状況</a:t>
             </a:r>
             <a:endParaRPr lang="en-US" altLang="ja-JP" dirty="0" smtClean="0"/>
@@ -12013,7 +12336,7 @@
           <p:nvPr>
             <p:extLst>
               <p:ext uri="{D42A27DB-BD31-4B8C-83A1-F6EECF244321}">
-                <p14:modId xmlns:p14="http://schemas.microsoft.com/office/powerpoint/2010/main" val="3400361219"/>
+                <p14:modId xmlns:p14="http://schemas.microsoft.com/office/powerpoint/2010/main" val="124589435"/>
               </p:ext>
             </p:extLst>
           </p:nvPr>
@@ -12029,8 +12352,8 @@
                 <a:tableStyleId>{21E4AEA4-8DFA-4A89-87EB-49C32662AFE0}</a:tableStyleId>
               </a:tblPr>
               <a:tblGrid>
-                <a:gridCol w="1497766"/>
-                <a:gridCol w="1497766"/>
+                <a:gridCol w="1800199"/>
+                <a:gridCol w="1195333"/>
                 <a:gridCol w="1497766"/>
                 <a:gridCol w="1497766"/>
                 <a:gridCol w="1497766"/>
@@ -12714,16 +13037,24 @@
           <a:lstStyle/>
           <a:p>
             <a:r>
-              <a:rPr kumimoji="1" lang="ja-JP" altLang="en-US" dirty="0" smtClean="0"/>
-              <a:t>進捗状況</a:t>
-            </a:r>
-            <a:r>
-              <a:rPr kumimoji="1" lang="en-US" altLang="ja-JP" dirty="0" smtClean="0"/>
-              <a:t>(3/4</a:t>
-            </a:r>
-            <a:r>
-              <a:rPr kumimoji="1" lang="en-US" altLang="ja-JP" dirty="0" smtClean="0"/>
-              <a:t>)</a:t>
+              <a:rPr kumimoji="1" lang="ja-JP" altLang="en-US" smtClean="0"/>
+              <a:t>進捗</a:t>
+            </a:r>
+            <a:r>
+              <a:rPr kumimoji="1" lang="ja-JP" altLang="en-US" smtClean="0"/>
+              <a:t>状況</a:t>
+            </a:r>
+            <a:r>
+              <a:rPr lang="ja-JP" altLang="en-US"/>
+              <a:t>（</a:t>
+            </a:r>
+            <a:r>
+              <a:rPr kumimoji="1" lang="en-US" altLang="ja-JP" smtClean="0"/>
+              <a:t>3/4</a:t>
+            </a:r>
+            <a:r>
+              <a:rPr lang="ja-JP" altLang="en-US" dirty="0"/>
+              <a:t>）</a:t>
             </a:r>
             <a:endParaRPr kumimoji="1" lang="ja-JP" altLang="en-US" dirty="0"/>
           </a:p>
@@ -12747,8 +13078,20 @@
           <a:lstStyle/>
           <a:p>
             <a:r>
+              <a:rPr kumimoji="1" lang="ja-JP" altLang="en-US" smtClean="0"/>
+              <a:t>例</a:t>
+            </a:r>
+            <a:r>
+              <a:rPr kumimoji="1" lang="en-US" altLang="ja-JP" smtClean="0"/>
+              <a:t>.</a:t>
+            </a:r>
+            <a:r>
+              <a:rPr kumimoji="1" lang="ja-JP" altLang="en-US" smtClean="0"/>
+              <a:t>輝度値</a:t>
+            </a:r>
+            <a:r>
               <a:rPr kumimoji="1" lang="ja-JP" altLang="en-US" dirty="0" smtClean="0"/>
-              <a:t>輝度値制御</a:t>
+              <a:t>制御</a:t>
             </a:r>
             <a:endParaRPr kumimoji="1" lang="en-US" altLang="ja-JP" dirty="0" smtClean="0"/>
           </a:p>
@@ -13128,8 +13471,8 @@
           <a:lstStyle/>
           <a:p>
             <a:r>
-              <a:rPr kumimoji="1" lang="ja-JP" altLang="en-US" sz="2400" dirty="0" smtClean="0"/>
-              <a:t>ライントレース走行の実現</a:t>
+              <a:rPr kumimoji="1" lang="ja-JP" altLang="en-US" sz="2400" smtClean="0"/>
+              <a:t>ライントレース走行を実現</a:t>
             </a:r>
             <a:endParaRPr kumimoji="1" lang="ja-JP" altLang="en-US" sz="2400" dirty="0"/>
           </a:p>
@@ -13578,7 +13921,7 @@
         </p:blipFill>
         <p:spPr bwMode="auto">
           <a:xfrm>
-            <a:off x="793189" y="2595711"/>
+            <a:off x="774383" y="2595711"/>
             <a:ext cx="7595235" cy="3857625"/>
           </a:xfrm>
           <a:prstGeom prst="rect">
@@ -13635,16 +13978,24 @@
           <a:lstStyle/>
           <a:p>
             <a:r>
-              <a:rPr kumimoji="1" lang="ja-JP" altLang="en-US" dirty="0" smtClean="0"/>
-              <a:t>進捗状況</a:t>
-            </a:r>
-            <a:r>
-              <a:rPr kumimoji="1" lang="en-US" altLang="ja-JP" dirty="0" smtClean="0"/>
-              <a:t>(4/4</a:t>
-            </a:r>
-            <a:r>
-              <a:rPr kumimoji="1" lang="en-US" altLang="ja-JP" dirty="0" smtClean="0"/>
-              <a:t>)</a:t>
+              <a:rPr kumimoji="1" lang="ja-JP" altLang="en-US" smtClean="0"/>
+              <a:t>進捗</a:t>
+            </a:r>
+            <a:r>
+              <a:rPr kumimoji="1" lang="ja-JP" altLang="en-US" smtClean="0"/>
+              <a:t>状況</a:t>
+            </a:r>
+            <a:r>
+              <a:rPr lang="ja-JP" altLang="en-US"/>
+              <a:t>（</a:t>
+            </a:r>
+            <a:r>
+              <a:rPr kumimoji="1" lang="en-US" altLang="ja-JP" smtClean="0"/>
+              <a:t>4/4</a:t>
+            </a:r>
+            <a:r>
+              <a:rPr lang="ja-JP" altLang="en-US" dirty="0"/>
+              <a:t>）</a:t>
             </a:r>
             <a:endParaRPr kumimoji="1" lang="ja-JP" altLang="en-US" dirty="0"/>
           </a:p>
@@ -13668,16 +14019,8 @@
           <a:lstStyle/>
           <a:p>
             <a:r>
-              <a:rPr kumimoji="1" lang="ja-JP" altLang="en-US" dirty="0" smtClean="0"/>
-              <a:t>輝度値</a:t>
-            </a:r>
-            <a:r>
-              <a:rPr kumimoji="1" lang="ja-JP" altLang="en-US" dirty="0" smtClean="0"/>
-              <a:t>制御</a:t>
-            </a:r>
-            <a:r>
-              <a:rPr lang="ja-JP" altLang="en-US" dirty="0" smtClean="0"/>
-              <a:t>クラス図</a:t>
+              <a:rPr lang="ja-JP" altLang="en-US" smtClean="0"/>
+              <a:t>作成した輝度値制御モデル（クラス図）</a:t>
             </a:r>
             <a:endParaRPr lang="en-US" altLang="ja-JP" dirty="0" smtClean="0"/>
           </a:p>
@@ -13760,16 +14103,24 @@
           <a:lstStyle/>
           <a:p>
             <a:r>
-              <a:rPr kumimoji="1" lang="ja-JP" altLang="en-US" dirty="0" smtClean="0"/>
-              <a:t>進捗状況</a:t>
-            </a:r>
-            <a:r>
-              <a:rPr kumimoji="1" lang="en-US" altLang="ja-JP" dirty="0" smtClean="0"/>
-              <a:t>(4/4</a:t>
-            </a:r>
-            <a:r>
-              <a:rPr kumimoji="1" lang="en-US" altLang="ja-JP" dirty="0" smtClean="0"/>
-              <a:t>)</a:t>
+              <a:rPr kumimoji="1" lang="ja-JP" altLang="en-US" smtClean="0"/>
+              <a:t>進捗</a:t>
+            </a:r>
+            <a:r>
+              <a:rPr kumimoji="1" lang="ja-JP" altLang="en-US" smtClean="0"/>
+              <a:t>状況</a:t>
+            </a:r>
+            <a:r>
+              <a:rPr lang="ja-JP" altLang="en-US"/>
+              <a:t>（</a:t>
+            </a:r>
+            <a:r>
+              <a:rPr kumimoji="1" lang="en-US" altLang="ja-JP" smtClean="0"/>
+              <a:t>4/4</a:t>
+            </a:r>
+            <a:r>
+              <a:rPr lang="ja-JP" altLang="en-US" dirty="0"/>
+              <a:t>）</a:t>
             </a:r>
             <a:endParaRPr kumimoji="1" lang="ja-JP" altLang="en-US" dirty="0"/>
           </a:p>
@@ -13793,16 +14144,12 @@
           <a:lstStyle/>
           <a:p>
             <a:r>
-              <a:rPr kumimoji="1" lang="ja-JP" altLang="en-US" dirty="0" smtClean="0"/>
-              <a:t>輝度値</a:t>
-            </a:r>
-            <a:r>
-              <a:rPr kumimoji="1" lang="ja-JP" altLang="en-US" dirty="0" smtClean="0"/>
-              <a:t>制御</a:t>
-            </a:r>
-            <a:r>
-              <a:rPr lang="ja-JP" altLang="en-US" dirty="0" smtClean="0"/>
-              <a:t>クラス図</a:t>
+              <a:rPr lang="ja-JP" altLang="en-US" smtClean="0"/>
+              <a:t>作成した輝度値制御モデル（</a:t>
+            </a:r>
+            <a:r>
+              <a:rPr lang="ja-JP" altLang="en-US" smtClean="0"/>
+              <a:t>クラス図）</a:t>
             </a:r>
             <a:endParaRPr lang="en-US" altLang="ja-JP" dirty="0" smtClean="0"/>
           </a:p>
@@ -13834,7 +14181,7 @@
       </p:sp>
       <p:pic>
         <p:nvPicPr>
-          <p:cNvPr id="2050" name="Picture 2"/>
+          <p:cNvPr id="1027" name="Picture 3"/>
           <p:cNvPicPr>
             <a:picLocks noChangeAspect="1" noChangeArrowheads="1"/>
           </p:cNvPicPr>
@@ -13855,8 +14202,8 @@
         </p:blipFill>
         <p:spPr bwMode="auto">
           <a:xfrm>
-            <a:off x="1259632" y="2808312"/>
-            <a:ext cx="6751320" cy="3429000"/>
+            <a:off x="774383" y="2595711"/>
+            <a:ext cx="7595235" cy="3857625"/>
           </a:xfrm>
           <a:prstGeom prst="rect">
             <a:avLst/>
@@ -14008,8 +14355,16 @@
           <a:p>
             <a:pPr lvl="1"/>
             <a:r>
+              <a:rPr lang="ja-JP" altLang="en-US" smtClean="0"/>
+              <a:t>モデルの実装を通して</a:t>
+            </a:r>
+            <a:r>
+              <a:rPr lang="ja-JP" altLang="en-US" smtClean="0"/>
+              <a:t>有用性</a:t>
+            </a:r>
+            <a:r>
               <a:rPr lang="ja-JP" altLang="en-US" dirty="0" smtClean="0"/>
-              <a:t>開発により有用性を検証</a:t>
+              <a:t>を検証</a:t>
             </a:r>
             <a:endParaRPr lang="en-US" altLang="ja-JP" dirty="0" smtClean="0"/>
           </a:p>
@@ -14023,8 +14378,12 @@
           <a:p>
             <a:pPr lvl="1"/>
             <a:r>
+              <a:rPr lang="ja-JP" altLang="en-US" smtClean="0"/>
+              <a:t>未完成の</a:t>
+            </a:r>
+            <a:r>
               <a:rPr lang="ja-JP" altLang="en-US" dirty="0" smtClean="0"/>
-              <a:t>未開発のプログラムはあるが，概ね動作保証性は確認</a:t>
+              <a:t>プログラムはあるが，概ね動作保証性は確認</a:t>
             </a:r>
             <a:endParaRPr lang="en-US" altLang="ja-JP" dirty="0" smtClean="0"/>
           </a:p>
@@ -14032,7 +14391,15 @@
             <a:pPr lvl="1"/>
             <a:r>
               <a:rPr lang="ja-JP" altLang="en-US" dirty="0" smtClean="0"/>
-              <a:t>モデルカタログからほぼ形を変えずに実現可能</a:t>
+              <a:t>モデルカタログからほぼ形を変えずに</a:t>
+            </a:r>
+            <a:r>
+              <a:rPr lang="ja-JP" altLang="en-US" smtClean="0"/>
+              <a:t>実現</a:t>
+            </a:r>
+            <a:r>
+              <a:rPr lang="ja-JP" altLang="en-US" smtClean="0"/>
+              <a:t>可能と確認</a:t>
             </a:r>
             <a:endParaRPr lang="ja-JP" altLang="en-US" dirty="0"/>
           </a:p>
@@ -14095,7 +14462,11 @@
           <a:p>
             <a:r>
               <a:rPr kumimoji="1" lang="ja-JP" altLang="en-US" smtClean="0"/>
-              <a:t>今後の予定</a:t>
+              <a:t>今後の</a:t>
+            </a:r>
+            <a:r>
+              <a:rPr kumimoji="1" lang="ja-JP" altLang="en-US" smtClean="0"/>
+              <a:t>予定（候補）</a:t>
             </a:r>
             <a:endParaRPr kumimoji="1" lang="ja-JP" altLang="en-US"/>
           </a:p>
@@ -14117,22 +14488,108 @@
           <a:lstStyle/>
           <a:p>
             <a:r>
+              <a:rPr kumimoji="1" lang="en-US" altLang="ja-JP" smtClean="0"/>
+              <a:t>DONKEY</a:t>
+            </a:r>
+            <a:r>
+              <a:rPr kumimoji="1" lang="ja-JP" altLang="en-US" smtClean="0"/>
+              <a:t>用制御プログラムの追加開発</a:t>
+            </a:r>
+            <a:endParaRPr kumimoji="1" lang="en-US" altLang="ja-JP" smtClean="0"/>
+          </a:p>
+          <a:p>
+            <a:r>
+              <a:rPr kumimoji="1" lang="ja-JP" altLang="en-US" smtClean="0"/>
+              <a:t>未完成プログラム</a:t>
+            </a:r>
+            <a:r>
               <a:rPr kumimoji="1" lang="ja-JP" altLang="en-US" dirty="0" smtClean="0"/>
-              <a:t>未開発プログラムの開発</a:t>
+              <a:t>の開発</a:t>
             </a:r>
             <a:endParaRPr kumimoji="1" lang="en-US" altLang="ja-JP" dirty="0" smtClean="0"/>
           </a:p>
           <a:p>
             <a:r>
               <a:rPr lang="ja-JP" altLang="en-US" dirty="0" smtClean="0"/>
-              <a:t>未実装機能の追加，検証</a:t>
+              <a:t>未実装機能の追加</a:t>
+            </a:r>
+            <a:r>
+              <a:rPr lang="ja-JP" altLang="en-US" smtClean="0"/>
+              <a:t>，</a:t>
+            </a:r>
+            <a:r>
+              <a:rPr lang="ja-JP" altLang="en-US" smtClean="0"/>
+              <a:t>検証</a:t>
+            </a:r>
+            <a:endParaRPr lang="en-US" altLang="ja-JP" smtClean="0"/>
+          </a:p>
+          <a:p>
+            <a:pPr lvl="1"/>
+            <a:r>
+              <a:rPr lang="ja-JP" altLang="en-US" smtClean="0"/>
+              <a:t>マルチスレッド対策</a:t>
+            </a:r>
+            <a:endParaRPr lang="en-US" altLang="ja-JP" smtClean="0"/>
+          </a:p>
+          <a:p>
+            <a:pPr lvl="1"/>
+            <a:r>
+              <a:rPr lang="ja-JP" altLang="en-US" smtClean="0"/>
+              <a:t>排他制御</a:t>
+            </a:r>
+            <a:endParaRPr lang="en-US" altLang="ja-JP" smtClean="0"/>
+          </a:p>
+          <a:p>
+            <a:pPr lvl="1"/>
+            <a:r>
+              <a:rPr lang="ja-JP" altLang="en-US" smtClean="0"/>
+              <a:t>制御監視リスナー</a:t>
+            </a:r>
+            <a:endParaRPr lang="en-US" altLang="ja-JP" smtClean="0"/>
+          </a:p>
+          <a:p>
+            <a:pPr lvl="1"/>
+            <a:r>
+              <a:rPr lang="ja-JP" altLang="en-US"/>
+              <a:t>他</a:t>
             </a:r>
             <a:endParaRPr lang="en-US" altLang="ja-JP" dirty="0" smtClean="0"/>
           </a:p>
           <a:p>
             <a:r>
+              <a:rPr lang="ja-JP" altLang="en-US" smtClean="0"/>
+              <a:t>モータ</a:t>
+            </a:r>
+            <a:r>
+              <a:rPr lang="ja-JP" altLang="en-US"/>
+              <a:t>ではない</a:t>
+            </a:r>
+            <a:r>
+              <a:rPr lang="ja-JP" altLang="en-US" smtClean="0"/>
+              <a:t>操作器の</a:t>
+            </a:r>
+            <a:r>
+              <a:rPr lang="ja-JP" altLang="en-US" smtClean="0"/>
+              <a:t>制御</a:t>
+            </a:r>
+            <a:r>
               <a:rPr lang="ja-JP" altLang="en-US" dirty="0" smtClean="0"/>
-              <a:t>モータ以外を制御対象とした制御プログラムの開発</a:t>
+              <a:t>プログラム</a:t>
+            </a:r>
+            <a:r>
+              <a:rPr lang="ja-JP" altLang="en-US" smtClean="0"/>
+              <a:t>の</a:t>
+            </a:r>
+            <a:r>
+              <a:rPr lang="ja-JP" altLang="en-US" smtClean="0"/>
+              <a:t>開発</a:t>
+            </a:r>
+            <a:endParaRPr lang="en-US" altLang="ja-JP" smtClean="0"/>
+          </a:p>
+          <a:p>
+            <a:r>
+              <a:rPr lang="ja-JP" altLang="en-US" smtClean="0"/>
+              <a:t>一連の開発のドキュメント化</a:t>
             </a:r>
             <a:endParaRPr kumimoji="1" lang="ja-JP" altLang="en-US" dirty="0"/>
           </a:p>
@@ -14191,12 +14648,24 @@
           <a:lstStyle/>
           <a:p>
             <a:r>
-              <a:rPr kumimoji="1" lang="ja-JP" altLang="en-US" dirty="0" smtClean="0"/>
-              <a:t>研究背景</a:t>
-            </a:r>
-            <a:r>
-              <a:rPr kumimoji="1" lang="en-US" altLang="ja-JP" dirty="0" smtClean="0"/>
-              <a:t>(1/6)</a:t>
+              <a:rPr kumimoji="1" lang="ja-JP" altLang="en-US" smtClean="0"/>
+              <a:t>研究</a:t>
+            </a:r>
+            <a:r>
+              <a:rPr kumimoji="1" lang="ja-JP" altLang="en-US" smtClean="0"/>
+              <a:t>背景</a:t>
+            </a:r>
+            <a:r>
+              <a:rPr lang="ja-JP" altLang="en-US"/>
+              <a:t>（</a:t>
+            </a:r>
+            <a:r>
+              <a:rPr kumimoji="1" lang="en-US" altLang="ja-JP" smtClean="0"/>
+              <a:t>1/6</a:t>
+            </a:r>
+            <a:r>
+              <a:rPr lang="ja-JP" altLang="en-US" dirty="0"/>
+              <a:t>）</a:t>
             </a:r>
             <a:endParaRPr kumimoji="1" lang="ja-JP" altLang="en-US" dirty="0"/>
           </a:p>
@@ -14347,7 +14816,7 @@
         </p:nvSpPr>
         <p:spPr>
           <a:xfrm>
-            <a:off x="4175956" y="2996952"/>
+            <a:off x="4175956" y="3068960"/>
             <a:ext cx="936104" cy="504056"/>
           </a:xfrm>
           <a:prstGeom prst="downArrow">
@@ -14423,18 +14892,42 @@
                   <a:srgbClr val="7030A0"/>
                 </a:solidFill>
               </a:rPr>
-              <a:t>実装前に</a:t>
-            </a:r>
-            <a:r>
-              <a:rPr lang="ja-JP" altLang="en-US" sz="2000" dirty="0" smtClean="0">
+              <a:t>実装前</a:t>
+            </a:r>
+            <a:r>
+              <a:rPr lang="ja-JP" altLang="en-US" sz="2000" smtClean="0">
                 <a:solidFill>
                   <a:srgbClr val="7030A0"/>
                 </a:solidFill>
               </a:rPr>
-              <a:t>機能のシミュレート可能</a:t>
-            </a:r>
-            <a:r>
-              <a:rPr lang="en-US" altLang="ja-JP" sz="2000" dirty="0" smtClean="0"/>
+              <a:t>に</a:t>
+            </a:r>
+            <a:r>
+              <a:rPr lang="ja-JP" altLang="en-US" sz="2000" smtClean="0">
+                <a:solidFill>
+                  <a:srgbClr val="7030A0"/>
+                </a:solidFill>
+              </a:rPr>
+              <a:t>機能</a:t>
+            </a:r>
+            <a:r>
+              <a:rPr lang="ja-JP" altLang="en-US" sz="2000">
+                <a:solidFill>
+                  <a:srgbClr val="7030A0"/>
+                </a:solidFill>
+              </a:rPr>
+              <a:t>を</a:t>
+            </a:r>
+            <a:r>
+              <a:rPr lang="ja-JP" altLang="en-US" sz="2000" smtClean="0">
+                <a:solidFill>
+                  <a:srgbClr val="7030A0"/>
+                </a:solidFill>
+              </a:rPr>
+              <a:t>シミュレート</a:t>
+            </a:r>
+            <a:r>
+              <a:rPr lang="en-US" altLang="ja-JP" sz="2000" smtClean="0"/>
               <a:t>]</a:t>
             </a:r>
             <a:endParaRPr lang="en-US" altLang="ja-JP" sz="2000" dirty="0" smtClean="0"/>
@@ -14454,11 +14947,7 @@
             </a:r>
             <a:r>
               <a:rPr lang="ja-JP" altLang="en-US" dirty="0" smtClean="0"/>
-              <a:t>で不具合を発見</a:t>
-            </a:r>
-            <a:r>
-              <a:rPr lang="ja-JP" altLang="en-US" dirty="0" smtClean="0"/>
-              <a:t>可能</a:t>
+              <a:t>で不具合を発見可能</a:t>
             </a:r>
             <a:endParaRPr lang="en-US" altLang="ja-JP" dirty="0"/>
           </a:p>
@@ -14571,8 +15060,8 @@
         </p:nvSpPr>
         <p:spPr>
           <a:xfrm>
-            <a:off x="2339752" y="5373216"/>
-            <a:ext cx="6821416" cy="936104"/>
+            <a:off x="198856" y="5157192"/>
+            <a:ext cx="8909648" cy="936104"/>
           </a:xfrm>
           <a:prstGeom prst="rect">
             <a:avLst/>
@@ -14599,9 +15088,30 @@
           <a:bodyPr rtlCol="0" anchor="ctr"/>
           <a:lstStyle/>
           <a:p>
+            <a:pPr algn="ctr"/>
             <a:r>
               <a:rPr kumimoji="1" lang="ja-JP" altLang="en-US" sz="2800" u="sng" dirty="0" smtClean="0"/>
-              <a:t>組込みシステム業界でモデルベース開発を実施する例</a:t>
+              <a:t>組込みシステム業界でモデルベース</a:t>
+            </a:r>
+            <a:r>
+              <a:rPr kumimoji="1" lang="ja-JP" altLang="en-US" sz="2800" u="sng" smtClean="0"/>
+              <a:t>開発</a:t>
+            </a:r>
+            <a:r>
+              <a:rPr kumimoji="1" lang="ja-JP" altLang="en-US" sz="2800" u="sng" smtClean="0"/>
+              <a:t>を</a:t>
+            </a:r>
+            <a:endParaRPr kumimoji="1" lang="en-US" altLang="ja-JP" sz="2800" u="sng" smtClean="0"/>
+          </a:p>
+          <a:p>
+            <a:pPr algn="ctr"/>
+            <a:r>
+              <a:rPr kumimoji="1" lang="ja-JP" altLang="en-US" sz="2800" u="sng" smtClean="0"/>
+              <a:t>実施</a:t>
+            </a:r>
+            <a:r>
+              <a:rPr kumimoji="1" lang="ja-JP" altLang="en-US" sz="2800" u="sng" dirty="0" smtClean="0"/>
+              <a:t>する例</a:t>
             </a:r>
             <a:r>
               <a:rPr lang="ja-JP" altLang="en-US" sz="2800" u="sng" dirty="0" smtClean="0"/>
@@ -14612,46 +15122,6 @@
               <a:t>増加している</a:t>
             </a:r>
             <a:endParaRPr kumimoji="1" lang="en-US" altLang="ja-JP" sz="2800" u="sng" dirty="0" smtClean="0"/>
-          </a:p>
-        </p:txBody>
-      </p:sp>
-      <p:sp>
-        <p:nvSpPr>
-          <p:cNvPr id="14" name="右矢印 13"/>
-          <p:cNvSpPr/>
-          <p:nvPr/>
-        </p:nvSpPr>
-        <p:spPr>
-          <a:xfrm>
-            <a:off x="611560" y="5589240"/>
-            <a:ext cx="1656184" cy="504056"/>
-          </a:xfrm>
-          <a:prstGeom prst="rightArrow">
-            <a:avLst/>
-          </a:prstGeom>
-        </p:spPr>
-        <p:style>
-          <a:lnRef idx="2">
-            <a:schemeClr val="accent1">
-              <a:shade val="50000"/>
-            </a:schemeClr>
-          </a:lnRef>
-          <a:fillRef idx="1">
-            <a:schemeClr val="accent1"/>
-          </a:fillRef>
-          <a:effectRef idx="0">
-            <a:schemeClr val="accent1"/>
-          </a:effectRef>
-          <a:fontRef idx="minor">
-            <a:schemeClr val="lt1"/>
-          </a:fontRef>
-        </p:style>
-        <p:txBody>
-          <a:bodyPr rtlCol="0" anchor="ctr"/>
-          <a:lstStyle/>
-          <a:p>
-            <a:pPr algn="ctr"/>
-            <a:endParaRPr kumimoji="1" lang="ja-JP" altLang="en-US"/>
           </a:p>
         </p:txBody>
       </p:sp>
@@ -14711,7 +15181,7 @@
                                     </p:set>
                                     <p:animEffect transition="in" filter="fade">
                                       <p:cBhvr>
-                                        <p:cTn id="7" dur="500"/>
+                                        <p:cTn id="7" dur="250"/>
                                         <p:tgtEl>
                                           <p:spTgt spid="5"/>
                                         </p:tgtEl>
@@ -14764,7 +15234,7 @@
                                     </p:set>
                                     <p:animEffect transition="in" filter="fade">
                                       <p:cBhvr>
-                                        <p:cTn id="12" dur="500"/>
+                                        <p:cTn id="12" dur="250"/>
                                         <p:tgtEl>
                                           <p:spTgt spid="8"/>
                                         </p:tgtEl>
@@ -14817,7 +15287,7 @@
                                     </p:set>
                                     <p:animEffect transition="in" filter="fade">
                                       <p:cBhvr>
-                                        <p:cTn id="17" dur="500"/>
+                                        <p:cTn id="17" dur="250"/>
                                         <p:tgtEl>
                                           <p:spTgt spid="10"/>
                                         </p:tgtEl>
@@ -14853,33 +15323,6 @@
                                     <p:set>
                                       <p:cBhvr>
                                         <p:cTn id="21" dur="1" fill="hold">
-                                          <p:stCondLst>
-                                            <p:cond delay="0"/>
-                                          </p:stCondLst>
-                                        </p:cTn>
-                                        <p:tgtEl>
-                                          <p:spTgt spid="14"/>
-                                        </p:tgtEl>
-                                        <p:attrNameLst>
-                                          <p:attrName>style.visibility</p:attrName>
-                                        </p:attrNameLst>
-                                      </p:cBhvr>
-                                      <p:to>
-                                        <p:strVal val="visible"/>
-                                      </p:to>
-                                    </p:set>
-                                  </p:childTnLst>
-                                </p:cTn>
-                              </p:par>
-                              <p:par>
-                                <p:cTn id="22" presetID="1" presetClass="entr" presetSubtype="0" fill="hold" grpId="0" nodeType="withEffect">
-                                  <p:stCondLst>
-                                    <p:cond delay="0"/>
-                                  </p:stCondLst>
-                                  <p:childTnLst>
-                                    <p:set>
-                                      <p:cBhvr>
-                                        <p:cTn id="23" dur="1" fill="hold">
                                           <p:stCondLst>
                                             <p:cond delay="0"/>
                                           </p:stCondLst>
@@ -14930,7 +15373,6 @@
       <p:bldP spid="8" grpId="0" animBg="1"/>
       <p:bldP spid="10" grpId="0" animBg="1"/>
       <p:bldP spid="13" grpId="0" animBg="1"/>
-      <p:bldP spid="14" grpId="0" animBg="1"/>
     </p:bldLst>
   </p:timing>
 </p:sld>
@@ -15154,7 +15596,6 @@
               <a:rPr lang="en-US" altLang="ja-JP" dirty="0" smtClean="0"/>
               <a:t>1</a:t>
             </a:r>
-            <a:endParaRPr lang="en-US" altLang="ja-JP" dirty="0" smtClean="0"/>
           </a:p>
         </p:txBody>
       </p:sp>
@@ -15379,12 +15820,24 @@
           <a:lstStyle/>
           <a:p>
             <a:r>
-              <a:rPr kumimoji="1" lang="ja-JP" altLang="en-US" dirty="0" smtClean="0"/>
-              <a:t>研究背景</a:t>
-            </a:r>
-            <a:r>
-              <a:rPr kumimoji="1" lang="en-US" altLang="ja-JP" dirty="0" smtClean="0"/>
-              <a:t>(2/6)</a:t>
+              <a:rPr kumimoji="1" lang="ja-JP" altLang="en-US" smtClean="0"/>
+              <a:t>研究</a:t>
+            </a:r>
+            <a:r>
+              <a:rPr kumimoji="1" lang="ja-JP" altLang="en-US" smtClean="0"/>
+              <a:t>背景</a:t>
+            </a:r>
+            <a:r>
+              <a:rPr lang="ja-JP" altLang="en-US"/>
+              <a:t>（</a:t>
+            </a:r>
+            <a:r>
+              <a:rPr kumimoji="1" lang="en-US" altLang="ja-JP" smtClean="0"/>
+              <a:t>2/6</a:t>
+            </a:r>
+            <a:r>
+              <a:rPr lang="ja-JP" altLang="en-US" dirty="0"/>
+              <a:t>）</a:t>
             </a:r>
             <a:endParaRPr kumimoji="1" lang="ja-JP" altLang="en-US" dirty="0"/>
           </a:p>
@@ -15839,11 +16292,7 @@
             <a:pPr algn="ctr"/>
             <a:r>
               <a:rPr lang="ja-JP" altLang="en-US" sz="2800" dirty="0" smtClean="0"/>
-              <a:t>教育</a:t>
-            </a:r>
-            <a:r>
-              <a:rPr lang="ja-JP" altLang="en-US" sz="2800" dirty="0" smtClean="0"/>
-              <a:t>内容の剥離</a:t>
+              <a:t>教育内容の剥離</a:t>
             </a:r>
             <a:endParaRPr kumimoji="1" lang="ja-JP" altLang="en-US" sz="2800" dirty="0"/>
           </a:p>
@@ -15915,11 +16364,7 @@
             <a:pPr algn="ctr"/>
             <a:r>
               <a:rPr lang="ja-JP" altLang="en-US" sz="2800" dirty="0" smtClean="0"/>
-              <a:t>技術</a:t>
-            </a:r>
-            <a:r>
-              <a:rPr lang="ja-JP" altLang="en-US" sz="2800" dirty="0" smtClean="0"/>
-              <a:t>の差</a:t>
+              <a:t>技術の差</a:t>
             </a:r>
             <a:endParaRPr kumimoji="1" lang="ja-JP" altLang="en-US" sz="2800" dirty="0"/>
           </a:p>
@@ -15956,7 +16401,7 @@
                             </p:stCondLst>
                             <p:childTnLst>
                               <p:par>
-                                <p:cTn id="5" presetID="10" presetClass="entr" presetSubtype="0" fill="hold" grpId="0" nodeType="clickEffect">
+                                <p:cTn id="5" presetID="1" presetClass="entr" presetSubtype="0" fill="hold" grpId="0" nodeType="clickEffect">
                                   <p:stCondLst>
                                     <p:cond delay="0"/>
                                   </p:stCondLst>
@@ -15964,6 +16409,132 @@
                                     <p:set>
                                       <p:cBhvr>
                                         <p:cTn id="6" dur="1" fill="hold">
+                                          <p:stCondLst>
+                                            <p:cond delay="0"/>
+                                          </p:stCondLst>
+                                        </p:cTn>
+                                        <p:tgtEl>
+                                          <p:spTgt spid="14"/>
+                                        </p:tgtEl>
+                                        <p:attrNameLst>
+                                          <p:attrName>style.visibility</p:attrName>
+                                        </p:attrNameLst>
+                                      </p:cBhvr>
+                                      <p:to>
+                                        <p:strVal val="visible"/>
+                                      </p:to>
+                                    </p:set>
+                                  </p:childTnLst>
+                                </p:cTn>
+                              </p:par>
+                              <p:par>
+                                <p:cTn id="7" presetID="1" presetClass="entr" presetSubtype="0" fill="hold" grpId="0" nodeType="withEffect">
+                                  <p:stCondLst>
+                                    <p:cond delay="0"/>
+                                  </p:stCondLst>
+                                  <p:childTnLst>
+                                    <p:set>
+                                      <p:cBhvr>
+                                        <p:cTn id="8" dur="1" fill="hold">
+                                          <p:stCondLst>
+                                            <p:cond delay="0"/>
+                                          </p:stCondLst>
+                                        </p:cTn>
+                                        <p:tgtEl>
+                                          <p:spTgt spid="4"/>
+                                        </p:tgtEl>
+                                        <p:attrNameLst>
+                                          <p:attrName>style.visibility</p:attrName>
+                                        </p:attrNameLst>
+                                      </p:cBhvr>
+                                      <p:to>
+                                        <p:strVal val="visible"/>
+                                      </p:to>
+                                    </p:set>
+                                  </p:childTnLst>
+                                </p:cTn>
+                              </p:par>
+                              <p:par>
+                                <p:cTn id="9" presetID="1" presetClass="entr" presetSubtype="0" fill="hold" grpId="0" nodeType="withEffect">
+                                  <p:stCondLst>
+                                    <p:cond delay="0"/>
+                                  </p:stCondLst>
+                                  <p:childTnLst>
+                                    <p:set>
+                                      <p:cBhvr>
+                                        <p:cTn id="10" dur="1" fill="hold">
+                                          <p:stCondLst>
+                                            <p:cond delay="0"/>
+                                          </p:stCondLst>
+                                        </p:cTn>
+                                        <p:tgtEl>
+                                          <p:spTgt spid="6"/>
+                                        </p:tgtEl>
+                                        <p:attrNameLst>
+                                          <p:attrName>style.visibility</p:attrName>
+                                        </p:attrNameLst>
+                                      </p:cBhvr>
+                                      <p:to>
+                                        <p:strVal val="visible"/>
+                                      </p:to>
+                                    </p:set>
+                                  </p:childTnLst>
+                                </p:cTn>
+                              </p:par>
+                              <p:par>
+                                <p:cTn id="11" presetID="1" presetClass="entr" presetSubtype="0" fill="hold" grpId="0" nodeType="withEffect">
+                                  <p:stCondLst>
+                                    <p:cond delay="0"/>
+                                  </p:stCondLst>
+                                  <p:childTnLst>
+                                    <p:set>
+                                      <p:cBhvr>
+                                        <p:cTn id="12" dur="1" fill="hold">
+                                          <p:stCondLst>
+                                            <p:cond delay="0"/>
+                                          </p:stCondLst>
+                                        </p:cTn>
+                                        <p:tgtEl>
+                                          <p:spTgt spid="5"/>
+                                        </p:tgtEl>
+                                        <p:attrNameLst>
+                                          <p:attrName>style.visibility</p:attrName>
+                                        </p:attrNameLst>
+                                      </p:cBhvr>
+                                      <p:to>
+                                        <p:strVal val="visible"/>
+                                      </p:to>
+                                    </p:set>
+                                  </p:childTnLst>
+                                </p:cTn>
+                              </p:par>
+                            </p:childTnLst>
+                          </p:cTn>
+                        </p:par>
+                      </p:childTnLst>
+                    </p:cTn>
+                  </p:par>
+                  <p:par>
+                    <p:cTn id="13" fill="hold">
+                      <p:stCondLst>
+                        <p:cond delay="indefinite"/>
+                      </p:stCondLst>
+                      <p:childTnLst>
+                        <p:par>
+                          <p:cTn id="14" fill="hold">
+                            <p:stCondLst>
+                              <p:cond delay="0"/>
+                            </p:stCondLst>
+                            <p:childTnLst>
+                              <p:par>
+                                <p:cTn id="15" presetID="10" presetClass="entr" presetSubtype="0" fill="hold" grpId="0" nodeType="clickEffect">
+                                  <p:stCondLst>
+                                    <p:cond delay="0"/>
+                                  </p:stCondLst>
+                                  <p:childTnLst>
+                                    <p:set>
+                                      <p:cBhvr>
+                                        <p:cTn id="16" dur="1" fill="hold">
                                           <p:stCondLst>
                                             <p:cond delay="0"/>
                                           </p:stCondLst>
@@ -15981,7 +16552,7 @@
                                     </p:set>
                                     <p:animEffect transition="in" filter="fade">
                                       <p:cBhvr>
-                                        <p:cTn id="7" dur="500"/>
+                                        <p:cTn id="17" dur="500"/>
                                         <p:tgtEl>
                                           <p:spTgt spid="13"/>
                                         </p:tgtEl>
@@ -15997,26 +16568,152 @@
                     </p:cTn>
                   </p:par>
                   <p:par>
-                    <p:cTn id="8" fill="hold">
+                    <p:cTn id="18" fill="hold">
                       <p:stCondLst>
                         <p:cond delay="indefinite"/>
                       </p:stCondLst>
                       <p:childTnLst>
                         <p:par>
-                          <p:cTn id="9" fill="hold">
+                          <p:cTn id="19" fill="hold">
                             <p:stCondLst>
                               <p:cond delay="0"/>
                             </p:stCondLst>
                             <p:childTnLst>
                               <p:par>
-                                <p:cTn id="10" presetID="10" presetClass="entr" presetSubtype="0" fill="hold" grpId="0" nodeType="clickEffect">
+                                <p:cTn id="20" presetID="1" presetClass="entr" presetSubtype="0" fill="hold" grpId="0" nodeType="clickEffect">
                                   <p:stCondLst>
                                     <p:cond delay="0"/>
                                   </p:stCondLst>
                                   <p:childTnLst>
                                     <p:set>
                                       <p:cBhvr>
-                                        <p:cTn id="11" dur="1" fill="hold">
+                                        <p:cTn id="21" dur="1" fill="hold">
+                                          <p:stCondLst>
+                                            <p:cond delay="0"/>
+                                          </p:stCondLst>
+                                        </p:cTn>
+                                        <p:tgtEl>
+                                          <p:spTgt spid="15"/>
+                                        </p:tgtEl>
+                                        <p:attrNameLst>
+                                          <p:attrName>style.visibility</p:attrName>
+                                        </p:attrNameLst>
+                                      </p:cBhvr>
+                                      <p:to>
+                                        <p:strVal val="visible"/>
+                                      </p:to>
+                                    </p:set>
+                                  </p:childTnLst>
+                                </p:cTn>
+                              </p:par>
+                              <p:par>
+                                <p:cTn id="22" presetID="1" presetClass="entr" presetSubtype="0" fill="hold" grpId="0" nodeType="withEffect">
+                                  <p:stCondLst>
+                                    <p:cond delay="0"/>
+                                  </p:stCondLst>
+                                  <p:childTnLst>
+                                    <p:set>
+                                      <p:cBhvr>
+                                        <p:cTn id="23" dur="1" fill="hold">
+                                          <p:stCondLst>
+                                            <p:cond delay="0"/>
+                                          </p:stCondLst>
+                                        </p:cTn>
+                                        <p:tgtEl>
+                                          <p:spTgt spid="8"/>
+                                        </p:tgtEl>
+                                        <p:attrNameLst>
+                                          <p:attrName>style.visibility</p:attrName>
+                                        </p:attrNameLst>
+                                      </p:cBhvr>
+                                      <p:to>
+                                        <p:strVal val="visible"/>
+                                      </p:to>
+                                    </p:set>
+                                  </p:childTnLst>
+                                </p:cTn>
+                              </p:par>
+                              <p:par>
+                                <p:cTn id="24" presetID="1" presetClass="entr" presetSubtype="0" fill="hold" grpId="0" nodeType="withEffect">
+                                  <p:stCondLst>
+                                    <p:cond delay="0"/>
+                                  </p:stCondLst>
+                                  <p:childTnLst>
+                                    <p:set>
+                                      <p:cBhvr>
+                                        <p:cTn id="25" dur="1" fill="hold">
+                                          <p:stCondLst>
+                                            <p:cond delay="0"/>
+                                          </p:stCondLst>
+                                        </p:cTn>
+                                        <p:tgtEl>
+                                          <p:spTgt spid="9"/>
+                                        </p:tgtEl>
+                                        <p:attrNameLst>
+                                          <p:attrName>style.visibility</p:attrName>
+                                        </p:attrNameLst>
+                                      </p:cBhvr>
+                                      <p:to>
+                                        <p:strVal val="visible"/>
+                                      </p:to>
+                                    </p:set>
+                                  </p:childTnLst>
+                                </p:cTn>
+                              </p:par>
+                              <p:par>
+                                <p:cTn id="26" presetID="1" presetClass="entr" presetSubtype="0" fill="hold" grpId="0" nodeType="withEffect">
+                                  <p:stCondLst>
+                                    <p:cond delay="0"/>
+                                  </p:stCondLst>
+                                  <p:childTnLst>
+                                    <p:set>
+                                      <p:cBhvr>
+                                        <p:cTn id="27" dur="1" fill="hold">
+                                          <p:stCondLst>
+                                            <p:cond delay="0"/>
+                                          </p:stCondLst>
+                                        </p:cTn>
+                                        <p:tgtEl>
+                                          <p:spTgt spid="10"/>
+                                        </p:tgtEl>
+                                        <p:attrNameLst>
+                                          <p:attrName>style.visibility</p:attrName>
+                                        </p:attrNameLst>
+                                      </p:cBhvr>
+                                      <p:to>
+                                        <p:strVal val="visible"/>
+                                      </p:to>
+                                    </p:set>
+                                  </p:childTnLst>
+                                </p:cTn>
+                              </p:par>
+                            </p:childTnLst>
+                          </p:cTn>
+                        </p:par>
+                      </p:childTnLst>
+                    </p:cTn>
+                  </p:par>
+                  <p:par>
+                    <p:cTn id="28" fill="hold">
+                      <p:stCondLst>
+                        <p:cond delay="indefinite"/>
+                      </p:stCondLst>
+                      <p:childTnLst>
+                        <p:par>
+                          <p:cTn id="29" fill="hold">
+                            <p:stCondLst>
+                              <p:cond delay="0"/>
+                            </p:stCondLst>
+                            <p:childTnLst>
+                              <p:par>
+                                <p:cTn id="30" presetID="10" presetClass="entr" presetSubtype="0" fill="hold" grpId="0" nodeType="clickEffect">
+                                  <p:stCondLst>
+                                    <p:cond delay="0"/>
+                                  </p:stCondLst>
+                                  <p:childTnLst>
+                                    <p:set>
+                                      <p:cBhvr>
+                                        <p:cTn id="31" dur="1" fill="hold">
                                           <p:stCondLst>
                                             <p:cond delay="0"/>
                                           </p:stCondLst>
@@ -16034,7 +16731,7 @@
                                     </p:set>
                                     <p:animEffect transition="in" filter="fade">
                                       <p:cBhvr>
-                                        <p:cTn id="12" dur="500"/>
+                                        <p:cTn id="32" dur="500"/>
                                         <p:tgtEl>
                                           <p:spTgt spid="12"/>
                                         </p:tgtEl>
@@ -16071,6 +16768,14 @@
       </p:par>
     </p:tnLst>
     <p:bldLst>
+      <p:bldP spid="14" grpId="0"/>
+      <p:bldP spid="15" grpId="0"/>
+      <p:bldP spid="4" grpId="0" animBg="1"/>
+      <p:bldP spid="5" grpId="0" animBg="1"/>
+      <p:bldP spid="6" grpId="0" animBg="1"/>
+      <p:bldP spid="8" grpId="0" animBg="1"/>
+      <p:bldP spid="9" grpId="0" animBg="1"/>
+      <p:bldP spid="10" grpId="0" animBg="1"/>
       <p:bldP spid="12" grpId="0" animBg="1"/>
       <p:bldP spid="13" grpId="0" animBg="1"/>
     </p:bldLst>
@@ -16112,11 +16817,23 @@
           <a:p>
             <a:r>
               <a:rPr kumimoji="1" lang="ja-JP" altLang="en-US" smtClean="0"/>
-              <a:t>研究背景</a:t>
+              <a:t>研究</a:t>
+            </a:r>
+            <a:r>
+              <a:rPr kumimoji="1" lang="ja-JP" altLang="en-US" smtClean="0"/>
+              <a:t>背景</a:t>
+            </a:r>
+            <a:r>
+              <a:rPr lang="ja-JP" altLang="en-US"/>
+              <a:t>（</a:t>
             </a:r>
             <a:r>
               <a:rPr kumimoji="1" lang="en-US" altLang="ja-JP" smtClean="0"/>
-              <a:t>(3/6)</a:t>
+              <a:t>3/6</a:t>
+            </a:r>
+            <a:r>
+              <a:rPr lang="ja-JP" altLang="en-US"/>
+              <a:t>）</a:t>
             </a:r>
             <a:endParaRPr kumimoji="1" lang="ja-JP" altLang="en-US"/>
           </a:p>
@@ -16280,8 +16997,8 @@
         </p:nvSpPr>
         <p:spPr>
           <a:xfrm>
-            <a:off x="755576" y="4557378"/>
-            <a:ext cx="7632848" cy="432048"/>
+            <a:off x="755576" y="4316903"/>
+            <a:ext cx="7632848" cy="1200329"/>
           </a:xfrm>
           <a:prstGeom prst="rect">
             <a:avLst/>
@@ -16307,10 +17024,11 @@
           </a:fontRef>
         </p:style>
         <p:txBody>
-          <a:bodyPr rtlCol="0" anchor="ctr"/>
+          <a:bodyPr rtlCol="0" anchor="ctr">
+            <a:spAutoFit/>
+          </a:bodyPr>
           <a:lstStyle/>
           <a:p>
-            <a:pPr algn="ctr"/>
             <a:r>
               <a:rPr lang="ja-JP" altLang="en-US" sz="2400" dirty="0">
                 <a:solidFill>
@@ -16324,7 +17042,111 @@
                   </a:outerShdw>
                 </a:effectLst>
               </a:rPr>
-              <a:t>モデリング有識者が少なく、良い</a:t>
+              <a:t>モデリング有識者</a:t>
+            </a:r>
+            <a:r>
+              <a:rPr lang="ja-JP" altLang="en-US" sz="2400">
+                <a:solidFill>
+                  <a:srgbClr val="0070C0"/>
+                </a:solidFill>
+                <a:effectLst>
+                  <a:outerShdw blurRad="38100" dist="38100" dir="2700000" algn="tl">
+                    <a:srgbClr val="000000">
+                      <a:alpha val="43137"/>
+                    </a:srgbClr>
+                  </a:outerShdw>
+                </a:effectLst>
+              </a:rPr>
+              <a:t>が</a:t>
+            </a:r>
+            <a:r>
+              <a:rPr lang="ja-JP" altLang="en-US" sz="2400" smtClean="0">
+                <a:solidFill>
+                  <a:srgbClr val="0070C0"/>
+                </a:solidFill>
+                <a:effectLst>
+                  <a:outerShdw blurRad="38100" dist="38100" dir="2700000" algn="tl">
+                    <a:srgbClr val="000000">
+                      <a:alpha val="43137"/>
+                    </a:srgbClr>
+                  </a:outerShdw>
+                </a:effectLst>
+              </a:rPr>
+              <a:t>少ない</a:t>
+            </a:r>
+            <a:endParaRPr lang="en-US" altLang="ja-JP" sz="2400" smtClean="0">
+              <a:solidFill>
+                <a:srgbClr val="0070C0"/>
+              </a:solidFill>
+              <a:effectLst>
+                <a:outerShdw blurRad="38100" dist="38100" dir="2700000" algn="tl">
+                  <a:srgbClr val="000000">
+                    <a:alpha val="43137"/>
+                  </a:srgbClr>
+                </a:outerShdw>
+              </a:effectLst>
+            </a:endParaRPr>
+          </a:p>
+          <a:p>
+            <a:r>
+              <a:rPr lang="ja-JP" altLang="en-US" sz="2400">
+                <a:solidFill>
+                  <a:srgbClr val="0070C0"/>
+                </a:solidFill>
+                <a:effectLst>
+                  <a:outerShdw blurRad="38100" dist="38100" dir="2700000" algn="tl">
+                    <a:srgbClr val="000000">
+                      <a:alpha val="43137"/>
+                    </a:srgbClr>
+                  </a:outerShdw>
+                </a:effectLst>
+              </a:rPr>
+              <a:t>価値</a:t>
+            </a:r>
+            <a:r>
+              <a:rPr lang="ja-JP" altLang="en-US" sz="2400" smtClean="0">
+                <a:solidFill>
+                  <a:srgbClr val="0070C0"/>
+                </a:solidFill>
+                <a:effectLst>
+                  <a:outerShdw blurRad="38100" dist="38100" dir="2700000" algn="tl">
+                    <a:srgbClr val="000000">
+                      <a:alpha val="43137"/>
+                    </a:srgbClr>
+                  </a:outerShdw>
+                </a:effectLst>
+              </a:rPr>
+              <a:t>のあるモデルが隠蔽される</a:t>
+            </a:r>
+            <a:endParaRPr lang="en-US" altLang="ja-JP" sz="2400" smtClean="0">
+              <a:solidFill>
+                <a:srgbClr val="0070C0"/>
+              </a:solidFill>
+              <a:effectLst>
+                <a:outerShdw blurRad="38100" dist="38100" dir="2700000" algn="tl">
+                  <a:srgbClr val="000000">
+                    <a:alpha val="43137"/>
+                  </a:srgbClr>
+                </a:outerShdw>
+              </a:effectLst>
+            </a:endParaRPr>
+          </a:p>
+          <a:p>
+            <a:pPr algn="r"/>
+            <a:r>
+              <a:rPr lang="ja-JP" altLang="en-US" sz="2400" smtClean="0">
+                <a:solidFill>
+                  <a:srgbClr val="0070C0"/>
+                </a:solidFill>
+                <a:effectLst>
+                  <a:outerShdw blurRad="38100" dist="38100" dir="2700000" algn="tl">
+                    <a:srgbClr val="000000">
+                      <a:alpha val="43137"/>
+                    </a:srgbClr>
+                  </a:outerShdw>
+                </a:effectLst>
+              </a:rPr>
+              <a:t>→参考になるようなモデル</a:t>
             </a:r>
             <a:r>
               <a:rPr lang="ja-JP" altLang="en-US" sz="2400" dirty="0" smtClean="0">
@@ -16339,7 +17161,7 @@
                   </a:outerShdw>
                 </a:effectLst>
               </a:rPr>
-              <a:t>モデルが出回っていない</a:t>
+              <a:t>が出回っていない</a:t>
             </a:r>
             <a:endParaRPr lang="en-US" altLang="ja-JP" sz="2400" dirty="0">
               <a:solidFill>
@@ -16574,7 +17396,7 @@
         </p:nvSpPr>
         <p:spPr>
           <a:xfrm>
-            <a:off x="227837" y="4095713"/>
+            <a:off x="227837" y="3903439"/>
             <a:ext cx="1271502" cy="461665"/>
           </a:xfrm>
           <a:prstGeom prst="rect">
@@ -16774,6 +17596,33 @@
                                   </p:childTnLst>
                                 </p:cTn>
                               </p:par>
+                              <p:par>
+                                <p:cTn id="17" presetID="1" presetClass="entr" presetSubtype="0" fill="hold" grpId="0" nodeType="withEffect">
+                                  <p:stCondLst>
+                                    <p:cond delay="0"/>
+                                  </p:stCondLst>
+                                  <p:childTnLst>
+                                    <p:set>
+                                      <p:cBhvr>
+                                        <p:cTn id="18" dur="1" fill="hold">
+                                          <p:stCondLst>
+                                            <p:cond delay="0"/>
+                                          </p:stCondLst>
+                                        </p:cTn>
+                                        <p:tgtEl>
+                                          <p:spTgt spid="13"/>
+                                        </p:tgtEl>
+                                        <p:attrNameLst>
+                                          <p:attrName>style.visibility</p:attrName>
+                                        </p:attrNameLst>
+                                      </p:cBhvr>
+                                      <p:to>
+                                        <p:strVal val="visible"/>
+                                      </p:to>
+                                    </p:set>
+                                  </p:childTnLst>
+                                </p:cTn>
+                              </p:par>
                             </p:childTnLst>
                           </p:cTn>
                         </p:par>
@@ -16781,26 +17630,26 @@
                     </p:cTn>
                   </p:par>
                   <p:par>
-                    <p:cTn id="17" fill="hold">
+                    <p:cTn id="19" fill="hold">
                       <p:stCondLst>
                         <p:cond delay="indefinite"/>
                       </p:stCondLst>
                       <p:childTnLst>
                         <p:par>
-                          <p:cTn id="18" fill="hold">
+                          <p:cTn id="20" fill="hold">
                             <p:stCondLst>
                               <p:cond delay="0"/>
                             </p:stCondLst>
                             <p:childTnLst>
                               <p:par>
-                                <p:cTn id="19" presetID="1" presetClass="entr" presetSubtype="0" fill="hold" grpId="0" nodeType="clickEffect">
+                                <p:cTn id="21" presetID="1" presetClass="entr" presetSubtype="0" fill="hold" grpId="0" nodeType="clickEffect">
                                   <p:stCondLst>
                                     <p:cond delay="0"/>
                                   </p:stCondLst>
                                   <p:childTnLst>
                                     <p:set>
                                       <p:cBhvr>
-                                        <p:cTn id="20" dur="1" fill="hold">
+                                        <p:cTn id="22" dur="1" fill="hold">
                                           <p:stCondLst>
                                             <p:cond delay="0"/>
                                           </p:stCondLst>
@@ -16820,14 +17669,14 @@
                                 </p:cTn>
                               </p:par>
                               <p:par>
-                                <p:cTn id="21" presetID="1" presetClass="entr" presetSubtype="0" fill="hold" grpId="0" nodeType="withEffect">
+                                <p:cTn id="23" presetID="1" presetClass="entr" presetSubtype="0" fill="hold" grpId="0" nodeType="withEffect">
                                   <p:stCondLst>
                                     <p:cond delay="0"/>
                                   </p:stCondLst>
                                   <p:childTnLst>
                                     <p:set>
                                       <p:cBhvr>
-                                        <p:cTn id="22" dur="1" fill="hold">
+                                        <p:cTn id="24" dur="1" fill="hold">
                                           <p:stCondLst>
                                             <p:cond delay="0"/>
                                           </p:stCondLst>
@@ -16880,6 +17729,7 @@
       <p:bldP spid="8" grpId="0"/>
       <p:bldP spid="9" grpId="0" animBg="1"/>
       <p:bldP spid="11" grpId="0" animBg="1"/>
+      <p:bldP spid="13" grpId="0"/>
     </p:bldLst>
   </p:timing>
 </p:sld>
@@ -16918,16 +17768,24 @@
           <a:lstStyle/>
           <a:p>
             <a:r>
-              <a:rPr kumimoji="1" lang="ja-JP" altLang="en-US" dirty="0" smtClean="0"/>
-              <a:t>研究背景</a:t>
-            </a:r>
-            <a:r>
-              <a:rPr kumimoji="1" lang="en-US" altLang="ja-JP" dirty="0" smtClean="0"/>
-              <a:t>(4/6</a:t>
-            </a:r>
-            <a:r>
-              <a:rPr kumimoji="1" lang="en-US" altLang="ja-JP" dirty="0" smtClean="0"/>
-              <a:t>)</a:t>
+              <a:rPr kumimoji="1" lang="ja-JP" altLang="en-US" smtClean="0"/>
+              <a:t>研究</a:t>
+            </a:r>
+            <a:r>
+              <a:rPr kumimoji="1" lang="ja-JP" altLang="en-US" smtClean="0"/>
+              <a:t>背景</a:t>
+            </a:r>
+            <a:r>
+              <a:rPr lang="ja-JP" altLang="en-US"/>
+              <a:t>（</a:t>
+            </a:r>
+            <a:r>
+              <a:rPr kumimoji="1" lang="en-US" altLang="ja-JP" smtClean="0"/>
+              <a:t>4/6</a:t>
+            </a:r>
+            <a:r>
+              <a:rPr lang="ja-JP" altLang="en-US" dirty="0"/>
+              <a:t>）</a:t>
             </a:r>
             <a:endParaRPr kumimoji="1" lang="ja-JP" altLang="en-US" dirty="0"/>
           </a:p>
@@ -17215,16 +18073,24 @@
           <a:lstStyle/>
           <a:p>
             <a:r>
-              <a:rPr kumimoji="1" lang="ja-JP" altLang="en-US" dirty="0" smtClean="0"/>
-              <a:t>研究背景</a:t>
-            </a:r>
-            <a:r>
-              <a:rPr kumimoji="1" lang="en-US" altLang="ja-JP" dirty="0" smtClean="0"/>
-              <a:t>(5/6</a:t>
-            </a:r>
-            <a:r>
-              <a:rPr kumimoji="1" lang="en-US" altLang="ja-JP" dirty="0" smtClean="0"/>
-              <a:t>)</a:t>
+              <a:rPr kumimoji="1" lang="ja-JP" altLang="en-US" smtClean="0"/>
+              <a:t>研究</a:t>
+            </a:r>
+            <a:r>
+              <a:rPr kumimoji="1" lang="ja-JP" altLang="en-US" smtClean="0"/>
+              <a:t>背景</a:t>
+            </a:r>
+            <a:r>
+              <a:rPr lang="ja-JP" altLang="en-US"/>
+              <a:t>（</a:t>
+            </a:r>
+            <a:r>
+              <a:rPr kumimoji="1" lang="en-US" altLang="ja-JP" smtClean="0"/>
+              <a:t>5/6</a:t>
+            </a:r>
+            <a:r>
+              <a:rPr lang="ja-JP" altLang="en-US" dirty="0"/>
+              <a:t>）</a:t>
             </a:r>
             <a:endParaRPr kumimoji="1" lang="ja-JP" altLang="en-US" dirty="0"/>
           </a:p>
@@ -17264,15 +18130,7 @@
             <a:pPr lvl="1"/>
             <a:r>
               <a:rPr kumimoji="1" lang="ja-JP" altLang="en-US" dirty="0" smtClean="0"/>
-              <a:t>組込み</a:t>
-            </a:r>
-            <a:r>
-              <a:rPr kumimoji="1" lang="ja-JP" altLang="en-US" dirty="0" smtClean="0"/>
-              <a:t>システム開発</a:t>
-            </a:r>
-            <a:r>
-              <a:rPr kumimoji="1" lang="ja-JP" altLang="en-US" dirty="0" smtClean="0"/>
-              <a:t>にお</a:t>
+              <a:t>組込みシステム開発にお</a:t>
             </a:r>
             <a:r>
               <a:rPr lang="ja-JP" altLang="en-US" dirty="0" smtClean="0"/>
@@ -17450,15 +18308,15 @@
           <a:p>
             <a:r>
               <a:rPr kumimoji="1" lang="ja-JP" altLang="en-US" sz="2400" dirty="0" smtClean="0"/>
-              <a:t>助けになるの</a:t>
-            </a:r>
-            <a:r>
-              <a:rPr lang="ja-JP" altLang="en-US" sz="2400" dirty="0"/>
-              <a:t>で</a:t>
-            </a:r>
-            <a:r>
-              <a:rPr kumimoji="1" lang="ja-JP" altLang="en-US" sz="2400" dirty="0" smtClean="0"/>
-              <a:t>は？</a:t>
+              <a:t>助け</a:t>
+            </a:r>
+            <a:r>
+              <a:rPr kumimoji="1" lang="ja-JP" altLang="en-US" sz="2400" smtClean="0"/>
+              <a:t>に</a:t>
+            </a:r>
+            <a:r>
+              <a:rPr kumimoji="1" lang="ja-JP" altLang="en-US" sz="2400" smtClean="0"/>
+              <a:t>なる？</a:t>
             </a:r>
             <a:endParaRPr kumimoji="1" lang="ja-JP" altLang="en-US" sz="2400" dirty="0"/>
           </a:p>
@@ -17699,12 +18557,24 @@
           <a:lstStyle/>
           <a:p>
             <a:r>
-              <a:rPr kumimoji="1" lang="ja-JP" altLang="en-US" dirty="0" smtClean="0"/>
-              <a:t>研究背景</a:t>
-            </a:r>
-            <a:r>
-              <a:rPr kumimoji="1" lang="en-US" altLang="ja-JP" dirty="0" smtClean="0"/>
-              <a:t>(6/6)</a:t>
+              <a:rPr kumimoji="1" lang="ja-JP" altLang="en-US" smtClean="0"/>
+              <a:t>研究</a:t>
+            </a:r>
+            <a:r>
+              <a:rPr kumimoji="1" lang="ja-JP" altLang="en-US" smtClean="0"/>
+              <a:t>背景</a:t>
+            </a:r>
+            <a:r>
+              <a:rPr lang="ja-JP" altLang="en-US"/>
+              <a:t>（</a:t>
+            </a:r>
+            <a:r>
+              <a:rPr kumimoji="1" lang="en-US" altLang="ja-JP" smtClean="0"/>
+              <a:t>6/6</a:t>
+            </a:r>
+            <a:r>
+              <a:rPr lang="ja-JP" altLang="en-US" dirty="0"/>
+              <a:t>）</a:t>
             </a:r>
             <a:endParaRPr kumimoji="1" lang="ja-JP" altLang="en-US" dirty="0"/>
           </a:p>
@@ -18154,8 +19024,8 @@
         </p:nvSpPr>
         <p:spPr>
           <a:xfrm>
-            <a:off x="935596" y="2185410"/>
-            <a:ext cx="7272808" cy="830997"/>
+            <a:off x="611560" y="2185410"/>
+            <a:ext cx="7920880" cy="830997"/>
           </a:xfrm>
           <a:prstGeom prst="rect">
             <a:avLst/>
@@ -18176,7 +19046,7 @@
           </a:fontRef>
         </p:style>
         <p:txBody>
-          <a:bodyPr rtlCol="0" anchor="ctr">
+          <a:bodyPr wrap="square" rtlCol="0" anchor="ctr">
             <a:spAutoFit/>
           </a:bodyPr>
           <a:lstStyle/>
@@ -18191,17 +19061,25 @@
                   <a:srgbClr val="7030A0"/>
                 </a:solidFill>
               </a:rPr>
-              <a:t>抽象的な</a:t>
-            </a:r>
-            <a:r>
-              <a:rPr kumimoji="1" lang="ja-JP" altLang="en-US" sz="2400" dirty="0" smtClean="0">
+              <a:t>抽象的</a:t>
+            </a:r>
+            <a:r>
+              <a:rPr lang="ja-JP" altLang="en-US" sz="2400" smtClean="0">
+                <a:solidFill>
+                  <a:srgbClr val="7030A0"/>
+                </a:solidFill>
+              </a:rPr>
+              <a:t>な</a:t>
+            </a:r>
+            <a:r>
+              <a:rPr kumimoji="1" lang="ja-JP" altLang="en-US" sz="2400" smtClean="0">
                 <a:solidFill>
                   <a:srgbClr val="7030A0"/>
                 </a:solidFill>
               </a:rPr>
               <a:t>モデル</a:t>
             </a:r>
-            <a:endParaRPr kumimoji="1" lang="en-US" altLang="ja-JP" sz="2400" dirty="0" smtClean="0">
+            <a:endParaRPr lang="en-US" altLang="ja-JP" sz="2400" dirty="0">
               <a:solidFill>
                 <a:srgbClr val="7030A0"/>
               </a:solidFill>
@@ -18210,16 +19088,16 @@
           <a:p>
             <a:pPr algn="r"/>
             <a:r>
-              <a:rPr lang="en-US" altLang="ja-JP" sz="2400" dirty="0" smtClean="0"/>
-              <a:t>	</a:t>
-            </a:r>
-            <a:r>
-              <a:rPr lang="ja-JP" altLang="en-US" sz="2400" dirty="0" smtClean="0"/>
+              <a:rPr lang="ja-JP" altLang="en-US" sz="2400" smtClean="0"/>
               <a:t>→</a:t>
             </a:r>
             <a:r>
+              <a:rPr lang="ja-JP" altLang="en-US" sz="2400" u="sng" smtClean="0"/>
+              <a:t>組込み対象や開発環境に</a:t>
+            </a:r>
+            <a:r>
               <a:rPr lang="ja-JP" altLang="en-US" sz="2400" u="sng" dirty="0" smtClean="0"/>
-              <a:t>組込む対象に合わせたモデルが存在しない</a:t>
+              <a:t>合わせたモデルが存在しない</a:t>
             </a:r>
             <a:endParaRPr lang="en-US" altLang="ja-JP" sz="2400" u="sng" dirty="0" smtClean="0"/>
           </a:p>
@@ -18233,8 +19111,8 @@
         </p:nvSpPr>
         <p:spPr>
           <a:xfrm>
-            <a:off x="935596" y="3697578"/>
-            <a:ext cx="7272808" cy="830997"/>
+            <a:off x="611560" y="3697578"/>
+            <a:ext cx="7920880" cy="830997"/>
           </a:xfrm>
           <a:prstGeom prst="rect">
             <a:avLst/>
@@ -18255,7 +19133,7 @@
           </a:fontRef>
         </p:style>
         <p:txBody>
-          <a:bodyPr rtlCol="0" anchor="ctr">
+          <a:bodyPr wrap="square" rtlCol="0" anchor="ctr">
             <a:spAutoFit/>
           </a:bodyPr>
           <a:lstStyle/>
@@ -18293,6 +19171,100 @@
               <a:t>モデルカタログ自体の有用性が不明</a:t>
             </a:r>
             <a:endParaRPr lang="en-US" altLang="ja-JP" sz="2400" u="sng" dirty="0" smtClean="0"/>
+          </a:p>
+        </p:txBody>
+      </p:sp>
+      <p:sp>
+        <p:nvSpPr>
+          <p:cNvPr id="4" name="右矢印 3"/>
+          <p:cNvSpPr/>
+          <p:nvPr/>
+        </p:nvSpPr>
+        <p:spPr>
+          <a:xfrm>
+            <a:off x="1115616" y="5157192"/>
+            <a:ext cx="1440160" cy="648072"/>
+          </a:xfrm>
+          <a:prstGeom prst="rightArrow">
+            <a:avLst/>
+          </a:prstGeom>
+        </p:spPr>
+        <p:style>
+          <a:lnRef idx="2">
+            <a:schemeClr val="accent1">
+              <a:shade val="50000"/>
+            </a:schemeClr>
+          </a:lnRef>
+          <a:fillRef idx="1">
+            <a:schemeClr val="accent1"/>
+          </a:fillRef>
+          <a:effectRef idx="0">
+            <a:schemeClr val="accent1"/>
+          </a:effectRef>
+          <a:fontRef idx="minor">
+            <a:schemeClr val="lt1"/>
+          </a:fontRef>
+        </p:style>
+        <p:txBody>
+          <a:bodyPr rtlCol="0" anchor="ctr"/>
+          <a:lstStyle/>
+          <a:p>
+            <a:pPr algn="ctr"/>
+            <a:endParaRPr kumimoji="1" lang="ja-JP" altLang="en-US"/>
+          </a:p>
+        </p:txBody>
+      </p:sp>
+      <p:sp>
+        <p:nvSpPr>
+          <p:cNvPr id="6" name="正方形/長方形 5"/>
+          <p:cNvSpPr/>
+          <p:nvPr/>
+        </p:nvSpPr>
+        <p:spPr>
+          <a:xfrm>
+            <a:off x="2771800" y="5127284"/>
+            <a:ext cx="5760640" cy="707886"/>
+          </a:xfrm>
+          <a:prstGeom prst="rect">
+            <a:avLst/>
+          </a:prstGeom>
+        </p:spPr>
+        <p:style>
+          <a:lnRef idx="2">
+            <a:schemeClr val="accent2">
+              <a:shade val="50000"/>
+            </a:schemeClr>
+          </a:lnRef>
+          <a:fillRef idx="1">
+            <a:schemeClr val="accent2"/>
+          </a:fillRef>
+          <a:effectRef idx="0">
+            <a:schemeClr val="accent2"/>
+          </a:effectRef>
+          <a:fontRef idx="minor">
+            <a:schemeClr val="lt1"/>
+          </a:fontRef>
+        </p:style>
+        <p:txBody>
+          <a:bodyPr rtlCol="0" anchor="ctr">
+            <a:spAutoFit/>
+          </a:bodyPr>
+          <a:lstStyle/>
+          <a:p>
+            <a:pPr algn="ctr"/>
+            <a:r>
+              <a:rPr kumimoji="1" lang="ja-JP" altLang="en-US" sz="2000" smtClean="0"/>
+              <a:t>モデルカタログから変換する際のスキルが必要</a:t>
+            </a:r>
+            <a:endParaRPr kumimoji="1" lang="en-US" altLang="ja-JP" sz="2000" smtClean="0"/>
+          </a:p>
+          <a:p>
+            <a:pPr algn="ctr"/>
+            <a:r>
+              <a:rPr kumimoji="1" lang="ja-JP" altLang="en-US" sz="2000" smtClean="0"/>
+              <a:t>動作保証の無いモデルは使いたがらない</a:t>
+            </a:r>
+            <a:endParaRPr kumimoji="1" lang="ja-JP" altLang="en-US" sz="2000"/>
           </a:p>
         </p:txBody>
       </p:sp>
@@ -18309,9 +19281,256 @@
   <p:timing>
     <p:tnLst>
       <p:par>
-        <p:cTn id="1" dur="indefinite" restart="never" nodeType="tmRoot"/>
+        <p:cTn id="1" dur="indefinite" restart="never" nodeType="tmRoot">
+          <p:childTnLst>
+            <p:seq concurrent="1" nextAc="seek">
+              <p:cTn id="2" dur="indefinite" nodeType="mainSeq">
+                <p:childTnLst>
+                  <p:par>
+                    <p:cTn id="3" fill="hold">
+                      <p:stCondLst>
+                        <p:cond delay="indefinite"/>
+                      </p:stCondLst>
+                      <p:childTnLst>
+                        <p:par>
+                          <p:cTn id="4" fill="hold">
+                            <p:stCondLst>
+                              <p:cond delay="0"/>
+                            </p:stCondLst>
+                            <p:childTnLst>
+                              <p:par>
+                                <p:cTn id="5" presetID="1" presetClass="entr" presetSubtype="0" fill="hold" grpId="0" nodeType="clickEffect">
+                                  <p:stCondLst>
+                                    <p:cond delay="0"/>
+                                  </p:stCondLst>
+                                  <p:childTnLst>
+                                    <p:set>
+                                      <p:cBhvr>
+                                        <p:cTn id="6" dur="1" fill="hold">
+                                          <p:stCondLst>
+                                            <p:cond delay="0"/>
+                                          </p:stCondLst>
+                                        </p:cTn>
+                                        <p:tgtEl>
+                                          <p:spTgt spid="8"/>
+                                        </p:tgtEl>
+                                        <p:attrNameLst>
+                                          <p:attrName>style.visibility</p:attrName>
+                                        </p:attrNameLst>
+                                      </p:cBhvr>
+                                      <p:to>
+                                        <p:strVal val="visible"/>
+                                      </p:to>
+                                    </p:set>
+                                  </p:childTnLst>
+                                </p:cTn>
+                              </p:par>
+                              <p:par>
+                                <p:cTn id="7" presetID="1" presetClass="entr" presetSubtype="0" fill="hold" grpId="0" nodeType="withEffect">
+                                  <p:stCondLst>
+                                    <p:cond delay="0"/>
+                                  </p:stCondLst>
+                                  <p:childTnLst>
+                                    <p:set>
+                                      <p:cBhvr>
+                                        <p:cTn id="8" dur="1" fill="hold">
+                                          <p:stCondLst>
+                                            <p:cond delay="0"/>
+                                          </p:stCondLst>
+                                        </p:cTn>
+                                        <p:tgtEl>
+                                          <p:spTgt spid="5"/>
+                                        </p:tgtEl>
+                                        <p:attrNameLst>
+                                          <p:attrName>style.visibility</p:attrName>
+                                        </p:attrNameLst>
+                                      </p:cBhvr>
+                                      <p:to>
+                                        <p:strVal val="visible"/>
+                                      </p:to>
+                                    </p:set>
+                                  </p:childTnLst>
+                                </p:cTn>
+                              </p:par>
+                            </p:childTnLst>
+                          </p:cTn>
+                        </p:par>
+                      </p:childTnLst>
+                    </p:cTn>
+                  </p:par>
+                  <p:par>
+                    <p:cTn id="9" fill="hold">
+                      <p:stCondLst>
+                        <p:cond delay="indefinite"/>
+                      </p:stCondLst>
+                      <p:childTnLst>
+                        <p:par>
+                          <p:cTn id="10" fill="hold">
+                            <p:stCondLst>
+                              <p:cond delay="0"/>
+                            </p:stCondLst>
+                            <p:childTnLst>
+                              <p:par>
+                                <p:cTn id="11" presetID="1" presetClass="entr" presetSubtype="0" fill="hold" grpId="0" nodeType="clickEffect">
+                                  <p:stCondLst>
+                                    <p:cond delay="0"/>
+                                  </p:stCondLst>
+                                  <p:childTnLst>
+                                    <p:set>
+                                      <p:cBhvr>
+                                        <p:cTn id="12" dur="1" fill="hold">
+                                          <p:stCondLst>
+                                            <p:cond delay="0"/>
+                                          </p:stCondLst>
+                                        </p:cTn>
+                                        <p:tgtEl>
+                                          <p:spTgt spid="9"/>
+                                        </p:tgtEl>
+                                        <p:attrNameLst>
+                                          <p:attrName>style.visibility</p:attrName>
+                                        </p:attrNameLst>
+                                      </p:cBhvr>
+                                      <p:to>
+                                        <p:strVal val="visible"/>
+                                      </p:to>
+                                    </p:set>
+                                  </p:childTnLst>
+                                </p:cTn>
+                              </p:par>
+                              <p:par>
+                                <p:cTn id="13" presetID="1" presetClass="entr" presetSubtype="0" fill="hold" grpId="0" nodeType="withEffect">
+                                  <p:stCondLst>
+                                    <p:cond delay="0"/>
+                                  </p:stCondLst>
+                                  <p:childTnLst>
+                                    <p:set>
+                                      <p:cBhvr>
+                                        <p:cTn id="14" dur="1" fill="hold">
+                                          <p:stCondLst>
+                                            <p:cond delay="0"/>
+                                          </p:stCondLst>
+                                        </p:cTn>
+                                        <p:tgtEl>
+                                          <p:spTgt spid="7"/>
+                                        </p:tgtEl>
+                                        <p:attrNameLst>
+                                          <p:attrName>style.visibility</p:attrName>
+                                        </p:attrNameLst>
+                                      </p:cBhvr>
+                                      <p:to>
+                                        <p:strVal val="visible"/>
+                                      </p:to>
+                                    </p:set>
+                                  </p:childTnLst>
+                                </p:cTn>
+                              </p:par>
+                            </p:childTnLst>
+                          </p:cTn>
+                        </p:par>
+                      </p:childTnLst>
+                    </p:cTn>
+                  </p:par>
+                  <p:par>
+                    <p:cTn id="15" fill="hold">
+                      <p:stCondLst>
+                        <p:cond delay="indefinite"/>
+                      </p:stCondLst>
+                      <p:childTnLst>
+                        <p:par>
+                          <p:cTn id="16" fill="hold">
+                            <p:stCondLst>
+                              <p:cond delay="0"/>
+                            </p:stCondLst>
+                            <p:childTnLst>
+                              <p:par>
+                                <p:cTn id="17" presetID="1" presetClass="entr" presetSubtype="0" fill="hold" grpId="0" nodeType="clickEffect">
+                                  <p:stCondLst>
+                                    <p:cond delay="0"/>
+                                  </p:stCondLst>
+                                  <p:childTnLst>
+                                    <p:set>
+                                      <p:cBhvr>
+                                        <p:cTn id="18" dur="1" fill="hold">
+                                          <p:stCondLst>
+                                            <p:cond delay="0"/>
+                                          </p:stCondLst>
+                                        </p:cTn>
+                                        <p:tgtEl>
+                                          <p:spTgt spid="4"/>
+                                        </p:tgtEl>
+                                        <p:attrNameLst>
+                                          <p:attrName>style.visibility</p:attrName>
+                                        </p:attrNameLst>
+                                      </p:cBhvr>
+                                      <p:to>
+                                        <p:strVal val="visible"/>
+                                      </p:to>
+                                    </p:set>
+                                  </p:childTnLst>
+                                </p:cTn>
+                              </p:par>
+                              <p:par>
+                                <p:cTn id="19" presetID="1" presetClass="entr" presetSubtype="0" fill="hold" grpId="0" nodeType="withEffect">
+                                  <p:stCondLst>
+                                    <p:cond delay="0"/>
+                                  </p:stCondLst>
+                                  <p:childTnLst>
+                                    <p:set>
+                                      <p:cBhvr>
+                                        <p:cTn id="20" dur="1" fill="hold">
+                                          <p:stCondLst>
+                                            <p:cond delay="0"/>
+                                          </p:stCondLst>
+                                        </p:cTn>
+                                        <p:tgtEl>
+                                          <p:spTgt spid="6"/>
+                                        </p:tgtEl>
+                                        <p:attrNameLst>
+                                          <p:attrName>style.visibility</p:attrName>
+                                        </p:attrNameLst>
+                                      </p:cBhvr>
+                                      <p:to>
+                                        <p:strVal val="visible"/>
+                                      </p:to>
+                                    </p:set>
+                                  </p:childTnLst>
+                                </p:cTn>
+                              </p:par>
+                            </p:childTnLst>
+                          </p:cTn>
+                        </p:par>
+                      </p:childTnLst>
+                    </p:cTn>
+                  </p:par>
+                </p:childTnLst>
+              </p:cTn>
+              <p:prevCondLst>
+                <p:cond evt="onPrev" delay="0">
+                  <p:tgtEl>
+                    <p:sldTgt/>
+                  </p:tgtEl>
+                </p:cond>
+              </p:prevCondLst>
+              <p:nextCondLst>
+                <p:cond evt="onNext" delay="0">
+                  <p:tgtEl>
+                    <p:sldTgt/>
+                  </p:tgtEl>
+                </p:cond>
+              </p:nextCondLst>
+            </p:seq>
+          </p:childTnLst>
+        </p:cTn>
       </p:par>
     </p:tnLst>
+    <p:bldLst>
+      <p:bldP spid="5" grpId="0"/>
+      <p:bldP spid="7" grpId="0"/>
+      <p:bldP spid="8" grpId="0" animBg="1"/>
+      <p:bldP spid="9" grpId="0" animBg="1"/>
+      <p:bldP spid="4" grpId="0" animBg="1"/>
+      <p:bldP spid="6" grpId="0" animBg="1"/>
+    </p:bldLst>
   </p:timing>
 </p:sld>
 </file>
@@ -18349,16 +19568,24 @@
           <a:lstStyle/>
           <a:p>
             <a:r>
-              <a:rPr kumimoji="1" lang="ja-JP" altLang="en-US" dirty="0" smtClean="0"/>
-              <a:t>研究概要</a:t>
-            </a:r>
-            <a:r>
-              <a:rPr kumimoji="1" lang="en-US" altLang="ja-JP" dirty="0" smtClean="0"/>
-              <a:t>(</a:t>
-            </a:r>
-            <a:r>
-              <a:rPr kumimoji="1" lang="en-US" altLang="ja-JP" dirty="0" smtClean="0"/>
-              <a:t>1/6)</a:t>
+              <a:rPr kumimoji="1" lang="ja-JP" altLang="en-US" smtClean="0"/>
+              <a:t>研究</a:t>
+            </a:r>
+            <a:r>
+              <a:rPr kumimoji="1" lang="ja-JP" altLang="en-US" smtClean="0"/>
+              <a:t>概要</a:t>
+            </a:r>
+            <a:r>
+              <a:rPr lang="ja-JP" altLang="en-US"/>
+              <a:t>（</a:t>
+            </a:r>
+            <a:r>
+              <a:rPr kumimoji="1" lang="en-US" altLang="ja-JP" smtClean="0"/>
+              <a:t>1/6</a:t>
+            </a:r>
+            <a:r>
+              <a:rPr lang="ja-JP" altLang="en-US" dirty="0"/>
+              <a:t>）</a:t>
             </a:r>
             <a:endParaRPr kumimoji="1" lang="ja-JP" altLang="en-US" dirty="0"/>
           </a:p>
@@ -18431,11 +19658,7 @@
             </a:r>
             <a:r>
               <a:rPr lang="ja-JP" altLang="en-US" sz="3600" dirty="0" smtClean="0"/>
-              <a:t>、モデル</a:t>
-            </a:r>
-            <a:r>
-              <a:rPr lang="ja-JP" altLang="en-US" sz="3600" dirty="0" smtClean="0"/>
-              <a:t>の有用性</a:t>
+              <a:t>、モデルの有用性</a:t>
             </a:r>
             <a:r>
               <a:rPr lang="ja-JP" altLang="en-US" sz="3600" dirty="0"/>
@@ -18638,20 +19861,191 @@
   <p:clrMapOvr>
     <a:masterClrMapping/>
   </p:clrMapOvr>
-  <mc:AlternateContent xmlns:mc="http://schemas.openxmlformats.org/markup-compatibility/2006">
-    <mc:Choice xmlns:p14="http://schemas.microsoft.com/office/powerpoint/2010/main" Requires="p14">
+  <mc:AlternateContent xmlns:mc="http://schemas.openxmlformats.org/markup-compatibility/2006" xmlns:p14="http://schemas.microsoft.com/office/powerpoint/2010/main">
+    <mc:Choice Requires="p14">
       <p:transition spd="slow" p14:dur="2000"/>
     </mc:Choice>
-    <mc:Fallback>
+    <mc:Fallback xmlns="">
       <p:transition spd="slow"/>
     </mc:Fallback>
   </mc:AlternateContent>
   <p:timing>
     <p:tnLst>
       <p:par>
-        <p:cTn id="1" dur="indefinite" restart="never" nodeType="tmRoot"/>
+        <p:cTn id="1" dur="indefinite" restart="never" nodeType="tmRoot">
+          <p:childTnLst>
+            <p:seq concurrent="1" nextAc="seek">
+              <p:cTn id="2" dur="indefinite" nodeType="mainSeq">
+                <p:childTnLst>
+                  <p:par>
+                    <p:cTn id="3" fill="hold">
+                      <p:stCondLst>
+                        <p:cond delay="indefinite"/>
+                      </p:stCondLst>
+                      <p:childTnLst>
+                        <p:par>
+                          <p:cTn id="4" fill="hold">
+                            <p:stCondLst>
+                              <p:cond delay="0"/>
+                            </p:stCondLst>
+                            <p:childTnLst>
+                              <p:par>
+                                <p:cTn id="5" presetID="1" presetClass="entr" presetSubtype="0" fill="hold" grpId="0" nodeType="clickEffect">
+                                  <p:stCondLst>
+                                    <p:cond delay="0"/>
+                                  </p:stCondLst>
+                                  <p:childTnLst>
+                                    <p:set>
+                                      <p:cBhvr>
+                                        <p:cTn id="6" dur="1" fill="hold">
+                                          <p:stCondLst>
+                                            <p:cond delay="0"/>
+                                          </p:stCondLst>
+                                        </p:cTn>
+                                        <p:tgtEl>
+                                          <p:spTgt spid="4"/>
+                                        </p:tgtEl>
+                                        <p:attrNameLst>
+                                          <p:attrName>style.visibility</p:attrName>
+                                        </p:attrNameLst>
+                                      </p:cBhvr>
+                                      <p:to>
+                                        <p:strVal val="visible"/>
+                                      </p:to>
+                                    </p:set>
+                                  </p:childTnLst>
+                                </p:cTn>
+                              </p:par>
+                            </p:childTnLst>
+                          </p:cTn>
+                        </p:par>
+                      </p:childTnLst>
+                    </p:cTn>
+                  </p:par>
+                  <p:par>
+                    <p:cTn id="7" fill="hold">
+                      <p:stCondLst>
+                        <p:cond delay="indefinite"/>
+                      </p:stCondLst>
+                      <p:childTnLst>
+                        <p:par>
+                          <p:cTn id="8" fill="hold">
+                            <p:stCondLst>
+                              <p:cond delay="0"/>
+                            </p:stCondLst>
+                            <p:childTnLst>
+                              <p:par>
+                                <p:cTn id="9" presetID="1" presetClass="entr" presetSubtype="0" fill="hold" grpId="0" nodeType="clickEffect">
+                                  <p:stCondLst>
+                                    <p:cond delay="0"/>
+                                  </p:stCondLst>
+                                  <p:childTnLst>
+                                    <p:set>
+                                      <p:cBhvr>
+                                        <p:cTn id="10" dur="1" fill="hold">
+                                          <p:stCondLst>
+                                            <p:cond delay="0"/>
+                                          </p:stCondLst>
+                                        </p:cTn>
+                                        <p:tgtEl>
+                                          <p:spTgt spid="5"/>
+                                        </p:tgtEl>
+                                        <p:attrNameLst>
+                                          <p:attrName>style.visibility</p:attrName>
+                                        </p:attrNameLst>
+                                      </p:cBhvr>
+                                      <p:to>
+                                        <p:strVal val="visible"/>
+                                      </p:to>
+                                    </p:set>
+                                  </p:childTnLst>
+                                </p:cTn>
+                              </p:par>
+                            </p:childTnLst>
+                          </p:cTn>
+                        </p:par>
+                      </p:childTnLst>
+                    </p:cTn>
+                  </p:par>
+                  <p:par>
+                    <p:cTn id="11" fill="hold">
+                      <p:stCondLst>
+                        <p:cond delay="indefinite"/>
+                      </p:stCondLst>
+                      <p:childTnLst>
+                        <p:par>
+                          <p:cTn id="12" fill="hold">
+                            <p:stCondLst>
+                              <p:cond delay="0"/>
+                            </p:stCondLst>
+                            <p:childTnLst>
+                              <p:par>
+                                <p:cTn id="13" presetID="10" presetClass="entr" presetSubtype="0" fill="hold" grpId="0" nodeType="clickEffect">
+                                  <p:stCondLst>
+                                    <p:cond delay="0"/>
+                                  </p:stCondLst>
+                                  <p:childTnLst>
+                                    <p:set>
+                                      <p:cBhvr>
+                                        <p:cTn id="14" dur="1" fill="hold">
+                                          <p:stCondLst>
+                                            <p:cond delay="0"/>
+                                          </p:stCondLst>
+                                        </p:cTn>
+                                        <p:tgtEl>
+                                          <p:spTgt spid="3"/>
+                                        </p:tgtEl>
+                                        <p:attrNameLst>
+                                          <p:attrName>style.visibility</p:attrName>
+                                        </p:attrNameLst>
+                                      </p:cBhvr>
+                                      <p:to>
+                                        <p:strVal val="visible"/>
+                                      </p:to>
+                                    </p:set>
+                                    <p:animEffect transition="in" filter="fade">
+                                      <p:cBhvr>
+                                        <p:cTn id="15" dur="500"/>
+                                        <p:tgtEl>
+                                          <p:spTgt spid="3"/>
+                                        </p:tgtEl>
+                                      </p:cBhvr>
+                                    </p:animEffect>
+                                  </p:childTnLst>
+                                </p:cTn>
+                              </p:par>
+                            </p:childTnLst>
+                          </p:cTn>
+                        </p:par>
+                      </p:childTnLst>
+                    </p:cTn>
+                  </p:par>
+                </p:childTnLst>
+              </p:cTn>
+              <p:prevCondLst>
+                <p:cond evt="onPrev" delay="0">
+                  <p:tgtEl>
+                    <p:sldTgt/>
+                  </p:tgtEl>
+                </p:cond>
+              </p:prevCondLst>
+              <p:nextCondLst>
+                <p:cond evt="onNext" delay="0">
+                  <p:tgtEl>
+                    <p:sldTgt/>
+                  </p:tgtEl>
+                </p:cond>
+              </p:nextCondLst>
+            </p:seq>
+          </p:childTnLst>
+        </p:cTn>
       </p:par>
     </p:tnLst>
+    <p:bldLst>
+      <p:bldP spid="4" grpId="0" animBg="1"/>
+      <p:bldP spid="5" grpId="0" animBg="1"/>
+      <p:bldP spid="3" grpId="0" animBg="1"/>
+    </p:bldLst>
   </p:timing>
 </p:sld>
 </file>
